--- a/docs/diagrams/UndoRedoNewCommand4StateListDiagram.pptx
+++ b/docs/diagrams/UndoRedoNewCommand4StateListDiagram.pptx
@@ -138,7 +138,7 @@
           <p:cNvPr id="2" name="Title 1">
             <a:extLst>
               <a:ext uri="{FF2B5EF4-FFF2-40B4-BE49-F238E27FC236}">
-                <a16:creationId xmlns:a16="http://schemas.microsoft.com/office/drawing/2014/main" id="{39FCC519-EE2E-4054-A653-93D611E0133E}"/>
+                <a16:creationId xmlns:a16="http://schemas.microsoft.com/office/drawing/2014/main" xmlns="" id="{39FCC519-EE2E-4054-A653-93D611E0133E}"/>
               </a:ext>
             </a:extLst>
           </p:cNvPr>
@@ -176,7 +176,7 @@
           <p:cNvPr id="3" name="Subtitle 2">
             <a:extLst>
               <a:ext uri="{FF2B5EF4-FFF2-40B4-BE49-F238E27FC236}">
-                <a16:creationId xmlns:a16="http://schemas.microsoft.com/office/drawing/2014/main" id="{3EDEA74E-4030-4F69-A055-4C6319EEEC29}"/>
+                <a16:creationId xmlns:a16="http://schemas.microsoft.com/office/drawing/2014/main" xmlns="" id="{3EDEA74E-4030-4F69-A055-4C6319EEEC29}"/>
               </a:ext>
             </a:extLst>
           </p:cNvPr>
@@ -247,7 +247,7 @@
           <p:cNvPr id="4" name="Date Placeholder 3">
             <a:extLst>
               <a:ext uri="{FF2B5EF4-FFF2-40B4-BE49-F238E27FC236}">
-                <a16:creationId xmlns:a16="http://schemas.microsoft.com/office/drawing/2014/main" id="{E5CC99E3-37A6-4485-B9A2-AF27A72608C6}"/>
+                <a16:creationId xmlns:a16="http://schemas.microsoft.com/office/drawing/2014/main" xmlns="" id="{E5CC99E3-37A6-4485-B9A2-AF27A72608C6}"/>
               </a:ext>
             </a:extLst>
           </p:cNvPr>
@@ -265,7 +265,7 @@
           <a:p>
             <a:fld id="{03EC4E3E-8101-482F-A883-8B55DAFF7C07}" type="datetimeFigureOut">
               <a:rPr lang="en-SG" smtClean="0"/>
-              <a:t>6/7/2018</a:t>
+              <a:t>4/3/19</a:t>
             </a:fld>
             <a:endParaRPr lang="en-SG"/>
           </a:p>
@@ -276,7 +276,7 @@
           <p:cNvPr id="5" name="Footer Placeholder 4">
             <a:extLst>
               <a:ext uri="{FF2B5EF4-FFF2-40B4-BE49-F238E27FC236}">
-                <a16:creationId xmlns:a16="http://schemas.microsoft.com/office/drawing/2014/main" id="{D75BD546-D949-4A25-8EA4-47DF23229409}"/>
+                <a16:creationId xmlns:a16="http://schemas.microsoft.com/office/drawing/2014/main" xmlns="" id="{D75BD546-D949-4A25-8EA4-47DF23229409}"/>
               </a:ext>
             </a:extLst>
           </p:cNvPr>
@@ -301,7 +301,7 @@
           <p:cNvPr id="6" name="Slide Number Placeholder 5">
             <a:extLst>
               <a:ext uri="{FF2B5EF4-FFF2-40B4-BE49-F238E27FC236}">
-                <a16:creationId xmlns:a16="http://schemas.microsoft.com/office/drawing/2014/main" id="{68147391-4DF6-4ACF-BCE9-C1A9DAC803E3}"/>
+                <a16:creationId xmlns:a16="http://schemas.microsoft.com/office/drawing/2014/main" xmlns="" id="{68147391-4DF6-4ACF-BCE9-C1A9DAC803E3}"/>
               </a:ext>
             </a:extLst>
           </p:cNvPr>
@@ -360,7 +360,7 @@
           <p:cNvPr id="2" name="Title 1">
             <a:extLst>
               <a:ext uri="{FF2B5EF4-FFF2-40B4-BE49-F238E27FC236}">
-                <a16:creationId xmlns:a16="http://schemas.microsoft.com/office/drawing/2014/main" id="{251D3DFE-0C62-45F5-B1BF-FD1F194ED112}"/>
+                <a16:creationId xmlns:a16="http://schemas.microsoft.com/office/drawing/2014/main" xmlns="" id="{251D3DFE-0C62-45F5-B1BF-FD1F194ED112}"/>
               </a:ext>
             </a:extLst>
           </p:cNvPr>
@@ -389,7 +389,7 @@
           <p:cNvPr id="3" name="Vertical Text Placeholder 2">
             <a:extLst>
               <a:ext uri="{FF2B5EF4-FFF2-40B4-BE49-F238E27FC236}">
-                <a16:creationId xmlns:a16="http://schemas.microsoft.com/office/drawing/2014/main" id="{D2392762-3586-4B6D-A174-2D3ACF0A125B}"/>
+                <a16:creationId xmlns:a16="http://schemas.microsoft.com/office/drawing/2014/main" xmlns="" id="{D2392762-3586-4B6D-A174-2D3ACF0A125B}"/>
               </a:ext>
             </a:extLst>
           </p:cNvPr>
@@ -447,7 +447,7 @@
           <p:cNvPr id="4" name="Date Placeholder 3">
             <a:extLst>
               <a:ext uri="{FF2B5EF4-FFF2-40B4-BE49-F238E27FC236}">
-                <a16:creationId xmlns:a16="http://schemas.microsoft.com/office/drawing/2014/main" id="{73B232E7-84FB-4535-9FC1-1BEF8F17421F}"/>
+                <a16:creationId xmlns:a16="http://schemas.microsoft.com/office/drawing/2014/main" xmlns="" id="{73B232E7-84FB-4535-9FC1-1BEF8F17421F}"/>
               </a:ext>
             </a:extLst>
           </p:cNvPr>
@@ -465,7 +465,7 @@
           <a:p>
             <a:fld id="{03EC4E3E-8101-482F-A883-8B55DAFF7C07}" type="datetimeFigureOut">
               <a:rPr lang="en-SG" smtClean="0"/>
-              <a:t>6/7/2018</a:t>
+              <a:t>4/3/19</a:t>
             </a:fld>
             <a:endParaRPr lang="en-SG"/>
           </a:p>
@@ -476,7 +476,7 @@
           <p:cNvPr id="5" name="Footer Placeholder 4">
             <a:extLst>
               <a:ext uri="{FF2B5EF4-FFF2-40B4-BE49-F238E27FC236}">
-                <a16:creationId xmlns:a16="http://schemas.microsoft.com/office/drawing/2014/main" id="{76F796EF-04EF-401A-AC84-F7BDBC99DE80}"/>
+                <a16:creationId xmlns:a16="http://schemas.microsoft.com/office/drawing/2014/main" xmlns="" id="{76F796EF-04EF-401A-AC84-F7BDBC99DE80}"/>
               </a:ext>
             </a:extLst>
           </p:cNvPr>
@@ -501,7 +501,7 @@
           <p:cNvPr id="6" name="Slide Number Placeholder 5">
             <a:extLst>
               <a:ext uri="{FF2B5EF4-FFF2-40B4-BE49-F238E27FC236}">
-                <a16:creationId xmlns:a16="http://schemas.microsoft.com/office/drawing/2014/main" id="{8F55F009-0A64-4649-A732-4AA6D619F1F3}"/>
+                <a16:creationId xmlns:a16="http://schemas.microsoft.com/office/drawing/2014/main" xmlns="" id="{8F55F009-0A64-4649-A732-4AA6D619F1F3}"/>
               </a:ext>
             </a:extLst>
           </p:cNvPr>
@@ -560,7 +560,7 @@
           <p:cNvPr id="2" name="Vertical Title 1">
             <a:extLst>
               <a:ext uri="{FF2B5EF4-FFF2-40B4-BE49-F238E27FC236}">
-                <a16:creationId xmlns:a16="http://schemas.microsoft.com/office/drawing/2014/main" id="{F7DE9595-D7A8-4E19-B4C6-E295F978F6A4}"/>
+                <a16:creationId xmlns:a16="http://schemas.microsoft.com/office/drawing/2014/main" xmlns="" id="{F7DE9595-D7A8-4E19-B4C6-E295F978F6A4}"/>
               </a:ext>
             </a:extLst>
           </p:cNvPr>
@@ -594,7 +594,7 @@
           <p:cNvPr id="3" name="Vertical Text Placeholder 2">
             <a:extLst>
               <a:ext uri="{FF2B5EF4-FFF2-40B4-BE49-F238E27FC236}">
-                <a16:creationId xmlns:a16="http://schemas.microsoft.com/office/drawing/2014/main" id="{0D2975B7-7A6D-40EA-B2F6-338022AD2BF1}"/>
+                <a16:creationId xmlns:a16="http://schemas.microsoft.com/office/drawing/2014/main" xmlns="" id="{0D2975B7-7A6D-40EA-B2F6-338022AD2BF1}"/>
               </a:ext>
             </a:extLst>
           </p:cNvPr>
@@ -657,7 +657,7 @@
           <p:cNvPr id="4" name="Date Placeholder 3">
             <a:extLst>
               <a:ext uri="{FF2B5EF4-FFF2-40B4-BE49-F238E27FC236}">
-                <a16:creationId xmlns:a16="http://schemas.microsoft.com/office/drawing/2014/main" id="{C8230AC3-1BED-4D2B-96D3-51C50E14A9E6}"/>
+                <a16:creationId xmlns:a16="http://schemas.microsoft.com/office/drawing/2014/main" xmlns="" id="{C8230AC3-1BED-4D2B-96D3-51C50E14A9E6}"/>
               </a:ext>
             </a:extLst>
           </p:cNvPr>
@@ -675,7 +675,7 @@
           <a:p>
             <a:fld id="{03EC4E3E-8101-482F-A883-8B55DAFF7C07}" type="datetimeFigureOut">
               <a:rPr lang="en-SG" smtClean="0"/>
-              <a:t>6/7/2018</a:t>
+              <a:t>4/3/19</a:t>
             </a:fld>
             <a:endParaRPr lang="en-SG"/>
           </a:p>
@@ -686,7 +686,7 @@
           <p:cNvPr id="5" name="Footer Placeholder 4">
             <a:extLst>
               <a:ext uri="{FF2B5EF4-FFF2-40B4-BE49-F238E27FC236}">
-                <a16:creationId xmlns:a16="http://schemas.microsoft.com/office/drawing/2014/main" id="{4AD6CA96-231A-43AD-B530-7C509651DE3B}"/>
+                <a16:creationId xmlns:a16="http://schemas.microsoft.com/office/drawing/2014/main" xmlns="" id="{4AD6CA96-231A-43AD-B530-7C509651DE3B}"/>
               </a:ext>
             </a:extLst>
           </p:cNvPr>
@@ -711,7 +711,7 @@
           <p:cNvPr id="6" name="Slide Number Placeholder 5">
             <a:extLst>
               <a:ext uri="{FF2B5EF4-FFF2-40B4-BE49-F238E27FC236}">
-                <a16:creationId xmlns:a16="http://schemas.microsoft.com/office/drawing/2014/main" id="{12063E3B-180A-454E-A661-6CCD48D7062C}"/>
+                <a16:creationId xmlns:a16="http://schemas.microsoft.com/office/drawing/2014/main" xmlns="" id="{12063E3B-180A-454E-A661-6CCD48D7062C}"/>
               </a:ext>
             </a:extLst>
           </p:cNvPr>
@@ -770,7 +770,7 @@
           <p:cNvPr id="2" name="Title 1">
             <a:extLst>
               <a:ext uri="{FF2B5EF4-FFF2-40B4-BE49-F238E27FC236}">
-                <a16:creationId xmlns:a16="http://schemas.microsoft.com/office/drawing/2014/main" id="{7E861C8D-BAF0-4DD9-92B9-591B272791CA}"/>
+                <a16:creationId xmlns:a16="http://schemas.microsoft.com/office/drawing/2014/main" xmlns="" id="{7E861C8D-BAF0-4DD9-92B9-591B272791CA}"/>
               </a:ext>
             </a:extLst>
           </p:cNvPr>
@@ -799,7 +799,7 @@
           <p:cNvPr id="3" name="Content Placeholder 2">
             <a:extLst>
               <a:ext uri="{FF2B5EF4-FFF2-40B4-BE49-F238E27FC236}">
-                <a16:creationId xmlns:a16="http://schemas.microsoft.com/office/drawing/2014/main" id="{534DA4BD-1D78-446B-B79F-C1229642DDEB}"/>
+                <a16:creationId xmlns:a16="http://schemas.microsoft.com/office/drawing/2014/main" xmlns="" id="{534DA4BD-1D78-446B-B79F-C1229642DDEB}"/>
               </a:ext>
             </a:extLst>
           </p:cNvPr>
@@ -857,7 +857,7 @@
           <p:cNvPr id="4" name="Date Placeholder 3">
             <a:extLst>
               <a:ext uri="{FF2B5EF4-FFF2-40B4-BE49-F238E27FC236}">
-                <a16:creationId xmlns:a16="http://schemas.microsoft.com/office/drawing/2014/main" id="{AD6BEDB5-7B62-4953-BECB-7F7F3E909CAC}"/>
+                <a16:creationId xmlns:a16="http://schemas.microsoft.com/office/drawing/2014/main" xmlns="" id="{AD6BEDB5-7B62-4953-BECB-7F7F3E909CAC}"/>
               </a:ext>
             </a:extLst>
           </p:cNvPr>
@@ -875,7 +875,7 @@
           <a:p>
             <a:fld id="{03EC4E3E-8101-482F-A883-8B55DAFF7C07}" type="datetimeFigureOut">
               <a:rPr lang="en-SG" smtClean="0"/>
-              <a:t>6/7/2018</a:t>
+              <a:t>4/3/19</a:t>
             </a:fld>
             <a:endParaRPr lang="en-SG"/>
           </a:p>
@@ -886,7 +886,7 @@
           <p:cNvPr id="5" name="Footer Placeholder 4">
             <a:extLst>
               <a:ext uri="{FF2B5EF4-FFF2-40B4-BE49-F238E27FC236}">
-                <a16:creationId xmlns:a16="http://schemas.microsoft.com/office/drawing/2014/main" id="{349CD732-2DD1-42BE-8480-5C6507018294}"/>
+                <a16:creationId xmlns:a16="http://schemas.microsoft.com/office/drawing/2014/main" xmlns="" id="{349CD732-2DD1-42BE-8480-5C6507018294}"/>
               </a:ext>
             </a:extLst>
           </p:cNvPr>
@@ -911,7 +911,7 @@
           <p:cNvPr id="6" name="Slide Number Placeholder 5">
             <a:extLst>
               <a:ext uri="{FF2B5EF4-FFF2-40B4-BE49-F238E27FC236}">
-                <a16:creationId xmlns:a16="http://schemas.microsoft.com/office/drawing/2014/main" id="{574C27E0-F36A-4438-9402-C2CB0377D92D}"/>
+                <a16:creationId xmlns:a16="http://schemas.microsoft.com/office/drawing/2014/main" xmlns="" id="{574C27E0-F36A-4438-9402-C2CB0377D92D}"/>
               </a:ext>
             </a:extLst>
           </p:cNvPr>
@@ -970,7 +970,7 @@
           <p:cNvPr id="2" name="Title 1">
             <a:extLst>
               <a:ext uri="{FF2B5EF4-FFF2-40B4-BE49-F238E27FC236}">
-                <a16:creationId xmlns:a16="http://schemas.microsoft.com/office/drawing/2014/main" id="{80A42FFA-8A45-40F8-9C5C-9906971B38AB}"/>
+                <a16:creationId xmlns:a16="http://schemas.microsoft.com/office/drawing/2014/main" xmlns="" id="{80A42FFA-8A45-40F8-9C5C-9906971B38AB}"/>
               </a:ext>
             </a:extLst>
           </p:cNvPr>
@@ -1008,7 +1008,7 @@
           <p:cNvPr id="3" name="Text Placeholder 2">
             <a:extLst>
               <a:ext uri="{FF2B5EF4-FFF2-40B4-BE49-F238E27FC236}">
-                <a16:creationId xmlns:a16="http://schemas.microsoft.com/office/drawing/2014/main" id="{7D8879A7-8225-4473-B738-B780B6224EC5}"/>
+                <a16:creationId xmlns:a16="http://schemas.microsoft.com/office/drawing/2014/main" xmlns="" id="{7D8879A7-8225-4473-B738-B780B6224EC5}"/>
               </a:ext>
             </a:extLst>
           </p:cNvPr>
@@ -1133,7 +1133,7 @@
           <p:cNvPr id="4" name="Date Placeholder 3">
             <a:extLst>
               <a:ext uri="{FF2B5EF4-FFF2-40B4-BE49-F238E27FC236}">
-                <a16:creationId xmlns:a16="http://schemas.microsoft.com/office/drawing/2014/main" id="{6CF7978C-FE65-4091-9152-E33029C12AEA}"/>
+                <a16:creationId xmlns:a16="http://schemas.microsoft.com/office/drawing/2014/main" xmlns="" id="{6CF7978C-FE65-4091-9152-E33029C12AEA}"/>
               </a:ext>
             </a:extLst>
           </p:cNvPr>
@@ -1151,7 +1151,7 @@
           <a:p>
             <a:fld id="{03EC4E3E-8101-482F-A883-8B55DAFF7C07}" type="datetimeFigureOut">
               <a:rPr lang="en-SG" smtClean="0"/>
-              <a:t>6/7/2018</a:t>
+              <a:t>4/3/19</a:t>
             </a:fld>
             <a:endParaRPr lang="en-SG"/>
           </a:p>
@@ -1162,7 +1162,7 @@
           <p:cNvPr id="5" name="Footer Placeholder 4">
             <a:extLst>
               <a:ext uri="{FF2B5EF4-FFF2-40B4-BE49-F238E27FC236}">
-                <a16:creationId xmlns:a16="http://schemas.microsoft.com/office/drawing/2014/main" id="{B344C9CC-480F-4DCB-AC70-D7A4CCA0B8B7}"/>
+                <a16:creationId xmlns:a16="http://schemas.microsoft.com/office/drawing/2014/main" xmlns="" id="{B344C9CC-480F-4DCB-AC70-D7A4CCA0B8B7}"/>
               </a:ext>
             </a:extLst>
           </p:cNvPr>
@@ -1187,7 +1187,7 @@
           <p:cNvPr id="6" name="Slide Number Placeholder 5">
             <a:extLst>
               <a:ext uri="{FF2B5EF4-FFF2-40B4-BE49-F238E27FC236}">
-                <a16:creationId xmlns:a16="http://schemas.microsoft.com/office/drawing/2014/main" id="{8F5A07EC-843A-4ED9-8F1C-AD703CA36D58}"/>
+                <a16:creationId xmlns:a16="http://schemas.microsoft.com/office/drawing/2014/main" xmlns="" id="{8F5A07EC-843A-4ED9-8F1C-AD703CA36D58}"/>
               </a:ext>
             </a:extLst>
           </p:cNvPr>
@@ -1246,7 +1246,7 @@
           <p:cNvPr id="2" name="Title 1">
             <a:extLst>
               <a:ext uri="{FF2B5EF4-FFF2-40B4-BE49-F238E27FC236}">
-                <a16:creationId xmlns:a16="http://schemas.microsoft.com/office/drawing/2014/main" id="{056EE2DA-07D9-4774-A8CA-0CA247F8C72A}"/>
+                <a16:creationId xmlns:a16="http://schemas.microsoft.com/office/drawing/2014/main" xmlns="" id="{056EE2DA-07D9-4774-A8CA-0CA247F8C72A}"/>
               </a:ext>
             </a:extLst>
           </p:cNvPr>
@@ -1275,7 +1275,7 @@
           <p:cNvPr id="3" name="Content Placeholder 2">
             <a:extLst>
               <a:ext uri="{FF2B5EF4-FFF2-40B4-BE49-F238E27FC236}">
-                <a16:creationId xmlns:a16="http://schemas.microsoft.com/office/drawing/2014/main" id="{3CF93A59-4E25-4FFA-8796-AA06EF3E5C3E}"/>
+                <a16:creationId xmlns:a16="http://schemas.microsoft.com/office/drawing/2014/main" xmlns="" id="{3CF93A59-4E25-4FFA-8796-AA06EF3E5C3E}"/>
               </a:ext>
             </a:extLst>
           </p:cNvPr>
@@ -1338,7 +1338,7 @@
           <p:cNvPr id="4" name="Content Placeholder 3">
             <a:extLst>
               <a:ext uri="{FF2B5EF4-FFF2-40B4-BE49-F238E27FC236}">
-                <a16:creationId xmlns:a16="http://schemas.microsoft.com/office/drawing/2014/main" id="{81373B10-E346-4893-AFEE-65E014405E2D}"/>
+                <a16:creationId xmlns:a16="http://schemas.microsoft.com/office/drawing/2014/main" xmlns="" id="{81373B10-E346-4893-AFEE-65E014405E2D}"/>
               </a:ext>
             </a:extLst>
           </p:cNvPr>
@@ -1401,7 +1401,7 @@
           <p:cNvPr id="5" name="Date Placeholder 4">
             <a:extLst>
               <a:ext uri="{FF2B5EF4-FFF2-40B4-BE49-F238E27FC236}">
-                <a16:creationId xmlns:a16="http://schemas.microsoft.com/office/drawing/2014/main" id="{D9C411A1-6D64-4C63-A758-5D2FEE677F45}"/>
+                <a16:creationId xmlns:a16="http://schemas.microsoft.com/office/drawing/2014/main" xmlns="" id="{D9C411A1-6D64-4C63-A758-5D2FEE677F45}"/>
               </a:ext>
             </a:extLst>
           </p:cNvPr>
@@ -1419,7 +1419,7 @@
           <a:p>
             <a:fld id="{03EC4E3E-8101-482F-A883-8B55DAFF7C07}" type="datetimeFigureOut">
               <a:rPr lang="en-SG" smtClean="0"/>
-              <a:t>6/7/2018</a:t>
+              <a:t>4/3/19</a:t>
             </a:fld>
             <a:endParaRPr lang="en-SG"/>
           </a:p>
@@ -1430,7 +1430,7 @@
           <p:cNvPr id="6" name="Footer Placeholder 5">
             <a:extLst>
               <a:ext uri="{FF2B5EF4-FFF2-40B4-BE49-F238E27FC236}">
-                <a16:creationId xmlns:a16="http://schemas.microsoft.com/office/drawing/2014/main" id="{8D9C2E46-644C-4155-A697-764A7A0AB1F4}"/>
+                <a16:creationId xmlns:a16="http://schemas.microsoft.com/office/drawing/2014/main" xmlns="" id="{8D9C2E46-644C-4155-A697-764A7A0AB1F4}"/>
               </a:ext>
             </a:extLst>
           </p:cNvPr>
@@ -1455,7 +1455,7 @@
           <p:cNvPr id="7" name="Slide Number Placeholder 6">
             <a:extLst>
               <a:ext uri="{FF2B5EF4-FFF2-40B4-BE49-F238E27FC236}">
-                <a16:creationId xmlns:a16="http://schemas.microsoft.com/office/drawing/2014/main" id="{6192DEDD-6479-45E4-B1F5-6EDD41BBB103}"/>
+                <a16:creationId xmlns:a16="http://schemas.microsoft.com/office/drawing/2014/main" xmlns="" id="{6192DEDD-6479-45E4-B1F5-6EDD41BBB103}"/>
               </a:ext>
             </a:extLst>
           </p:cNvPr>
@@ -1514,7 +1514,7 @@
           <p:cNvPr id="2" name="Title 1">
             <a:extLst>
               <a:ext uri="{FF2B5EF4-FFF2-40B4-BE49-F238E27FC236}">
-                <a16:creationId xmlns:a16="http://schemas.microsoft.com/office/drawing/2014/main" id="{DC0ED888-63EF-4CC0-8500-9C8DB672FEC2}"/>
+                <a16:creationId xmlns:a16="http://schemas.microsoft.com/office/drawing/2014/main" xmlns="" id="{DC0ED888-63EF-4CC0-8500-9C8DB672FEC2}"/>
               </a:ext>
             </a:extLst>
           </p:cNvPr>
@@ -1548,7 +1548,7 @@
           <p:cNvPr id="3" name="Text Placeholder 2">
             <a:extLst>
               <a:ext uri="{FF2B5EF4-FFF2-40B4-BE49-F238E27FC236}">
-                <a16:creationId xmlns:a16="http://schemas.microsoft.com/office/drawing/2014/main" id="{3C33BC1E-FB79-4906-A967-9C7046C6D272}"/>
+                <a16:creationId xmlns:a16="http://schemas.microsoft.com/office/drawing/2014/main" xmlns="" id="{3C33BC1E-FB79-4906-A967-9C7046C6D272}"/>
               </a:ext>
             </a:extLst>
           </p:cNvPr>
@@ -1619,7 +1619,7 @@
           <p:cNvPr id="4" name="Content Placeholder 3">
             <a:extLst>
               <a:ext uri="{FF2B5EF4-FFF2-40B4-BE49-F238E27FC236}">
-                <a16:creationId xmlns:a16="http://schemas.microsoft.com/office/drawing/2014/main" id="{697A4EC6-1C42-4BA4-8108-32579276C17B}"/>
+                <a16:creationId xmlns:a16="http://schemas.microsoft.com/office/drawing/2014/main" xmlns="" id="{697A4EC6-1C42-4BA4-8108-32579276C17B}"/>
               </a:ext>
             </a:extLst>
           </p:cNvPr>
@@ -1682,7 +1682,7 @@
           <p:cNvPr id="5" name="Text Placeholder 4">
             <a:extLst>
               <a:ext uri="{FF2B5EF4-FFF2-40B4-BE49-F238E27FC236}">
-                <a16:creationId xmlns:a16="http://schemas.microsoft.com/office/drawing/2014/main" id="{8A2CA209-B9F5-4E1E-B302-74CC2D4CFDFB}"/>
+                <a16:creationId xmlns:a16="http://schemas.microsoft.com/office/drawing/2014/main" xmlns="" id="{8A2CA209-B9F5-4E1E-B302-74CC2D4CFDFB}"/>
               </a:ext>
             </a:extLst>
           </p:cNvPr>
@@ -1753,7 +1753,7 @@
           <p:cNvPr id="6" name="Content Placeholder 5">
             <a:extLst>
               <a:ext uri="{FF2B5EF4-FFF2-40B4-BE49-F238E27FC236}">
-                <a16:creationId xmlns:a16="http://schemas.microsoft.com/office/drawing/2014/main" id="{0E6E876D-DC4D-40EE-BA38-CD01089602CF}"/>
+                <a16:creationId xmlns:a16="http://schemas.microsoft.com/office/drawing/2014/main" xmlns="" id="{0E6E876D-DC4D-40EE-BA38-CD01089602CF}"/>
               </a:ext>
             </a:extLst>
           </p:cNvPr>
@@ -1816,7 +1816,7 @@
           <p:cNvPr id="7" name="Date Placeholder 6">
             <a:extLst>
               <a:ext uri="{FF2B5EF4-FFF2-40B4-BE49-F238E27FC236}">
-                <a16:creationId xmlns:a16="http://schemas.microsoft.com/office/drawing/2014/main" id="{F24E1D97-8B3C-41A1-B0BA-BA833AD8BC7C}"/>
+                <a16:creationId xmlns:a16="http://schemas.microsoft.com/office/drawing/2014/main" xmlns="" id="{F24E1D97-8B3C-41A1-B0BA-BA833AD8BC7C}"/>
               </a:ext>
             </a:extLst>
           </p:cNvPr>
@@ -1834,7 +1834,7 @@
           <a:p>
             <a:fld id="{03EC4E3E-8101-482F-A883-8B55DAFF7C07}" type="datetimeFigureOut">
               <a:rPr lang="en-SG" smtClean="0"/>
-              <a:t>6/7/2018</a:t>
+              <a:t>4/3/19</a:t>
             </a:fld>
             <a:endParaRPr lang="en-SG"/>
           </a:p>
@@ -1845,7 +1845,7 @@
           <p:cNvPr id="8" name="Footer Placeholder 7">
             <a:extLst>
               <a:ext uri="{FF2B5EF4-FFF2-40B4-BE49-F238E27FC236}">
-                <a16:creationId xmlns:a16="http://schemas.microsoft.com/office/drawing/2014/main" id="{FC358D8F-B7DA-4DCE-AC8F-706450EEC0DC}"/>
+                <a16:creationId xmlns:a16="http://schemas.microsoft.com/office/drawing/2014/main" xmlns="" id="{FC358D8F-B7DA-4DCE-AC8F-706450EEC0DC}"/>
               </a:ext>
             </a:extLst>
           </p:cNvPr>
@@ -1870,7 +1870,7 @@
           <p:cNvPr id="9" name="Slide Number Placeholder 8">
             <a:extLst>
               <a:ext uri="{FF2B5EF4-FFF2-40B4-BE49-F238E27FC236}">
-                <a16:creationId xmlns:a16="http://schemas.microsoft.com/office/drawing/2014/main" id="{40CE354E-2C73-4B6F-8AEB-14D1378A77E1}"/>
+                <a16:creationId xmlns:a16="http://schemas.microsoft.com/office/drawing/2014/main" xmlns="" id="{40CE354E-2C73-4B6F-8AEB-14D1378A77E1}"/>
               </a:ext>
             </a:extLst>
           </p:cNvPr>
@@ -1929,7 +1929,7 @@
           <p:cNvPr id="2" name="Title 1">
             <a:extLst>
               <a:ext uri="{FF2B5EF4-FFF2-40B4-BE49-F238E27FC236}">
-                <a16:creationId xmlns:a16="http://schemas.microsoft.com/office/drawing/2014/main" id="{17D9D381-288C-43FB-86C2-AAA4FCFD43FD}"/>
+                <a16:creationId xmlns:a16="http://schemas.microsoft.com/office/drawing/2014/main" xmlns="" id="{17D9D381-288C-43FB-86C2-AAA4FCFD43FD}"/>
               </a:ext>
             </a:extLst>
           </p:cNvPr>
@@ -1958,7 +1958,7 @@
           <p:cNvPr id="3" name="Date Placeholder 2">
             <a:extLst>
               <a:ext uri="{FF2B5EF4-FFF2-40B4-BE49-F238E27FC236}">
-                <a16:creationId xmlns:a16="http://schemas.microsoft.com/office/drawing/2014/main" id="{A85D75E5-4830-4F75-8132-91122609F925}"/>
+                <a16:creationId xmlns:a16="http://schemas.microsoft.com/office/drawing/2014/main" xmlns="" id="{A85D75E5-4830-4F75-8132-91122609F925}"/>
               </a:ext>
             </a:extLst>
           </p:cNvPr>
@@ -1976,7 +1976,7 @@
           <a:p>
             <a:fld id="{03EC4E3E-8101-482F-A883-8B55DAFF7C07}" type="datetimeFigureOut">
               <a:rPr lang="en-SG" smtClean="0"/>
-              <a:t>6/7/2018</a:t>
+              <a:t>4/3/19</a:t>
             </a:fld>
             <a:endParaRPr lang="en-SG"/>
           </a:p>
@@ -1987,7 +1987,7 @@
           <p:cNvPr id="4" name="Footer Placeholder 3">
             <a:extLst>
               <a:ext uri="{FF2B5EF4-FFF2-40B4-BE49-F238E27FC236}">
-                <a16:creationId xmlns:a16="http://schemas.microsoft.com/office/drawing/2014/main" id="{0C14A42C-834F-43EA-8053-84D5A665CEE7}"/>
+                <a16:creationId xmlns:a16="http://schemas.microsoft.com/office/drawing/2014/main" xmlns="" id="{0C14A42C-834F-43EA-8053-84D5A665CEE7}"/>
               </a:ext>
             </a:extLst>
           </p:cNvPr>
@@ -2012,7 +2012,7 @@
           <p:cNvPr id="5" name="Slide Number Placeholder 4">
             <a:extLst>
               <a:ext uri="{FF2B5EF4-FFF2-40B4-BE49-F238E27FC236}">
-                <a16:creationId xmlns:a16="http://schemas.microsoft.com/office/drawing/2014/main" id="{38C1E789-CDA9-48FF-A7BA-F21E31600226}"/>
+                <a16:creationId xmlns:a16="http://schemas.microsoft.com/office/drawing/2014/main" xmlns="" id="{38C1E789-CDA9-48FF-A7BA-F21E31600226}"/>
               </a:ext>
             </a:extLst>
           </p:cNvPr>
@@ -2071,7 +2071,7 @@
           <p:cNvPr id="2" name="Date Placeholder 1">
             <a:extLst>
               <a:ext uri="{FF2B5EF4-FFF2-40B4-BE49-F238E27FC236}">
-                <a16:creationId xmlns:a16="http://schemas.microsoft.com/office/drawing/2014/main" id="{21A40ECD-0ABD-4F35-B481-512A01FC643D}"/>
+                <a16:creationId xmlns:a16="http://schemas.microsoft.com/office/drawing/2014/main" xmlns="" id="{21A40ECD-0ABD-4F35-B481-512A01FC643D}"/>
               </a:ext>
             </a:extLst>
           </p:cNvPr>
@@ -2089,7 +2089,7 @@
           <a:p>
             <a:fld id="{03EC4E3E-8101-482F-A883-8B55DAFF7C07}" type="datetimeFigureOut">
               <a:rPr lang="en-SG" smtClean="0"/>
-              <a:t>6/7/2018</a:t>
+              <a:t>4/3/19</a:t>
             </a:fld>
             <a:endParaRPr lang="en-SG"/>
           </a:p>
@@ -2100,7 +2100,7 @@
           <p:cNvPr id="3" name="Footer Placeholder 2">
             <a:extLst>
               <a:ext uri="{FF2B5EF4-FFF2-40B4-BE49-F238E27FC236}">
-                <a16:creationId xmlns:a16="http://schemas.microsoft.com/office/drawing/2014/main" id="{D44B8F11-A412-4FA6-9070-B9C742F699F3}"/>
+                <a16:creationId xmlns:a16="http://schemas.microsoft.com/office/drawing/2014/main" xmlns="" id="{D44B8F11-A412-4FA6-9070-B9C742F699F3}"/>
               </a:ext>
             </a:extLst>
           </p:cNvPr>
@@ -2125,7 +2125,7 @@
           <p:cNvPr id="4" name="Slide Number Placeholder 3">
             <a:extLst>
               <a:ext uri="{FF2B5EF4-FFF2-40B4-BE49-F238E27FC236}">
-                <a16:creationId xmlns:a16="http://schemas.microsoft.com/office/drawing/2014/main" id="{E3EA086A-DA0B-4378-A128-F213644ECB0C}"/>
+                <a16:creationId xmlns:a16="http://schemas.microsoft.com/office/drawing/2014/main" xmlns="" id="{E3EA086A-DA0B-4378-A128-F213644ECB0C}"/>
               </a:ext>
             </a:extLst>
           </p:cNvPr>
@@ -2184,7 +2184,7 @@
           <p:cNvPr id="2" name="Title 1">
             <a:extLst>
               <a:ext uri="{FF2B5EF4-FFF2-40B4-BE49-F238E27FC236}">
-                <a16:creationId xmlns:a16="http://schemas.microsoft.com/office/drawing/2014/main" id="{765D165A-D423-4E89-A075-D59A9FB59792}"/>
+                <a16:creationId xmlns:a16="http://schemas.microsoft.com/office/drawing/2014/main" xmlns="" id="{765D165A-D423-4E89-A075-D59A9FB59792}"/>
               </a:ext>
             </a:extLst>
           </p:cNvPr>
@@ -2222,7 +2222,7 @@
           <p:cNvPr id="3" name="Content Placeholder 2">
             <a:extLst>
               <a:ext uri="{FF2B5EF4-FFF2-40B4-BE49-F238E27FC236}">
-                <a16:creationId xmlns:a16="http://schemas.microsoft.com/office/drawing/2014/main" id="{77C2A5CC-2876-49CA-993D-F4F73FC9D2B0}"/>
+                <a16:creationId xmlns:a16="http://schemas.microsoft.com/office/drawing/2014/main" xmlns="" id="{77C2A5CC-2876-49CA-993D-F4F73FC9D2B0}"/>
               </a:ext>
             </a:extLst>
           </p:cNvPr>
@@ -2313,7 +2313,7 @@
           <p:cNvPr id="4" name="Text Placeholder 3">
             <a:extLst>
               <a:ext uri="{FF2B5EF4-FFF2-40B4-BE49-F238E27FC236}">
-                <a16:creationId xmlns:a16="http://schemas.microsoft.com/office/drawing/2014/main" id="{7B4DE2E8-CCF6-4E88-A858-05A04CD0D736}"/>
+                <a16:creationId xmlns:a16="http://schemas.microsoft.com/office/drawing/2014/main" xmlns="" id="{7B4DE2E8-CCF6-4E88-A858-05A04CD0D736}"/>
               </a:ext>
             </a:extLst>
           </p:cNvPr>
@@ -2384,7 +2384,7 @@
           <p:cNvPr id="5" name="Date Placeholder 4">
             <a:extLst>
               <a:ext uri="{FF2B5EF4-FFF2-40B4-BE49-F238E27FC236}">
-                <a16:creationId xmlns:a16="http://schemas.microsoft.com/office/drawing/2014/main" id="{CAEBEC1E-DE48-4B55-A846-F8248E381145}"/>
+                <a16:creationId xmlns:a16="http://schemas.microsoft.com/office/drawing/2014/main" xmlns="" id="{CAEBEC1E-DE48-4B55-A846-F8248E381145}"/>
               </a:ext>
             </a:extLst>
           </p:cNvPr>
@@ -2402,7 +2402,7 @@
           <a:p>
             <a:fld id="{03EC4E3E-8101-482F-A883-8B55DAFF7C07}" type="datetimeFigureOut">
               <a:rPr lang="en-SG" smtClean="0"/>
-              <a:t>6/7/2018</a:t>
+              <a:t>4/3/19</a:t>
             </a:fld>
             <a:endParaRPr lang="en-SG"/>
           </a:p>
@@ -2413,7 +2413,7 @@
           <p:cNvPr id="6" name="Footer Placeholder 5">
             <a:extLst>
               <a:ext uri="{FF2B5EF4-FFF2-40B4-BE49-F238E27FC236}">
-                <a16:creationId xmlns:a16="http://schemas.microsoft.com/office/drawing/2014/main" id="{945A6E8B-6BC2-49E9-B4E5-DAD3F7A1A1BF}"/>
+                <a16:creationId xmlns:a16="http://schemas.microsoft.com/office/drawing/2014/main" xmlns="" id="{945A6E8B-6BC2-49E9-B4E5-DAD3F7A1A1BF}"/>
               </a:ext>
             </a:extLst>
           </p:cNvPr>
@@ -2438,7 +2438,7 @@
           <p:cNvPr id="7" name="Slide Number Placeholder 6">
             <a:extLst>
               <a:ext uri="{FF2B5EF4-FFF2-40B4-BE49-F238E27FC236}">
-                <a16:creationId xmlns:a16="http://schemas.microsoft.com/office/drawing/2014/main" id="{E5CF739B-EDF0-43CE-A87E-C49F040C85A5}"/>
+                <a16:creationId xmlns:a16="http://schemas.microsoft.com/office/drawing/2014/main" xmlns="" id="{E5CF739B-EDF0-43CE-A87E-C49F040C85A5}"/>
               </a:ext>
             </a:extLst>
           </p:cNvPr>
@@ -2497,7 +2497,7 @@
           <p:cNvPr id="2" name="Title 1">
             <a:extLst>
               <a:ext uri="{FF2B5EF4-FFF2-40B4-BE49-F238E27FC236}">
-                <a16:creationId xmlns:a16="http://schemas.microsoft.com/office/drawing/2014/main" id="{0091F49F-E849-4834-84DB-61CF2F2652D4}"/>
+                <a16:creationId xmlns:a16="http://schemas.microsoft.com/office/drawing/2014/main" xmlns="" id="{0091F49F-E849-4834-84DB-61CF2F2652D4}"/>
               </a:ext>
             </a:extLst>
           </p:cNvPr>
@@ -2535,7 +2535,7 @@
           <p:cNvPr id="3" name="Picture Placeholder 2">
             <a:extLst>
               <a:ext uri="{FF2B5EF4-FFF2-40B4-BE49-F238E27FC236}">
-                <a16:creationId xmlns:a16="http://schemas.microsoft.com/office/drawing/2014/main" id="{631D62A9-3420-4F1C-9EB9-09EF85106E78}"/>
+                <a16:creationId xmlns:a16="http://schemas.microsoft.com/office/drawing/2014/main" xmlns="" id="{631D62A9-3420-4F1C-9EB9-09EF85106E78}"/>
               </a:ext>
             </a:extLst>
           </p:cNvPr>
@@ -2602,7 +2602,7 @@
           <p:cNvPr id="4" name="Text Placeholder 3">
             <a:extLst>
               <a:ext uri="{FF2B5EF4-FFF2-40B4-BE49-F238E27FC236}">
-                <a16:creationId xmlns:a16="http://schemas.microsoft.com/office/drawing/2014/main" id="{E450EC8D-D7F4-45FC-AD8C-2E198A32CCA2}"/>
+                <a16:creationId xmlns:a16="http://schemas.microsoft.com/office/drawing/2014/main" xmlns="" id="{E450EC8D-D7F4-45FC-AD8C-2E198A32CCA2}"/>
               </a:ext>
             </a:extLst>
           </p:cNvPr>
@@ -2673,7 +2673,7 @@
           <p:cNvPr id="5" name="Date Placeholder 4">
             <a:extLst>
               <a:ext uri="{FF2B5EF4-FFF2-40B4-BE49-F238E27FC236}">
-                <a16:creationId xmlns:a16="http://schemas.microsoft.com/office/drawing/2014/main" id="{7A73D668-ABF4-41FE-958C-542EEDC5F6CC}"/>
+                <a16:creationId xmlns:a16="http://schemas.microsoft.com/office/drawing/2014/main" xmlns="" id="{7A73D668-ABF4-41FE-958C-542EEDC5F6CC}"/>
               </a:ext>
             </a:extLst>
           </p:cNvPr>
@@ -2691,7 +2691,7 @@
           <a:p>
             <a:fld id="{03EC4E3E-8101-482F-A883-8B55DAFF7C07}" type="datetimeFigureOut">
               <a:rPr lang="en-SG" smtClean="0"/>
-              <a:t>6/7/2018</a:t>
+              <a:t>4/3/19</a:t>
             </a:fld>
             <a:endParaRPr lang="en-SG"/>
           </a:p>
@@ -2702,7 +2702,7 @@
           <p:cNvPr id="6" name="Footer Placeholder 5">
             <a:extLst>
               <a:ext uri="{FF2B5EF4-FFF2-40B4-BE49-F238E27FC236}">
-                <a16:creationId xmlns:a16="http://schemas.microsoft.com/office/drawing/2014/main" id="{F4A83B1C-93E7-4D32-9D1B-3F37403B1ACD}"/>
+                <a16:creationId xmlns:a16="http://schemas.microsoft.com/office/drawing/2014/main" xmlns="" id="{F4A83B1C-93E7-4D32-9D1B-3F37403B1ACD}"/>
               </a:ext>
             </a:extLst>
           </p:cNvPr>
@@ -2727,7 +2727,7 @@
           <p:cNvPr id="7" name="Slide Number Placeholder 6">
             <a:extLst>
               <a:ext uri="{FF2B5EF4-FFF2-40B4-BE49-F238E27FC236}">
-                <a16:creationId xmlns:a16="http://schemas.microsoft.com/office/drawing/2014/main" id="{C6AF73BE-F17B-487B-943B-28655BB51C92}"/>
+                <a16:creationId xmlns:a16="http://schemas.microsoft.com/office/drawing/2014/main" xmlns="" id="{C6AF73BE-F17B-487B-943B-28655BB51C92}"/>
               </a:ext>
             </a:extLst>
           </p:cNvPr>
@@ -2791,7 +2791,7 @@
           <p:cNvPr id="2" name="Title Placeholder 1">
             <a:extLst>
               <a:ext uri="{FF2B5EF4-FFF2-40B4-BE49-F238E27FC236}">
-                <a16:creationId xmlns:a16="http://schemas.microsoft.com/office/drawing/2014/main" id="{96F7127E-5F47-4B37-9FDB-695AB14D9551}"/>
+                <a16:creationId xmlns:a16="http://schemas.microsoft.com/office/drawing/2014/main" xmlns="" id="{96F7127E-5F47-4B37-9FDB-695AB14D9551}"/>
               </a:ext>
             </a:extLst>
           </p:cNvPr>
@@ -2830,7 +2830,7 @@
           <p:cNvPr id="3" name="Text Placeholder 2">
             <a:extLst>
               <a:ext uri="{FF2B5EF4-FFF2-40B4-BE49-F238E27FC236}">
-                <a16:creationId xmlns:a16="http://schemas.microsoft.com/office/drawing/2014/main" id="{3BD20F0F-B303-4EE3-AF17-E303EA90B1A3}"/>
+                <a16:creationId xmlns:a16="http://schemas.microsoft.com/office/drawing/2014/main" xmlns="" id="{3BD20F0F-B303-4EE3-AF17-E303EA90B1A3}"/>
               </a:ext>
             </a:extLst>
           </p:cNvPr>
@@ -2898,7 +2898,7 @@
           <p:cNvPr id="4" name="Date Placeholder 3">
             <a:extLst>
               <a:ext uri="{FF2B5EF4-FFF2-40B4-BE49-F238E27FC236}">
-                <a16:creationId xmlns:a16="http://schemas.microsoft.com/office/drawing/2014/main" id="{7927ADFB-0C7F-4333-A456-815FAB4B0315}"/>
+                <a16:creationId xmlns:a16="http://schemas.microsoft.com/office/drawing/2014/main" xmlns="" id="{7927ADFB-0C7F-4333-A456-815FAB4B0315}"/>
               </a:ext>
             </a:extLst>
           </p:cNvPr>
@@ -2934,7 +2934,7 @@
           <a:p>
             <a:fld id="{03EC4E3E-8101-482F-A883-8B55DAFF7C07}" type="datetimeFigureOut">
               <a:rPr lang="en-SG" smtClean="0"/>
-              <a:t>6/7/2018</a:t>
+              <a:t>4/3/19</a:t>
             </a:fld>
             <a:endParaRPr lang="en-SG"/>
           </a:p>
@@ -2945,7 +2945,7 @@
           <p:cNvPr id="5" name="Footer Placeholder 4">
             <a:extLst>
               <a:ext uri="{FF2B5EF4-FFF2-40B4-BE49-F238E27FC236}">
-                <a16:creationId xmlns:a16="http://schemas.microsoft.com/office/drawing/2014/main" id="{A1992B28-8397-4C93-A277-5EE43A537825}"/>
+                <a16:creationId xmlns:a16="http://schemas.microsoft.com/office/drawing/2014/main" xmlns="" id="{A1992B28-8397-4C93-A277-5EE43A537825}"/>
               </a:ext>
             </a:extLst>
           </p:cNvPr>
@@ -2988,7 +2988,7 @@
           <p:cNvPr id="6" name="Slide Number Placeholder 5">
             <a:extLst>
               <a:ext uri="{FF2B5EF4-FFF2-40B4-BE49-F238E27FC236}">
-                <a16:creationId xmlns:a16="http://schemas.microsoft.com/office/drawing/2014/main" id="{D7231209-A74B-4134-87D0-421AB81BBB47}"/>
+                <a16:creationId xmlns:a16="http://schemas.microsoft.com/office/drawing/2014/main" xmlns="" id="{D7231209-A74B-4134-87D0-421AB81BBB47}"/>
               </a:ext>
             </a:extLst>
           </p:cNvPr>
@@ -3400,7 +3400,7 @@
           <p:cNvPr id="15" name="TextBox 14">
             <a:extLst>
               <a:ext uri="{FF2B5EF4-FFF2-40B4-BE49-F238E27FC236}">
-                <a16:creationId xmlns:a16="http://schemas.microsoft.com/office/drawing/2014/main" id="{032C4FEA-C10B-4133-9BF6-AF6F40CC1AD4}"/>
+                <a16:creationId xmlns:a16="http://schemas.microsoft.com/office/drawing/2014/main" xmlns="" id="{032C4FEA-C10B-4133-9BF6-AF6F40CC1AD4}"/>
               </a:ext>
             </a:extLst>
           </p:cNvPr>
@@ -3450,8 +3450,12 @@
           <a:p>
             <a:pPr algn="ctr"/>
             <a:r>
-              <a:rPr lang="en-SG"/>
-              <a:t>State ab2 </a:t>
+              <a:rPr lang="en-SG" dirty="0"/>
+              <a:t>State </a:t>
+            </a:r>
+            <a:r>
+              <a:rPr lang="en-SG" dirty="0" smtClean="0"/>
+              <a:t>b2 </a:t>
             </a:r>
             <a:r>
               <a:rPr lang="en-SG" dirty="0"/>
@@ -3465,7 +3469,7 @@
           <p:cNvPr id="17" name="TextBox 16">
             <a:extLst>
               <a:ext uri="{FF2B5EF4-FFF2-40B4-BE49-F238E27FC236}">
-                <a16:creationId xmlns:a16="http://schemas.microsoft.com/office/drawing/2014/main" id="{3151A13B-9509-43FA-BFEB-1D9866A00B84}"/>
+                <a16:creationId xmlns:a16="http://schemas.microsoft.com/office/drawing/2014/main" xmlns="" id="{3151A13B-9509-43FA-BFEB-1D9866A00B84}"/>
               </a:ext>
             </a:extLst>
           </p:cNvPr>
@@ -3555,7 +3559,7 @@
           <p:cNvPr id="22" name="TextBox 21">
             <a:extLst>
               <a:ext uri="{FF2B5EF4-FFF2-40B4-BE49-F238E27FC236}">
-                <a16:creationId xmlns:a16="http://schemas.microsoft.com/office/drawing/2014/main" id="{3151A13B-9509-43FA-BFEB-1D9866A00B84}"/>
+                <a16:creationId xmlns:a16="http://schemas.microsoft.com/office/drawing/2014/main" xmlns="" id="{3151A13B-9509-43FA-BFEB-1D9866A00B84}"/>
               </a:ext>
             </a:extLst>
           </p:cNvPr>
@@ -3645,7 +3649,7 @@
           <p:cNvPr id="16" name="Table 15">
             <a:extLst>
               <a:ext uri="{FF2B5EF4-FFF2-40B4-BE49-F238E27FC236}">
-                <a16:creationId xmlns:a16="http://schemas.microsoft.com/office/drawing/2014/main" id="{F545FAB8-F1CE-4886-9BDE-E772BCB0A9C4}"/>
+                <a16:creationId xmlns:a16="http://schemas.microsoft.com/office/drawing/2014/main" xmlns="" id="{F545FAB8-F1CE-4886-9BDE-E772BCB0A9C4}"/>
               </a:ext>
             </a:extLst>
           </p:cNvPr>
@@ -3655,7 +3659,7 @@
           <p:nvPr>
             <p:extLst>
               <p:ext uri="{D42A27DB-BD31-4B8C-83A1-F6EECF244321}">
-                <p14:modId xmlns:p14="http://schemas.microsoft.com/office/powerpoint/2010/main" val="1352982134"/>
+                <p14:modId xmlns:p14="http://schemas.microsoft.com/office/powerpoint/2010/main" val="272310375"/>
               </p:ext>
             </p:extLst>
           </p:nvPr>
@@ -3674,7 +3678,7 @@
                 <a:gridCol w="1825824">
                   <a:extLst>
                     <a:ext uri="{9D8B030D-6E8A-4147-A177-3AD203B41FA5}">
-                      <a16:colId xmlns:a16="http://schemas.microsoft.com/office/drawing/2014/main" val="4240773277"/>
+                      <a16:colId xmlns:a16="http://schemas.microsoft.com/office/drawing/2014/main" xmlns="" val="4240773277"/>
                     </a:ext>
                   </a:extLst>
                 </a:gridCol>
@@ -3686,12 +3690,12 @@
                     <a:lstStyle/>
                     <a:p>
                       <a:r>
-                        <a:rPr lang="en-SG" u="sng" dirty="0"/>
-                        <a:t>ab0:</a:t>
+                        <a:rPr lang="en-SG" u="sng" dirty="0" smtClean="0"/>
+                        <a:t>b0:</a:t>
                       </a:r>
                       <a:r>
-                        <a:rPr lang="en-SG" sz="1800" u="sng" dirty="0"/>
-                        <a:t>AddressBook</a:t>
+                        <a:rPr lang="en-SG" sz="1800" u="sng" dirty="0" smtClean="0"/>
+                        <a:t>BookList</a:t>
                       </a:r>
                       <a:endParaRPr lang="en-SG" u="sng" dirty="0"/>
                     </a:p>
@@ -3700,7 +3704,7 @@
                 </a:tc>
                 <a:extLst>
                   <a:ext uri="{0D108BD9-81ED-4DB2-BD59-A6C34878D82A}">
-                    <a16:rowId xmlns:a16="http://schemas.microsoft.com/office/drawing/2014/main" val="2194462629"/>
+                    <a16:rowId xmlns:a16="http://schemas.microsoft.com/office/drawing/2014/main" xmlns="" val="2194462629"/>
                   </a:ext>
                 </a:extLst>
               </a:tr>
@@ -3713,7 +3717,7 @@
           <p:cNvPr id="29" name="Table 28">
             <a:extLst>
               <a:ext uri="{FF2B5EF4-FFF2-40B4-BE49-F238E27FC236}">
-                <a16:creationId xmlns:a16="http://schemas.microsoft.com/office/drawing/2014/main" id="{F545FAB8-F1CE-4886-9BDE-E772BCB0A9C4}"/>
+                <a16:creationId xmlns:a16="http://schemas.microsoft.com/office/drawing/2014/main" xmlns="" id="{F545FAB8-F1CE-4886-9BDE-E772BCB0A9C4}"/>
               </a:ext>
             </a:extLst>
           </p:cNvPr>
@@ -3723,7 +3727,7 @@
           <p:nvPr>
             <p:extLst>
               <p:ext uri="{D42A27DB-BD31-4B8C-83A1-F6EECF244321}">
-                <p14:modId xmlns:p14="http://schemas.microsoft.com/office/powerpoint/2010/main" val="829193732"/>
+                <p14:modId xmlns:p14="http://schemas.microsoft.com/office/powerpoint/2010/main" val="3556384"/>
               </p:ext>
             </p:extLst>
           </p:nvPr>
@@ -3742,7 +3746,7 @@
                 <a:gridCol w="1825824">
                   <a:extLst>
                     <a:ext uri="{9D8B030D-6E8A-4147-A177-3AD203B41FA5}">
-                      <a16:colId xmlns:a16="http://schemas.microsoft.com/office/drawing/2014/main" val="4240773277"/>
+                      <a16:colId xmlns:a16="http://schemas.microsoft.com/office/drawing/2014/main" xmlns="" val="4240773277"/>
                     </a:ext>
                   </a:extLst>
                 </a:gridCol>
@@ -3754,12 +3758,12 @@
                     <a:lstStyle/>
                     <a:p>
                       <a:r>
-                        <a:rPr lang="en-SG" u="sng" dirty="0"/>
-                        <a:t>ab1:</a:t>
+                        <a:rPr lang="en-SG" u="sng" dirty="0" smtClean="0"/>
+                        <a:t>b1:</a:t>
                       </a:r>
                       <a:r>
-                        <a:rPr lang="en-SG" sz="1800" u="sng" dirty="0"/>
-                        <a:t>AddressBook</a:t>
+                        <a:rPr lang="en-SG" sz="1800" u="sng" dirty="0" smtClean="0"/>
+                        <a:t>BookList</a:t>
                       </a:r>
                       <a:endParaRPr lang="en-SG" u="sng" dirty="0"/>
                     </a:p>
@@ -3768,7 +3772,7 @@
                 </a:tc>
                 <a:extLst>
                   <a:ext uri="{0D108BD9-81ED-4DB2-BD59-A6C34878D82A}">
-                    <a16:rowId xmlns:a16="http://schemas.microsoft.com/office/drawing/2014/main" val="2194462629"/>
+                    <a16:rowId xmlns:a16="http://schemas.microsoft.com/office/drawing/2014/main" xmlns="" val="2194462629"/>
                   </a:ext>
                 </a:extLst>
               </a:tr>
@@ -3781,7 +3785,7 @@
           <p:cNvPr id="30" name="Table 29">
             <a:extLst>
               <a:ext uri="{FF2B5EF4-FFF2-40B4-BE49-F238E27FC236}">
-                <a16:creationId xmlns:a16="http://schemas.microsoft.com/office/drawing/2014/main" id="{F545FAB8-F1CE-4886-9BDE-E772BCB0A9C4}"/>
+                <a16:creationId xmlns:a16="http://schemas.microsoft.com/office/drawing/2014/main" xmlns="" id="{F545FAB8-F1CE-4886-9BDE-E772BCB0A9C4}"/>
               </a:ext>
             </a:extLst>
           </p:cNvPr>
@@ -3791,7 +3795,7 @@
           <p:nvPr>
             <p:extLst>
               <p:ext uri="{D42A27DB-BD31-4B8C-83A1-F6EECF244321}">
-                <p14:modId xmlns:p14="http://schemas.microsoft.com/office/powerpoint/2010/main" val="796708048"/>
+                <p14:modId xmlns:p14="http://schemas.microsoft.com/office/powerpoint/2010/main" val="1961014988"/>
               </p:ext>
             </p:extLst>
           </p:nvPr>
@@ -3810,7 +3814,7 @@
                 <a:gridCol w="1825824">
                   <a:extLst>
                     <a:ext uri="{9D8B030D-6E8A-4147-A177-3AD203B41FA5}">
-                      <a16:colId xmlns:a16="http://schemas.microsoft.com/office/drawing/2014/main" val="4240773277"/>
+                      <a16:colId xmlns:a16="http://schemas.microsoft.com/office/drawing/2014/main" xmlns="" val="4240773277"/>
                     </a:ext>
                   </a:extLst>
                 </a:gridCol>
@@ -3822,12 +3826,12 @@
                     <a:lstStyle/>
                     <a:p>
                       <a:r>
-                        <a:rPr lang="en-SG" u="sng" dirty="0"/>
-                        <a:t>ab2:</a:t>
+                        <a:rPr lang="en-SG" u="sng" dirty="0" smtClean="0"/>
+                        <a:t>b2:</a:t>
                       </a:r>
                       <a:r>
-                        <a:rPr lang="en-SG" sz="1800" u="sng" dirty="0"/>
-                        <a:t>AddressBook</a:t>
+                        <a:rPr lang="en-SG" sz="1800" u="sng" dirty="0" smtClean="0"/>
+                        <a:t>BookList</a:t>
                       </a:r>
                       <a:endParaRPr lang="en-SG" u="sng" dirty="0"/>
                     </a:p>
@@ -3836,7 +3840,7 @@
                 </a:tc>
                 <a:extLst>
                   <a:ext uri="{0D108BD9-81ED-4DB2-BD59-A6C34878D82A}">
-                    <a16:rowId xmlns:a16="http://schemas.microsoft.com/office/drawing/2014/main" val="2194462629"/>
+                    <a16:rowId xmlns:a16="http://schemas.microsoft.com/office/drawing/2014/main" xmlns="" val="2194462629"/>
                   </a:ext>
                 </a:extLst>
               </a:tr>
@@ -3849,7 +3853,7 @@
           <p:cNvPr id="31" name="Table 30">
             <a:extLst>
               <a:ext uri="{FF2B5EF4-FFF2-40B4-BE49-F238E27FC236}">
-                <a16:creationId xmlns:a16="http://schemas.microsoft.com/office/drawing/2014/main" id="{F545FAB8-F1CE-4886-9BDE-E772BCB0A9C4}"/>
+                <a16:creationId xmlns:a16="http://schemas.microsoft.com/office/drawing/2014/main" xmlns="" id="{F545FAB8-F1CE-4886-9BDE-E772BCB0A9C4}"/>
               </a:ext>
             </a:extLst>
           </p:cNvPr>
@@ -3859,7 +3863,7 @@
           <p:nvPr>
             <p:extLst>
               <p:ext uri="{D42A27DB-BD31-4B8C-83A1-F6EECF244321}">
-                <p14:modId xmlns:p14="http://schemas.microsoft.com/office/powerpoint/2010/main" val="377617300"/>
+                <p14:modId xmlns:p14="http://schemas.microsoft.com/office/powerpoint/2010/main" val="2003407977"/>
               </p:ext>
             </p:extLst>
           </p:nvPr>
@@ -3878,7 +3882,7 @@
                 <a:gridCol w="1825824">
                   <a:extLst>
                     <a:ext uri="{9D8B030D-6E8A-4147-A177-3AD203B41FA5}">
-                      <a16:colId xmlns:a16="http://schemas.microsoft.com/office/drawing/2014/main" val="4240773277"/>
+                      <a16:colId xmlns:a16="http://schemas.microsoft.com/office/drawing/2014/main" xmlns="" val="4240773277"/>
                     </a:ext>
                   </a:extLst>
                 </a:gridCol>
@@ -3890,12 +3894,12 @@
                     <a:lstStyle/>
                     <a:p>
                       <a:r>
-                        <a:rPr lang="en-SG" u="sng" dirty="0"/>
-                        <a:t>ab0:</a:t>
+                        <a:rPr lang="en-SG" u="sng" dirty="0" smtClean="0"/>
+                        <a:t>b0:</a:t>
                       </a:r>
                       <a:r>
-                        <a:rPr lang="en-SG" sz="1800" u="sng" dirty="0"/>
-                        <a:t>AddressBook</a:t>
+                        <a:rPr lang="en-SG" sz="1800" u="sng" dirty="0" smtClean="0"/>
+                        <a:t>BookList</a:t>
                       </a:r>
                       <a:endParaRPr lang="en-SG" u="sng" dirty="0"/>
                     </a:p>
@@ -3904,7 +3908,7 @@
                 </a:tc>
                 <a:extLst>
                   <a:ext uri="{0D108BD9-81ED-4DB2-BD59-A6C34878D82A}">
-                    <a16:rowId xmlns:a16="http://schemas.microsoft.com/office/drawing/2014/main" val="2194462629"/>
+                    <a16:rowId xmlns:a16="http://schemas.microsoft.com/office/drawing/2014/main" xmlns="" val="2194462629"/>
                   </a:ext>
                 </a:extLst>
               </a:tr>
@@ -3917,7 +3921,7 @@
           <p:cNvPr id="32" name="Table 31">
             <a:extLst>
               <a:ext uri="{FF2B5EF4-FFF2-40B4-BE49-F238E27FC236}">
-                <a16:creationId xmlns:a16="http://schemas.microsoft.com/office/drawing/2014/main" id="{F545FAB8-F1CE-4886-9BDE-E772BCB0A9C4}"/>
+                <a16:creationId xmlns:a16="http://schemas.microsoft.com/office/drawing/2014/main" xmlns="" id="{F545FAB8-F1CE-4886-9BDE-E772BCB0A9C4}"/>
               </a:ext>
             </a:extLst>
           </p:cNvPr>
@@ -3927,7 +3931,7 @@
           <p:nvPr>
             <p:extLst>
               <p:ext uri="{D42A27DB-BD31-4B8C-83A1-F6EECF244321}">
-                <p14:modId xmlns:p14="http://schemas.microsoft.com/office/powerpoint/2010/main" val="4076322253"/>
+                <p14:modId xmlns:p14="http://schemas.microsoft.com/office/powerpoint/2010/main" val="1236502644"/>
               </p:ext>
             </p:extLst>
           </p:nvPr>
@@ -3946,7 +3950,7 @@
                 <a:gridCol w="1825824">
                   <a:extLst>
                     <a:ext uri="{9D8B030D-6E8A-4147-A177-3AD203B41FA5}">
-                      <a16:colId xmlns:a16="http://schemas.microsoft.com/office/drawing/2014/main" val="4240773277"/>
+                      <a16:colId xmlns:a16="http://schemas.microsoft.com/office/drawing/2014/main" xmlns="" val="4240773277"/>
                     </a:ext>
                   </a:extLst>
                 </a:gridCol>
@@ -3958,12 +3962,12 @@
                     <a:lstStyle/>
                     <a:p>
                       <a:r>
-                        <a:rPr lang="en-SG" u="sng" dirty="0"/>
-                        <a:t>ab1:</a:t>
+                        <a:rPr lang="en-SG" u="sng" dirty="0" smtClean="0"/>
+                        <a:t>b1:</a:t>
                       </a:r>
                       <a:r>
-                        <a:rPr lang="en-SG" sz="1800" u="sng" dirty="0"/>
-                        <a:t>AddressBook</a:t>
+                        <a:rPr lang="en-SG" sz="1800" u="sng" dirty="0" smtClean="0"/>
+                        <a:t>BookList</a:t>
                       </a:r>
                       <a:endParaRPr lang="en-SG" u="sng" dirty="0"/>
                     </a:p>
@@ -3972,7 +3976,7 @@
                 </a:tc>
                 <a:extLst>
                   <a:ext uri="{0D108BD9-81ED-4DB2-BD59-A6C34878D82A}">
-                    <a16:rowId xmlns:a16="http://schemas.microsoft.com/office/drawing/2014/main" val="2194462629"/>
+                    <a16:rowId xmlns:a16="http://schemas.microsoft.com/office/drawing/2014/main" xmlns="" val="2194462629"/>
                   </a:ext>
                 </a:extLst>
               </a:tr>
@@ -3985,7 +3989,7 @@
           <p:cNvPr id="33" name="Table 32">
             <a:extLst>
               <a:ext uri="{FF2B5EF4-FFF2-40B4-BE49-F238E27FC236}">
-                <a16:creationId xmlns:a16="http://schemas.microsoft.com/office/drawing/2014/main" id="{F545FAB8-F1CE-4886-9BDE-E772BCB0A9C4}"/>
+                <a16:creationId xmlns:a16="http://schemas.microsoft.com/office/drawing/2014/main" xmlns="" id="{F545FAB8-F1CE-4886-9BDE-E772BCB0A9C4}"/>
               </a:ext>
             </a:extLst>
           </p:cNvPr>
@@ -3995,7 +3999,7 @@
           <p:nvPr>
             <p:extLst>
               <p:ext uri="{D42A27DB-BD31-4B8C-83A1-F6EECF244321}">
-                <p14:modId xmlns:p14="http://schemas.microsoft.com/office/powerpoint/2010/main" val="53411958"/>
+                <p14:modId xmlns:p14="http://schemas.microsoft.com/office/powerpoint/2010/main" val="1783368177"/>
               </p:ext>
             </p:extLst>
           </p:nvPr>
@@ -4014,7 +4018,7 @@
                 <a:gridCol w="1825824">
                   <a:extLst>
                     <a:ext uri="{9D8B030D-6E8A-4147-A177-3AD203B41FA5}">
-                      <a16:colId xmlns:a16="http://schemas.microsoft.com/office/drawing/2014/main" val="4240773277"/>
+                      <a16:colId xmlns:a16="http://schemas.microsoft.com/office/drawing/2014/main" xmlns="" val="4240773277"/>
                     </a:ext>
                   </a:extLst>
                 </a:gridCol>
@@ -4026,12 +4030,12 @@
                     <a:lstStyle/>
                     <a:p>
                       <a:r>
-                        <a:rPr lang="en-SG" u="sng" dirty="0"/>
-                        <a:t>ab3:</a:t>
+                        <a:rPr lang="en-SG" u="sng" dirty="0" smtClean="0"/>
+                        <a:t>b3:</a:t>
                       </a:r>
                       <a:r>
-                        <a:rPr lang="en-SG" sz="1800" u="sng" dirty="0"/>
-                        <a:t>AddressBook</a:t>
+                        <a:rPr lang="en-SG" sz="1800" u="sng" dirty="0" smtClean="0"/>
+                        <a:t>BookList</a:t>
                       </a:r>
                       <a:endParaRPr lang="en-SG" u="sng" dirty="0"/>
                     </a:p>
@@ -4040,7 +4044,7 @@
                 </a:tc>
                 <a:extLst>
                   <a:ext uri="{0D108BD9-81ED-4DB2-BD59-A6C34878D82A}">
-                    <a16:rowId xmlns:a16="http://schemas.microsoft.com/office/drawing/2014/main" val="2194462629"/>
+                    <a16:rowId xmlns:a16="http://schemas.microsoft.com/office/drawing/2014/main" xmlns="" val="2194462629"/>
                   </a:ext>
                 </a:extLst>
               </a:tr>
@@ -4053,7 +4057,7 @@
           <p:cNvPr id="18" name="Straight Arrow Connector 17">
             <a:extLst>
               <a:ext uri="{FF2B5EF4-FFF2-40B4-BE49-F238E27FC236}">
-                <a16:creationId xmlns:a16="http://schemas.microsoft.com/office/drawing/2014/main" id="{BFC3A12D-3AD3-425B-8A3B-315B6DC01D05}"/>
+                <a16:creationId xmlns:a16="http://schemas.microsoft.com/office/drawing/2014/main" xmlns="" id="{BFC3A12D-3AD3-425B-8A3B-315B6DC01D05}"/>
               </a:ext>
             </a:extLst>
           </p:cNvPr>
@@ -4097,7 +4101,7 @@
           <p:cNvPr id="19" name="Straight Arrow Connector 18">
             <a:extLst>
               <a:ext uri="{FF2B5EF4-FFF2-40B4-BE49-F238E27FC236}">
-                <a16:creationId xmlns:a16="http://schemas.microsoft.com/office/drawing/2014/main" id="{A3B5C47A-9640-4A49-B463-8F5196CF2A09}"/>
+                <a16:creationId xmlns:a16="http://schemas.microsoft.com/office/drawing/2014/main" xmlns="" id="{A3B5C47A-9640-4A49-B463-8F5196CF2A09}"/>
               </a:ext>
             </a:extLst>
           </p:cNvPr>

--- a/docs/diagrams/UndoRedoNewCommand4StateListDiagram.pptx
+++ b/docs/diagrams/UndoRedoNewCommand4StateListDiagram.pptx
@@ -138,7 +138,7 @@
           <p:cNvPr id="2" name="Title 1">
             <a:extLst>
               <a:ext uri="{FF2B5EF4-FFF2-40B4-BE49-F238E27FC236}">
-                <a16:creationId xmlns:a16="http://schemas.microsoft.com/office/drawing/2014/main" xmlns="" id="{39FCC519-EE2E-4054-A653-93D611E0133E}"/>
+                <a16:creationId xmlns="" xmlns:a16="http://schemas.microsoft.com/office/drawing/2014/main" id="{39FCC519-EE2E-4054-A653-93D611E0133E}"/>
               </a:ext>
             </a:extLst>
           </p:cNvPr>
@@ -176,7 +176,7 @@
           <p:cNvPr id="3" name="Subtitle 2">
             <a:extLst>
               <a:ext uri="{FF2B5EF4-FFF2-40B4-BE49-F238E27FC236}">
-                <a16:creationId xmlns:a16="http://schemas.microsoft.com/office/drawing/2014/main" xmlns="" id="{3EDEA74E-4030-4F69-A055-4C6319EEEC29}"/>
+                <a16:creationId xmlns="" xmlns:a16="http://schemas.microsoft.com/office/drawing/2014/main" id="{3EDEA74E-4030-4F69-A055-4C6319EEEC29}"/>
               </a:ext>
             </a:extLst>
           </p:cNvPr>
@@ -247,7 +247,7 @@
           <p:cNvPr id="4" name="Date Placeholder 3">
             <a:extLst>
               <a:ext uri="{FF2B5EF4-FFF2-40B4-BE49-F238E27FC236}">
-                <a16:creationId xmlns:a16="http://schemas.microsoft.com/office/drawing/2014/main" xmlns="" id="{E5CC99E3-37A6-4485-B9A2-AF27A72608C6}"/>
+                <a16:creationId xmlns="" xmlns:a16="http://schemas.microsoft.com/office/drawing/2014/main" id="{E5CC99E3-37A6-4485-B9A2-AF27A72608C6}"/>
               </a:ext>
             </a:extLst>
           </p:cNvPr>
@@ -265,7 +265,7 @@
           <a:p>
             <a:fld id="{03EC4E3E-8101-482F-A883-8B55DAFF7C07}" type="datetimeFigureOut">
               <a:rPr lang="en-SG" smtClean="0"/>
-              <a:t>4/3/19</a:t>
+              <a:t>5/3/19</a:t>
             </a:fld>
             <a:endParaRPr lang="en-SG"/>
           </a:p>
@@ -276,7 +276,7 @@
           <p:cNvPr id="5" name="Footer Placeholder 4">
             <a:extLst>
               <a:ext uri="{FF2B5EF4-FFF2-40B4-BE49-F238E27FC236}">
-                <a16:creationId xmlns:a16="http://schemas.microsoft.com/office/drawing/2014/main" xmlns="" id="{D75BD546-D949-4A25-8EA4-47DF23229409}"/>
+                <a16:creationId xmlns="" xmlns:a16="http://schemas.microsoft.com/office/drawing/2014/main" id="{D75BD546-D949-4A25-8EA4-47DF23229409}"/>
               </a:ext>
             </a:extLst>
           </p:cNvPr>
@@ -301,7 +301,7 @@
           <p:cNvPr id="6" name="Slide Number Placeholder 5">
             <a:extLst>
               <a:ext uri="{FF2B5EF4-FFF2-40B4-BE49-F238E27FC236}">
-                <a16:creationId xmlns:a16="http://schemas.microsoft.com/office/drawing/2014/main" xmlns="" id="{68147391-4DF6-4ACF-BCE9-C1A9DAC803E3}"/>
+                <a16:creationId xmlns="" xmlns:a16="http://schemas.microsoft.com/office/drawing/2014/main" id="{68147391-4DF6-4ACF-BCE9-C1A9DAC803E3}"/>
               </a:ext>
             </a:extLst>
           </p:cNvPr>
@@ -360,7 +360,7 @@
           <p:cNvPr id="2" name="Title 1">
             <a:extLst>
               <a:ext uri="{FF2B5EF4-FFF2-40B4-BE49-F238E27FC236}">
-                <a16:creationId xmlns:a16="http://schemas.microsoft.com/office/drawing/2014/main" xmlns="" id="{251D3DFE-0C62-45F5-B1BF-FD1F194ED112}"/>
+                <a16:creationId xmlns="" xmlns:a16="http://schemas.microsoft.com/office/drawing/2014/main" id="{251D3DFE-0C62-45F5-B1BF-FD1F194ED112}"/>
               </a:ext>
             </a:extLst>
           </p:cNvPr>
@@ -389,7 +389,7 @@
           <p:cNvPr id="3" name="Vertical Text Placeholder 2">
             <a:extLst>
               <a:ext uri="{FF2B5EF4-FFF2-40B4-BE49-F238E27FC236}">
-                <a16:creationId xmlns:a16="http://schemas.microsoft.com/office/drawing/2014/main" xmlns="" id="{D2392762-3586-4B6D-A174-2D3ACF0A125B}"/>
+                <a16:creationId xmlns="" xmlns:a16="http://schemas.microsoft.com/office/drawing/2014/main" id="{D2392762-3586-4B6D-A174-2D3ACF0A125B}"/>
               </a:ext>
             </a:extLst>
           </p:cNvPr>
@@ -447,7 +447,7 @@
           <p:cNvPr id="4" name="Date Placeholder 3">
             <a:extLst>
               <a:ext uri="{FF2B5EF4-FFF2-40B4-BE49-F238E27FC236}">
-                <a16:creationId xmlns:a16="http://schemas.microsoft.com/office/drawing/2014/main" xmlns="" id="{73B232E7-84FB-4535-9FC1-1BEF8F17421F}"/>
+                <a16:creationId xmlns="" xmlns:a16="http://schemas.microsoft.com/office/drawing/2014/main" id="{73B232E7-84FB-4535-9FC1-1BEF8F17421F}"/>
               </a:ext>
             </a:extLst>
           </p:cNvPr>
@@ -465,7 +465,7 @@
           <a:p>
             <a:fld id="{03EC4E3E-8101-482F-A883-8B55DAFF7C07}" type="datetimeFigureOut">
               <a:rPr lang="en-SG" smtClean="0"/>
-              <a:t>4/3/19</a:t>
+              <a:t>5/3/19</a:t>
             </a:fld>
             <a:endParaRPr lang="en-SG"/>
           </a:p>
@@ -476,7 +476,7 @@
           <p:cNvPr id="5" name="Footer Placeholder 4">
             <a:extLst>
               <a:ext uri="{FF2B5EF4-FFF2-40B4-BE49-F238E27FC236}">
-                <a16:creationId xmlns:a16="http://schemas.microsoft.com/office/drawing/2014/main" xmlns="" id="{76F796EF-04EF-401A-AC84-F7BDBC99DE80}"/>
+                <a16:creationId xmlns="" xmlns:a16="http://schemas.microsoft.com/office/drawing/2014/main" id="{76F796EF-04EF-401A-AC84-F7BDBC99DE80}"/>
               </a:ext>
             </a:extLst>
           </p:cNvPr>
@@ -501,7 +501,7 @@
           <p:cNvPr id="6" name="Slide Number Placeholder 5">
             <a:extLst>
               <a:ext uri="{FF2B5EF4-FFF2-40B4-BE49-F238E27FC236}">
-                <a16:creationId xmlns:a16="http://schemas.microsoft.com/office/drawing/2014/main" xmlns="" id="{8F55F009-0A64-4649-A732-4AA6D619F1F3}"/>
+                <a16:creationId xmlns="" xmlns:a16="http://schemas.microsoft.com/office/drawing/2014/main" id="{8F55F009-0A64-4649-A732-4AA6D619F1F3}"/>
               </a:ext>
             </a:extLst>
           </p:cNvPr>
@@ -560,7 +560,7 @@
           <p:cNvPr id="2" name="Vertical Title 1">
             <a:extLst>
               <a:ext uri="{FF2B5EF4-FFF2-40B4-BE49-F238E27FC236}">
-                <a16:creationId xmlns:a16="http://schemas.microsoft.com/office/drawing/2014/main" xmlns="" id="{F7DE9595-D7A8-4E19-B4C6-E295F978F6A4}"/>
+                <a16:creationId xmlns="" xmlns:a16="http://schemas.microsoft.com/office/drawing/2014/main" id="{F7DE9595-D7A8-4E19-B4C6-E295F978F6A4}"/>
               </a:ext>
             </a:extLst>
           </p:cNvPr>
@@ -594,7 +594,7 @@
           <p:cNvPr id="3" name="Vertical Text Placeholder 2">
             <a:extLst>
               <a:ext uri="{FF2B5EF4-FFF2-40B4-BE49-F238E27FC236}">
-                <a16:creationId xmlns:a16="http://schemas.microsoft.com/office/drawing/2014/main" xmlns="" id="{0D2975B7-7A6D-40EA-B2F6-338022AD2BF1}"/>
+                <a16:creationId xmlns="" xmlns:a16="http://schemas.microsoft.com/office/drawing/2014/main" id="{0D2975B7-7A6D-40EA-B2F6-338022AD2BF1}"/>
               </a:ext>
             </a:extLst>
           </p:cNvPr>
@@ -657,7 +657,7 @@
           <p:cNvPr id="4" name="Date Placeholder 3">
             <a:extLst>
               <a:ext uri="{FF2B5EF4-FFF2-40B4-BE49-F238E27FC236}">
-                <a16:creationId xmlns:a16="http://schemas.microsoft.com/office/drawing/2014/main" xmlns="" id="{C8230AC3-1BED-4D2B-96D3-51C50E14A9E6}"/>
+                <a16:creationId xmlns="" xmlns:a16="http://schemas.microsoft.com/office/drawing/2014/main" id="{C8230AC3-1BED-4D2B-96D3-51C50E14A9E6}"/>
               </a:ext>
             </a:extLst>
           </p:cNvPr>
@@ -675,7 +675,7 @@
           <a:p>
             <a:fld id="{03EC4E3E-8101-482F-A883-8B55DAFF7C07}" type="datetimeFigureOut">
               <a:rPr lang="en-SG" smtClean="0"/>
-              <a:t>4/3/19</a:t>
+              <a:t>5/3/19</a:t>
             </a:fld>
             <a:endParaRPr lang="en-SG"/>
           </a:p>
@@ -686,7 +686,7 @@
           <p:cNvPr id="5" name="Footer Placeholder 4">
             <a:extLst>
               <a:ext uri="{FF2B5EF4-FFF2-40B4-BE49-F238E27FC236}">
-                <a16:creationId xmlns:a16="http://schemas.microsoft.com/office/drawing/2014/main" xmlns="" id="{4AD6CA96-231A-43AD-B530-7C509651DE3B}"/>
+                <a16:creationId xmlns="" xmlns:a16="http://schemas.microsoft.com/office/drawing/2014/main" id="{4AD6CA96-231A-43AD-B530-7C509651DE3B}"/>
               </a:ext>
             </a:extLst>
           </p:cNvPr>
@@ -711,7 +711,7 @@
           <p:cNvPr id="6" name="Slide Number Placeholder 5">
             <a:extLst>
               <a:ext uri="{FF2B5EF4-FFF2-40B4-BE49-F238E27FC236}">
-                <a16:creationId xmlns:a16="http://schemas.microsoft.com/office/drawing/2014/main" xmlns="" id="{12063E3B-180A-454E-A661-6CCD48D7062C}"/>
+                <a16:creationId xmlns="" xmlns:a16="http://schemas.microsoft.com/office/drawing/2014/main" id="{12063E3B-180A-454E-A661-6CCD48D7062C}"/>
               </a:ext>
             </a:extLst>
           </p:cNvPr>
@@ -770,7 +770,7 @@
           <p:cNvPr id="2" name="Title 1">
             <a:extLst>
               <a:ext uri="{FF2B5EF4-FFF2-40B4-BE49-F238E27FC236}">
-                <a16:creationId xmlns:a16="http://schemas.microsoft.com/office/drawing/2014/main" xmlns="" id="{7E861C8D-BAF0-4DD9-92B9-591B272791CA}"/>
+                <a16:creationId xmlns="" xmlns:a16="http://schemas.microsoft.com/office/drawing/2014/main" id="{7E861C8D-BAF0-4DD9-92B9-591B272791CA}"/>
               </a:ext>
             </a:extLst>
           </p:cNvPr>
@@ -799,7 +799,7 @@
           <p:cNvPr id="3" name="Content Placeholder 2">
             <a:extLst>
               <a:ext uri="{FF2B5EF4-FFF2-40B4-BE49-F238E27FC236}">
-                <a16:creationId xmlns:a16="http://schemas.microsoft.com/office/drawing/2014/main" xmlns="" id="{534DA4BD-1D78-446B-B79F-C1229642DDEB}"/>
+                <a16:creationId xmlns="" xmlns:a16="http://schemas.microsoft.com/office/drawing/2014/main" id="{534DA4BD-1D78-446B-B79F-C1229642DDEB}"/>
               </a:ext>
             </a:extLst>
           </p:cNvPr>
@@ -857,7 +857,7 @@
           <p:cNvPr id="4" name="Date Placeholder 3">
             <a:extLst>
               <a:ext uri="{FF2B5EF4-FFF2-40B4-BE49-F238E27FC236}">
-                <a16:creationId xmlns:a16="http://schemas.microsoft.com/office/drawing/2014/main" xmlns="" id="{AD6BEDB5-7B62-4953-BECB-7F7F3E909CAC}"/>
+                <a16:creationId xmlns="" xmlns:a16="http://schemas.microsoft.com/office/drawing/2014/main" id="{AD6BEDB5-7B62-4953-BECB-7F7F3E909CAC}"/>
               </a:ext>
             </a:extLst>
           </p:cNvPr>
@@ -875,7 +875,7 @@
           <a:p>
             <a:fld id="{03EC4E3E-8101-482F-A883-8B55DAFF7C07}" type="datetimeFigureOut">
               <a:rPr lang="en-SG" smtClean="0"/>
-              <a:t>4/3/19</a:t>
+              <a:t>5/3/19</a:t>
             </a:fld>
             <a:endParaRPr lang="en-SG"/>
           </a:p>
@@ -886,7 +886,7 @@
           <p:cNvPr id="5" name="Footer Placeholder 4">
             <a:extLst>
               <a:ext uri="{FF2B5EF4-FFF2-40B4-BE49-F238E27FC236}">
-                <a16:creationId xmlns:a16="http://schemas.microsoft.com/office/drawing/2014/main" xmlns="" id="{349CD732-2DD1-42BE-8480-5C6507018294}"/>
+                <a16:creationId xmlns="" xmlns:a16="http://schemas.microsoft.com/office/drawing/2014/main" id="{349CD732-2DD1-42BE-8480-5C6507018294}"/>
               </a:ext>
             </a:extLst>
           </p:cNvPr>
@@ -911,7 +911,7 @@
           <p:cNvPr id="6" name="Slide Number Placeholder 5">
             <a:extLst>
               <a:ext uri="{FF2B5EF4-FFF2-40B4-BE49-F238E27FC236}">
-                <a16:creationId xmlns:a16="http://schemas.microsoft.com/office/drawing/2014/main" xmlns="" id="{574C27E0-F36A-4438-9402-C2CB0377D92D}"/>
+                <a16:creationId xmlns="" xmlns:a16="http://schemas.microsoft.com/office/drawing/2014/main" id="{574C27E0-F36A-4438-9402-C2CB0377D92D}"/>
               </a:ext>
             </a:extLst>
           </p:cNvPr>
@@ -970,7 +970,7 @@
           <p:cNvPr id="2" name="Title 1">
             <a:extLst>
               <a:ext uri="{FF2B5EF4-FFF2-40B4-BE49-F238E27FC236}">
-                <a16:creationId xmlns:a16="http://schemas.microsoft.com/office/drawing/2014/main" xmlns="" id="{80A42FFA-8A45-40F8-9C5C-9906971B38AB}"/>
+                <a16:creationId xmlns="" xmlns:a16="http://schemas.microsoft.com/office/drawing/2014/main" id="{80A42FFA-8A45-40F8-9C5C-9906971B38AB}"/>
               </a:ext>
             </a:extLst>
           </p:cNvPr>
@@ -1008,7 +1008,7 @@
           <p:cNvPr id="3" name="Text Placeholder 2">
             <a:extLst>
               <a:ext uri="{FF2B5EF4-FFF2-40B4-BE49-F238E27FC236}">
-                <a16:creationId xmlns:a16="http://schemas.microsoft.com/office/drawing/2014/main" xmlns="" id="{7D8879A7-8225-4473-B738-B780B6224EC5}"/>
+                <a16:creationId xmlns="" xmlns:a16="http://schemas.microsoft.com/office/drawing/2014/main" id="{7D8879A7-8225-4473-B738-B780B6224EC5}"/>
               </a:ext>
             </a:extLst>
           </p:cNvPr>
@@ -1133,7 +1133,7 @@
           <p:cNvPr id="4" name="Date Placeholder 3">
             <a:extLst>
               <a:ext uri="{FF2B5EF4-FFF2-40B4-BE49-F238E27FC236}">
-                <a16:creationId xmlns:a16="http://schemas.microsoft.com/office/drawing/2014/main" xmlns="" id="{6CF7978C-FE65-4091-9152-E33029C12AEA}"/>
+                <a16:creationId xmlns="" xmlns:a16="http://schemas.microsoft.com/office/drawing/2014/main" id="{6CF7978C-FE65-4091-9152-E33029C12AEA}"/>
               </a:ext>
             </a:extLst>
           </p:cNvPr>
@@ -1151,7 +1151,7 @@
           <a:p>
             <a:fld id="{03EC4E3E-8101-482F-A883-8B55DAFF7C07}" type="datetimeFigureOut">
               <a:rPr lang="en-SG" smtClean="0"/>
-              <a:t>4/3/19</a:t>
+              <a:t>5/3/19</a:t>
             </a:fld>
             <a:endParaRPr lang="en-SG"/>
           </a:p>
@@ -1162,7 +1162,7 @@
           <p:cNvPr id="5" name="Footer Placeholder 4">
             <a:extLst>
               <a:ext uri="{FF2B5EF4-FFF2-40B4-BE49-F238E27FC236}">
-                <a16:creationId xmlns:a16="http://schemas.microsoft.com/office/drawing/2014/main" xmlns="" id="{B344C9CC-480F-4DCB-AC70-D7A4CCA0B8B7}"/>
+                <a16:creationId xmlns="" xmlns:a16="http://schemas.microsoft.com/office/drawing/2014/main" id="{B344C9CC-480F-4DCB-AC70-D7A4CCA0B8B7}"/>
               </a:ext>
             </a:extLst>
           </p:cNvPr>
@@ -1187,7 +1187,7 @@
           <p:cNvPr id="6" name="Slide Number Placeholder 5">
             <a:extLst>
               <a:ext uri="{FF2B5EF4-FFF2-40B4-BE49-F238E27FC236}">
-                <a16:creationId xmlns:a16="http://schemas.microsoft.com/office/drawing/2014/main" xmlns="" id="{8F5A07EC-843A-4ED9-8F1C-AD703CA36D58}"/>
+                <a16:creationId xmlns="" xmlns:a16="http://schemas.microsoft.com/office/drawing/2014/main" id="{8F5A07EC-843A-4ED9-8F1C-AD703CA36D58}"/>
               </a:ext>
             </a:extLst>
           </p:cNvPr>
@@ -1246,7 +1246,7 @@
           <p:cNvPr id="2" name="Title 1">
             <a:extLst>
               <a:ext uri="{FF2B5EF4-FFF2-40B4-BE49-F238E27FC236}">
-                <a16:creationId xmlns:a16="http://schemas.microsoft.com/office/drawing/2014/main" xmlns="" id="{056EE2DA-07D9-4774-A8CA-0CA247F8C72A}"/>
+                <a16:creationId xmlns="" xmlns:a16="http://schemas.microsoft.com/office/drawing/2014/main" id="{056EE2DA-07D9-4774-A8CA-0CA247F8C72A}"/>
               </a:ext>
             </a:extLst>
           </p:cNvPr>
@@ -1275,7 +1275,7 @@
           <p:cNvPr id="3" name="Content Placeholder 2">
             <a:extLst>
               <a:ext uri="{FF2B5EF4-FFF2-40B4-BE49-F238E27FC236}">
-                <a16:creationId xmlns:a16="http://schemas.microsoft.com/office/drawing/2014/main" xmlns="" id="{3CF93A59-4E25-4FFA-8796-AA06EF3E5C3E}"/>
+                <a16:creationId xmlns="" xmlns:a16="http://schemas.microsoft.com/office/drawing/2014/main" id="{3CF93A59-4E25-4FFA-8796-AA06EF3E5C3E}"/>
               </a:ext>
             </a:extLst>
           </p:cNvPr>
@@ -1338,7 +1338,7 @@
           <p:cNvPr id="4" name="Content Placeholder 3">
             <a:extLst>
               <a:ext uri="{FF2B5EF4-FFF2-40B4-BE49-F238E27FC236}">
-                <a16:creationId xmlns:a16="http://schemas.microsoft.com/office/drawing/2014/main" xmlns="" id="{81373B10-E346-4893-AFEE-65E014405E2D}"/>
+                <a16:creationId xmlns="" xmlns:a16="http://schemas.microsoft.com/office/drawing/2014/main" id="{81373B10-E346-4893-AFEE-65E014405E2D}"/>
               </a:ext>
             </a:extLst>
           </p:cNvPr>
@@ -1401,7 +1401,7 @@
           <p:cNvPr id="5" name="Date Placeholder 4">
             <a:extLst>
               <a:ext uri="{FF2B5EF4-FFF2-40B4-BE49-F238E27FC236}">
-                <a16:creationId xmlns:a16="http://schemas.microsoft.com/office/drawing/2014/main" xmlns="" id="{D9C411A1-6D64-4C63-A758-5D2FEE677F45}"/>
+                <a16:creationId xmlns="" xmlns:a16="http://schemas.microsoft.com/office/drawing/2014/main" id="{D9C411A1-6D64-4C63-A758-5D2FEE677F45}"/>
               </a:ext>
             </a:extLst>
           </p:cNvPr>
@@ -1419,7 +1419,7 @@
           <a:p>
             <a:fld id="{03EC4E3E-8101-482F-A883-8B55DAFF7C07}" type="datetimeFigureOut">
               <a:rPr lang="en-SG" smtClean="0"/>
-              <a:t>4/3/19</a:t>
+              <a:t>5/3/19</a:t>
             </a:fld>
             <a:endParaRPr lang="en-SG"/>
           </a:p>
@@ -1430,7 +1430,7 @@
           <p:cNvPr id="6" name="Footer Placeholder 5">
             <a:extLst>
               <a:ext uri="{FF2B5EF4-FFF2-40B4-BE49-F238E27FC236}">
-                <a16:creationId xmlns:a16="http://schemas.microsoft.com/office/drawing/2014/main" xmlns="" id="{8D9C2E46-644C-4155-A697-764A7A0AB1F4}"/>
+                <a16:creationId xmlns="" xmlns:a16="http://schemas.microsoft.com/office/drawing/2014/main" id="{8D9C2E46-644C-4155-A697-764A7A0AB1F4}"/>
               </a:ext>
             </a:extLst>
           </p:cNvPr>
@@ -1455,7 +1455,7 @@
           <p:cNvPr id="7" name="Slide Number Placeholder 6">
             <a:extLst>
               <a:ext uri="{FF2B5EF4-FFF2-40B4-BE49-F238E27FC236}">
-                <a16:creationId xmlns:a16="http://schemas.microsoft.com/office/drawing/2014/main" xmlns="" id="{6192DEDD-6479-45E4-B1F5-6EDD41BBB103}"/>
+                <a16:creationId xmlns="" xmlns:a16="http://schemas.microsoft.com/office/drawing/2014/main" id="{6192DEDD-6479-45E4-B1F5-6EDD41BBB103}"/>
               </a:ext>
             </a:extLst>
           </p:cNvPr>
@@ -1514,7 +1514,7 @@
           <p:cNvPr id="2" name="Title 1">
             <a:extLst>
               <a:ext uri="{FF2B5EF4-FFF2-40B4-BE49-F238E27FC236}">
-                <a16:creationId xmlns:a16="http://schemas.microsoft.com/office/drawing/2014/main" xmlns="" id="{DC0ED888-63EF-4CC0-8500-9C8DB672FEC2}"/>
+                <a16:creationId xmlns="" xmlns:a16="http://schemas.microsoft.com/office/drawing/2014/main" id="{DC0ED888-63EF-4CC0-8500-9C8DB672FEC2}"/>
               </a:ext>
             </a:extLst>
           </p:cNvPr>
@@ -1548,7 +1548,7 @@
           <p:cNvPr id="3" name="Text Placeholder 2">
             <a:extLst>
               <a:ext uri="{FF2B5EF4-FFF2-40B4-BE49-F238E27FC236}">
-                <a16:creationId xmlns:a16="http://schemas.microsoft.com/office/drawing/2014/main" xmlns="" id="{3C33BC1E-FB79-4906-A967-9C7046C6D272}"/>
+                <a16:creationId xmlns="" xmlns:a16="http://schemas.microsoft.com/office/drawing/2014/main" id="{3C33BC1E-FB79-4906-A967-9C7046C6D272}"/>
               </a:ext>
             </a:extLst>
           </p:cNvPr>
@@ -1619,7 +1619,7 @@
           <p:cNvPr id="4" name="Content Placeholder 3">
             <a:extLst>
               <a:ext uri="{FF2B5EF4-FFF2-40B4-BE49-F238E27FC236}">
-                <a16:creationId xmlns:a16="http://schemas.microsoft.com/office/drawing/2014/main" xmlns="" id="{697A4EC6-1C42-4BA4-8108-32579276C17B}"/>
+                <a16:creationId xmlns="" xmlns:a16="http://schemas.microsoft.com/office/drawing/2014/main" id="{697A4EC6-1C42-4BA4-8108-32579276C17B}"/>
               </a:ext>
             </a:extLst>
           </p:cNvPr>
@@ -1682,7 +1682,7 @@
           <p:cNvPr id="5" name="Text Placeholder 4">
             <a:extLst>
               <a:ext uri="{FF2B5EF4-FFF2-40B4-BE49-F238E27FC236}">
-                <a16:creationId xmlns:a16="http://schemas.microsoft.com/office/drawing/2014/main" xmlns="" id="{8A2CA209-B9F5-4E1E-B302-74CC2D4CFDFB}"/>
+                <a16:creationId xmlns="" xmlns:a16="http://schemas.microsoft.com/office/drawing/2014/main" id="{8A2CA209-B9F5-4E1E-B302-74CC2D4CFDFB}"/>
               </a:ext>
             </a:extLst>
           </p:cNvPr>
@@ -1753,7 +1753,7 @@
           <p:cNvPr id="6" name="Content Placeholder 5">
             <a:extLst>
               <a:ext uri="{FF2B5EF4-FFF2-40B4-BE49-F238E27FC236}">
-                <a16:creationId xmlns:a16="http://schemas.microsoft.com/office/drawing/2014/main" xmlns="" id="{0E6E876D-DC4D-40EE-BA38-CD01089602CF}"/>
+                <a16:creationId xmlns="" xmlns:a16="http://schemas.microsoft.com/office/drawing/2014/main" id="{0E6E876D-DC4D-40EE-BA38-CD01089602CF}"/>
               </a:ext>
             </a:extLst>
           </p:cNvPr>
@@ -1816,7 +1816,7 @@
           <p:cNvPr id="7" name="Date Placeholder 6">
             <a:extLst>
               <a:ext uri="{FF2B5EF4-FFF2-40B4-BE49-F238E27FC236}">
-                <a16:creationId xmlns:a16="http://schemas.microsoft.com/office/drawing/2014/main" xmlns="" id="{F24E1D97-8B3C-41A1-B0BA-BA833AD8BC7C}"/>
+                <a16:creationId xmlns="" xmlns:a16="http://schemas.microsoft.com/office/drawing/2014/main" id="{F24E1D97-8B3C-41A1-B0BA-BA833AD8BC7C}"/>
               </a:ext>
             </a:extLst>
           </p:cNvPr>
@@ -1834,7 +1834,7 @@
           <a:p>
             <a:fld id="{03EC4E3E-8101-482F-A883-8B55DAFF7C07}" type="datetimeFigureOut">
               <a:rPr lang="en-SG" smtClean="0"/>
-              <a:t>4/3/19</a:t>
+              <a:t>5/3/19</a:t>
             </a:fld>
             <a:endParaRPr lang="en-SG"/>
           </a:p>
@@ -1845,7 +1845,7 @@
           <p:cNvPr id="8" name="Footer Placeholder 7">
             <a:extLst>
               <a:ext uri="{FF2B5EF4-FFF2-40B4-BE49-F238E27FC236}">
-                <a16:creationId xmlns:a16="http://schemas.microsoft.com/office/drawing/2014/main" xmlns="" id="{FC358D8F-B7DA-4DCE-AC8F-706450EEC0DC}"/>
+                <a16:creationId xmlns="" xmlns:a16="http://schemas.microsoft.com/office/drawing/2014/main" id="{FC358D8F-B7DA-4DCE-AC8F-706450EEC0DC}"/>
               </a:ext>
             </a:extLst>
           </p:cNvPr>
@@ -1870,7 +1870,7 @@
           <p:cNvPr id="9" name="Slide Number Placeholder 8">
             <a:extLst>
               <a:ext uri="{FF2B5EF4-FFF2-40B4-BE49-F238E27FC236}">
-                <a16:creationId xmlns:a16="http://schemas.microsoft.com/office/drawing/2014/main" xmlns="" id="{40CE354E-2C73-4B6F-8AEB-14D1378A77E1}"/>
+                <a16:creationId xmlns="" xmlns:a16="http://schemas.microsoft.com/office/drawing/2014/main" id="{40CE354E-2C73-4B6F-8AEB-14D1378A77E1}"/>
               </a:ext>
             </a:extLst>
           </p:cNvPr>
@@ -1929,7 +1929,7 @@
           <p:cNvPr id="2" name="Title 1">
             <a:extLst>
               <a:ext uri="{FF2B5EF4-FFF2-40B4-BE49-F238E27FC236}">
-                <a16:creationId xmlns:a16="http://schemas.microsoft.com/office/drawing/2014/main" xmlns="" id="{17D9D381-288C-43FB-86C2-AAA4FCFD43FD}"/>
+                <a16:creationId xmlns="" xmlns:a16="http://schemas.microsoft.com/office/drawing/2014/main" id="{17D9D381-288C-43FB-86C2-AAA4FCFD43FD}"/>
               </a:ext>
             </a:extLst>
           </p:cNvPr>
@@ -1958,7 +1958,7 @@
           <p:cNvPr id="3" name="Date Placeholder 2">
             <a:extLst>
               <a:ext uri="{FF2B5EF4-FFF2-40B4-BE49-F238E27FC236}">
-                <a16:creationId xmlns:a16="http://schemas.microsoft.com/office/drawing/2014/main" xmlns="" id="{A85D75E5-4830-4F75-8132-91122609F925}"/>
+                <a16:creationId xmlns="" xmlns:a16="http://schemas.microsoft.com/office/drawing/2014/main" id="{A85D75E5-4830-4F75-8132-91122609F925}"/>
               </a:ext>
             </a:extLst>
           </p:cNvPr>
@@ -1976,7 +1976,7 @@
           <a:p>
             <a:fld id="{03EC4E3E-8101-482F-A883-8B55DAFF7C07}" type="datetimeFigureOut">
               <a:rPr lang="en-SG" smtClean="0"/>
-              <a:t>4/3/19</a:t>
+              <a:t>5/3/19</a:t>
             </a:fld>
             <a:endParaRPr lang="en-SG"/>
           </a:p>
@@ -1987,7 +1987,7 @@
           <p:cNvPr id="4" name="Footer Placeholder 3">
             <a:extLst>
               <a:ext uri="{FF2B5EF4-FFF2-40B4-BE49-F238E27FC236}">
-                <a16:creationId xmlns:a16="http://schemas.microsoft.com/office/drawing/2014/main" xmlns="" id="{0C14A42C-834F-43EA-8053-84D5A665CEE7}"/>
+                <a16:creationId xmlns="" xmlns:a16="http://schemas.microsoft.com/office/drawing/2014/main" id="{0C14A42C-834F-43EA-8053-84D5A665CEE7}"/>
               </a:ext>
             </a:extLst>
           </p:cNvPr>
@@ -2012,7 +2012,7 @@
           <p:cNvPr id="5" name="Slide Number Placeholder 4">
             <a:extLst>
               <a:ext uri="{FF2B5EF4-FFF2-40B4-BE49-F238E27FC236}">
-                <a16:creationId xmlns:a16="http://schemas.microsoft.com/office/drawing/2014/main" xmlns="" id="{38C1E789-CDA9-48FF-A7BA-F21E31600226}"/>
+                <a16:creationId xmlns="" xmlns:a16="http://schemas.microsoft.com/office/drawing/2014/main" id="{38C1E789-CDA9-48FF-A7BA-F21E31600226}"/>
               </a:ext>
             </a:extLst>
           </p:cNvPr>
@@ -2071,7 +2071,7 @@
           <p:cNvPr id="2" name="Date Placeholder 1">
             <a:extLst>
               <a:ext uri="{FF2B5EF4-FFF2-40B4-BE49-F238E27FC236}">
-                <a16:creationId xmlns:a16="http://schemas.microsoft.com/office/drawing/2014/main" xmlns="" id="{21A40ECD-0ABD-4F35-B481-512A01FC643D}"/>
+                <a16:creationId xmlns="" xmlns:a16="http://schemas.microsoft.com/office/drawing/2014/main" id="{21A40ECD-0ABD-4F35-B481-512A01FC643D}"/>
               </a:ext>
             </a:extLst>
           </p:cNvPr>
@@ -2089,7 +2089,7 @@
           <a:p>
             <a:fld id="{03EC4E3E-8101-482F-A883-8B55DAFF7C07}" type="datetimeFigureOut">
               <a:rPr lang="en-SG" smtClean="0"/>
-              <a:t>4/3/19</a:t>
+              <a:t>5/3/19</a:t>
             </a:fld>
             <a:endParaRPr lang="en-SG"/>
           </a:p>
@@ -2100,7 +2100,7 @@
           <p:cNvPr id="3" name="Footer Placeholder 2">
             <a:extLst>
               <a:ext uri="{FF2B5EF4-FFF2-40B4-BE49-F238E27FC236}">
-                <a16:creationId xmlns:a16="http://schemas.microsoft.com/office/drawing/2014/main" xmlns="" id="{D44B8F11-A412-4FA6-9070-B9C742F699F3}"/>
+                <a16:creationId xmlns="" xmlns:a16="http://schemas.microsoft.com/office/drawing/2014/main" id="{D44B8F11-A412-4FA6-9070-B9C742F699F3}"/>
               </a:ext>
             </a:extLst>
           </p:cNvPr>
@@ -2125,7 +2125,7 @@
           <p:cNvPr id="4" name="Slide Number Placeholder 3">
             <a:extLst>
               <a:ext uri="{FF2B5EF4-FFF2-40B4-BE49-F238E27FC236}">
-                <a16:creationId xmlns:a16="http://schemas.microsoft.com/office/drawing/2014/main" xmlns="" id="{E3EA086A-DA0B-4378-A128-F213644ECB0C}"/>
+                <a16:creationId xmlns="" xmlns:a16="http://schemas.microsoft.com/office/drawing/2014/main" id="{E3EA086A-DA0B-4378-A128-F213644ECB0C}"/>
               </a:ext>
             </a:extLst>
           </p:cNvPr>
@@ -2184,7 +2184,7 @@
           <p:cNvPr id="2" name="Title 1">
             <a:extLst>
               <a:ext uri="{FF2B5EF4-FFF2-40B4-BE49-F238E27FC236}">
-                <a16:creationId xmlns:a16="http://schemas.microsoft.com/office/drawing/2014/main" xmlns="" id="{765D165A-D423-4E89-A075-D59A9FB59792}"/>
+                <a16:creationId xmlns="" xmlns:a16="http://schemas.microsoft.com/office/drawing/2014/main" id="{765D165A-D423-4E89-A075-D59A9FB59792}"/>
               </a:ext>
             </a:extLst>
           </p:cNvPr>
@@ -2222,7 +2222,7 @@
           <p:cNvPr id="3" name="Content Placeholder 2">
             <a:extLst>
               <a:ext uri="{FF2B5EF4-FFF2-40B4-BE49-F238E27FC236}">
-                <a16:creationId xmlns:a16="http://schemas.microsoft.com/office/drawing/2014/main" xmlns="" id="{77C2A5CC-2876-49CA-993D-F4F73FC9D2B0}"/>
+                <a16:creationId xmlns="" xmlns:a16="http://schemas.microsoft.com/office/drawing/2014/main" id="{77C2A5CC-2876-49CA-993D-F4F73FC9D2B0}"/>
               </a:ext>
             </a:extLst>
           </p:cNvPr>
@@ -2313,7 +2313,7 @@
           <p:cNvPr id="4" name="Text Placeholder 3">
             <a:extLst>
               <a:ext uri="{FF2B5EF4-FFF2-40B4-BE49-F238E27FC236}">
-                <a16:creationId xmlns:a16="http://schemas.microsoft.com/office/drawing/2014/main" xmlns="" id="{7B4DE2E8-CCF6-4E88-A858-05A04CD0D736}"/>
+                <a16:creationId xmlns="" xmlns:a16="http://schemas.microsoft.com/office/drawing/2014/main" id="{7B4DE2E8-CCF6-4E88-A858-05A04CD0D736}"/>
               </a:ext>
             </a:extLst>
           </p:cNvPr>
@@ -2384,7 +2384,7 @@
           <p:cNvPr id="5" name="Date Placeholder 4">
             <a:extLst>
               <a:ext uri="{FF2B5EF4-FFF2-40B4-BE49-F238E27FC236}">
-                <a16:creationId xmlns:a16="http://schemas.microsoft.com/office/drawing/2014/main" xmlns="" id="{CAEBEC1E-DE48-4B55-A846-F8248E381145}"/>
+                <a16:creationId xmlns="" xmlns:a16="http://schemas.microsoft.com/office/drawing/2014/main" id="{CAEBEC1E-DE48-4B55-A846-F8248E381145}"/>
               </a:ext>
             </a:extLst>
           </p:cNvPr>
@@ -2402,7 +2402,7 @@
           <a:p>
             <a:fld id="{03EC4E3E-8101-482F-A883-8B55DAFF7C07}" type="datetimeFigureOut">
               <a:rPr lang="en-SG" smtClean="0"/>
-              <a:t>4/3/19</a:t>
+              <a:t>5/3/19</a:t>
             </a:fld>
             <a:endParaRPr lang="en-SG"/>
           </a:p>
@@ -2413,7 +2413,7 @@
           <p:cNvPr id="6" name="Footer Placeholder 5">
             <a:extLst>
               <a:ext uri="{FF2B5EF4-FFF2-40B4-BE49-F238E27FC236}">
-                <a16:creationId xmlns:a16="http://schemas.microsoft.com/office/drawing/2014/main" xmlns="" id="{945A6E8B-6BC2-49E9-B4E5-DAD3F7A1A1BF}"/>
+                <a16:creationId xmlns="" xmlns:a16="http://schemas.microsoft.com/office/drawing/2014/main" id="{945A6E8B-6BC2-49E9-B4E5-DAD3F7A1A1BF}"/>
               </a:ext>
             </a:extLst>
           </p:cNvPr>
@@ -2438,7 +2438,7 @@
           <p:cNvPr id="7" name="Slide Number Placeholder 6">
             <a:extLst>
               <a:ext uri="{FF2B5EF4-FFF2-40B4-BE49-F238E27FC236}">
-                <a16:creationId xmlns:a16="http://schemas.microsoft.com/office/drawing/2014/main" xmlns="" id="{E5CF739B-EDF0-43CE-A87E-C49F040C85A5}"/>
+                <a16:creationId xmlns="" xmlns:a16="http://schemas.microsoft.com/office/drawing/2014/main" id="{E5CF739B-EDF0-43CE-A87E-C49F040C85A5}"/>
               </a:ext>
             </a:extLst>
           </p:cNvPr>
@@ -2497,7 +2497,7 @@
           <p:cNvPr id="2" name="Title 1">
             <a:extLst>
               <a:ext uri="{FF2B5EF4-FFF2-40B4-BE49-F238E27FC236}">
-                <a16:creationId xmlns:a16="http://schemas.microsoft.com/office/drawing/2014/main" xmlns="" id="{0091F49F-E849-4834-84DB-61CF2F2652D4}"/>
+                <a16:creationId xmlns="" xmlns:a16="http://schemas.microsoft.com/office/drawing/2014/main" id="{0091F49F-E849-4834-84DB-61CF2F2652D4}"/>
               </a:ext>
             </a:extLst>
           </p:cNvPr>
@@ -2535,7 +2535,7 @@
           <p:cNvPr id="3" name="Picture Placeholder 2">
             <a:extLst>
               <a:ext uri="{FF2B5EF4-FFF2-40B4-BE49-F238E27FC236}">
-                <a16:creationId xmlns:a16="http://schemas.microsoft.com/office/drawing/2014/main" xmlns="" id="{631D62A9-3420-4F1C-9EB9-09EF85106E78}"/>
+                <a16:creationId xmlns="" xmlns:a16="http://schemas.microsoft.com/office/drawing/2014/main" id="{631D62A9-3420-4F1C-9EB9-09EF85106E78}"/>
               </a:ext>
             </a:extLst>
           </p:cNvPr>
@@ -2602,7 +2602,7 @@
           <p:cNvPr id="4" name="Text Placeholder 3">
             <a:extLst>
               <a:ext uri="{FF2B5EF4-FFF2-40B4-BE49-F238E27FC236}">
-                <a16:creationId xmlns:a16="http://schemas.microsoft.com/office/drawing/2014/main" xmlns="" id="{E450EC8D-D7F4-45FC-AD8C-2E198A32CCA2}"/>
+                <a16:creationId xmlns="" xmlns:a16="http://schemas.microsoft.com/office/drawing/2014/main" id="{E450EC8D-D7F4-45FC-AD8C-2E198A32CCA2}"/>
               </a:ext>
             </a:extLst>
           </p:cNvPr>
@@ -2673,7 +2673,7 @@
           <p:cNvPr id="5" name="Date Placeholder 4">
             <a:extLst>
               <a:ext uri="{FF2B5EF4-FFF2-40B4-BE49-F238E27FC236}">
-                <a16:creationId xmlns:a16="http://schemas.microsoft.com/office/drawing/2014/main" xmlns="" id="{7A73D668-ABF4-41FE-958C-542EEDC5F6CC}"/>
+                <a16:creationId xmlns="" xmlns:a16="http://schemas.microsoft.com/office/drawing/2014/main" id="{7A73D668-ABF4-41FE-958C-542EEDC5F6CC}"/>
               </a:ext>
             </a:extLst>
           </p:cNvPr>
@@ -2691,7 +2691,7 @@
           <a:p>
             <a:fld id="{03EC4E3E-8101-482F-A883-8B55DAFF7C07}" type="datetimeFigureOut">
               <a:rPr lang="en-SG" smtClean="0"/>
-              <a:t>4/3/19</a:t>
+              <a:t>5/3/19</a:t>
             </a:fld>
             <a:endParaRPr lang="en-SG"/>
           </a:p>
@@ -2702,7 +2702,7 @@
           <p:cNvPr id="6" name="Footer Placeholder 5">
             <a:extLst>
               <a:ext uri="{FF2B5EF4-FFF2-40B4-BE49-F238E27FC236}">
-                <a16:creationId xmlns:a16="http://schemas.microsoft.com/office/drawing/2014/main" xmlns="" id="{F4A83B1C-93E7-4D32-9D1B-3F37403B1ACD}"/>
+                <a16:creationId xmlns="" xmlns:a16="http://schemas.microsoft.com/office/drawing/2014/main" id="{F4A83B1C-93E7-4D32-9D1B-3F37403B1ACD}"/>
               </a:ext>
             </a:extLst>
           </p:cNvPr>
@@ -2727,7 +2727,7 @@
           <p:cNvPr id="7" name="Slide Number Placeholder 6">
             <a:extLst>
               <a:ext uri="{FF2B5EF4-FFF2-40B4-BE49-F238E27FC236}">
-                <a16:creationId xmlns:a16="http://schemas.microsoft.com/office/drawing/2014/main" xmlns="" id="{C6AF73BE-F17B-487B-943B-28655BB51C92}"/>
+                <a16:creationId xmlns="" xmlns:a16="http://schemas.microsoft.com/office/drawing/2014/main" id="{C6AF73BE-F17B-487B-943B-28655BB51C92}"/>
               </a:ext>
             </a:extLst>
           </p:cNvPr>
@@ -2791,7 +2791,7 @@
           <p:cNvPr id="2" name="Title Placeholder 1">
             <a:extLst>
               <a:ext uri="{FF2B5EF4-FFF2-40B4-BE49-F238E27FC236}">
-                <a16:creationId xmlns:a16="http://schemas.microsoft.com/office/drawing/2014/main" xmlns="" id="{96F7127E-5F47-4B37-9FDB-695AB14D9551}"/>
+                <a16:creationId xmlns="" xmlns:a16="http://schemas.microsoft.com/office/drawing/2014/main" id="{96F7127E-5F47-4B37-9FDB-695AB14D9551}"/>
               </a:ext>
             </a:extLst>
           </p:cNvPr>
@@ -2830,7 +2830,7 @@
           <p:cNvPr id="3" name="Text Placeholder 2">
             <a:extLst>
               <a:ext uri="{FF2B5EF4-FFF2-40B4-BE49-F238E27FC236}">
-                <a16:creationId xmlns:a16="http://schemas.microsoft.com/office/drawing/2014/main" xmlns="" id="{3BD20F0F-B303-4EE3-AF17-E303EA90B1A3}"/>
+                <a16:creationId xmlns="" xmlns:a16="http://schemas.microsoft.com/office/drawing/2014/main" id="{3BD20F0F-B303-4EE3-AF17-E303EA90B1A3}"/>
               </a:ext>
             </a:extLst>
           </p:cNvPr>
@@ -2898,7 +2898,7 @@
           <p:cNvPr id="4" name="Date Placeholder 3">
             <a:extLst>
               <a:ext uri="{FF2B5EF4-FFF2-40B4-BE49-F238E27FC236}">
-                <a16:creationId xmlns:a16="http://schemas.microsoft.com/office/drawing/2014/main" xmlns="" id="{7927ADFB-0C7F-4333-A456-815FAB4B0315}"/>
+                <a16:creationId xmlns="" xmlns:a16="http://schemas.microsoft.com/office/drawing/2014/main" id="{7927ADFB-0C7F-4333-A456-815FAB4B0315}"/>
               </a:ext>
             </a:extLst>
           </p:cNvPr>
@@ -2934,7 +2934,7 @@
           <a:p>
             <a:fld id="{03EC4E3E-8101-482F-A883-8B55DAFF7C07}" type="datetimeFigureOut">
               <a:rPr lang="en-SG" smtClean="0"/>
-              <a:t>4/3/19</a:t>
+              <a:t>5/3/19</a:t>
             </a:fld>
             <a:endParaRPr lang="en-SG"/>
           </a:p>
@@ -2945,7 +2945,7 @@
           <p:cNvPr id="5" name="Footer Placeholder 4">
             <a:extLst>
               <a:ext uri="{FF2B5EF4-FFF2-40B4-BE49-F238E27FC236}">
-                <a16:creationId xmlns:a16="http://schemas.microsoft.com/office/drawing/2014/main" xmlns="" id="{A1992B28-8397-4C93-A277-5EE43A537825}"/>
+                <a16:creationId xmlns="" xmlns:a16="http://schemas.microsoft.com/office/drawing/2014/main" id="{A1992B28-8397-4C93-A277-5EE43A537825}"/>
               </a:ext>
             </a:extLst>
           </p:cNvPr>
@@ -2988,7 +2988,7 @@
           <p:cNvPr id="6" name="Slide Number Placeholder 5">
             <a:extLst>
               <a:ext uri="{FF2B5EF4-FFF2-40B4-BE49-F238E27FC236}">
-                <a16:creationId xmlns:a16="http://schemas.microsoft.com/office/drawing/2014/main" xmlns="" id="{D7231209-A74B-4134-87D0-421AB81BBB47}"/>
+                <a16:creationId xmlns="" xmlns:a16="http://schemas.microsoft.com/office/drawing/2014/main" id="{D7231209-A74B-4134-87D0-421AB81BBB47}"/>
               </a:ext>
             </a:extLst>
           </p:cNvPr>
@@ -3400,7 +3400,7 @@
           <p:cNvPr id="15" name="TextBox 14">
             <a:extLst>
               <a:ext uri="{FF2B5EF4-FFF2-40B4-BE49-F238E27FC236}">
-                <a16:creationId xmlns:a16="http://schemas.microsoft.com/office/drawing/2014/main" xmlns="" id="{032C4FEA-C10B-4133-9BF6-AF6F40CC1AD4}"/>
+                <a16:creationId xmlns="" xmlns:a16="http://schemas.microsoft.com/office/drawing/2014/main" id="{032C4FEA-C10B-4133-9BF6-AF6F40CC1AD4}"/>
               </a:ext>
             </a:extLst>
           </p:cNvPr>
@@ -3469,7 +3469,7 @@
           <p:cNvPr id="17" name="TextBox 16">
             <a:extLst>
               <a:ext uri="{FF2B5EF4-FFF2-40B4-BE49-F238E27FC236}">
-                <a16:creationId xmlns:a16="http://schemas.microsoft.com/office/drawing/2014/main" xmlns="" id="{3151A13B-9509-43FA-BFEB-1D9866A00B84}"/>
+                <a16:creationId xmlns="" xmlns:a16="http://schemas.microsoft.com/office/drawing/2014/main" id="{3151A13B-9509-43FA-BFEB-1D9866A00B84}"/>
               </a:ext>
             </a:extLst>
           </p:cNvPr>
@@ -3559,7 +3559,7 @@
           <p:cNvPr id="22" name="TextBox 21">
             <a:extLst>
               <a:ext uri="{FF2B5EF4-FFF2-40B4-BE49-F238E27FC236}">
-                <a16:creationId xmlns:a16="http://schemas.microsoft.com/office/drawing/2014/main" xmlns="" id="{3151A13B-9509-43FA-BFEB-1D9866A00B84}"/>
+                <a16:creationId xmlns="" xmlns:a16="http://schemas.microsoft.com/office/drawing/2014/main" id="{3151A13B-9509-43FA-BFEB-1D9866A00B84}"/>
               </a:ext>
             </a:extLst>
           </p:cNvPr>
@@ -3649,7 +3649,7 @@
           <p:cNvPr id="16" name="Table 15">
             <a:extLst>
               <a:ext uri="{FF2B5EF4-FFF2-40B4-BE49-F238E27FC236}">
-                <a16:creationId xmlns:a16="http://schemas.microsoft.com/office/drawing/2014/main" xmlns="" id="{F545FAB8-F1CE-4886-9BDE-E772BCB0A9C4}"/>
+                <a16:creationId xmlns="" xmlns:a16="http://schemas.microsoft.com/office/drawing/2014/main" id="{F545FAB8-F1CE-4886-9BDE-E772BCB0A9C4}"/>
               </a:ext>
             </a:extLst>
           </p:cNvPr>
@@ -3659,7 +3659,7 @@
           <p:nvPr>
             <p:extLst>
               <p:ext uri="{D42A27DB-BD31-4B8C-83A1-F6EECF244321}">
-                <p14:modId xmlns:p14="http://schemas.microsoft.com/office/powerpoint/2010/main" val="272310375"/>
+                <p14:modId xmlns:p14="http://schemas.microsoft.com/office/powerpoint/2010/main" val="395820825"/>
               </p:ext>
             </p:extLst>
           </p:nvPr>
@@ -3678,7 +3678,7 @@
                 <a:gridCol w="1825824">
                   <a:extLst>
                     <a:ext uri="{9D8B030D-6E8A-4147-A177-3AD203B41FA5}">
-                      <a16:colId xmlns:a16="http://schemas.microsoft.com/office/drawing/2014/main" xmlns="" val="4240773277"/>
+                      <a16:colId xmlns="" xmlns:a16="http://schemas.microsoft.com/office/drawing/2014/main" val="4240773277"/>
                     </a:ext>
                   </a:extLst>
                 </a:gridCol>
@@ -3695,7 +3695,7 @@
                       </a:r>
                       <a:r>
                         <a:rPr lang="en-SG" sz="1800" u="sng" dirty="0" smtClean="0"/>
-                        <a:t>BookList</a:t>
+                        <a:t>BookShelf</a:t>
                       </a:r>
                       <a:endParaRPr lang="en-SG" u="sng" dirty="0"/>
                     </a:p>
@@ -3704,7 +3704,7 @@
                 </a:tc>
                 <a:extLst>
                   <a:ext uri="{0D108BD9-81ED-4DB2-BD59-A6C34878D82A}">
-                    <a16:rowId xmlns:a16="http://schemas.microsoft.com/office/drawing/2014/main" xmlns="" val="2194462629"/>
+                    <a16:rowId xmlns="" xmlns:a16="http://schemas.microsoft.com/office/drawing/2014/main" val="2194462629"/>
                   </a:ext>
                 </a:extLst>
               </a:tr>
@@ -3717,7 +3717,7 @@
           <p:cNvPr id="29" name="Table 28">
             <a:extLst>
               <a:ext uri="{FF2B5EF4-FFF2-40B4-BE49-F238E27FC236}">
-                <a16:creationId xmlns:a16="http://schemas.microsoft.com/office/drawing/2014/main" xmlns="" id="{F545FAB8-F1CE-4886-9BDE-E772BCB0A9C4}"/>
+                <a16:creationId xmlns="" xmlns:a16="http://schemas.microsoft.com/office/drawing/2014/main" id="{F545FAB8-F1CE-4886-9BDE-E772BCB0A9C4}"/>
               </a:ext>
             </a:extLst>
           </p:cNvPr>
@@ -3727,7 +3727,7 @@
           <p:nvPr>
             <p:extLst>
               <p:ext uri="{D42A27DB-BD31-4B8C-83A1-F6EECF244321}">
-                <p14:modId xmlns:p14="http://schemas.microsoft.com/office/powerpoint/2010/main" val="3556384"/>
+                <p14:modId xmlns:p14="http://schemas.microsoft.com/office/powerpoint/2010/main" val="1349102624"/>
               </p:ext>
             </p:extLst>
           </p:nvPr>
@@ -3746,7 +3746,7 @@
                 <a:gridCol w="1825824">
                   <a:extLst>
                     <a:ext uri="{9D8B030D-6E8A-4147-A177-3AD203B41FA5}">
-                      <a16:colId xmlns:a16="http://schemas.microsoft.com/office/drawing/2014/main" xmlns="" val="4240773277"/>
+                      <a16:colId xmlns="" xmlns:a16="http://schemas.microsoft.com/office/drawing/2014/main" val="4240773277"/>
                     </a:ext>
                   </a:extLst>
                 </a:gridCol>
@@ -3763,7 +3763,7 @@
                       </a:r>
                       <a:r>
                         <a:rPr lang="en-SG" sz="1800" u="sng" dirty="0" smtClean="0"/>
-                        <a:t>BookList</a:t>
+                        <a:t>BookShelf</a:t>
                       </a:r>
                       <a:endParaRPr lang="en-SG" u="sng" dirty="0"/>
                     </a:p>
@@ -3772,7 +3772,7 @@
                 </a:tc>
                 <a:extLst>
                   <a:ext uri="{0D108BD9-81ED-4DB2-BD59-A6C34878D82A}">
-                    <a16:rowId xmlns:a16="http://schemas.microsoft.com/office/drawing/2014/main" xmlns="" val="2194462629"/>
+                    <a16:rowId xmlns="" xmlns:a16="http://schemas.microsoft.com/office/drawing/2014/main" val="2194462629"/>
                   </a:ext>
                 </a:extLst>
               </a:tr>
@@ -3785,7 +3785,7 @@
           <p:cNvPr id="30" name="Table 29">
             <a:extLst>
               <a:ext uri="{FF2B5EF4-FFF2-40B4-BE49-F238E27FC236}">
-                <a16:creationId xmlns:a16="http://schemas.microsoft.com/office/drawing/2014/main" xmlns="" id="{F545FAB8-F1CE-4886-9BDE-E772BCB0A9C4}"/>
+                <a16:creationId xmlns="" xmlns:a16="http://schemas.microsoft.com/office/drawing/2014/main" id="{F545FAB8-F1CE-4886-9BDE-E772BCB0A9C4}"/>
               </a:ext>
             </a:extLst>
           </p:cNvPr>
@@ -3795,7 +3795,7 @@
           <p:nvPr>
             <p:extLst>
               <p:ext uri="{D42A27DB-BD31-4B8C-83A1-F6EECF244321}">
-                <p14:modId xmlns:p14="http://schemas.microsoft.com/office/powerpoint/2010/main" val="1961014988"/>
+                <p14:modId xmlns:p14="http://schemas.microsoft.com/office/powerpoint/2010/main" val="2089443793"/>
               </p:ext>
             </p:extLst>
           </p:nvPr>
@@ -3814,7 +3814,7 @@
                 <a:gridCol w="1825824">
                   <a:extLst>
                     <a:ext uri="{9D8B030D-6E8A-4147-A177-3AD203B41FA5}">
-                      <a16:colId xmlns:a16="http://schemas.microsoft.com/office/drawing/2014/main" xmlns="" val="4240773277"/>
+                      <a16:colId xmlns="" xmlns:a16="http://schemas.microsoft.com/office/drawing/2014/main" val="4240773277"/>
                     </a:ext>
                   </a:extLst>
                 </a:gridCol>
@@ -3831,7 +3831,7 @@
                       </a:r>
                       <a:r>
                         <a:rPr lang="en-SG" sz="1800" u="sng" dirty="0" smtClean="0"/>
-                        <a:t>BookList</a:t>
+                        <a:t>BookShelf</a:t>
                       </a:r>
                       <a:endParaRPr lang="en-SG" u="sng" dirty="0"/>
                     </a:p>
@@ -3840,7 +3840,7 @@
                 </a:tc>
                 <a:extLst>
                   <a:ext uri="{0D108BD9-81ED-4DB2-BD59-A6C34878D82A}">
-                    <a16:rowId xmlns:a16="http://schemas.microsoft.com/office/drawing/2014/main" xmlns="" val="2194462629"/>
+                    <a16:rowId xmlns="" xmlns:a16="http://schemas.microsoft.com/office/drawing/2014/main" val="2194462629"/>
                   </a:ext>
                 </a:extLst>
               </a:tr>
@@ -3853,7 +3853,7 @@
           <p:cNvPr id="31" name="Table 30">
             <a:extLst>
               <a:ext uri="{FF2B5EF4-FFF2-40B4-BE49-F238E27FC236}">
-                <a16:creationId xmlns:a16="http://schemas.microsoft.com/office/drawing/2014/main" xmlns="" id="{F545FAB8-F1CE-4886-9BDE-E772BCB0A9C4}"/>
+                <a16:creationId xmlns="" xmlns:a16="http://schemas.microsoft.com/office/drawing/2014/main" id="{F545FAB8-F1CE-4886-9BDE-E772BCB0A9C4}"/>
               </a:ext>
             </a:extLst>
           </p:cNvPr>
@@ -3863,7 +3863,7 @@
           <p:nvPr>
             <p:extLst>
               <p:ext uri="{D42A27DB-BD31-4B8C-83A1-F6EECF244321}">
-                <p14:modId xmlns:p14="http://schemas.microsoft.com/office/powerpoint/2010/main" val="2003407977"/>
+                <p14:modId xmlns:p14="http://schemas.microsoft.com/office/powerpoint/2010/main" val="123628957"/>
               </p:ext>
             </p:extLst>
           </p:nvPr>
@@ -3882,7 +3882,7 @@
                 <a:gridCol w="1825824">
                   <a:extLst>
                     <a:ext uri="{9D8B030D-6E8A-4147-A177-3AD203B41FA5}">
-                      <a16:colId xmlns:a16="http://schemas.microsoft.com/office/drawing/2014/main" xmlns="" val="4240773277"/>
+                      <a16:colId xmlns="" xmlns:a16="http://schemas.microsoft.com/office/drawing/2014/main" val="4240773277"/>
                     </a:ext>
                   </a:extLst>
                 </a:gridCol>
@@ -3899,7 +3899,7 @@
                       </a:r>
                       <a:r>
                         <a:rPr lang="en-SG" sz="1800" u="sng" dirty="0" smtClean="0"/>
-                        <a:t>BookList</a:t>
+                        <a:t>BookShelf</a:t>
                       </a:r>
                       <a:endParaRPr lang="en-SG" u="sng" dirty="0"/>
                     </a:p>
@@ -3908,7 +3908,7 @@
                 </a:tc>
                 <a:extLst>
                   <a:ext uri="{0D108BD9-81ED-4DB2-BD59-A6C34878D82A}">
-                    <a16:rowId xmlns:a16="http://schemas.microsoft.com/office/drawing/2014/main" xmlns="" val="2194462629"/>
+                    <a16:rowId xmlns="" xmlns:a16="http://schemas.microsoft.com/office/drawing/2014/main" val="2194462629"/>
                   </a:ext>
                 </a:extLst>
               </a:tr>
@@ -3921,7 +3921,7 @@
           <p:cNvPr id="32" name="Table 31">
             <a:extLst>
               <a:ext uri="{FF2B5EF4-FFF2-40B4-BE49-F238E27FC236}">
-                <a16:creationId xmlns:a16="http://schemas.microsoft.com/office/drawing/2014/main" xmlns="" id="{F545FAB8-F1CE-4886-9BDE-E772BCB0A9C4}"/>
+                <a16:creationId xmlns="" xmlns:a16="http://schemas.microsoft.com/office/drawing/2014/main" id="{F545FAB8-F1CE-4886-9BDE-E772BCB0A9C4}"/>
               </a:ext>
             </a:extLst>
           </p:cNvPr>
@@ -3931,7 +3931,7 @@
           <p:nvPr>
             <p:extLst>
               <p:ext uri="{D42A27DB-BD31-4B8C-83A1-F6EECF244321}">
-                <p14:modId xmlns:p14="http://schemas.microsoft.com/office/powerpoint/2010/main" val="1236502644"/>
+                <p14:modId xmlns:p14="http://schemas.microsoft.com/office/powerpoint/2010/main" val="583105653"/>
               </p:ext>
             </p:extLst>
           </p:nvPr>
@@ -3950,7 +3950,7 @@
                 <a:gridCol w="1825824">
                   <a:extLst>
                     <a:ext uri="{9D8B030D-6E8A-4147-A177-3AD203B41FA5}">
-                      <a16:colId xmlns:a16="http://schemas.microsoft.com/office/drawing/2014/main" xmlns="" val="4240773277"/>
+                      <a16:colId xmlns="" xmlns:a16="http://schemas.microsoft.com/office/drawing/2014/main" val="4240773277"/>
                     </a:ext>
                   </a:extLst>
                 </a:gridCol>
@@ -3967,7 +3967,7 @@
                       </a:r>
                       <a:r>
                         <a:rPr lang="en-SG" sz="1800" u="sng" dirty="0" smtClean="0"/>
-                        <a:t>BookList</a:t>
+                        <a:t>BookShelf</a:t>
                       </a:r>
                       <a:endParaRPr lang="en-SG" u="sng" dirty="0"/>
                     </a:p>
@@ -3976,7 +3976,7 @@
                 </a:tc>
                 <a:extLst>
                   <a:ext uri="{0D108BD9-81ED-4DB2-BD59-A6C34878D82A}">
-                    <a16:rowId xmlns:a16="http://schemas.microsoft.com/office/drawing/2014/main" xmlns="" val="2194462629"/>
+                    <a16:rowId xmlns="" xmlns:a16="http://schemas.microsoft.com/office/drawing/2014/main" val="2194462629"/>
                   </a:ext>
                 </a:extLst>
               </a:tr>
@@ -3989,7 +3989,7 @@
           <p:cNvPr id="33" name="Table 32">
             <a:extLst>
               <a:ext uri="{FF2B5EF4-FFF2-40B4-BE49-F238E27FC236}">
-                <a16:creationId xmlns:a16="http://schemas.microsoft.com/office/drawing/2014/main" xmlns="" id="{F545FAB8-F1CE-4886-9BDE-E772BCB0A9C4}"/>
+                <a16:creationId xmlns="" xmlns:a16="http://schemas.microsoft.com/office/drawing/2014/main" id="{F545FAB8-F1CE-4886-9BDE-E772BCB0A9C4}"/>
               </a:ext>
             </a:extLst>
           </p:cNvPr>
@@ -3999,7 +3999,7 @@
           <p:nvPr>
             <p:extLst>
               <p:ext uri="{D42A27DB-BD31-4B8C-83A1-F6EECF244321}">
-                <p14:modId xmlns:p14="http://schemas.microsoft.com/office/powerpoint/2010/main" val="1783368177"/>
+                <p14:modId xmlns:p14="http://schemas.microsoft.com/office/powerpoint/2010/main" val="1387521083"/>
               </p:ext>
             </p:extLst>
           </p:nvPr>
@@ -4018,7 +4018,7 @@
                 <a:gridCol w="1825824">
                   <a:extLst>
                     <a:ext uri="{9D8B030D-6E8A-4147-A177-3AD203B41FA5}">
-                      <a16:colId xmlns:a16="http://schemas.microsoft.com/office/drawing/2014/main" xmlns="" val="4240773277"/>
+                      <a16:colId xmlns="" xmlns:a16="http://schemas.microsoft.com/office/drawing/2014/main" val="4240773277"/>
                     </a:ext>
                   </a:extLst>
                 </a:gridCol>
@@ -4030,12 +4030,12 @@
                     <a:lstStyle/>
                     <a:p>
                       <a:r>
-                        <a:rPr lang="en-SG" u="sng" dirty="0" smtClean="0"/>
+                        <a:rPr lang="en-SG" u="sng" smtClean="0"/>
                         <a:t>b3:</a:t>
                       </a:r>
                       <a:r>
-                        <a:rPr lang="en-SG" sz="1800" u="sng" dirty="0" smtClean="0"/>
-                        <a:t>BookList</a:t>
+                        <a:rPr lang="en-SG" sz="1800" u="sng" smtClean="0"/>
+                        <a:t>BookShelf</a:t>
                       </a:r>
                       <a:endParaRPr lang="en-SG" u="sng" dirty="0"/>
                     </a:p>
@@ -4044,7 +4044,7 @@
                 </a:tc>
                 <a:extLst>
                   <a:ext uri="{0D108BD9-81ED-4DB2-BD59-A6C34878D82A}">
-                    <a16:rowId xmlns:a16="http://schemas.microsoft.com/office/drawing/2014/main" xmlns="" val="2194462629"/>
+                    <a16:rowId xmlns="" xmlns:a16="http://schemas.microsoft.com/office/drawing/2014/main" val="2194462629"/>
                   </a:ext>
                 </a:extLst>
               </a:tr>
@@ -4057,7 +4057,7 @@
           <p:cNvPr id="18" name="Straight Arrow Connector 17">
             <a:extLst>
               <a:ext uri="{FF2B5EF4-FFF2-40B4-BE49-F238E27FC236}">
-                <a16:creationId xmlns:a16="http://schemas.microsoft.com/office/drawing/2014/main" xmlns="" id="{BFC3A12D-3AD3-425B-8A3B-315B6DC01D05}"/>
+                <a16:creationId xmlns="" xmlns:a16="http://schemas.microsoft.com/office/drawing/2014/main" id="{BFC3A12D-3AD3-425B-8A3B-315B6DC01D05}"/>
               </a:ext>
             </a:extLst>
           </p:cNvPr>
@@ -4101,7 +4101,7 @@
           <p:cNvPr id="19" name="Straight Arrow Connector 18">
             <a:extLst>
               <a:ext uri="{FF2B5EF4-FFF2-40B4-BE49-F238E27FC236}">
-                <a16:creationId xmlns:a16="http://schemas.microsoft.com/office/drawing/2014/main" xmlns="" id="{A3B5C47A-9640-4A49-B463-8F5196CF2A09}"/>
+                <a16:creationId xmlns="" xmlns:a16="http://schemas.microsoft.com/office/drawing/2014/main" id="{A3B5C47A-9640-4A49-B463-8F5196CF2A09}"/>
               </a:ext>
             </a:extLst>
           </p:cNvPr>

--- a/docs/diagrams/UndoRedoNewCommand4StateListDiagram.pptx
+++ b/docs/diagrams/UndoRedoNewCommand4StateListDiagram.pptx
@@ -138,7 +138,7 @@
           <p:cNvPr id="2" name="Title 1">
             <a:extLst>
               <a:ext uri="{FF2B5EF4-FFF2-40B4-BE49-F238E27FC236}">
-                <a16:creationId xmlns="" xmlns:a16="http://schemas.microsoft.com/office/drawing/2014/main" id="{39FCC519-EE2E-4054-A653-93D611E0133E}"/>
+                <a16:creationId xmlns:a16="http://schemas.microsoft.com/office/drawing/2014/main" xmlns="" id="{39FCC519-EE2E-4054-A653-93D611E0133E}"/>
               </a:ext>
             </a:extLst>
           </p:cNvPr>
@@ -176,7 +176,7 @@
           <p:cNvPr id="3" name="Subtitle 2">
             <a:extLst>
               <a:ext uri="{FF2B5EF4-FFF2-40B4-BE49-F238E27FC236}">
-                <a16:creationId xmlns="" xmlns:a16="http://schemas.microsoft.com/office/drawing/2014/main" id="{3EDEA74E-4030-4F69-A055-4C6319EEEC29}"/>
+                <a16:creationId xmlns:a16="http://schemas.microsoft.com/office/drawing/2014/main" xmlns="" id="{3EDEA74E-4030-4F69-A055-4C6319EEEC29}"/>
               </a:ext>
             </a:extLst>
           </p:cNvPr>
@@ -247,7 +247,7 @@
           <p:cNvPr id="4" name="Date Placeholder 3">
             <a:extLst>
               <a:ext uri="{FF2B5EF4-FFF2-40B4-BE49-F238E27FC236}">
-                <a16:creationId xmlns="" xmlns:a16="http://schemas.microsoft.com/office/drawing/2014/main" id="{E5CC99E3-37A6-4485-B9A2-AF27A72608C6}"/>
+                <a16:creationId xmlns:a16="http://schemas.microsoft.com/office/drawing/2014/main" xmlns="" id="{E5CC99E3-37A6-4485-B9A2-AF27A72608C6}"/>
               </a:ext>
             </a:extLst>
           </p:cNvPr>
@@ -276,7 +276,7 @@
           <p:cNvPr id="5" name="Footer Placeholder 4">
             <a:extLst>
               <a:ext uri="{FF2B5EF4-FFF2-40B4-BE49-F238E27FC236}">
-                <a16:creationId xmlns="" xmlns:a16="http://schemas.microsoft.com/office/drawing/2014/main" id="{D75BD546-D949-4A25-8EA4-47DF23229409}"/>
+                <a16:creationId xmlns:a16="http://schemas.microsoft.com/office/drawing/2014/main" xmlns="" id="{D75BD546-D949-4A25-8EA4-47DF23229409}"/>
               </a:ext>
             </a:extLst>
           </p:cNvPr>
@@ -301,7 +301,7 @@
           <p:cNvPr id="6" name="Slide Number Placeholder 5">
             <a:extLst>
               <a:ext uri="{FF2B5EF4-FFF2-40B4-BE49-F238E27FC236}">
-                <a16:creationId xmlns="" xmlns:a16="http://schemas.microsoft.com/office/drawing/2014/main" id="{68147391-4DF6-4ACF-BCE9-C1A9DAC803E3}"/>
+                <a16:creationId xmlns:a16="http://schemas.microsoft.com/office/drawing/2014/main" xmlns="" id="{68147391-4DF6-4ACF-BCE9-C1A9DAC803E3}"/>
               </a:ext>
             </a:extLst>
           </p:cNvPr>
@@ -360,7 +360,7 @@
           <p:cNvPr id="2" name="Title 1">
             <a:extLst>
               <a:ext uri="{FF2B5EF4-FFF2-40B4-BE49-F238E27FC236}">
-                <a16:creationId xmlns="" xmlns:a16="http://schemas.microsoft.com/office/drawing/2014/main" id="{251D3DFE-0C62-45F5-B1BF-FD1F194ED112}"/>
+                <a16:creationId xmlns:a16="http://schemas.microsoft.com/office/drawing/2014/main" xmlns="" id="{251D3DFE-0C62-45F5-B1BF-FD1F194ED112}"/>
               </a:ext>
             </a:extLst>
           </p:cNvPr>
@@ -389,7 +389,7 @@
           <p:cNvPr id="3" name="Vertical Text Placeholder 2">
             <a:extLst>
               <a:ext uri="{FF2B5EF4-FFF2-40B4-BE49-F238E27FC236}">
-                <a16:creationId xmlns="" xmlns:a16="http://schemas.microsoft.com/office/drawing/2014/main" id="{D2392762-3586-4B6D-A174-2D3ACF0A125B}"/>
+                <a16:creationId xmlns:a16="http://schemas.microsoft.com/office/drawing/2014/main" xmlns="" id="{D2392762-3586-4B6D-A174-2D3ACF0A125B}"/>
               </a:ext>
             </a:extLst>
           </p:cNvPr>
@@ -447,7 +447,7 @@
           <p:cNvPr id="4" name="Date Placeholder 3">
             <a:extLst>
               <a:ext uri="{FF2B5EF4-FFF2-40B4-BE49-F238E27FC236}">
-                <a16:creationId xmlns="" xmlns:a16="http://schemas.microsoft.com/office/drawing/2014/main" id="{73B232E7-84FB-4535-9FC1-1BEF8F17421F}"/>
+                <a16:creationId xmlns:a16="http://schemas.microsoft.com/office/drawing/2014/main" xmlns="" id="{73B232E7-84FB-4535-9FC1-1BEF8F17421F}"/>
               </a:ext>
             </a:extLst>
           </p:cNvPr>
@@ -476,7 +476,7 @@
           <p:cNvPr id="5" name="Footer Placeholder 4">
             <a:extLst>
               <a:ext uri="{FF2B5EF4-FFF2-40B4-BE49-F238E27FC236}">
-                <a16:creationId xmlns="" xmlns:a16="http://schemas.microsoft.com/office/drawing/2014/main" id="{76F796EF-04EF-401A-AC84-F7BDBC99DE80}"/>
+                <a16:creationId xmlns:a16="http://schemas.microsoft.com/office/drawing/2014/main" xmlns="" id="{76F796EF-04EF-401A-AC84-F7BDBC99DE80}"/>
               </a:ext>
             </a:extLst>
           </p:cNvPr>
@@ -501,7 +501,7 @@
           <p:cNvPr id="6" name="Slide Number Placeholder 5">
             <a:extLst>
               <a:ext uri="{FF2B5EF4-FFF2-40B4-BE49-F238E27FC236}">
-                <a16:creationId xmlns="" xmlns:a16="http://schemas.microsoft.com/office/drawing/2014/main" id="{8F55F009-0A64-4649-A732-4AA6D619F1F3}"/>
+                <a16:creationId xmlns:a16="http://schemas.microsoft.com/office/drawing/2014/main" xmlns="" id="{8F55F009-0A64-4649-A732-4AA6D619F1F3}"/>
               </a:ext>
             </a:extLst>
           </p:cNvPr>
@@ -560,7 +560,7 @@
           <p:cNvPr id="2" name="Vertical Title 1">
             <a:extLst>
               <a:ext uri="{FF2B5EF4-FFF2-40B4-BE49-F238E27FC236}">
-                <a16:creationId xmlns="" xmlns:a16="http://schemas.microsoft.com/office/drawing/2014/main" id="{F7DE9595-D7A8-4E19-B4C6-E295F978F6A4}"/>
+                <a16:creationId xmlns:a16="http://schemas.microsoft.com/office/drawing/2014/main" xmlns="" id="{F7DE9595-D7A8-4E19-B4C6-E295F978F6A4}"/>
               </a:ext>
             </a:extLst>
           </p:cNvPr>
@@ -594,7 +594,7 @@
           <p:cNvPr id="3" name="Vertical Text Placeholder 2">
             <a:extLst>
               <a:ext uri="{FF2B5EF4-FFF2-40B4-BE49-F238E27FC236}">
-                <a16:creationId xmlns="" xmlns:a16="http://schemas.microsoft.com/office/drawing/2014/main" id="{0D2975B7-7A6D-40EA-B2F6-338022AD2BF1}"/>
+                <a16:creationId xmlns:a16="http://schemas.microsoft.com/office/drawing/2014/main" xmlns="" id="{0D2975B7-7A6D-40EA-B2F6-338022AD2BF1}"/>
               </a:ext>
             </a:extLst>
           </p:cNvPr>
@@ -657,7 +657,7 @@
           <p:cNvPr id="4" name="Date Placeholder 3">
             <a:extLst>
               <a:ext uri="{FF2B5EF4-FFF2-40B4-BE49-F238E27FC236}">
-                <a16:creationId xmlns="" xmlns:a16="http://schemas.microsoft.com/office/drawing/2014/main" id="{C8230AC3-1BED-4D2B-96D3-51C50E14A9E6}"/>
+                <a16:creationId xmlns:a16="http://schemas.microsoft.com/office/drawing/2014/main" xmlns="" id="{C8230AC3-1BED-4D2B-96D3-51C50E14A9E6}"/>
               </a:ext>
             </a:extLst>
           </p:cNvPr>
@@ -686,7 +686,7 @@
           <p:cNvPr id="5" name="Footer Placeholder 4">
             <a:extLst>
               <a:ext uri="{FF2B5EF4-FFF2-40B4-BE49-F238E27FC236}">
-                <a16:creationId xmlns="" xmlns:a16="http://schemas.microsoft.com/office/drawing/2014/main" id="{4AD6CA96-231A-43AD-B530-7C509651DE3B}"/>
+                <a16:creationId xmlns:a16="http://schemas.microsoft.com/office/drawing/2014/main" xmlns="" id="{4AD6CA96-231A-43AD-B530-7C509651DE3B}"/>
               </a:ext>
             </a:extLst>
           </p:cNvPr>
@@ -711,7 +711,7 @@
           <p:cNvPr id="6" name="Slide Number Placeholder 5">
             <a:extLst>
               <a:ext uri="{FF2B5EF4-FFF2-40B4-BE49-F238E27FC236}">
-                <a16:creationId xmlns="" xmlns:a16="http://schemas.microsoft.com/office/drawing/2014/main" id="{12063E3B-180A-454E-A661-6CCD48D7062C}"/>
+                <a16:creationId xmlns:a16="http://schemas.microsoft.com/office/drawing/2014/main" xmlns="" id="{12063E3B-180A-454E-A661-6CCD48D7062C}"/>
               </a:ext>
             </a:extLst>
           </p:cNvPr>
@@ -770,7 +770,7 @@
           <p:cNvPr id="2" name="Title 1">
             <a:extLst>
               <a:ext uri="{FF2B5EF4-FFF2-40B4-BE49-F238E27FC236}">
-                <a16:creationId xmlns="" xmlns:a16="http://schemas.microsoft.com/office/drawing/2014/main" id="{7E861C8D-BAF0-4DD9-92B9-591B272791CA}"/>
+                <a16:creationId xmlns:a16="http://schemas.microsoft.com/office/drawing/2014/main" xmlns="" id="{7E861C8D-BAF0-4DD9-92B9-591B272791CA}"/>
               </a:ext>
             </a:extLst>
           </p:cNvPr>
@@ -799,7 +799,7 @@
           <p:cNvPr id="3" name="Content Placeholder 2">
             <a:extLst>
               <a:ext uri="{FF2B5EF4-FFF2-40B4-BE49-F238E27FC236}">
-                <a16:creationId xmlns="" xmlns:a16="http://schemas.microsoft.com/office/drawing/2014/main" id="{534DA4BD-1D78-446B-B79F-C1229642DDEB}"/>
+                <a16:creationId xmlns:a16="http://schemas.microsoft.com/office/drawing/2014/main" xmlns="" id="{534DA4BD-1D78-446B-B79F-C1229642DDEB}"/>
               </a:ext>
             </a:extLst>
           </p:cNvPr>
@@ -857,7 +857,7 @@
           <p:cNvPr id="4" name="Date Placeholder 3">
             <a:extLst>
               <a:ext uri="{FF2B5EF4-FFF2-40B4-BE49-F238E27FC236}">
-                <a16:creationId xmlns="" xmlns:a16="http://schemas.microsoft.com/office/drawing/2014/main" id="{AD6BEDB5-7B62-4953-BECB-7F7F3E909CAC}"/>
+                <a16:creationId xmlns:a16="http://schemas.microsoft.com/office/drawing/2014/main" xmlns="" id="{AD6BEDB5-7B62-4953-BECB-7F7F3E909CAC}"/>
               </a:ext>
             </a:extLst>
           </p:cNvPr>
@@ -886,7 +886,7 @@
           <p:cNvPr id="5" name="Footer Placeholder 4">
             <a:extLst>
               <a:ext uri="{FF2B5EF4-FFF2-40B4-BE49-F238E27FC236}">
-                <a16:creationId xmlns="" xmlns:a16="http://schemas.microsoft.com/office/drawing/2014/main" id="{349CD732-2DD1-42BE-8480-5C6507018294}"/>
+                <a16:creationId xmlns:a16="http://schemas.microsoft.com/office/drawing/2014/main" xmlns="" id="{349CD732-2DD1-42BE-8480-5C6507018294}"/>
               </a:ext>
             </a:extLst>
           </p:cNvPr>
@@ -911,7 +911,7 @@
           <p:cNvPr id="6" name="Slide Number Placeholder 5">
             <a:extLst>
               <a:ext uri="{FF2B5EF4-FFF2-40B4-BE49-F238E27FC236}">
-                <a16:creationId xmlns="" xmlns:a16="http://schemas.microsoft.com/office/drawing/2014/main" id="{574C27E0-F36A-4438-9402-C2CB0377D92D}"/>
+                <a16:creationId xmlns:a16="http://schemas.microsoft.com/office/drawing/2014/main" xmlns="" id="{574C27E0-F36A-4438-9402-C2CB0377D92D}"/>
               </a:ext>
             </a:extLst>
           </p:cNvPr>
@@ -970,7 +970,7 @@
           <p:cNvPr id="2" name="Title 1">
             <a:extLst>
               <a:ext uri="{FF2B5EF4-FFF2-40B4-BE49-F238E27FC236}">
-                <a16:creationId xmlns="" xmlns:a16="http://schemas.microsoft.com/office/drawing/2014/main" id="{80A42FFA-8A45-40F8-9C5C-9906971B38AB}"/>
+                <a16:creationId xmlns:a16="http://schemas.microsoft.com/office/drawing/2014/main" xmlns="" id="{80A42FFA-8A45-40F8-9C5C-9906971B38AB}"/>
               </a:ext>
             </a:extLst>
           </p:cNvPr>
@@ -1008,7 +1008,7 @@
           <p:cNvPr id="3" name="Text Placeholder 2">
             <a:extLst>
               <a:ext uri="{FF2B5EF4-FFF2-40B4-BE49-F238E27FC236}">
-                <a16:creationId xmlns="" xmlns:a16="http://schemas.microsoft.com/office/drawing/2014/main" id="{7D8879A7-8225-4473-B738-B780B6224EC5}"/>
+                <a16:creationId xmlns:a16="http://schemas.microsoft.com/office/drawing/2014/main" xmlns="" id="{7D8879A7-8225-4473-B738-B780B6224EC5}"/>
               </a:ext>
             </a:extLst>
           </p:cNvPr>
@@ -1133,7 +1133,7 @@
           <p:cNvPr id="4" name="Date Placeholder 3">
             <a:extLst>
               <a:ext uri="{FF2B5EF4-FFF2-40B4-BE49-F238E27FC236}">
-                <a16:creationId xmlns="" xmlns:a16="http://schemas.microsoft.com/office/drawing/2014/main" id="{6CF7978C-FE65-4091-9152-E33029C12AEA}"/>
+                <a16:creationId xmlns:a16="http://schemas.microsoft.com/office/drawing/2014/main" xmlns="" id="{6CF7978C-FE65-4091-9152-E33029C12AEA}"/>
               </a:ext>
             </a:extLst>
           </p:cNvPr>
@@ -1162,7 +1162,7 @@
           <p:cNvPr id="5" name="Footer Placeholder 4">
             <a:extLst>
               <a:ext uri="{FF2B5EF4-FFF2-40B4-BE49-F238E27FC236}">
-                <a16:creationId xmlns="" xmlns:a16="http://schemas.microsoft.com/office/drawing/2014/main" id="{B344C9CC-480F-4DCB-AC70-D7A4CCA0B8B7}"/>
+                <a16:creationId xmlns:a16="http://schemas.microsoft.com/office/drawing/2014/main" xmlns="" id="{B344C9CC-480F-4DCB-AC70-D7A4CCA0B8B7}"/>
               </a:ext>
             </a:extLst>
           </p:cNvPr>
@@ -1187,7 +1187,7 @@
           <p:cNvPr id="6" name="Slide Number Placeholder 5">
             <a:extLst>
               <a:ext uri="{FF2B5EF4-FFF2-40B4-BE49-F238E27FC236}">
-                <a16:creationId xmlns="" xmlns:a16="http://schemas.microsoft.com/office/drawing/2014/main" id="{8F5A07EC-843A-4ED9-8F1C-AD703CA36D58}"/>
+                <a16:creationId xmlns:a16="http://schemas.microsoft.com/office/drawing/2014/main" xmlns="" id="{8F5A07EC-843A-4ED9-8F1C-AD703CA36D58}"/>
               </a:ext>
             </a:extLst>
           </p:cNvPr>
@@ -1246,7 +1246,7 @@
           <p:cNvPr id="2" name="Title 1">
             <a:extLst>
               <a:ext uri="{FF2B5EF4-FFF2-40B4-BE49-F238E27FC236}">
-                <a16:creationId xmlns="" xmlns:a16="http://schemas.microsoft.com/office/drawing/2014/main" id="{056EE2DA-07D9-4774-A8CA-0CA247F8C72A}"/>
+                <a16:creationId xmlns:a16="http://schemas.microsoft.com/office/drawing/2014/main" xmlns="" id="{056EE2DA-07D9-4774-A8CA-0CA247F8C72A}"/>
               </a:ext>
             </a:extLst>
           </p:cNvPr>
@@ -1275,7 +1275,7 @@
           <p:cNvPr id="3" name="Content Placeholder 2">
             <a:extLst>
               <a:ext uri="{FF2B5EF4-FFF2-40B4-BE49-F238E27FC236}">
-                <a16:creationId xmlns="" xmlns:a16="http://schemas.microsoft.com/office/drawing/2014/main" id="{3CF93A59-4E25-4FFA-8796-AA06EF3E5C3E}"/>
+                <a16:creationId xmlns:a16="http://schemas.microsoft.com/office/drawing/2014/main" xmlns="" id="{3CF93A59-4E25-4FFA-8796-AA06EF3E5C3E}"/>
               </a:ext>
             </a:extLst>
           </p:cNvPr>
@@ -1338,7 +1338,7 @@
           <p:cNvPr id="4" name="Content Placeholder 3">
             <a:extLst>
               <a:ext uri="{FF2B5EF4-FFF2-40B4-BE49-F238E27FC236}">
-                <a16:creationId xmlns="" xmlns:a16="http://schemas.microsoft.com/office/drawing/2014/main" id="{81373B10-E346-4893-AFEE-65E014405E2D}"/>
+                <a16:creationId xmlns:a16="http://schemas.microsoft.com/office/drawing/2014/main" xmlns="" id="{81373B10-E346-4893-AFEE-65E014405E2D}"/>
               </a:ext>
             </a:extLst>
           </p:cNvPr>
@@ -1401,7 +1401,7 @@
           <p:cNvPr id="5" name="Date Placeholder 4">
             <a:extLst>
               <a:ext uri="{FF2B5EF4-FFF2-40B4-BE49-F238E27FC236}">
-                <a16:creationId xmlns="" xmlns:a16="http://schemas.microsoft.com/office/drawing/2014/main" id="{D9C411A1-6D64-4C63-A758-5D2FEE677F45}"/>
+                <a16:creationId xmlns:a16="http://schemas.microsoft.com/office/drawing/2014/main" xmlns="" id="{D9C411A1-6D64-4C63-A758-5D2FEE677F45}"/>
               </a:ext>
             </a:extLst>
           </p:cNvPr>
@@ -1430,7 +1430,7 @@
           <p:cNvPr id="6" name="Footer Placeholder 5">
             <a:extLst>
               <a:ext uri="{FF2B5EF4-FFF2-40B4-BE49-F238E27FC236}">
-                <a16:creationId xmlns="" xmlns:a16="http://schemas.microsoft.com/office/drawing/2014/main" id="{8D9C2E46-644C-4155-A697-764A7A0AB1F4}"/>
+                <a16:creationId xmlns:a16="http://schemas.microsoft.com/office/drawing/2014/main" xmlns="" id="{8D9C2E46-644C-4155-A697-764A7A0AB1F4}"/>
               </a:ext>
             </a:extLst>
           </p:cNvPr>
@@ -1455,7 +1455,7 @@
           <p:cNvPr id="7" name="Slide Number Placeholder 6">
             <a:extLst>
               <a:ext uri="{FF2B5EF4-FFF2-40B4-BE49-F238E27FC236}">
-                <a16:creationId xmlns="" xmlns:a16="http://schemas.microsoft.com/office/drawing/2014/main" id="{6192DEDD-6479-45E4-B1F5-6EDD41BBB103}"/>
+                <a16:creationId xmlns:a16="http://schemas.microsoft.com/office/drawing/2014/main" xmlns="" id="{6192DEDD-6479-45E4-B1F5-6EDD41BBB103}"/>
               </a:ext>
             </a:extLst>
           </p:cNvPr>
@@ -1514,7 +1514,7 @@
           <p:cNvPr id="2" name="Title 1">
             <a:extLst>
               <a:ext uri="{FF2B5EF4-FFF2-40B4-BE49-F238E27FC236}">
-                <a16:creationId xmlns="" xmlns:a16="http://schemas.microsoft.com/office/drawing/2014/main" id="{DC0ED888-63EF-4CC0-8500-9C8DB672FEC2}"/>
+                <a16:creationId xmlns:a16="http://schemas.microsoft.com/office/drawing/2014/main" xmlns="" id="{DC0ED888-63EF-4CC0-8500-9C8DB672FEC2}"/>
               </a:ext>
             </a:extLst>
           </p:cNvPr>
@@ -1548,7 +1548,7 @@
           <p:cNvPr id="3" name="Text Placeholder 2">
             <a:extLst>
               <a:ext uri="{FF2B5EF4-FFF2-40B4-BE49-F238E27FC236}">
-                <a16:creationId xmlns="" xmlns:a16="http://schemas.microsoft.com/office/drawing/2014/main" id="{3C33BC1E-FB79-4906-A967-9C7046C6D272}"/>
+                <a16:creationId xmlns:a16="http://schemas.microsoft.com/office/drawing/2014/main" xmlns="" id="{3C33BC1E-FB79-4906-A967-9C7046C6D272}"/>
               </a:ext>
             </a:extLst>
           </p:cNvPr>
@@ -1619,7 +1619,7 @@
           <p:cNvPr id="4" name="Content Placeholder 3">
             <a:extLst>
               <a:ext uri="{FF2B5EF4-FFF2-40B4-BE49-F238E27FC236}">
-                <a16:creationId xmlns="" xmlns:a16="http://schemas.microsoft.com/office/drawing/2014/main" id="{697A4EC6-1C42-4BA4-8108-32579276C17B}"/>
+                <a16:creationId xmlns:a16="http://schemas.microsoft.com/office/drawing/2014/main" xmlns="" id="{697A4EC6-1C42-4BA4-8108-32579276C17B}"/>
               </a:ext>
             </a:extLst>
           </p:cNvPr>
@@ -1682,7 +1682,7 @@
           <p:cNvPr id="5" name="Text Placeholder 4">
             <a:extLst>
               <a:ext uri="{FF2B5EF4-FFF2-40B4-BE49-F238E27FC236}">
-                <a16:creationId xmlns="" xmlns:a16="http://schemas.microsoft.com/office/drawing/2014/main" id="{8A2CA209-B9F5-4E1E-B302-74CC2D4CFDFB}"/>
+                <a16:creationId xmlns:a16="http://schemas.microsoft.com/office/drawing/2014/main" xmlns="" id="{8A2CA209-B9F5-4E1E-B302-74CC2D4CFDFB}"/>
               </a:ext>
             </a:extLst>
           </p:cNvPr>
@@ -1753,7 +1753,7 @@
           <p:cNvPr id="6" name="Content Placeholder 5">
             <a:extLst>
               <a:ext uri="{FF2B5EF4-FFF2-40B4-BE49-F238E27FC236}">
-                <a16:creationId xmlns="" xmlns:a16="http://schemas.microsoft.com/office/drawing/2014/main" id="{0E6E876D-DC4D-40EE-BA38-CD01089602CF}"/>
+                <a16:creationId xmlns:a16="http://schemas.microsoft.com/office/drawing/2014/main" xmlns="" id="{0E6E876D-DC4D-40EE-BA38-CD01089602CF}"/>
               </a:ext>
             </a:extLst>
           </p:cNvPr>
@@ -1816,7 +1816,7 @@
           <p:cNvPr id="7" name="Date Placeholder 6">
             <a:extLst>
               <a:ext uri="{FF2B5EF4-FFF2-40B4-BE49-F238E27FC236}">
-                <a16:creationId xmlns="" xmlns:a16="http://schemas.microsoft.com/office/drawing/2014/main" id="{F24E1D97-8B3C-41A1-B0BA-BA833AD8BC7C}"/>
+                <a16:creationId xmlns:a16="http://schemas.microsoft.com/office/drawing/2014/main" xmlns="" id="{F24E1D97-8B3C-41A1-B0BA-BA833AD8BC7C}"/>
               </a:ext>
             </a:extLst>
           </p:cNvPr>
@@ -1845,7 +1845,7 @@
           <p:cNvPr id="8" name="Footer Placeholder 7">
             <a:extLst>
               <a:ext uri="{FF2B5EF4-FFF2-40B4-BE49-F238E27FC236}">
-                <a16:creationId xmlns="" xmlns:a16="http://schemas.microsoft.com/office/drawing/2014/main" id="{FC358D8F-B7DA-4DCE-AC8F-706450EEC0DC}"/>
+                <a16:creationId xmlns:a16="http://schemas.microsoft.com/office/drawing/2014/main" xmlns="" id="{FC358D8F-B7DA-4DCE-AC8F-706450EEC0DC}"/>
               </a:ext>
             </a:extLst>
           </p:cNvPr>
@@ -1870,7 +1870,7 @@
           <p:cNvPr id="9" name="Slide Number Placeholder 8">
             <a:extLst>
               <a:ext uri="{FF2B5EF4-FFF2-40B4-BE49-F238E27FC236}">
-                <a16:creationId xmlns="" xmlns:a16="http://schemas.microsoft.com/office/drawing/2014/main" id="{40CE354E-2C73-4B6F-8AEB-14D1378A77E1}"/>
+                <a16:creationId xmlns:a16="http://schemas.microsoft.com/office/drawing/2014/main" xmlns="" id="{40CE354E-2C73-4B6F-8AEB-14D1378A77E1}"/>
               </a:ext>
             </a:extLst>
           </p:cNvPr>
@@ -1929,7 +1929,7 @@
           <p:cNvPr id="2" name="Title 1">
             <a:extLst>
               <a:ext uri="{FF2B5EF4-FFF2-40B4-BE49-F238E27FC236}">
-                <a16:creationId xmlns="" xmlns:a16="http://schemas.microsoft.com/office/drawing/2014/main" id="{17D9D381-288C-43FB-86C2-AAA4FCFD43FD}"/>
+                <a16:creationId xmlns:a16="http://schemas.microsoft.com/office/drawing/2014/main" xmlns="" id="{17D9D381-288C-43FB-86C2-AAA4FCFD43FD}"/>
               </a:ext>
             </a:extLst>
           </p:cNvPr>
@@ -1958,7 +1958,7 @@
           <p:cNvPr id="3" name="Date Placeholder 2">
             <a:extLst>
               <a:ext uri="{FF2B5EF4-FFF2-40B4-BE49-F238E27FC236}">
-                <a16:creationId xmlns="" xmlns:a16="http://schemas.microsoft.com/office/drawing/2014/main" id="{A85D75E5-4830-4F75-8132-91122609F925}"/>
+                <a16:creationId xmlns:a16="http://schemas.microsoft.com/office/drawing/2014/main" xmlns="" id="{A85D75E5-4830-4F75-8132-91122609F925}"/>
               </a:ext>
             </a:extLst>
           </p:cNvPr>
@@ -1987,7 +1987,7 @@
           <p:cNvPr id="4" name="Footer Placeholder 3">
             <a:extLst>
               <a:ext uri="{FF2B5EF4-FFF2-40B4-BE49-F238E27FC236}">
-                <a16:creationId xmlns="" xmlns:a16="http://schemas.microsoft.com/office/drawing/2014/main" id="{0C14A42C-834F-43EA-8053-84D5A665CEE7}"/>
+                <a16:creationId xmlns:a16="http://schemas.microsoft.com/office/drawing/2014/main" xmlns="" id="{0C14A42C-834F-43EA-8053-84D5A665CEE7}"/>
               </a:ext>
             </a:extLst>
           </p:cNvPr>
@@ -2012,7 +2012,7 @@
           <p:cNvPr id="5" name="Slide Number Placeholder 4">
             <a:extLst>
               <a:ext uri="{FF2B5EF4-FFF2-40B4-BE49-F238E27FC236}">
-                <a16:creationId xmlns="" xmlns:a16="http://schemas.microsoft.com/office/drawing/2014/main" id="{38C1E789-CDA9-48FF-A7BA-F21E31600226}"/>
+                <a16:creationId xmlns:a16="http://schemas.microsoft.com/office/drawing/2014/main" xmlns="" id="{38C1E789-CDA9-48FF-A7BA-F21E31600226}"/>
               </a:ext>
             </a:extLst>
           </p:cNvPr>
@@ -2071,7 +2071,7 @@
           <p:cNvPr id="2" name="Date Placeholder 1">
             <a:extLst>
               <a:ext uri="{FF2B5EF4-FFF2-40B4-BE49-F238E27FC236}">
-                <a16:creationId xmlns="" xmlns:a16="http://schemas.microsoft.com/office/drawing/2014/main" id="{21A40ECD-0ABD-4F35-B481-512A01FC643D}"/>
+                <a16:creationId xmlns:a16="http://schemas.microsoft.com/office/drawing/2014/main" xmlns="" id="{21A40ECD-0ABD-4F35-B481-512A01FC643D}"/>
               </a:ext>
             </a:extLst>
           </p:cNvPr>
@@ -2100,7 +2100,7 @@
           <p:cNvPr id="3" name="Footer Placeholder 2">
             <a:extLst>
               <a:ext uri="{FF2B5EF4-FFF2-40B4-BE49-F238E27FC236}">
-                <a16:creationId xmlns="" xmlns:a16="http://schemas.microsoft.com/office/drawing/2014/main" id="{D44B8F11-A412-4FA6-9070-B9C742F699F3}"/>
+                <a16:creationId xmlns:a16="http://schemas.microsoft.com/office/drawing/2014/main" xmlns="" id="{D44B8F11-A412-4FA6-9070-B9C742F699F3}"/>
               </a:ext>
             </a:extLst>
           </p:cNvPr>
@@ -2125,7 +2125,7 @@
           <p:cNvPr id="4" name="Slide Number Placeholder 3">
             <a:extLst>
               <a:ext uri="{FF2B5EF4-FFF2-40B4-BE49-F238E27FC236}">
-                <a16:creationId xmlns="" xmlns:a16="http://schemas.microsoft.com/office/drawing/2014/main" id="{E3EA086A-DA0B-4378-A128-F213644ECB0C}"/>
+                <a16:creationId xmlns:a16="http://schemas.microsoft.com/office/drawing/2014/main" xmlns="" id="{E3EA086A-DA0B-4378-A128-F213644ECB0C}"/>
               </a:ext>
             </a:extLst>
           </p:cNvPr>
@@ -2184,7 +2184,7 @@
           <p:cNvPr id="2" name="Title 1">
             <a:extLst>
               <a:ext uri="{FF2B5EF4-FFF2-40B4-BE49-F238E27FC236}">
-                <a16:creationId xmlns="" xmlns:a16="http://schemas.microsoft.com/office/drawing/2014/main" id="{765D165A-D423-4E89-A075-D59A9FB59792}"/>
+                <a16:creationId xmlns:a16="http://schemas.microsoft.com/office/drawing/2014/main" xmlns="" id="{765D165A-D423-4E89-A075-D59A9FB59792}"/>
               </a:ext>
             </a:extLst>
           </p:cNvPr>
@@ -2222,7 +2222,7 @@
           <p:cNvPr id="3" name="Content Placeholder 2">
             <a:extLst>
               <a:ext uri="{FF2B5EF4-FFF2-40B4-BE49-F238E27FC236}">
-                <a16:creationId xmlns="" xmlns:a16="http://schemas.microsoft.com/office/drawing/2014/main" id="{77C2A5CC-2876-49CA-993D-F4F73FC9D2B0}"/>
+                <a16:creationId xmlns:a16="http://schemas.microsoft.com/office/drawing/2014/main" xmlns="" id="{77C2A5CC-2876-49CA-993D-F4F73FC9D2B0}"/>
               </a:ext>
             </a:extLst>
           </p:cNvPr>
@@ -2313,7 +2313,7 @@
           <p:cNvPr id="4" name="Text Placeholder 3">
             <a:extLst>
               <a:ext uri="{FF2B5EF4-FFF2-40B4-BE49-F238E27FC236}">
-                <a16:creationId xmlns="" xmlns:a16="http://schemas.microsoft.com/office/drawing/2014/main" id="{7B4DE2E8-CCF6-4E88-A858-05A04CD0D736}"/>
+                <a16:creationId xmlns:a16="http://schemas.microsoft.com/office/drawing/2014/main" xmlns="" id="{7B4DE2E8-CCF6-4E88-A858-05A04CD0D736}"/>
               </a:ext>
             </a:extLst>
           </p:cNvPr>
@@ -2384,7 +2384,7 @@
           <p:cNvPr id="5" name="Date Placeholder 4">
             <a:extLst>
               <a:ext uri="{FF2B5EF4-FFF2-40B4-BE49-F238E27FC236}">
-                <a16:creationId xmlns="" xmlns:a16="http://schemas.microsoft.com/office/drawing/2014/main" id="{CAEBEC1E-DE48-4B55-A846-F8248E381145}"/>
+                <a16:creationId xmlns:a16="http://schemas.microsoft.com/office/drawing/2014/main" xmlns="" id="{CAEBEC1E-DE48-4B55-A846-F8248E381145}"/>
               </a:ext>
             </a:extLst>
           </p:cNvPr>
@@ -2413,7 +2413,7 @@
           <p:cNvPr id="6" name="Footer Placeholder 5">
             <a:extLst>
               <a:ext uri="{FF2B5EF4-FFF2-40B4-BE49-F238E27FC236}">
-                <a16:creationId xmlns="" xmlns:a16="http://schemas.microsoft.com/office/drawing/2014/main" id="{945A6E8B-6BC2-49E9-B4E5-DAD3F7A1A1BF}"/>
+                <a16:creationId xmlns:a16="http://schemas.microsoft.com/office/drawing/2014/main" xmlns="" id="{945A6E8B-6BC2-49E9-B4E5-DAD3F7A1A1BF}"/>
               </a:ext>
             </a:extLst>
           </p:cNvPr>
@@ -2438,7 +2438,7 @@
           <p:cNvPr id="7" name="Slide Number Placeholder 6">
             <a:extLst>
               <a:ext uri="{FF2B5EF4-FFF2-40B4-BE49-F238E27FC236}">
-                <a16:creationId xmlns="" xmlns:a16="http://schemas.microsoft.com/office/drawing/2014/main" id="{E5CF739B-EDF0-43CE-A87E-C49F040C85A5}"/>
+                <a16:creationId xmlns:a16="http://schemas.microsoft.com/office/drawing/2014/main" xmlns="" id="{E5CF739B-EDF0-43CE-A87E-C49F040C85A5}"/>
               </a:ext>
             </a:extLst>
           </p:cNvPr>
@@ -2497,7 +2497,7 @@
           <p:cNvPr id="2" name="Title 1">
             <a:extLst>
               <a:ext uri="{FF2B5EF4-FFF2-40B4-BE49-F238E27FC236}">
-                <a16:creationId xmlns="" xmlns:a16="http://schemas.microsoft.com/office/drawing/2014/main" id="{0091F49F-E849-4834-84DB-61CF2F2652D4}"/>
+                <a16:creationId xmlns:a16="http://schemas.microsoft.com/office/drawing/2014/main" xmlns="" id="{0091F49F-E849-4834-84DB-61CF2F2652D4}"/>
               </a:ext>
             </a:extLst>
           </p:cNvPr>
@@ -2535,7 +2535,7 @@
           <p:cNvPr id="3" name="Picture Placeholder 2">
             <a:extLst>
               <a:ext uri="{FF2B5EF4-FFF2-40B4-BE49-F238E27FC236}">
-                <a16:creationId xmlns="" xmlns:a16="http://schemas.microsoft.com/office/drawing/2014/main" id="{631D62A9-3420-4F1C-9EB9-09EF85106E78}"/>
+                <a16:creationId xmlns:a16="http://schemas.microsoft.com/office/drawing/2014/main" xmlns="" id="{631D62A9-3420-4F1C-9EB9-09EF85106E78}"/>
               </a:ext>
             </a:extLst>
           </p:cNvPr>
@@ -2602,7 +2602,7 @@
           <p:cNvPr id="4" name="Text Placeholder 3">
             <a:extLst>
               <a:ext uri="{FF2B5EF4-FFF2-40B4-BE49-F238E27FC236}">
-                <a16:creationId xmlns="" xmlns:a16="http://schemas.microsoft.com/office/drawing/2014/main" id="{E450EC8D-D7F4-45FC-AD8C-2E198A32CCA2}"/>
+                <a16:creationId xmlns:a16="http://schemas.microsoft.com/office/drawing/2014/main" xmlns="" id="{E450EC8D-D7F4-45FC-AD8C-2E198A32CCA2}"/>
               </a:ext>
             </a:extLst>
           </p:cNvPr>
@@ -2673,7 +2673,7 @@
           <p:cNvPr id="5" name="Date Placeholder 4">
             <a:extLst>
               <a:ext uri="{FF2B5EF4-FFF2-40B4-BE49-F238E27FC236}">
-                <a16:creationId xmlns="" xmlns:a16="http://schemas.microsoft.com/office/drawing/2014/main" id="{7A73D668-ABF4-41FE-958C-542EEDC5F6CC}"/>
+                <a16:creationId xmlns:a16="http://schemas.microsoft.com/office/drawing/2014/main" xmlns="" id="{7A73D668-ABF4-41FE-958C-542EEDC5F6CC}"/>
               </a:ext>
             </a:extLst>
           </p:cNvPr>
@@ -2702,7 +2702,7 @@
           <p:cNvPr id="6" name="Footer Placeholder 5">
             <a:extLst>
               <a:ext uri="{FF2B5EF4-FFF2-40B4-BE49-F238E27FC236}">
-                <a16:creationId xmlns="" xmlns:a16="http://schemas.microsoft.com/office/drawing/2014/main" id="{F4A83B1C-93E7-4D32-9D1B-3F37403B1ACD}"/>
+                <a16:creationId xmlns:a16="http://schemas.microsoft.com/office/drawing/2014/main" xmlns="" id="{F4A83B1C-93E7-4D32-9D1B-3F37403B1ACD}"/>
               </a:ext>
             </a:extLst>
           </p:cNvPr>
@@ -2727,7 +2727,7 @@
           <p:cNvPr id="7" name="Slide Number Placeholder 6">
             <a:extLst>
               <a:ext uri="{FF2B5EF4-FFF2-40B4-BE49-F238E27FC236}">
-                <a16:creationId xmlns="" xmlns:a16="http://schemas.microsoft.com/office/drawing/2014/main" id="{C6AF73BE-F17B-487B-943B-28655BB51C92}"/>
+                <a16:creationId xmlns:a16="http://schemas.microsoft.com/office/drawing/2014/main" xmlns="" id="{C6AF73BE-F17B-487B-943B-28655BB51C92}"/>
               </a:ext>
             </a:extLst>
           </p:cNvPr>
@@ -2791,7 +2791,7 @@
           <p:cNvPr id="2" name="Title Placeholder 1">
             <a:extLst>
               <a:ext uri="{FF2B5EF4-FFF2-40B4-BE49-F238E27FC236}">
-                <a16:creationId xmlns="" xmlns:a16="http://schemas.microsoft.com/office/drawing/2014/main" id="{96F7127E-5F47-4B37-9FDB-695AB14D9551}"/>
+                <a16:creationId xmlns:a16="http://schemas.microsoft.com/office/drawing/2014/main" xmlns="" id="{96F7127E-5F47-4B37-9FDB-695AB14D9551}"/>
               </a:ext>
             </a:extLst>
           </p:cNvPr>
@@ -2830,7 +2830,7 @@
           <p:cNvPr id="3" name="Text Placeholder 2">
             <a:extLst>
               <a:ext uri="{FF2B5EF4-FFF2-40B4-BE49-F238E27FC236}">
-                <a16:creationId xmlns="" xmlns:a16="http://schemas.microsoft.com/office/drawing/2014/main" id="{3BD20F0F-B303-4EE3-AF17-E303EA90B1A3}"/>
+                <a16:creationId xmlns:a16="http://schemas.microsoft.com/office/drawing/2014/main" xmlns="" id="{3BD20F0F-B303-4EE3-AF17-E303EA90B1A3}"/>
               </a:ext>
             </a:extLst>
           </p:cNvPr>
@@ -2898,7 +2898,7 @@
           <p:cNvPr id="4" name="Date Placeholder 3">
             <a:extLst>
               <a:ext uri="{FF2B5EF4-FFF2-40B4-BE49-F238E27FC236}">
-                <a16:creationId xmlns="" xmlns:a16="http://schemas.microsoft.com/office/drawing/2014/main" id="{7927ADFB-0C7F-4333-A456-815FAB4B0315}"/>
+                <a16:creationId xmlns:a16="http://schemas.microsoft.com/office/drawing/2014/main" xmlns="" id="{7927ADFB-0C7F-4333-A456-815FAB4B0315}"/>
               </a:ext>
             </a:extLst>
           </p:cNvPr>
@@ -2945,7 +2945,7 @@
           <p:cNvPr id="5" name="Footer Placeholder 4">
             <a:extLst>
               <a:ext uri="{FF2B5EF4-FFF2-40B4-BE49-F238E27FC236}">
-                <a16:creationId xmlns="" xmlns:a16="http://schemas.microsoft.com/office/drawing/2014/main" id="{A1992B28-8397-4C93-A277-5EE43A537825}"/>
+                <a16:creationId xmlns:a16="http://schemas.microsoft.com/office/drawing/2014/main" xmlns="" id="{A1992B28-8397-4C93-A277-5EE43A537825}"/>
               </a:ext>
             </a:extLst>
           </p:cNvPr>
@@ -2988,7 +2988,7 @@
           <p:cNvPr id="6" name="Slide Number Placeholder 5">
             <a:extLst>
               <a:ext uri="{FF2B5EF4-FFF2-40B4-BE49-F238E27FC236}">
-                <a16:creationId xmlns="" xmlns:a16="http://schemas.microsoft.com/office/drawing/2014/main" id="{D7231209-A74B-4134-87D0-421AB81BBB47}"/>
+                <a16:creationId xmlns:a16="http://schemas.microsoft.com/office/drawing/2014/main" xmlns="" id="{D7231209-A74B-4134-87D0-421AB81BBB47}"/>
               </a:ext>
             </a:extLst>
           </p:cNvPr>
@@ -3400,7 +3400,7 @@
           <p:cNvPr id="15" name="TextBox 14">
             <a:extLst>
               <a:ext uri="{FF2B5EF4-FFF2-40B4-BE49-F238E27FC236}">
-                <a16:creationId xmlns="" xmlns:a16="http://schemas.microsoft.com/office/drawing/2014/main" id="{032C4FEA-C10B-4133-9BF6-AF6F40CC1AD4}"/>
+                <a16:creationId xmlns:a16="http://schemas.microsoft.com/office/drawing/2014/main" xmlns="" id="{032C4FEA-C10B-4133-9BF6-AF6F40CC1AD4}"/>
               </a:ext>
             </a:extLst>
           </p:cNvPr>
@@ -3469,7 +3469,7 @@
           <p:cNvPr id="17" name="TextBox 16">
             <a:extLst>
               <a:ext uri="{FF2B5EF4-FFF2-40B4-BE49-F238E27FC236}">
-                <a16:creationId xmlns="" xmlns:a16="http://schemas.microsoft.com/office/drawing/2014/main" id="{3151A13B-9509-43FA-BFEB-1D9866A00B84}"/>
+                <a16:creationId xmlns:a16="http://schemas.microsoft.com/office/drawing/2014/main" xmlns="" id="{3151A13B-9509-43FA-BFEB-1D9866A00B84}"/>
               </a:ext>
             </a:extLst>
           </p:cNvPr>
@@ -3559,7 +3559,7 @@
           <p:cNvPr id="22" name="TextBox 21">
             <a:extLst>
               <a:ext uri="{FF2B5EF4-FFF2-40B4-BE49-F238E27FC236}">
-                <a16:creationId xmlns="" xmlns:a16="http://schemas.microsoft.com/office/drawing/2014/main" id="{3151A13B-9509-43FA-BFEB-1D9866A00B84}"/>
+                <a16:creationId xmlns:a16="http://schemas.microsoft.com/office/drawing/2014/main" xmlns="" id="{3151A13B-9509-43FA-BFEB-1D9866A00B84}"/>
               </a:ext>
             </a:extLst>
           </p:cNvPr>
@@ -3649,7 +3649,7 @@
           <p:cNvPr id="16" name="Table 15">
             <a:extLst>
               <a:ext uri="{FF2B5EF4-FFF2-40B4-BE49-F238E27FC236}">
-                <a16:creationId xmlns="" xmlns:a16="http://schemas.microsoft.com/office/drawing/2014/main" id="{F545FAB8-F1CE-4886-9BDE-E772BCB0A9C4}"/>
+                <a16:creationId xmlns:a16="http://schemas.microsoft.com/office/drawing/2014/main" xmlns="" id="{F545FAB8-F1CE-4886-9BDE-E772BCB0A9C4}"/>
               </a:ext>
             </a:extLst>
           </p:cNvPr>
@@ -3659,7 +3659,7 @@
           <p:nvPr>
             <p:extLst>
               <p:ext uri="{D42A27DB-BD31-4B8C-83A1-F6EECF244321}">
-                <p14:modId xmlns:p14="http://schemas.microsoft.com/office/powerpoint/2010/main" val="395820825"/>
+                <p14:modId xmlns:p14="http://schemas.microsoft.com/office/powerpoint/2010/main" val="586393453"/>
               </p:ext>
             </p:extLst>
           </p:nvPr>
@@ -3678,7 +3678,7 @@
                 <a:gridCol w="1825824">
                   <a:extLst>
                     <a:ext uri="{9D8B030D-6E8A-4147-A177-3AD203B41FA5}">
-                      <a16:colId xmlns="" xmlns:a16="http://schemas.microsoft.com/office/drawing/2014/main" val="4240773277"/>
+                      <a16:colId xmlns:a16="http://schemas.microsoft.com/office/drawing/2014/main" xmlns="" val="4240773277"/>
                     </a:ext>
                   </a:extLst>
                 </a:gridCol>
@@ -3704,7 +3704,7 @@
                 </a:tc>
                 <a:extLst>
                   <a:ext uri="{0D108BD9-81ED-4DB2-BD59-A6C34878D82A}">
-                    <a16:rowId xmlns="" xmlns:a16="http://schemas.microsoft.com/office/drawing/2014/main" val="2194462629"/>
+                    <a16:rowId xmlns:a16="http://schemas.microsoft.com/office/drawing/2014/main" xmlns="" val="2194462629"/>
                   </a:ext>
                 </a:extLst>
               </a:tr>
@@ -3717,7 +3717,7 @@
           <p:cNvPr id="29" name="Table 28">
             <a:extLst>
               <a:ext uri="{FF2B5EF4-FFF2-40B4-BE49-F238E27FC236}">
-                <a16:creationId xmlns="" xmlns:a16="http://schemas.microsoft.com/office/drawing/2014/main" id="{F545FAB8-F1CE-4886-9BDE-E772BCB0A9C4}"/>
+                <a16:creationId xmlns:a16="http://schemas.microsoft.com/office/drawing/2014/main" xmlns="" id="{F545FAB8-F1CE-4886-9BDE-E772BCB0A9C4}"/>
               </a:ext>
             </a:extLst>
           </p:cNvPr>
@@ -3727,7 +3727,7 @@
           <p:nvPr>
             <p:extLst>
               <p:ext uri="{D42A27DB-BD31-4B8C-83A1-F6EECF244321}">
-                <p14:modId xmlns:p14="http://schemas.microsoft.com/office/powerpoint/2010/main" val="1349102624"/>
+                <p14:modId xmlns:p14="http://schemas.microsoft.com/office/powerpoint/2010/main" val="712308488"/>
               </p:ext>
             </p:extLst>
           </p:nvPr>
@@ -3746,7 +3746,7 @@
                 <a:gridCol w="1825824">
                   <a:extLst>
                     <a:ext uri="{9D8B030D-6E8A-4147-A177-3AD203B41FA5}">
-                      <a16:colId xmlns="" xmlns:a16="http://schemas.microsoft.com/office/drawing/2014/main" val="4240773277"/>
+                      <a16:colId xmlns:a16="http://schemas.microsoft.com/office/drawing/2014/main" xmlns="" val="4240773277"/>
                     </a:ext>
                   </a:extLst>
                 </a:gridCol>
@@ -3772,7 +3772,7 @@
                 </a:tc>
                 <a:extLst>
                   <a:ext uri="{0D108BD9-81ED-4DB2-BD59-A6C34878D82A}">
-                    <a16:rowId xmlns="" xmlns:a16="http://schemas.microsoft.com/office/drawing/2014/main" val="2194462629"/>
+                    <a16:rowId xmlns:a16="http://schemas.microsoft.com/office/drawing/2014/main" xmlns="" val="2194462629"/>
                   </a:ext>
                 </a:extLst>
               </a:tr>
@@ -3785,7 +3785,7 @@
           <p:cNvPr id="30" name="Table 29">
             <a:extLst>
               <a:ext uri="{FF2B5EF4-FFF2-40B4-BE49-F238E27FC236}">
-                <a16:creationId xmlns="" xmlns:a16="http://schemas.microsoft.com/office/drawing/2014/main" id="{F545FAB8-F1CE-4886-9BDE-E772BCB0A9C4}"/>
+                <a16:creationId xmlns:a16="http://schemas.microsoft.com/office/drawing/2014/main" xmlns="" id="{F545FAB8-F1CE-4886-9BDE-E772BCB0A9C4}"/>
               </a:ext>
             </a:extLst>
           </p:cNvPr>
@@ -3795,7 +3795,7 @@
           <p:nvPr>
             <p:extLst>
               <p:ext uri="{D42A27DB-BD31-4B8C-83A1-F6EECF244321}">
-                <p14:modId xmlns:p14="http://schemas.microsoft.com/office/powerpoint/2010/main" val="2089443793"/>
+                <p14:modId xmlns:p14="http://schemas.microsoft.com/office/powerpoint/2010/main" val="1694909438"/>
               </p:ext>
             </p:extLst>
           </p:nvPr>
@@ -3814,7 +3814,7 @@
                 <a:gridCol w="1825824">
                   <a:extLst>
                     <a:ext uri="{9D8B030D-6E8A-4147-A177-3AD203B41FA5}">
-                      <a16:colId xmlns="" xmlns:a16="http://schemas.microsoft.com/office/drawing/2014/main" val="4240773277"/>
+                      <a16:colId xmlns:a16="http://schemas.microsoft.com/office/drawing/2014/main" xmlns="" val="4240773277"/>
                     </a:ext>
                   </a:extLst>
                 </a:gridCol>
@@ -3840,7 +3840,7 @@
                 </a:tc>
                 <a:extLst>
                   <a:ext uri="{0D108BD9-81ED-4DB2-BD59-A6C34878D82A}">
-                    <a16:rowId xmlns="" xmlns:a16="http://schemas.microsoft.com/office/drawing/2014/main" val="2194462629"/>
+                    <a16:rowId xmlns:a16="http://schemas.microsoft.com/office/drawing/2014/main" xmlns="" val="2194462629"/>
                   </a:ext>
                 </a:extLst>
               </a:tr>
@@ -3853,7 +3853,7 @@
           <p:cNvPr id="31" name="Table 30">
             <a:extLst>
               <a:ext uri="{FF2B5EF4-FFF2-40B4-BE49-F238E27FC236}">
-                <a16:creationId xmlns="" xmlns:a16="http://schemas.microsoft.com/office/drawing/2014/main" id="{F545FAB8-F1CE-4886-9BDE-E772BCB0A9C4}"/>
+                <a16:creationId xmlns:a16="http://schemas.microsoft.com/office/drawing/2014/main" xmlns="" id="{F545FAB8-F1CE-4886-9BDE-E772BCB0A9C4}"/>
               </a:ext>
             </a:extLst>
           </p:cNvPr>
@@ -3863,7 +3863,7 @@
           <p:nvPr>
             <p:extLst>
               <p:ext uri="{D42A27DB-BD31-4B8C-83A1-F6EECF244321}">
-                <p14:modId xmlns:p14="http://schemas.microsoft.com/office/powerpoint/2010/main" val="123628957"/>
+                <p14:modId xmlns:p14="http://schemas.microsoft.com/office/powerpoint/2010/main" val="2119830658"/>
               </p:ext>
             </p:extLst>
           </p:nvPr>
@@ -3882,7 +3882,7 @@
                 <a:gridCol w="1825824">
                   <a:extLst>
                     <a:ext uri="{9D8B030D-6E8A-4147-A177-3AD203B41FA5}">
-                      <a16:colId xmlns="" xmlns:a16="http://schemas.microsoft.com/office/drawing/2014/main" val="4240773277"/>
+                      <a16:colId xmlns:a16="http://schemas.microsoft.com/office/drawing/2014/main" xmlns="" val="4240773277"/>
                     </a:ext>
                   </a:extLst>
                 </a:gridCol>
@@ -3908,7 +3908,7 @@
                 </a:tc>
                 <a:extLst>
                   <a:ext uri="{0D108BD9-81ED-4DB2-BD59-A6C34878D82A}">
-                    <a16:rowId xmlns="" xmlns:a16="http://schemas.microsoft.com/office/drawing/2014/main" val="2194462629"/>
+                    <a16:rowId xmlns:a16="http://schemas.microsoft.com/office/drawing/2014/main" xmlns="" val="2194462629"/>
                   </a:ext>
                 </a:extLst>
               </a:tr>
@@ -3921,7 +3921,7 @@
           <p:cNvPr id="32" name="Table 31">
             <a:extLst>
               <a:ext uri="{FF2B5EF4-FFF2-40B4-BE49-F238E27FC236}">
-                <a16:creationId xmlns="" xmlns:a16="http://schemas.microsoft.com/office/drawing/2014/main" id="{F545FAB8-F1CE-4886-9BDE-E772BCB0A9C4}"/>
+                <a16:creationId xmlns:a16="http://schemas.microsoft.com/office/drawing/2014/main" xmlns="" id="{F545FAB8-F1CE-4886-9BDE-E772BCB0A9C4}"/>
               </a:ext>
             </a:extLst>
           </p:cNvPr>
@@ -3931,7 +3931,7 @@
           <p:nvPr>
             <p:extLst>
               <p:ext uri="{D42A27DB-BD31-4B8C-83A1-F6EECF244321}">
-                <p14:modId xmlns:p14="http://schemas.microsoft.com/office/powerpoint/2010/main" val="583105653"/>
+                <p14:modId xmlns:p14="http://schemas.microsoft.com/office/powerpoint/2010/main" val="1240165276"/>
               </p:ext>
             </p:extLst>
           </p:nvPr>
@@ -3950,7 +3950,7 @@
                 <a:gridCol w="1825824">
                   <a:extLst>
                     <a:ext uri="{9D8B030D-6E8A-4147-A177-3AD203B41FA5}">
-                      <a16:colId xmlns="" xmlns:a16="http://schemas.microsoft.com/office/drawing/2014/main" val="4240773277"/>
+                      <a16:colId xmlns:a16="http://schemas.microsoft.com/office/drawing/2014/main" xmlns="" val="4240773277"/>
                     </a:ext>
                   </a:extLst>
                 </a:gridCol>
@@ -3976,7 +3976,7 @@
                 </a:tc>
                 <a:extLst>
                   <a:ext uri="{0D108BD9-81ED-4DB2-BD59-A6C34878D82A}">
-                    <a16:rowId xmlns="" xmlns:a16="http://schemas.microsoft.com/office/drawing/2014/main" val="2194462629"/>
+                    <a16:rowId xmlns:a16="http://schemas.microsoft.com/office/drawing/2014/main" xmlns="" val="2194462629"/>
                   </a:ext>
                 </a:extLst>
               </a:tr>
@@ -3989,7 +3989,7 @@
           <p:cNvPr id="33" name="Table 32">
             <a:extLst>
               <a:ext uri="{FF2B5EF4-FFF2-40B4-BE49-F238E27FC236}">
-                <a16:creationId xmlns="" xmlns:a16="http://schemas.microsoft.com/office/drawing/2014/main" id="{F545FAB8-F1CE-4886-9BDE-E772BCB0A9C4}"/>
+                <a16:creationId xmlns:a16="http://schemas.microsoft.com/office/drawing/2014/main" xmlns="" id="{F545FAB8-F1CE-4886-9BDE-E772BCB0A9C4}"/>
               </a:ext>
             </a:extLst>
           </p:cNvPr>
@@ -3999,7 +3999,7 @@
           <p:nvPr>
             <p:extLst>
               <p:ext uri="{D42A27DB-BD31-4B8C-83A1-F6EECF244321}">
-                <p14:modId xmlns:p14="http://schemas.microsoft.com/office/powerpoint/2010/main" val="1387521083"/>
+                <p14:modId xmlns:p14="http://schemas.microsoft.com/office/powerpoint/2010/main" val="2128999597"/>
               </p:ext>
             </p:extLst>
           </p:nvPr>
@@ -4018,7 +4018,7 @@
                 <a:gridCol w="1825824">
                   <a:extLst>
                     <a:ext uri="{9D8B030D-6E8A-4147-A177-3AD203B41FA5}">
-                      <a16:colId xmlns="" xmlns:a16="http://schemas.microsoft.com/office/drawing/2014/main" val="4240773277"/>
+                      <a16:colId xmlns:a16="http://schemas.microsoft.com/office/drawing/2014/main" xmlns="" val="4240773277"/>
                     </a:ext>
                   </a:extLst>
                 </a:gridCol>
@@ -4044,7 +4044,7 @@
                 </a:tc>
                 <a:extLst>
                   <a:ext uri="{0D108BD9-81ED-4DB2-BD59-A6C34878D82A}">
-                    <a16:rowId xmlns="" xmlns:a16="http://schemas.microsoft.com/office/drawing/2014/main" val="2194462629"/>
+                    <a16:rowId xmlns:a16="http://schemas.microsoft.com/office/drawing/2014/main" xmlns="" val="2194462629"/>
                   </a:ext>
                 </a:extLst>
               </a:tr>
@@ -4057,7 +4057,7 @@
           <p:cNvPr id="18" name="Straight Arrow Connector 17">
             <a:extLst>
               <a:ext uri="{FF2B5EF4-FFF2-40B4-BE49-F238E27FC236}">
-                <a16:creationId xmlns="" xmlns:a16="http://schemas.microsoft.com/office/drawing/2014/main" id="{BFC3A12D-3AD3-425B-8A3B-315B6DC01D05}"/>
+                <a16:creationId xmlns:a16="http://schemas.microsoft.com/office/drawing/2014/main" xmlns="" id="{BFC3A12D-3AD3-425B-8A3B-315B6DC01D05}"/>
               </a:ext>
             </a:extLst>
           </p:cNvPr>
@@ -4101,7 +4101,7 @@
           <p:cNvPr id="19" name="Straight Arrow Connector 18">
             <a:extLst>
               <a:ext uri="{FF2B5EF4-FFF2-40B4-BE49-F238E27FC236}">
-                <a16:creationId xmlns="" xmlns:a16="http://schemas.microsoft.com/office/drawing/2014/main" id="{A3B5C47A-9640-4A49-B463-8F5196CF2A09}"/>
+                <a16:creationId xmlns:a16="http://schemas.microsoft.com/office/drawing/2014/main" xmlns="" id="{A3B5C47A-9640-4A49-B463-8F5196CF2A09}"/>
               </a:ext>
             </a:extLst>
           </p:cNvPr>

--- a/docs/diagrams/UndoRedoNewCommand4StateListDiagram.pptx
+++ b/docs/diagrams/UndoRedoNewCommand4StateListDiagram.pptx
@@ -138,7 +138,7 @@
           <p:cNvPr id="2" name="Title 1">
             <a:extLst>
               <a:ext uri="{FF2B5EF4-FFF2-40B4-BE49-F238E27FC236}">
-                <a16:creationId xmlns:a16="http://schemas.microsoft.com/office/drawing/2014/main" id="{39FCC519-EE2E-4054-A653-93D611E0133E}"/>
+                <a16:creationId xmlns:a16="http://schemas.microsoft.com/office/drawing/2014/main" xmlns="" id="{39FCC519-EE2E-4054-A653-93D611E0133E}"/>
               </a:ext>
             </a:extLst>
           </p:cNvPr>
@@ -176,7 +176,7 @@
           <p:cNvPr id="3" name="Subtitle 2">
             <a:extLst>
               <a:ext uri="{FF2B5EF4-FFF2-40B4-BE49-F238E27FC236}">
-                <a16:creationId xmlns:a16="http://schemas.microsoft.com/office/drawing/2014/main" id="{3EDEA74E-4030-4F69-A055-4C6319EEEC29}"/>
+                <a16:creationId xmlns:a16="http://schemas.microsoft.com/office/drawing/2014/main" xmlns="" id="{3EDEA74E-4030-4F69-A055-4C6319EEEC29}"/>
               </a:ext>
             </a:extLst>
           </p:cNvPr>
@@ -247,7 +247,7 @@
           <p:cNvPr id="4" name="Date Placeholder 3">
             <a:extLst>
               <a:ext uri="{FF2B5EF4-FFF2-40B4-BE49-F238E27FC236}">
-                <a16:creationId xmlns:a16="http://schemas.microsoft.com/office/drawing/2014/main" id="{E5CC99E3-37A6-4485-B9A2-AF27A72608C6}"/>
+                <a16:creationId xmlns:a16="http://schemas.microsoft.com/office/drawing/2014/main" xmlns="" id="{E5CC99E3-37A6-4485-B9A2-AF27A72608C6}"/>
               </a:ext>
             </a:extLst>
           </p:cNvPr>
@@ -265,7 +265,7 @@
           <a:p>
             <a:fld id="{03EC4E3E-8101-482F-A883-8B55DAFF7C07}" type="datetimeFigureOut">
               <a:rPr lang="en-SG" smtClean="0"/>
-              <a:t>6/7/2018</a:t>
+              <a:t>5/3/19</a:t>
             </a:fld>
             <a:endParaRPr lang="en-SG"/>
           </a:p>
@@ -276,7 +276,7 @@
           <p:cNvPr id="5" name="Footer Placeholder 4">
             <a:extLst>
               <a:ext uri="{FF2B5EF4-FFF2-40B4-BE49-F238E27FC236}">
-                <a16:creationId xmlns:a16="http://schemas.microsoft.com/office/drawing/2014/main" id="{D75BD546-D949-4A25-8EA4-47DF23229409}"/>
+                <a16:creationId xmlns:a16="http://schemas.microsoft.com/office/drawing/2014/main" xmlns="" id="{D75BD546-D949-4A25-8EA4-47DF23229409}"/>
               </a:ext>
             </a:extLst>
           </p:cNvPr>
@@ -301,7 +301,7 @@
           <p:cNvPr id="6" name="Slide Number Placeholder 5">
             <a:extLst>
               <a:ext uri="{FF2B5EF4-FFF2-40B4-BE49-F238E27FC236}">
-                <a16:creationId xmlns:a16="http://schemas.microsoft.com/office/drawing/2014/main" id="{68147391-4DF6-4ACF-BCE9-C1A9DAC803E3}"/>
+                <a16:creationId xmlns:a16="http://schemas.microsoft.com/office/drawing/2014/main" xmlns="" id="{68147391-4DF6-4ACF-BCE9-C1A9DAC803E3}"/>
               </a:ext>
             </a:extLst>
           </p:cNvPr>
@@ -360,7 +360,7 @@
           <p:cNvPr id="2" name="Title 1">
             <a:extLst>
               <a:ext uri="{FF2B5EF4-FFF2-40B4-BE49-F238E27FC236}">
-                <a16:creationId xmlns:a16="http://schemas.microsoft.com/office/drawing/2014/main" id="{251D3DFE-0C62-45F5-B1BF-FD1F194ED112}"/>
+                <a16:creationId xmlns:a16="http://schemas.microsoft.com/office/drawing/2014/main" xmlns="" id="{251D3DFE-0C62-45F5-B1BF-FD1F194ED112}"/>
               </a:ext>
             </a:extLst>
           </p:cNvPr>
@@ -389,7 +389,7 @@
           <p:cNvPr id="3" name="Vertical Text Placeholder 2">
             <a:extLst>
               <a:ext uri="{FF2B5EF4-FFF2-40B4-BE49-F238E27FC236}">
-                <a16:creationId xmlns:a16="http://schemas.microsoft.com/office/drawing/2014/main" id="{D2392762-3586-4B6D-A174-2D3ACF0A125B}"/>
+                <a16:creationId xmlns:a16="http://schemas.microsoft.com/office/drawing/2014/main" xmlns="" id="{D2392762-3586-4B6D-A174-2D3ACF0A125B}"/>
               </a:ext>
             </a:extLst>
           </p:cNvPr>
@@ -447,7 +447,7 @@
           <p:cNvPr id="4" name="Date Placeholder 3">
             <a:extLst>
               <a:ext uri="{FF2B5EF4-FFF2-40B4-BE49-F238E27FC236}">
-                <a16:creationId xmlns:a16="http://schemas.microsoft.com/office/drawing/2014/main" id="{73B232E7-84FB-4535-9FC1-1BEF8F17421F}"/>
+                <a16:creationId xmlns:a16="http://schemas.microsoft.com/office/drawing/2014/main" xmlns="" id="{73B232E7-84FB-4535-9FC1-1BEF8F17421F}"/>
               </a:ext>
             </a:extLst>
           </p:cNvPr>
@@ -465,7 +465,7 @@
           <a:p>
             <a:fld id="{03EC4E3E-8101-482F-A883-8B55DAFF7C07}" type="datetimeFigureOut">
               <a:rPr lang="en-SG" smtClean="0"/>
-              <a:t>6/7/2018</a:t>
+              <a:t>5/3/19</a:t>
             </a:fld>
             <a:endParaRPr lang="en-SG"/>
           </a:p>
@@ -476,7 +476,7 @@
           <p:cNvPr id="5" name="Footer Placeholder 4">
             <a:extLst>
               <a:ext uri="{FF2B5EF4-FFF2-40B4-BE49-F238E27FC236}">
-                <a16:creationId xmlns:a16="http://schemas.microsoft.com/office/drawing/2014/main" id="{76F796EF-04EF-401A-AC84-F7BDBC99DE80}"/>
+                <a16:creationId xmlns:a16="http://schemas.microsoft.com/office/drawing/2014/main" xmlns="" id="{76F796EF-04EF-401A-AC84-F7BDBC99DE80}"/>
               </a:ext>
             </a:extLst>
           </p:cNvPr>
@@ -501,7 +501,7 @@
           <p:cNvPr id="6" name="Slide Number Placeholder 5">
             <a:extLst>
               <a:ext uri="{FF2B5EF4-FFF2-40B4-BE49-F238E27FC236}">
-                <a16:creationId xmlns:a16="http://schemas.microsoft.com/office/drawing/2014/main" id="{8F55F009-0A64-4649-A732-4AA6D619F1F3}"/>
+                <a16:creationId xmlns:a16="http://schemas.microsoft.com/office/drawing/2014/main" xmlns="" id="{8F55F009-0A64-4649-A732-4AA6D619F1F3}"/>
               </a:ext>
             </a:extLst>
           </p:cNvPr>
@@ -560,7 +560,7 @@
           <p:cNvPr id="2" name="Vertical Title 1">
             <a:extLst>
               <a:ext uri="{FF2B5EF4-FFF2-40B4-BE49-F238E27FC236}">
-                <a16:creationId xmlns:a16="http://schemas.microsoft.com/office/drawing/2014/main" id="{F7DE9595-D7A8-4E19-B4C6-E295F978F6A4}"/>
+                <a16:creationId xmlns:a16="http://schemas.microsoft.com/office/drawing/2014/main" xmlns="" id="{F7DE9595-D7A8-4E19-B4C6-E295F978F6A4}"/>
               </a:ext>
             </a:extLst>
           </p:cNvPr>
@@ -594,7 +594,7 @@
           <p:cNvPr id="3" name="Vertical Text Placeholder 2">
             <a:extLst>
               <a:ext uri="{FF2B5EF4-FFF2-40B4-BE49-F238E27FC236}">
-                <a16:creationId xmlns:a16="http://schemas.microsoft.com/office/drawing/2014/main" id="{0D2975B7-7A6D-40EA-B2F6-338022AD2BF1}"/>
+                <a16:creationId xmlns:a16="http://schemas.microsoft.com/office/drawing/2014/main" xmlns="" id="{0D2975B7-7A6D-40EA-B2F6-338022AD2BF1}"/>
               </a:ext>
             </a:extLst>
           </p:cNvPr>
@@ -657,7 +657,7 @@
           <p:cNvPr id="4" name="Date Placeholder 3">
             <a:extLst>
               <a:ext uri="{FF2B5EF4-FFF2-40B4-BE49-F238E27FC236}">
-                <a16:creationId xmlns:a16="http://schemas.microsoft.com/office/drawing/2014/main" id="{C8230AC3-1BED-4D2B-96D3-51C50E14A9E6}"/>
+                <a16:creationId xmlns:a16="http://schemas.microsoft.com/office/drawing/2014/main" xmlns="" id="{C8230AC3-1BED-4D2B-96D3-51C50E14A9E6}"/>
               </a:ext>
             </a:extLst>
           </p:cNvPr>
@@ -675,7 +675,7 @@
           <a:p>
             <a:fld id="{03EC4E3E-8101-482F-A883-8B55DAFF7C07}" type="datetimeFigureOut">
               <a:rPr lang="en-SG" smtClean="0"/>
-              <a:t>6/7/2018</a:t>
+              <a:t>5/3/19</a:t>
             </a:fld>
             <a:endParaRPr lang="en-SG"/>
           </a:p>
@@ -686,7 +686,7 @@
           <p:cNvPr id="5" name="Footer Placeholder 4">
             <a:extLst>
               <a:ext uri="{FF2B5EF4-FFF2-40B4-BE49-F238E27FC236}">
-                <a16:creationId xmlns:a16="http://schemas.microsoft.com/office/drawing/2014/main" id="{4AD6CA96-231A-43AD-B530-7C509651DE3B}"/>
+                <a16:creationId xmlns:a16="http://schemas.microsoft.com/office/drawing/2014/main" xmlns="" id="{4AD6CA96-231A-43AD-B530-7C509651DE3B}"/>
               </a:ext>
             </a:extLst>
           </p:cNvPr>
@@ -711,7 +711,7 @@
           <p:cNvPr id="6" name="Slide Number Placeholder 5">
             <a:extLst>
               <a:ext uri="{FF2B5EF4-FFF2-40B4-BE49-F238E27FC236}">
-                <a16:creationId xmlns:a16="http://schemas.microsoft.com/office/drawing/2014/main" id="{12063E3B-180A-454E-A661-6CCD48D7062C}"/>
+                <a16:creationId xmlns:a16="http://schemas.microsoft.com/office/drawing/2014/main" xmlns="" id="{12063E3B-180A-454E-A661-6CCD48D7062C}"/>
               </a:ext>
             </a:extLst>
           </p:cNvPr>
@@ -770,7 +770,7 @@
           <p:cNvPr id="2" name="Title 1">
             <a:extLst>
               <a:ext uri="{FF2B5EF4-FFF2-40B4-BE49-F238E27FC236}">
-                <a16:creationId xmlns:a16="http://schemas.microsoft.com/office/drawing/2014/main" id="{7E861C8D-BAF0-4DD9-92B9-591B272791CA}"/>
+                <a16:creationId xmlns:a16="http://schemas.microsoft.com/office/drawing/2014/main" xmlns="" id="{7E861C8D-BAF0-4DD9-92B9-591B272791CA}"/>
               </a:ext>
             </a:extLst>
           </p:cNvPr>
@@ -799,7 +799,7 @@
           <p:cNvPr id="3" name="Content Placeholder 2">
             <a:extLst>
               <a:ext uri="{FF2B5EF4-FFF2-40B4-BE49-F238E27FC236}">
-                <a16:creationId xmlns:a16="http://schemas.microsoft.com/office/drawing/2014/main" id="{534DA4BD-1D78-446B-B79F-C1229642DDEB}"/>
+                <a16:creationId xmlns:a16="http://schemas.microsoft.com/office/drawing/2014/main" xmlns="" id="{534DA4BD-1D78-446B-B79F-C1229642DDEB}"/>
               </a:ext>
             </a:extLst>
           </p:cNvPr>
@@ -857,7 +857,7 @@
           <p:cNvPr id="4" name="Date Placeholder 3">
             <a:extLst>
               <a:ext uri="{FF2B5EF4-FFF2-40B4-BE49-F238E27FC236}">
-                <a16:creationId xmlns:a16="http://schemas.microsoft.com/office/drawing/2014/main" id="{AD6BEDB5-7B62-4953-BECB-7F7F3E909CAC}"/>
+                <a16:creationId xmlns:a16="http://schemas.microsoft.com/office/drawing/2014/main" xmlns="" id="{AD6BEDB5-7B62-4953-BECB-7F7F3E909CAC}"/>
               </a:ext>
             </a:extLst>
           </p:cNvPr>
@@ -875,7 +875,7 @@
           <a:p>
             <a:fld id="{03EC4E3E-8101-482F-A883-8B55DAFF7C07}" type="datetimeFigureOut">
               <a:rPr lang="en-SG" smtClean="0"/>
-              <a:t>6/7/2018</a:t>
+              <a:t>5/3/19</a:t>
             </a:fld>
             <a:endParaRPr lang="en-SG"/>
           </a:p>
@@ -886,7 +886,7 @@
           <p:cNvPr id="5" name="Footer Placeholder 4">
             <a:extLst>
               <a:ext uri="{FF2B5EF4-FFF2-40B4-BE49-F238E27FC236}">
-                <a16:creationId xmlns:a16="http://schemas.microsoft.com/office/drawing/2014/main" id="{349CD732-2DD1-42BE-8480-5C6507018294}"/>
+                <a16:creationId xmlns:a16="http://schemas.microsoft.com/office/drawing/2014/main" xmlns="" id="{349CD732-2DD1-42BE-8480-5C6507018294}"/>
               </a:ext>
             </a:extLst>
           </p:cNvPr>
@@ -911,7 +911,7 @@
           <p:cNvPr id="6" name="Slide Number Placeholder 5">
             <a:extLst>
               <a:ext uri="{FF2B5EF4-FFF2-40B4-BE49-F238E27FC236}">
-                <a16:creationId xmlns:a16="http://schemas.microsoft.com/office/drawing/2014/main" id="{574C27E0-F36A-4438-9402-C2CB0377D92D}"/>
+                <a16:creationId xmlns:a16="http://schemas.microsoft.com/office/drawing/2014/main" xmlns="" id="{574C27E0-F36A-4438-9402-C2CB0377D92D}"/>
               </a:ext>
             </a:extLst>
           </p:cNvPr>
@@ -970,7 +970,7 @@
           <p:cNvPr id="2" name="Title 1">
             <a:extLst>
               <a:ext uri="{FF2B5EF4-FFF2-40B4-BE49-F238E27FC236}">
-                <a16:creationId xmlns:a16="http://schemas.microsoft.com/office/drawing/2014/main" id="{80A42FFA-8A45-40F8-9C5C-9906971B38AB}"/>
+                <a16:creationId xmlns:a16="http://schemas.microsoft.com/office/drawing/2014/main" xmlns="" id="{80A42FFA-8A45-40F8-9C5C-9906971B38AB}"/>
               </a:ext>
             </a:extLst>
           </p:cNvPr>
@@ -1008,7 +1008,7 @@
           <p:cNvPr id="3" name="Text Placeholder 2">
             <a:extLst>
               <a:ext uri="{FF2B5EF4-FFF2-40B4-BE49-F238E27FC236}">
-                <a16:creationId xmlns:a16="http://schemas.microsoft.com/office/drawing/2014/main" id="{7D8879A7-8225-4473-B738-B780B6224EC5}"/>
+                <a16:creationId xmlns:a16="http://schemas.microsoft.com/office/drawing/2014/main" xmlns="" id="{7D8879A7-8225-4473-B738-B780B6224EC5}"/>
               </a:ext>
             </a:extLst>
           </p:cNvPr>
@@ -1133,7 +1133,7 @@
           <p:cNvPr id="4" name="Date Placeholder 3">
             <a:extLst>
               <a:ext uri="{FF2B5EF4-FFF2-40B4-BE49-F238E27FC236}">
-                <a16:creationId xmlns:a16="http://schemas.microsoft.com/office/drawing/2014/main" id="{6CF7978C-FE65-4091-9152-E33029C12AEA}"/>
+                <a16:creationId xmlns:a16="http://schemas.microsoft.com/office/drawing/2014/main" xmlns="" id="{6CF7978C-FE65-4091-9152-E33029C12AEA}"/>
               </a:ext>
             </a:extLst>
           </p:cNvPr>
@@ -1151,7 +1151,7 @@
           <a:p>
             <a:fld id="{03EC4E3E-8101-482F-A883-8B55DAFF7C07}" type="datetimeFigureOut">
               <a:rPr lang="en-SG" smtClean="0"/>
-              <a:t>6/7/2018</a:t>
+              <a:t>5/3/19</a:t>
             </a:fld>
             <a:endParaRPr lang="en-SG"/>
           </a:p>
@@ -1162,7 +1162,7 @@
           <p:cNvPr id="5" name="Footer Placeholder 4">
             <a:extLst>
               <a:ext uri="{FF2B5EF4-FFF2-40B4-BE49-F238E27FC236}">
-                <a16:creationId xmlns:a16="http://schemas.microsoft.com/office/drawing/2014/main" id="{B344C9CC-480F-4DCB-AC70-D7A4CCA0B8B7}"/>
+                <a16:creationId xmlns:a16="http://schemas.microsoft.com/office/drawing/2014/main" xmlns="" id="{B344C9CC-480F-4DCB-AC70-D7A4CCA0B8B7}"/>
               </a:ext>
             </a:extLst>
           </p:cNvPr>
@@ -1187,7 +1187,7 @@
           <p:cNvPr id="6" name="Slide Number Placeholder 5">
             <a:extLst>
               <a:ext uri="{FF2B5EF4-FFF2-40B4-BE49-F238E27FC236}">
-                <a16:creationId xmlns:a16="http://schemas.microsoft.com/office/drawing/2014/main" id="{8F5A07EC-843A-4ED9-8F1C-AD703CA36D58}"/>
+                <a16:creationId xmlns:a16="http://schemas.microsoft.com/office/drawing/2014/main" xmlns="" id="{8F5A07EC-843A-4ED9-8F1C-AD703CA36D58}"/>
               </a:ext>
             </a:extLst>
           </p:cNvPr>
@@ -1246,7 +1246,7 @@
           <p:cNvPr id="2" name="Title 1">
             <a:extLst>
               <a:ext uri="{FF2B5EF4-FFF2-40B4-BE49-F238E27FC236}">
-                <a16:creationId xmlns:a16="http://schemas.microsoft.com/office/drawing/2014/main" id="{056EE2DA-07D9-4774-A8CA-0CA247F8C72A}"/>
+                <a16:creationId xmlns:a16="http://schemas.microsoft.com/office/drawing/2014/main" xmlns="" id="{056EE2DA-07D9-4774-A8CA-0CA247F8C72A}"/>
               </a:ext>
             </a:extLst>
           </p:cNvPr>
@@ -1275,7 +1275,7 @@
           <p:cNvPr id="3" name="Content Placeholder 2">
             <a:extLst>
               <a:ext uri="{FF2B5EF4-FFF2-40B4-BE49-F238E27FC236}">
-                <a16:creationId xmlns:a16="http://schemas.microsoft.com/office/drawing/2014/main" id="{3CF93A59-4E25-4FFA-8796-AA06EF3E5C3E}"/>
+                <a16:creationId xmlns:a16="http://schemas.microsoft.com/office/drawing/2014/main" xmlns="" id="{3CF93A59-4E25-4FFA-8796-AA06EF3E5C3E}"/>
               </a:ext>
             </a:extLst>
           </p:cNvPr>
@@ -1338,7 +1338,7 @@
           <p:cNvPr id="4" name="Content Placeholder 3">
             <a:extLst>
               <a:ext uri="{FF2B5EF4-FFF2-40B4-BE49-F238E27FC236}">
-                <a16:creationId xmlns:a16="http://schemas.microsoft.com/office/drawing/2014/main" id="{81373B10-E346-4893-AFEE-65E014405E2D}"/>
+                <a16:creationId xmlns:a16="http://schemas.microsoft.com/office/drawing/2014/main" xmlns="" id="{81373B10-E346-4893-AFEE-65E014405E2D}"/>
               </a:ext>
             </a:extLst>
           </p:cNvPr>
@@ -1401,7 +1401,7 @@
           <p:cNvPr id="5" name="Date Placeholder 4">
             <a:extLst>
               <a:ext uri="{FF2B5EF4-FFF2-40B4-BE49-F238E27FC236}">
-                <a16:creationId xmlns:a16="http://schemas.microsoft.com/office/drawing/2014/main" id="{D9C411A1-6D64-4C63-A758-5D2FEE677F45}"/>
+                <a16:creationId xmlns:a16="http://schemas.microsoft.com/office/drawing/2014/main" xmlns="" id="{D9C411A1-6D64-4C63-A758-5D2FEE677F45}"/>
               </a:ext>
             </a:extLst>
           </p:cNvPr>
@@ -1419,7 +1419,7 @@
           <a:p>
             <a:fld id="{03EC4E3E-8101-482F-A883-8B55DAFF7C07}" type="datetimeFigureOut">
               <a:rPr lang="en-SG" smtClean="0"/>
-              <a:t>6/7/2018</a:t>
+              <a:t>5/3/19</a:t>
             </a:fld>
             <a:endParaRPr lang="en-SG"/>
           </a:p>
@@ -1430,7 +1430,7 @@
           <p:cNvPr id="6" name="Footer Placeholder 5">
             <a:extLst>
               <a:ext uri="{FF2B5EF4-FFF2-40B4-BE49-F238E27FC236}">
-                <a16:creationId xmlns:a16="http://schemas.microsoft.com/office/drawing/2014/main" id="{8D9C2E46-644C-4155-A697-764A7A0AB1F4}"/>
+                <a16:creationId xmlns:a16="http://schemas.microsoft.com/office/drawing/2014/main" xmlns="" id="{8D9C2E46-644C-4155-A697-764A7A0AB1F4}"/>
               </a:ext>
             </a:extLst>
           </p:cNvPr>
@@ -1455,7 +1455,7 @@
           <p:cNvPr id="7" name="Slide Number Placeholder 6">
             <a:extLst>
               <a:ext uri="{FF2B5EF4-FFF2-40B4-BE49-F238E27FC236}">
-                <a16:creationId xmlns:a16="http://schemas.microsoft.com/office/drawing/2014/main" id="{6192DEDD-6479-45E4-B1F5-6EDD41BBB103}"/>
+                <a16:creationId xmlns:a16="http://schemas.microsoft.com/office/drawing/2014/main" xmlns="" id="{6192DEDD-6479-45E4-B1F5-6EDD41BBB103}"/>
               </a:ext>
             </a:extLst>
           </p:cNvPr>
@@ -1514,7 +1514,7 @@
           <p:cNvPr id="2" name="Title 1">
             <a:extLst>
               <a:ext uri="{FF2B5EF4-FFF2-40B4-BE49-F238E27FC236}">
-                <a16:creationId xmlns:a16="http://schemas.microsoft.com/office/drawing/2014/main" id="{DC0ED888-63EF-4CC0-8500-9C8DB672FEC2}"/>
+                <a16:creationId xmlns:a16="http://schemas.microsoft.com/office/drawing/2014/main" xmlns="" id="{DC0ED888-63EF-4CC0-8500-9C8DB672FEC2}"/>
               </a:ext>
             </a:extLst>
           </p:cNvPr>
@@ -1548,7 +1548,7 @@
           <p:cNvPr id="3" name="Text Placeholder 2">
             <a:extLst>
               <a:ext uri="{FF2B5EF4-FFF2-40B4-BE49-F238E27FC236}">
-                <a16:creationId xmlns:a16="http://schemas.microsoft.com/office/drawing/2014/main" id="{3C33BC1E-FB79-4906-A967-9C7046C6D272}"/>
+                <a16:creationId xmlns:a16="http://schemas.microsoft.com/office/drawing/2014/main" xmlns="" id="{3C33BC1E-FB79-4906-A967-9C7046C6D272}"/>
               </a:ext>
             </a:extLst>
           </p:cNvPr>
@@ -1619,7 +1619,7 @@
           <p:cNvPr id="4" name="Content Placeholder 3">
             <a:extLst>
               <a:ext uri="{FF2B5EF4-FFF2-40B4-BE49-F238E27FC236}">
-                <a16:creationId xmlns:a16="http://schemas.microsoft.com/office/drawing/2014/main" id="{697A4EC6-1C42-4BA4-8108-32579276C17B}"/>
+                <a16:creationId xmlns:a16="http://schemas.microsoft.com/office/drawing/2014/main" xmlns="" id="{697A4EC6-1C42-4BA4-8108-32579276C17B}"/>
               </a:ext>
             </a:extLst>
           </p:cNvPr>
@@ -1682,7 +1682,7 @@
           <p:cNvPr id="5" name="Text Placeholder 4">
             <a:extLst>
               <a:ext uri="{FF2B5EF4-FFF2-40B4-BE49-F238E27FC236}">
-                <a16:creationId xmlns:a16="http://schemas.microsoft.com/office/drawing/2014/main" id="{8A2CA209-B9F5-4E1E-B302-74CC2D4CFDFB}"/>
+                <a16:creationId xmlns:a16="http://schemas.microsoft.com/office/drawing/2014/main" xmlns="" id="{8A2CA209-B9F5-4E1E-B302-74CC2D4CFDFB}"/>
               </a:ext>
             </a:extLst>
           </p:cNvPr>
@@ -1753,7 +1753,7 @@
           <p:cNvPr id="6" name="Content Placeholder 5">
             <a:extLst>
               <a:ext uri="{FF2B5EF4-FFF2-40B4-BE49-F238E27FC236}">
-                <a16:creationId xmlns:a16="http://schemas.microsoft.com/office/drawing/2014/main" id="{0E6E876D-DC4D-40EE-BA38-CD01089602CF}"/>
+                <a16:creationId xmlns:a16="http://schemas.microsoft.com/office/drawing/2014/main" xmlns="" id="{0E6E876D-DC4D-40EE-BA38-CD01089602CF}"/>
               </a:ext>
             </a:extLst>
           </p:cNvPr>
@@ -1816,7 +1816,7 @@
           <p:cNvPr id="7" name="Date Placeholder 6">
             <a:extLst>
               <a:ext uri="{FF2B5EF4-FFF2-40B4-BE49-F238E27FC236}">
-                <a16:creationId xmlns:a16="http://schemas.microsoft.com/office/drawing/2014/main" id="{F24E1D97-8B3C-41A1-B0BA-BA833AD8BC7C}"/>
+                <a16:creationId xmlns:a16="http://schemas.microsoft.com/office/drawing/2014/main" xmlns="" id="{F24E1D97-8B3C-41A1-B0BA-BA833AD8BC7C}"/>
               </a:ext>
             </a:extLst>
           </p:cNvPr>
@@ -1834,7 +1834,7 @@
           <a:p>
             <a:fld id="{03EC4E3E-8101-482F-A883-8B55DAFF7C07}" type="datetimeFigureOut">
               <a:rPr lang="en-SG" smtClean="0"/>
-              <a:t>6/7/2018</a:t>
+              <a:t>5/3/19</a:t>
             </a:fld>
             <a:endParaRPr lang="en-SG"/>
           </a:p>
@@ -1845,7 +1845,7 @@
           <p:cNvPr id="8" name="Footer Placeholder 7">
             <a:extLst>
               <a:ext uri="{FF2B5EF4-FFF2-40B4-BE49-F238E27FC236}">
-                <a16:creationId xmlns:a16="http://schemas.microsoft.com/office/drawing/2014/main" id="{FC358D8F-B7DA-4DCE-AC8F-706450EEC0DC}"/>
+                <a16:creationId xmlns:a16="http://schemas.microsoft.com/office/drawing/2014/main" xmlns="" id="{FC358D8F-B7DA-4DCE-AC8F-706450EEC0DC}"/>
               </a:ext>
             </a:extLst>
           </p:cNvPr>
@@ -1870,7 +1870,7 @@
           <p:cNvPr id="9" name="Slide Number Placeholder 8">
             <a:extLst>
               <a:ext uri="{FF2B5EF4-FFF2-40B4-BE49-F238E27FC236}">
-                <a16:creationId xmlns:a16="http://schemas.microsoft.com/office/drawing/2014/main" id="{40CE354E-2C73-4B6F-8AEB-14D1378A77E1}"/>
+                <a16:creationId xmlns:a16="http://schemas.microsoft.com/office/drawing/2014/main" xmlns="" id="{40CE354E-2C73-4B6F-8AEB-14D1378A77E1}"/>
               </a:ext>
             </a:extLst>
           </p:cNvPr>
@@ -1929,7 +1929,7 @@
           <p:cNvPr id="2" name="Title 1">
             <a:extLst>
               <a:ext uri="{FF2B5EF4-FFF2-40B4-BE49-F238E27FC236}">
-                <a16:creationId xmlns:a16="http://schemas.microsoft.com/office/drawing/2014/main" id="{17D9D381-288C-43FB-86C2-AAA4FCFD43FD}"/>
+                <a16:creationId xmlns:a16="http://schemas.microsoft.com/office/drawing/2014/main" xmlns="" id="{17D9D381-288C-43FB-86C2-AAA4FCFD43FD}"/>
               </a:ext>
             </a:extLst>
           </p:cNvPr>
@@ -1958,7 +1958,7 @@
           <p:cNvPr id="3" name="Date Placeholder 2">
             <a:extLst>
               <a:ext uri="{FF2B5EF4-FFF2-40B4-BE49-F238E27FC236}">
-                <a16:creationId xmlns:a16="http://schemas.microsoft.com/office/drawing/2014/main" id="{A85D75E5-4830-4F75-8132-91122609F925}"/>
+                <a16:creationId xmlns:a16="http://schemas.microsoft.com/office/drawing/2014/main" xmlns="" id="{A85D75E5-4830-4F75-8132-91122609F925}"/>
               </a:ext>
             </a:extLst>
           </p:cNvPr>
@@ -1976,7 +1976,7 @@
           <a:p>
             <a:fld id="{03EC4E3E-8101-482F-A883-8B55DAFF7C07}" type="datetimeFigureOut">
               <a:rPr lang="en-SG" smtClean="0"/>
-              <a:t>6/7/2018</a:t>
+              <a:t>5/3/19</a:t>
             </a:fld>
             <a:endParaRPr lang="en-SG"/>
           </a:p>
@@ -1987,7 +1987,7 @@
           <p:cNvPr id="4" name="Footer Placeholder 3">
             <a:extLst>
               <a:ext uri="{FF2B5EF4-FFF2-40B4-BE49-F238E27FC236}">
-                <a16:creationId xmlns:a16="http://schemas.microsoft.com/office/drawing/2014/main" id="{0C14A42C-834F-43EA-8053-84D5A665CEE7}"/>
+                <a16:creationId xmlns:a16="http://schemas.microsoft.com/office/drawing/2014/main" xmlns="" id="{0C14A42C-834F-43EA-8053-84D5A665CEE7}"/>
               </a:ext>
             </a:extLst>
           </p:cNvPr>
@@ -2012,7 +2012,7 @@
           <p:cNvPr id="5" name="Slide Number Placeholder 4">
             <a:extLst>
               <a:ext uri="{FF2B5EF4-FFF2-40B4-BE49-F238E27FC236}">
-                <a16:creationId xmlns:a16="http://schemas.microsoft.com/office/drawing/2014/main" id="{38C1E789-CDA9-48FF-A7BA-F21E31600226}"/>
+                <a16:creationId xmlns:a16="http://schemas.microsoft.com/office/drawing/2014/main" xmlns="" id="{38C1E789-CDA9-48FF-A7BA-F21E31600226}"/>
               </a:ext>
             </a:extLst>
           </p:cNvPr>
@@ -2071,7 +2071,7 @@
           <p:cNvPr id="2" name="Date Placeholder 1">
             <a:extLst>
               <a:ext uri="{FF2B5EF4-FFF2-40B4-BE49-F238E27FC236}">
-                <a16:creationId xmlns:a16="http://schemas.microsoft.com/office/drawing/2014/main" id="{21A40ECD-0ABD-4F35-B481-512A01FC643D}"/>
+                <a16:creationId xmlns:a16="http://schemas.microsoft.com/office/drawing/2014/main" xmlns="" id="{21A40ECD-0ABD-4F35-B481-512A01FC643D}"/>
               </a:ext>
             </a:extLst>
           </p:cNvPr>
@@ -2089,7 +2089,7 @@
           <a:p>
             <a:fld id="{03EC4E3E-8101-482F-A883-8B55DAFF7C07}" type="datetimeFigureOut">
               <a:rPr lang="en-SG" smtClean="0"/>
-              <a:t>6/7/2018</a:t>
+              <a:t>5/3/19</a:t>
             </a:fld>
             <a:endParaRPr lang="en-SG"/>
           </a:p>
@@ -2100,7 +2100,7 @@
           <p:cNvPr id="3" name="Footer Placeholder 2">
             <a:extLst>
               <a:ext uri="{FF2B5EF4-FFF2-40B4-BE49-F238E27FC236}">
-                <a16:creationId xmlns:a16="http://schemas.microsoft.com/office/drawing/2014/main" id="{D44B8F11-A412-4FA6-9070-B9C742F699F3}"/>
+                <a16:creationId xmlns:a16="http://schemas.microsoft.com/office/drawing/2014/main" xmlns="" id="{D44B8F11-A412-4FA6-9070-B9C742F699F3}"/>
               </a:ext>
             </a:extLst>
           </p:cNvPr>
@@ -2125,7 +2125,7 @@
           <p:cNvPr id="4" name="Slide Number Placeholder 3">
             <a:extLst>
               <a:ext uri="{FF2B5EF4-FFF2-40B4-BE49-F238E27FC236}">
-                <a16:creationId xmlns:a16="http://schemas.microsoft.com/office/drawing/2014/main" id="{E3EA086A-DA0B-4378-A128-F213644ECB0C}"/>
+                <a16:creationId xmlns:a16="http://schemas.microsoft.com/office/drawing/2014/main" xmlns="" id="{E3EA086A-DA0B-4378-A128-F213644ECB0C}"/>
               </a:ext>
             </a:extLst>
           </p:cNvPr>
@@ -2184,7 +2184,7 @@
           <p:cNvPr id="2" name="Title 1">
             <a:extLst>
               <a:ext uri="{FF2B5EF4-FFF2-40B4-BE49-F238E27FC236}">
-                <a16:creationId xmlns:a16="http://schemas.microsoft.com/office/drawing/2014/main" id="{765D165A-D423-4E89-A075-D59A9FB59792}"/>
+                <a16:creationId xmlns:a16="http://schemas.microsoft.com/office/drawing/2014/main" xmlns="" id="{765D165A-D423-4E89-A075-D59A9FB59792}"/>
               </a:ext>
             </a:extLst>
           </p:cNvPr>
@@ -2222,7 +2222,7 @@
           <p:cNvPr id="3" name="Content Placeholder 2">
             <a:extLst>
               <a:ext uri="{FF2B5EF4-FFF2-40B4-BE49-F238E27FC236}">
-                <a16:creationId xmlns:a16="http://schemas.microsoft.com/office/drawing/2014/main" id="{77C2A5CC-2876-49CA-993D-F4F73FC9D2B0}"/>
+                <a16:creationId xmlns:a16="http://schemas.microsoft.com/office/drawing/2014/main" xmlns="" id="{77C2A5CC-2876-49CA-993D-F4F73FC9D2B0}"/>
               </a:ext>
             </a:extLst>
           </p:cNvPr>
@@ -2313,7 +2313,7 @@
           <p:cNvPr id="4" name="Text Placeholder 3">
             <a:extLst>
               <a:ext uri="{FF2B5EF4-FFF2-40B4-BE49-F238E27FC236}">
-                <a16:creationId xmlns:a16="http://schemas.microsoft.com/office/drawing/2014/main" id="{7B4DE2E8-CCF6-4E88-A858-05A04CD0D736}"/>
+                <a16:creationId xmlns:a16="http://schemas.microsoft.com/office/drawing/2014/main" xmlns="" id="{7B4DE2E8-CCF6-4E88-A858-05A04CD0D736}"/>
               </a:ext>
             </a:extLst>
           </p:cNvPr>
@@ -2384,7 +2384,7 @@
           <p:cNvPr id="5" name="Date Placeholder 4">
             <a:extLst>
               <a:ext uri="{FF2B5EF4-FFF2-40B4-BE49-F238E27FC236}">
-                <a16:creationId xmlns:a16="http://schemas.microsoft.com/office/drawing/2014/main" id="{CAEBEC1E-DE48-4B55-A846-F8248E381145}"/>
+                <a16:creationId xmlns:a16="http://schemas.microsoft.com/office/drawing/2014/main" xmlns="" id="{CAEBEC1E-DE48-4B55-A846-F8248E381145}"/>
               </a:ext>
             </a:extLst>
           </p:cNvPr>
@@ -2402,7 +2402,7 @@
           <a:p>
             <a:fld id="{03EC4E3E-8101-482F-A883-8B55DAFF7C07}" type="datetimeFigureOut">
               <a:rPr lang="en-SG" smtClean="0"/>
-              <a:t>6/7/2018</a:t>
+              <a:t>5/3/19</a:t>
             </a:fld>
             <a:endParaRPr lang="en-SG"/>
           </a:p>
@@ -2413,7 +2413,7 @@
           <p:cNvPr id="6" name="Footer Placeholder 5">
             <a:extLst>
               <a:ext uri="{FF2B5EF4-FFF2-40B4-BE49-F238E27FC236}">
-                <a16:creationId xmlns:a16="http://schemas.microsoft.com/office/drawing/2014/main" id="{945A6E8B-6BC2-49E9-B4E5-DAD3F7A1A1BF}"/>
+                <a16:creationId xmlns:a16="http://schemas.microsoft.com/office/drawing/2014/main" xmlns="" id="{945A6E8B-6BC2-49E9-B4E5-DAD3F7A1A1BF}"/>
               </a:ext>
             </a:extLst>
           </p:cNvPr>
@@ -2438,7 +2438,7 @@
           <p:cNvPr id="7" name="Slide Number Placeholder 6">
             <a:extLst>
               <a:ext uri="{FF2B5EF4-FFF2-40B4-BE49-F238E27FC236}">
-                <a16:creationId xmlns:a16="http://schemas.microsoft.com/office/drawing/2014/main" id="{E5CF739B-EDF0-43CE-A87E-C49F040C85A5}"/>
+                <a16:creationId xmlns:a16="http://schemas.microsoft.com/office/drawing/2014/main" xmlns="" id="{E5CF739B-EDF0-43CE-A87E-C49F040C85A5}"/>
               </a:ext>
             </a:extLst>
           </p:cNvPr>
@@ -2497,7 +2497,7 @@
           <p:cNvPr id="2" name="Title 1">
             <a:extLst>
               <a:ext uri="{FF2B5EF4-FFF2-40B4-BE49-F238E27FC236}">
-                <a16:creationId xmlns:a16="http://schemas.microsoft.com/office/drawing/2014/main" id="{0091F49F-E849-4834-84DB-61CF2F2652D4}"/>
+                <a16:creationId xmlns:a16="http://schemas.microsoft.com/office/drawing/2014/main" xmlns="" id="{0091F49F-E849-4834-84DB-61CF2F2652D4}"/>
               </a:ext>
             </a:extLst>
           </p:cNvPr>
@@ -2535,7 +2535,7 @@
           <p:cNvPr id="3" name="Picture Placeholder 2">
             <a:extLst>
               <a:ext uri="{FF2B5EF4-FFF2-40B4-BE49-F238E27FC236}">
-                <a16:creationId xmlns:a16="http://schemas.microsoft.com/office/drawing/2014/main" id="{631D62A9-3420-4F1C-9EB9-09EF85106E78}"/>
+                <a16:creationId xmlns:a16="http://schemas.microsoft.com/office/drawing/2014/main" xmlns="" id="{631D62A9-3420-4F1C-9EB9-09EF85106E78}"/>
               </a:ext>
             </a:extLst>
           </p:cNvPr>
@@ -2602,7 +2602,7 @@
           <p:cNvPr id="4" name="Text Placeholder 3">
             <a:extLst>
               <a:ext uri="{FF2B5EF4-FFF2-40B4-BE49-F238E27FC236}">
-                <a16:creationId xmlns:a16="http://schemas.microsoft.com/office/drawing/2014/main" id="{E450EC8D-D7F4-45FC-AD8C-2E198A32CCA2}"/>
+                <a16:creationId xmlns:a16="http://schemas.microsoft.com/office/drawing/2014/main" xmlns="" id="{E450EC8D-D7F4-45FC-AD8C-2E198A32CCA2}"/>
               </a:ext>
             </a:extLst>
           </p:cNvPr>
@@ -2673,7 +2673,7 @@
           <p:cNvPr id="5" name="Date Placeholder 4">
             <a:extLst>
               <a:ext uri="{FF2B5EF4-FFF2-40B4-BE49-F238E27FC236}">
-                <a16:creationId xmlns:a16="http://schemas.microsoft.com/office/drawing/2014/main" id="{7A73D668-ABF4-41FE-958C-542EEDC5F6CC}"/>
+                <a16:creationId xmlns:a16="http://schemas.microsoft.com/office/drawing/2014/main" xmlns="" id="{7A73D668-ABF4-41FE-958C-542EEDC5F6CC}"/>
               </a:ext>
             </a:extLst>
           </p:cNvPr>
@@ -2691,7 +2691,7 @@
           <a:p>
             <a:fld id="{03EC4E3E-8101-482F-A883-8B55DAFF7C07}" type="datetimeFigureOut">
               <a:rPr lang="en-SG" smtClean="0"/>
-              <a:t>6/7/2018</a:t>
+              <a:t>5/3/19</a:t>
             </a:fld>
             <a:endParaRPr lang="en-SG"/>
           </a:p>
@@ -2702,7 +2702,7 @@
           <p:cNvPr id="6" name="Footer Placeholder 5">
             <a:extLst>
               <a:ext uri="{FF2B5EF4-FFF2-40B4-BE49-F238E27FC236}">
-                <a16:creationId xmlns:a16="http://schemas.microsoft.com/office/drawing/2014/main" id="{F4A83B1C-93E7-4D32-9D1B-3F37403B1ACD}"/>
+                <a16:creationId xmlns:a16="http://schemas.microsoft.com/office/drawing/2014/main" xmlns="" id="{F4A83B1C-93E7-4D32-9D1B-3F37403B1ACD}"/>
               </a:ext>
             </a:extLst>
           </p:cNvPr>
@@ -2727,7 +2727,7 @@
           <p:cNvPr id="7" name="Slide Number Placeholder 6">
             <a:extLst>
               <a:ext uri="{FF2B5EF4-FFF2-40B4-BE49-F238E27FC236}">
-                <a16:creationId xmlns:a16="http://schemas.microsoft.com/office/drawing/2014/main" id="{C6AF73BE-F17B-487B-943B-28655BB51C92}"/>
+                <a16:creationId xmlns:a16="http://schemas.microsoft.com/office/drawing/2014/main" xmlns="" id="{C6AF73BE-F17B-487B-943B-28655BB51C92}"/>
               </a:ext>
             </a:extLst>
           </p:cNvPr>
@@ -2791,7 +2791,7 @@
           <p:cNvPr id="2" name="Title Placeholder 1">
             <a:extLst>
               <a:ext uri="{FF2B5EF4-FFF2-40B4-BE49-F238E27FC236}">
-                <a16:creationId xmlns:a16="http://schemas.microsoft.com/office/drawing/2014/main" id="{96F7127E-5F47-4B37-9FDB-695AB14D9551}"/>
+                <a16:creationId xmlns:a16="http://schemas.microsoft.com/office/drawing/2014/main" xmlns="" id="{96F7127E-5F47-4B37-9FDB-695AB14D9551}"/>
               </a:ext>
             </a:extLst>
           </p:cNvPr>
@@ -2830,7 +2830,7 @@
           <p:cNvPr id="3" name="Text Placeholder 2">
             <a:extLst>
               <a:ext uri="{FF2B5EF4-FFF2-40B4-BE49-F238E27FC236}">
-                <a16:creationId xmlns:a16="http://schemas.microsoft.com/office/drawing/2014/main" id="{3BD20F0F-B303-4EE3-AF17-E303EA90B1A3}"/>
+                <a16:creationId xmlns:a16="http://schemas.microsoft.com/office/drawing/2014/main" xmlns="" id="{3BD20F0F-B303-4EE3-AF17-E303EA90B1A3}"/>
               </a:ext>
             </a:extLst>
           </p:cNvPr>
@@ -2898,7 +2898,7 @@
           <p:cNvPr id="4" name="Date Placeholder 3">
             <a:extLst>
               <a:ext uri="{FF2B5EF4-FFF2-40B4-BE49-F238E27FC236}">
-                <a16:creationId xmlns:a16="http://schemas.microsoft.com/office/drawing/2014/main" id="{7927ADFB-0C7F-4333-A456-815FAB4B0315}"/>
+                <a16:creationId xmlns:a16="http://schemas.microsoft.com/office/drawing/2014/main" xmlns="" id="{7927ADFB-0C7F-4333-A456-815FAB4B0315}"/>
               </a:ext>
             </a:extLst>
           </p:cNvPr>
@@ -2934,7 +2934,7 @@
           <a:p>
             <a:fld id="{03EC4E3E-8101-482F-A883-8B55DAFF7C07}" type="datetimeFigureOut">
               <a:rPr lang="en-SG" smtClean="0"/>
-              <a:t>6/7/2018</a:t>
+              <a:t>5/3/19</a:t>
             </a:fld>
             <a:endParaRPr lang="en-SG"/>
           </a:p>
@@ -2945,7 +2945,7 @@
           <p:cNvPr id="5" name="Footer Placeholder 4">
             <a:extLst>
               <a:ext uri="{FF2B5EF4-FFF2-40B4-BE49-F238E27FC236}">
-                <a16:creationId xmlns:a16="http://schemas.microsoft.com/office/drawing/2014/main" id="{A1992B28-8397-4C93-A277-5EE43A537825}"/>
+                <a16:creationId xmlns:a16="http://schemas.microsoft.com/office/drawing/2014/main" xmlns="" id="{A1992B28-8397-4C93-A277-5EE43A537825}"/>
               </a:ext>
             </a:extLst>
           </p:cNvPr>
@@ -2988,7 +2988,7 @@
           <p:cNvPr id="6" name="Slide Number Placeholder 5">
             <a:extLst>
               <a:ext uri="{FF2B5EF4-FFF2-40B4-BE49-F238E27FC236}">
-                <a16:creationId xmlns:a16="http://schemas.microsoft.com/office/drawing/2014/main" id="{D7231209-A74B-4134-87D0-421AB81BBB47}"/>
+                <a16:creationId xmlns:a16="http://schemas.microsoft.com/office/drawing/2014/main" xmlns="" id="{D7231209-A74B-4134-87D0-421AB81BBB47}"/>
               </a:ext>
             </a:extLst>
           </p:cNvPr>
@@ -3400,7 +3400,7 @@
           <p:cNvPr id="15" name="TextBox 14">
             <a:extLst>
               <a:ext uri="{FF2B5EF4-FFF2-40B4-BE49-F238E27FC236}">
-                <a16:creationId xmlns:a16="http://schemas.microsoft.com/office/drawing/2014/main" id="{032C4FEA-C10B-4133-9BF6-AF6F40CC1AD4}"/>
+                <a16:creationId xmlns:a16="http://schemas.microsoft.com/office/drawing/2014/main" xmlns="" id="{032C4FEA-C10B-4133-9BF6-AF6F40CC1AD4}"/>
               </a:ext>
             </a:extLst>
           </p:cNvPr>
@@ -3450,8 +3450,12 @@
           <a:p>
             <a:pPr algn="ctr"/>
             <a:r>
-              <a:rPr lang="en-SG"/>
-              <a:t>State ab2 </a:t>
+              <a:rPr lang="en-SG" dirty="0"/>
+              <a:t>State </a:t>
+            </a:r>
+            <a:r>
+              <a:rPr lang="en-SG" dirty="0" smtClean="0"/>
+              <a:t>b2 </a:t>
             </a:r>
             <a:r>
               <a:rPr lang="en-SG" dirty="0"/>
@@ -3465,7 +3469,7 @@
           <p:cNvPr id="17" name="TextBox 16">
             <a:extLst>
               <a:ext uri="{FF2B5EF4-FFF2-40B4-BE49-F238E27FC236}">
-                <a16:creationId xmlns:a16="http://schemas.microsoft.com/office/drawing/2014/main" id="{3151A13B-9509-43FA-BFEB-1D9866A00B84}"/>
+                <a16:creationId xmlns:a16="http://schemas.microsoft.com/office/drawing/2014/main" xmlns="" id="{3151A13B-9509-43FA-BFEB-1D9866A00B84}"/>
               </a:ext>
             </a:extLst>
           </p:cNvPr>
@@ -3555,7 +3559,7 @@
           <p:cNvPr id="22" name="TextBox 21">
             <a:extLst>
               <a:ext uri="{FF2B5EF4-FFF2-40B4-BE49-F238E27FC236}">
-                <a16:creationId xmlns:a16="http://schemas.microsoft.com/office/drawing/2014/main" id="{3151A13B-9509-43FA-BFEB-1D9866A00B84}"/>
+                <a16:creationId xmlns:a16="http://schemas.microsoft.com/office/drawing/2014/main" xmlns="" id="{3151A13B-9509-43FA-BFEB-1D9866A00B84}"/>
               </a:ext>
             </a:extLst>
           </p:cNvPr>
@@ -3645,7 +3649,7 @@
           <p:cNvPr id="16" name="Table 15">
             <a:extLst>
               <a:ext uri="{FF2B5EF4-FFF2-40B4-BE49-F238E27FC236}">
-                <a16:creationId xmlns:a16="http://schemas.microsoft.com/office/drawing/2014/main" id="{F545FAB8-F1CE-4886-9BDE-E772BCB0A9C4}"/>
+                <a16:creationId xmlns:a16="http://schemas.microsoft.com/office/drawing/2014/main" xmlns="" id="{F545FAB8-F1CE-4886-9BDE-E772BCB0A9C4}"/>
               </a:ext>
             </a:extLst>
           </p:cNvPr>
@@ -3655,7 +3659,7 @@
           <p:nvPr>
             <p:extLst>
               <p:ext uri="{D42A27DB-BD31-4B8C-83A1-F6EECF244321}">
-                <p14:modId xmlns:p14="http://schemas.microsoft.com/office/powerpoint/2010/main" val="1352982134"/>
+                <p14:modId xmlns:p14="http://schemas.microsoft.com/office/powerpoint/2010/main" val="586393453"/>
               </p:ext>
             </p:extLst>
           </p:nvPr>
@@ -3674,7 +3678,7 @@
                 <a:gridCol w="1825824">
                   <a:extLst>
                     <a:ext uri="{9D8B030D-6E8A-4147-A177-3AD203B41FA5}">
-                      <a16:colId xmlns:a16="http://schemas.microsoft.com/office/drawing/2014/main" val="4240773277"/>
+                      <a16:colId xmlns:a16="http://schemas.microsoft.com/office/drawing/2014/main" xmlns="" val="4240773277"/>
                     </a:ext>
                   </a:extLst>
                 </a:gridCol>
@@ -3686,12 +3690,12 @@
                     <a:lstStyle/>
                     <a:p>
                       <a:r>
-                        <a:rPr lang="en-SG" u="sng" dirty="0"/>
-                        <a:t>ab0:</a:t>
+                        <a:rPr lang="en-SG" u="sng" dirty="0" smtClean="0"/>
+                        <a:t>b0:</a:t>
                       </a:r>
                       <a:r>
-                        <a:rPr lang="en-SG" sz="1800" u="sng" dirty="0"/>
-                        <a:t>AddressBook</a:t>
+                        <a:rPr lang="en-SG" sz="1800" u="sng" dirty="0" smtClean="0"/>
+                        <a:t>BookShelf</a:t>
                       </a:r>
                       <a:endParaRPr lang="en-SG" u="sng" dirty="0"/>
                     </a:p>
@@ -3700,7 +3704,7 @@
                 </a:tc>
                 <a:extLst>
                   <a:ext uri="{0D108BD9-81ED-4DB2-BD59-A6C34878D82A}">
-                    <a16:rowId xmlns:a16="http://schemas.microsoft.com/office/drawing/2014/main" val="2194462629"/>
+                    <a16:rowId xmlns:a16="http://schemas.microsoft.com/office/drawing/2014/main" xmlns="" val="2194462629"/>
                   </a:ext>
                 </a:extLst>
               </a:tr>
@@ -3713,7 +3717,7 @@
           <p:cNvPr id="29" name="Table 28">
             <a:extLst>
               <a:ext uri="{FF2B5EF4-FFF2-40B4-BE49-F238E27FC236}">
-                <a16:creationId xmlns:a16="http://schemas.microsoft.com/office/drawing/2014/main" id="{F545FAB8-F1CE-4886-9BDE-E772BCB0A9C4}"/>
+                <a16:creationId xmlns:a16="http://schemas.microsoft.com/office/drawing/2014/main" xmlns="" id="{F545FAB8-F1CE-4886-9BDE-E772BCB0A9C4}"/>
               </a:ext>
             </a:extLst>
           </p:cNvPr>
@@ -3723,7 +3727,7 @@
           <p:nvPr>
             <p:extLst>
               <p:ext uri="{D42A27DB-BD31-4B8C-83A1-F6EECF244321}">
-                <p14:modId xmlns:p14="http://schemas.microsoft.com/office/powerpoint/2010/main" val="829193732"/>
+                <p14:modId xmlns:p14="http://schemas.microsoft.com/office/powerpoint/2010/main" val="712308488"/>
               </p:ext>
             </p:extLst>
           </p:nvPr>
@@ -3742,7 +3746,7 @@
                 <a:gridCol w="1825824">
                   <a:extLst>
                     <a:ext uri="{9D8B030D-6E8A-4147-A177-3AD203B41FA5}">
-                      <a16:colId xmlns:a16="http://schemas.microsoft.com/office/drawing/2014/main" val="4240773277"/>
+                      <a16:colId xmlns:a16="http://schemas.microsoft.com/office/drawing/2014/main" xmlns="" val="4240773277"/>
                     </a:ext>
                   </a:extLst>
                 </a:gridCol>
@@ -3754,12 +3758,12 @@
                     <a:lstStyle/>
                     <a:p>
                       <a:r>
-                        <a:rPr lang="en-SG" u="sng" dirty="0"/>
-                        <a:t>ab1:</a:t>
+                        <a:rPr lang="en-SG" u="sng" dirty="0" smtClean="0"/>
+                        <a:t>b1:</a:t>
                       </a:r>
                       <a:r>
-                        <a:rPr lang="en-SG" sz="1800" u="sng" dirty="0"/>
-                        <a:t>AddressBook</a:t>
+                        <a:rPr lang="en-SG" sz="1800" u="sng" dirty="0" smtClean="0"/>
+                        <a:t>BookShelf</a:t>
                       </a:r>
                       <a:endParaRPr lang="en-SG" u="sng" dirty="0"/>
                     </a:p>
@@ -3768,7 +3772,7 @@
                 </a:tc>
                 <a:extLst>
                   <a:ext uri="{0D108BD9-81ED-4DB2-BD59-A6C34878D82A}">
-                    <a16:rowId xmlns:a16="http://schemas.microsoft.com/office/drawing/2014/main" val="2194462629"/>
+                    <a16:rowId xmlns:a16="http://schemas.microsoft.com/office/drawing/2014/main" xmlns="" val="2194462629"/>
                   </a:ext>
                 </a:extLst>
               </a:tr>
@@ -3781,7 +3785,7 @@
           <p:cNvPr id="30" name="Table 29">
             <a:extLst>
               <a:ext uri="{FF2B5EF4-FFF2-40B4-BE49-F238E27FC236}">
-                <a16:creationId xmlns:a16="http://schemas.microsoft.com/office/drawing/2014/main" id="{F545FAB8-F1CE-4886-9BDE-E772BCB0A9C4}"/>
+                <a16:creationId xmlns:a16="http://schemas.microsoft.com/office/drawing/2014/main" xmlns="" id="{F545FAB8-F1CE-4886-9BDE-E772BCB0A9C4}"/>
               </a:ext>
             </a:extLst>
           </p:cNvPr>
@@ -3791,7 +3795,7 @@
           <p:nvPr>
             <p:extLst>
               <p:ext uri="{D42A27DB-BD31-4B8C-83A1-F6EECF244321}">
-                <p14:modId xmlns:p14="http://schemas.microsoft.com/office/powerpoint/2010/main" val="796708048"/>
+                <p14:modId xmlns:p14="http://schemas.microsoft.com/office/powerpoint/2010/main" val="1694909438"/>
               </p:ext>
             </p:extLst>
           </p:nvPr>
@@ -3810,7 +3814,7 @@
                 <a:gridCol w="1825824">
                   <a:extLst>
                     <a:ext uri="{9D8B030D-6E8A-4147-A177-3AD203B41FA5}">
-                      <a16:colId xmlns:a16="http://schemas.microsoft.com/office/drawing/2014/main" val="4240773277"/>
+                      <a16:colId xmlns:a16="http://schemas.microsoft.com/office/drawing/2014/main" xmlns="" val="4240773277"/>
                     </a:ext>
                   </a:extLst>
                 </a:gridCol>
@@ -3822,12 +3826,12 @@
                     <a:lstStyle/>
                     <a:p>
                       <a:r>
-                        <a:rPr lang="en-SG" u="sng" dirty="0"/>
-                        <a:t>ab2:</a:t>
+                        <a:rPr lang="en-SG" u="sng" dirty="0" smtClean="0"/>
+                        <a:t>b2:</a:t>
                       </a:r>
                       <a:r>
-                        <a:rPr lang="en-SG" sz="1800" u="sng" dirty="0"/>
-                        <a:t>AddressBook</a:t>
+                        <a:rPr lang="en-SG" sz="1800" u="sng" dirty="0" smtClean="0"/>
+                        <a:t>BookShelf</a:t>
                       </a:r>
                       <a:endParaRPr lang="en-SG" u="sng" dirty="0"/>
                     </a:p>
@@ -3836,7 +3840,7 @@
                 </a:tc>
                 <a:extLst>
                   <a:ext uri="{0D108BD9-81ED-4DB2-BD59-A6C34878D82A}">
-                    <a16:rowId xmlns:a16="http://schemas.microsoft.com/office/drawing/2014/main" val="2194462629"/>
+                    <a16:rowId xmlns:a16="http://schemas.microsoft.com/office/drawing/2014/main" xmlns="" val="2194462629"/>
                   </a:ext>
                 </a:extLst>
               </a:tr>
@@ -3849,7 +3853,7 @@
           <p:cNvPr id="31" name="Table 30">
             <a:extLst>
               <a:ext uri="{FF2B5EF4-FFF2-40B4-BE49-F238E27FC236}">
-                <a16:creationId xmlns:a16="http://schemas.microsoft.com/office/drawing/2014/main" id="{F545FAB8-F1CE-4886-9BDE-E772BCB0A9C4}"/>
+                <a16:creationId xmlns:a16="http://schemas.microsoft.com/office/drawing/2014/main" xmlns="" id="{F545FAB8-F1CE-4886-9BDE-E772BCB0A9C4}"/>
               </a:ext>
             </a:extLst>
           </p:cNvPr>
@@ -3859,7 +3863,7 @@
           <p:nvPr>
             <p:extLst>
               <p:ext uri="{D42A27DB-BD31-4B8C-83A1-F6EECF244321}">
-                <p14:modId xmlns:p14="http://schemas.microsoft.com/office/powerpoint/2010/main" val="377617300"/>
+                <p14:modId xmlns:p14="http://schemas.microsoft.com/office/powerpoint/2010/main" val="2119830658"/>
               </p:ext>
             </p:extLst>
           </p:nvPr>
@@ -3878,7 +3882,7 @@
                 <a:gridCol w="1825824">
                   <a:extLst>
                     <a:ext uri="{9D8B030D-6E8A-4147-A177-3AD203B41FA5}">
-                      <a16:colId xmlns:a16="http://schemas.microsoft.com/office/drawing/2014/main" val="4240773277"/>
+                      <a16:colId xmlns:a16="http://schemas.microsoft.com/office/drawing/2014/main" xmlns="" val="4240773277"/>
                     </a:ext>
                   </a:extLst>
                 </a:gridCol>
@@ -3890,12 +3894,12 @@
                     <a:lstStyle/>
                     <a:p>
                       <a:r>
-                        <a:rPr lang="en-SG" u="sng" dirty="0"/>
-                        <a:t>ab0:</a:t>
+                        <a:rPr lang="en-SG" u="sng" dirty="0" smtClean="0"/>
+                        <a:t>b0:</a:t>
                       </a:r>
                       <a:r>
-                        <a:rPr lang="en-SG" sz="1800" u="sng" dirty="0"/>
-                        <a:t>AddressBook</a:t>
+                        <a:rPr lang="en-SG" sz="1800" u="sng" dirty="0" smtClean="0"/>
+                        <a:t>BookShelf</a:t>
                       </a:r>
                       <a:endParaRPr lang="en-SG" u="sng" dirty="0"/>
                     </a:p>
@@ -3904,7 +3908,7 @@
                 </a:tc>
                 <a:extLst>
                   <a:ext uri="{0D108BD9-81ED-4DB2-BD59-A6C34878D82A}">
-                    <a16:rowId xmlns:a16="http://schemas.microsoft.com/office/drawing/2014/main" val="2194462629"/>
+                    <a16:rowId xmlns:a16="http://schemas.microsoft.com/office/drawing/2014/main" xmlns="" val="2194462629"/>
                   </a:ext>
                 </a:extLst>
               </a:tr>
@@ -3917,7 +3921,7 @@
           <p:cNvPr id="32" name="Table 31">
             <a:extLst>
               <a:ext uri="{FF2B5EF4-FFF2-40B4-BE49-F238E27FC236}">
-                <a16:creationId xmlns:a16="http://schemas.microsoft.com/office/drawing/2014/main" id="{F545FAB8-F1CE-4886-9BDE-E772BCB0A9C4}"/>
+                <a16:creationId xmlns:a16="http://schemas.microsoft.com/office/drawing/2014/main" xmlns="" id="{F545FAB8-F1CE-4886-9BDE-E772BCB0A9C4}"/>
               </a:ext>
             </a:extLst>
           </p:cNvPr>
@@ -3927,7 +3931,7 @@
           <p:nvPr>
             <p:extLst>
               <p:ext uri="{D42A27DB-BD31-4B8C-83A1-F6EECF244321}">
-                <p14:modId xmlns:p14="http://schemas.microsoft.com/office/powerpoint/2010/main" val="4076322253"/>
+                <p14:modId xmlns:p14="http://schemas.microsoft.com/office/powerpoint/2010/main" val="1240165276"/>
               </p:ext>
             </p:extLst>
           </p:nvPr>
@@ -3946,7 +3950,7 @@
                 <a:gridCol w="1825824">
                   <a:extLst>
                     <a:ext uri="{9D8B030D-6E8A-4147-A177-3AD203B41FA5}">
-                      <a16:colId xmlns:a16="http://schemas.microsoft.com/office/drawing/2014/main" val="4240773277"/>
+                      <a16:colId xmlns:a16="http://schemas.microsoft.com/office/drawing/2014/main" xmlns="" val="4240773277"/>
                     </a:ext>
                   </a:extLst>
                 </a:gridCol>
@@ -3958,12 +3962,12 @@
                     <a:lstStyle/>
                     <a:p>
                       <a:r>
-                        <a:rPr lang="en-SG" u="sng" dirty="0"/>
-                        <a:t>ab1:</a:t>
+                        <a:rPr lang="en-SG" u="sng" dirty="0" smtClean="0"/>
+                        <a:t>b1:</a:t>
                       </a:r>
                       <a:r>
-                        <a:rPr lang="en-SG" sz="1800" u="sng" dirty="0"/>
-                        <a:t>AddressBook</a:t>
+                        <a:rPr lang="en-SG" sz="1800" u="sng" dirty="0" smtClean="0"/>
+                        <a:t>BookShelf</a:t>
                       </a:r>
                       <a:endParaRPr lang="en-SG" u="sng" dirty="0"/>
                     </a:p>
@@ -3972,7 +3976,7 @@
                 </a:tc>
                 <a:extLst>
                   <a:ext uri="{0D108BD9-81ED-4DB2-BD59-A6C34878D82A}">
-                    <a16:rowId xmlns:a16="http://schemas.microsoft.com/office/drawing/2014/main" val="2194462629"/>
+                    <a16:rowId xmlns:a16="http://schemas.microsoft.com/office/drawing/2014/main" xmlns="" val="2194462629"/>
                   </a:ext>
                 </a:extLst>
               </a:tr>
@@ -3985,7 +3989,7 @@
           <p:cNvPr id="33" name="Table 32">
             <a:extLst>
               <a:ext uri="{FF2B5EF4-FFF2-40B4-BE49-F238E27FC236}">
-                <a16:creationId xmlns:a16="http://schemas.microsoft.com/office/drawing/2014/main" id="{F545FAB8-F1CE-4886-9BDE-E772BCB0A9C4}"/>
+                <a16:creationId xmlns:a16="http://schemas.microsoft.com/office/drawing/2014/main" xmlns="" id="{F545FAB8-F1CE-4886-9BDE-E772BCB0A9C4}"/>
               </a:ext>
             </a:extLst>
           </p:cNvPr>
@@ -3995,7 +3999,7 @@
           <p:nvPr>
             <p:extLst>
               <p:ext uri="{D42A27DB-BD31-4B8C-83A1-F6EECF244321}">
-                <p14:modId xmlns:p14="http://schemas.microsoft.com/office/powerpoint/2010/main" val="53411958"/>
+                <p14:modId xmlns:p14="http://schemas.microsoft.com/office/powerpoint/2010/main" val="2128999597"/>
               </p:ext>
             </p:extLst>
           </p:nvPr>
@@ -4014,7 +4018,7 @@
                 <a:gridCol w="1825824">
                   <a:extLst>
                     <a:ext uri="{9D8B030D-6E8A-4147-A177-3AD203B41FA5}">
-                      <a16:colId xmlns:a16="http://schemas.microsoft.com/office/drawing/2014/main" val="4240773277"/>
+                      <a16:colId xmlns:a16="http://schemas.microsoft.com/office/drawing/2014/main" xmlns="" val="4240773277"/>
                     </a:ext>
                   </a:extLst>
                 </a:gridCol>
@@ -4026,12 +4030,12 @@
                     <a:lstStyle/>
                     <a:p>
                       <a:r>
-                        <a:rPr lang="en-SG" u="sng" dirty="0"/>
-                        <a:t>ab3:</a:t>
+                        <a:rPr lang="en-SG" u="sng" smtClean="0"/>
+                        <a:t>b3:</a:t>
                       </a:r>
                       <a:r>
-                        <a:rPr lang="en-SG" sz="1800" u="sng" dirty="0"/>
-                        <a:t>AddressBook</a:t>
+                        <a:rPr lang="en-SG" sz="1800" u="sng" smtClean="0"/>
+                        <a:t>BookShelf</a:t>
                       </a:r>
                       <a:endParaRPr lang="en-SG" u="sng" dirty="0"/>
                     </a:p>
@@ -4040,7 +4044,7 @@
                 </a:tc>
                 <a:extLst>
                   <a:ext uri="{0D108BD9-81ED-4DB2-BD59-A6C34878D82A}">
-                    <a16:rowId xmlns:a16="http://schemas.microsoft.com/office/drawing/2014/main" val="2194462629"/>
+                    <a16:rowId xmlns:a16="http://schemas.microsoft.com/office/drawing/2014/main" xmlns="" val="2194462629"/>
                   </a:ext>
                 </a:extLst>
               </a:tr>
@@ -4053,7 +4057,7 @@
           <p:cNvPr id="18" name="Straight Arrow Connector 17">
             <a:extLst>
               <a:ext uri="{FF2B5EF4-FFF2-40B4-BE49-F238E27FC236}">
-                <a16:creationId xmlns:a16="http://schemas.microsoft.com/office/drawing/2014/main" id="{BFC3A12D-3AD3-425B-8A3B-315B6DC01D05}"/>
+                <a16:creationId xmlns:a16="http://schemas.microsoft.com/office/drawing/2014/main" xmlns="" id="{BFC3A12D-3AD3-425B-8A3B-315B6DC01D05}"/>
               </a:ext>
             </a:extLst>
           </p:cNvPr>
@@ -4097,7 +4101,7 @@
           <p:cNvPr id="19" name="Straight Arrow Connector 18">
             <a:extLst>
               <a:ext uri="{FF2B5EF4-FFF2-40B4-BE49-F238E27FC236}">
-                <a16:creationId xmlns:a16="http://schemas.microsoft.com/office/drawing/2014/main" id="{A3B5C47A-9640-4A49-B463-8F5196CF2A09}"/>
+                <a16:creationId xmlns:a16="http://schemas.microsoft.com/office/drawing/2014/main" xmlns="" id="{A3B5C47A-9640-4A49-B463-8F5196CF2A09}"/>
               </a:ext>
             </a:extLst>
           </p:cNvPr>

--- a/docs/diagrams/UndoRedoNewCommand4StateListDiagram.pptx
+++ b/docs/diagrams/UndoRedoNewCommand4StateListDiagram.pptx
@@ -112,10 +112,6 @@
 </p:presentation>
 </file>
 
-<file path=ppt/revisionInfo.xml><?xml version="1.0" encoding="utf-8"?>
-<p1510:revInfo xmlns:a="http://schemas.openxmlformats.org/drawingml/2006/main" xmlns:r="http://schemas.openxmlformats.org/officeDocument/2006/relationships" xmlns:p1510="http://schemas.microsoft.com/office/powerpoint/2015/10/main"/>
-</file>
-
 <file path=ppt/slideLayouts/slideLayout1.xml><?xml version="1.0" encoding="utf-8"?>
 <p:sldLayout xmlns:a="http://schemas.openxmlformats.org/drawingml/2006/main" xmlns:r="http://schemas.openxmlformats.org/officeDocument/2006/relationships" xmlns:p="http://schemas.openxmlformats.org/presentationml/2006/main" type="title" preserve="1">
   <p:cSld name="Title Slide">
@@ -265,7 +261,7 @@
           <a:p>
             <a:fld id="{03EC4E3E-8101-482F-A883-8B55DAFF7C07}" type="datetimeFigureOut">
               <a:rPr lang="en-SG" smtClean="0"/>
-              <a:t>6/7/2018</a:t>
+              <a:t>17/3/2019</a:t>
             </a:fld>
             <a:endParaRPr lang="en-SG"/>
           </a:p>
@@ -465,7 +461,7 @@
           <a:p>
             <a:fld id="{03EC4E3E-8101-482F-A883-8B55DAFF7C07}" type="datetimeFigureOut">
               <a:rPr lang="en-SG" smtClean="0"/>
-              <a:t>6/7/2018</a:t>
+              <a:t>17/3/2019</a:t>
             </a:fld>
             <a:endParaRPr lang="en-SG"/>
           </a:p>
@@ -675,7 +671,7 @@
           <a:p>
             <a:fld id="{03EC4E3E-8101-482F-A883-8B55DAFF7C07}" type="datetimeFigureOut">
               <a:rPr lang="en-SG" smtClean="0"/>
-              <a:t>6/7/2018</a:t>
+              <a:t>17/3/2019</a:t>
             </a:fld>
             <a:endParaRPr lang="en-SG"/>
           </a:p>
@@ -875,7 +871,7 @@
           <a:p>
             <a:fld id="{03EC4E3E-8101-482F-A883-8B55DAFF7C07}" type="datetimeFigureOut">
               <a:rPr lang="en-SG" smtClean="0"/>
-              <a:t>6/7/2018</a:t>
+              <a:t>17/3/2019</a:t>
             </a:fld>
             <a:endParaRPr lang="en-SG"/>
           </a:p>
@@ -1151,7 +1147,7 @@
           <a:p>
             <a:fld id="{03EC4E3E-8101-482F-A883-8B55DAFF7C07}" type="datetimeFigureOut">
               <a:rPr lang="en-SG" smtClean="0"/>
-              <a:t>6/7/2018</a:t>
+              <a:t>17/3/2019</a:t>
             </a:fld>
             <a:endParaRPr lang="en-SG"/>
           </a:p>
@@ -1419,7 +1415,7 @@
           <a:p>
             <a:fld id="{03EC4E3E-8101-482F-A883-8B55DAFF7C07}" type="datetimeFigureOut">
               <a:rPr lang="en-SG" smtClean="0"/>
-              <a:t>6/7/2018</a:t>
+              <a:t>17/3/2019</a:t>
             </a:fld>
             <a:endParaRPr lang="en-SG"/>
           </a:p>
@@ -1834,7 +1830,7 @@
           <a:p>
             <a:fld id="{03EC4E3E-8101-482F-A883-8B55DAFF7C07}" type="datetimeFigureOut">
               <a:rPr lang="en-SG" smtClean="0"/>
-              <a:t>6/7/2018</a:t>
+              <a:t>17/3/2019</a:t>
             </a:fld>
             <a:endParaRPr lang="en-SG"/>
           </a:p>
@@ -1976,7 +1972,7 @@
           <a:p>
             <a:fld id="{03EC4E3E-8101-482F-A883-8B55DAFF7C07}" type="datetimeFigureOut">
               <a:rPr lang="en-SG" smtClean="0"/>
-              <a:t>6/7/2018</a:t>
+              <a:t>17/3/2019</a:t>
             </a:fld>
             <a:endParaRPr lang="en-SG"/>
           </a:p>
@@ -2089,7 +2085,7 @@
           <a:p>
             <a:fld id="{03EC4E3E-8101-482F-A883-8B55DAFF7C07}" type="datetimeFigureOut">
               <a:rPr lang="en-SG" smtClean="0"/>
-              <a:t>6/7/2018</a:t>
+              <a:t>17/3/2019</a:t>
             </a:fld>
             <a:endParaRPr lang="en-SG"/>
           </a:p>
@@ -2402,7 +2398,7 @@
           <a:p>
             <a:fld id="{03EC4E3E-8101-482F-A883-8B55DAFF7C07}" type="datetimeFigureOut">
               <a:rPr lang="en-SG" smtClean="0"/>
-              <a:t>6/7/2018</a:t>
+              <a:t>17/3/2019</a:t>
             </a:fld>
             <a:endParaRPr lang="en-SG"/>
           </a:p>
@@ -2691,7 +2687,7 @@
           <a:p>
             <a:fld id="{03EC4E3E-8101-482F-A883-8B55DAFF7C07}" type="datetimeFigureOut">
               <a:rPr lang="en-SG" smtClean="0"/>
-              <a:t>6/7/2018</a:t>
+              <a:t>17/3/2019</a:t>
             </a:fld>
             <a:endParaRPr lang="en-SG"/>
           </a:p>
@@ -2934,7 +2930,7 @@
           <a:p>
             <a:fld id="{03EC4E3E-8101-482F-A883-8B55DAFF7C07}" type="datetimeFigureOut">
               <a:rPr lang="en-SG" smtClean="0"/>
-              <a:t>6/7/2018</a:t>
+              <a:t>17/3/2019</a:t>
             </a:fld>
             <a:endParaRPr lang="en-SG"/>
           </a:p>
@@ -3359,7 +3355,7 @@
         </p:nvSpPr>
         <p:spPr>
           <a:xfrm>
-            <a:off x="5051917" y="2107282"/>
+            <a:off x="5766158" y="2128258"/>
             <a:ext cx="1535059" cy="1635302"/>
           </a:xfrm>
           <a:prstGeom prst="downArrow">
@@ -3410,7 +3406,7 @@
         <p:spPr>
           <a:xfrm>
             <a:off x="8279815" y="4786631"/>
-            <a:ext cx="2346425" cy="369332"/>
+            <a:ext cx="2958027" cy="369332"/>
           </a:xfrm>
           <a:prstGeom prst="rect">
             <a:avLst/>
@@ -3450,12 +3446,8 @@
           <a:p>
             <a:pPr algn="ctr"/>
             <a:r>
-              <a:rPr lang="en-SG"/>
-              <a:t>State ab2 </a:t>
-            </a:r>
-            <a:r>
               <a:rPr lang="en-SG" dirty="0"/>
-              <a:t>deleted.</a:t>
+              <a:t>State inventory2 deleted.</a:t>
             </a:r>
           </a:p>
         </p:txBody>
@@ -3474,7 +3466,7 @@
         </p:nvSpPr>
         <p:spPr>
           <a:xfrm>
-            <a:off x="1844917" y="2745771"/>
+            <a:off x="2212396" y="2761243"/>
             <a:ext cx="3207000" cy="369332"/>
           </a:xfrm>
           <a:prstGeom prst="rect">
@@ -3564,7 +3556,7 @@
         </p:nvSpPr>
         <p:spPr>
           <a:xfrm>
-            <a:off x="3952597" y="5155963"/>
+            <a:off x="4537605" y="5172561"/>
             <a:ext cx="3207000" cy="369332"/>
           </a:xfrm>
           <a:prstGeom prst="rect">
@@ -3640,414 +3632,6 @@
           </a:p>
         </p:txBody>
       </p:sp>
-      <p:graphicFrame>
-        <p:nvGraphicFramePr>
-          <p:cNvPr id="16" name="Table 15">
-            <a:extLst>
-              <a:ext uri="{FF2B5EF4-FFF2-40B4-BE49-F238E27FC236}">
-                <a16:creationId xmlns:a16="http://schemas.microsoft.com/office/drawing/2014/main" id="{F545FAB8-F1CE-4886-9BDE-E772BCB0A9C4}"/>
-              </a:ext>
-            </a:extLst>
-          </p:cNvPr>
-          <p:cNvGraphicFramePr>
-            <a:graphicFrameLocks noGrp="1"/>
-          </p:cNvGraphicFramePr>
-          <p:nvPr>
-            <p:extLst>
-              <p:ext uri="{D42A27DB-BD31-4B8C-83A1-F6EECF244321}">
-                <p14:modId xmlns:p14="http://schemas.microsoft.com/office/powerpoint/2010/main" val="1352982134"/>
-              </p:ext>
-            </p:extLst>
-          </p:nvPr>
-        </p:nvGraphicFramePr>
-        <p:xfrm>
-          <a:off x="473240" y="1476102"/>
-          <a:ext cx="1825824" cy="417888"/>
-        </p:xfrm>
-        <a:graphic>
-          <a:graphicData uri="http://schemas.openxmlformats.org/drawingml/2006/table">
-            <a:tbl>
-              <a:tblPr>
-                <a:tableStyleId>{638B1855-1B75-4FBE-930C-398BA8C253C6}</a:tableStyleId>
-              </a:tblPr>
-              <a:tblGrid>
-                <a:gridCol w="1825824">
-                  <a:extLst>
-                    <a:ext uri="{9D8B030D-6E8A-4147-A177-3AD203B41FA5}">
-                      <a16:colId xmlns:a16="http://schemas.microsoft.com/office/drawing/2014/main" val="4240773277"/>
-                    </a:ext>
-                  </a:extLst>
-                </a:gridCol>
-              </a:tblGrid>
-              <a:tr h="417888">
-                <a:tc>
-                  <a:txBody>
-                    <a:bodyPr/>
-                    <a:lstStyle/>
-                    <a:p>
-                      <a:r>
-                        <a:rPr lang="en-SG" u="sng" dirty="0"/>
-                        <a:t>ab0:</a:t>
-                      </a:r>
-                      <a:r>
-                        <a:rPr lang="en-SG" sz="1800" u="sng" dirty="0"/>
-                        <a:t>AddressBook</a:t>
-                      </a:r>
-                      <a:endParaRPr lang="en-SG" u="sng" dirty="0"/>
-                    </a:p>
-                  </a:txBody>
-                  <a:tcPr/>
-                </a:tc>
-                <a:extLst>
-                  <a:ext uri="{0D108BD9-81ED-4DB2-BD59-A6C34878D82A}">
-                    <a16:rowId xmlns:a16="http://schemas.microsoft.com/office/drawing/2014/main" val="2194462629"/>
-                  </a:ext>
-                </a:extLst>
-              </a:tr>
-            </a:tbl>
-          </a:graphicData>
-        </a:graphic>
-      </p:graphicFrame>
-      <p:graphicFrame>
-        <p:nvGraphicFramePr>
-          <p:cNvPr id="29" name="Table 28">
-            <a:extLst>
-              <a:ext uri="{FF2B5EF4-FFF2-40B4-BE49-F238E27FC236}">
-                <a16:creationId xmlns:a16="http://schemas.microsoft.com/office/drawing/2014/main" id="{F545FAB8-F1CE-4886-9BDE-E772BCB0A9C4}"/>
-              </a:ext>
-            </a:extLst>
-          </p:cNvPr>
-          <p:cNvGraphicFramePr>
-            <a:graphicFrameLocks noGrp="1"/>
-          </p:cNvGraphicFramePr>
-          <p:nvPr>
-            <p:extLst>
-              <p:ext uri="{D42A27DB-BD31-4B8C-83A1-F6EECF244321}">
-                <p14:modId xmlns:p14="http://schemas.microsoft.com/office/powerpoint/2010/main" val="829193732"/>
-              </p:ext>
-            </p:extLst>
-          </p:nvPr>
-        </p:nvGraphicFramePr>
-        <p:xfrm>
-          <a:off x="2440458" y="1476102"/>
-          <a:ext cx="1825824" cy="417888"/>
-        </p:xfrm>
-        <a:graphic>
-          <a:graphicData uri="http://schemas.openxmlformats.org/drawingml/2006/table">
-            <a:tbl>
-              <a:tblPr>
-                <a:tableStyleId>{638B1855-1B75-4FBE-930C-398BA8C253C6}</a:tableStyleId>
-              </a:tblPr>
-              <a:tblGrid>
-                <a:gridCol w="1825824">
-                  <a:extLst>
-                    <a:ext uri="{9D8B030D-6E8A-4147-A177-3AD203B41FA5}">
-                      <a16:colId xmlns:a16="http://schemas.microsoft.com/office/drawing/2014/main" val="4240773277"/>
-                    </a:ext>
-                  </a:extLst>
-                </a:gridCol>
-              </a:tblGrid>
-              <a:tr h="417888">
-                <a:tc>
-                  <a:txBody>
-                    <a:bodyPr/>
-                    <a:lstStyle/>
-                    <a:p>
-                      <a:r>
-                        <a:rPr lang="en-SG" u="sng" dirty="0"/>
-                        <a:t>ab1:</a:t>
-                      </a:r>
-                      <a:r>
-                        <a:rPr lang="en-SG" sz="1800" u="sng" dirty="0"/>
-                        <a:t>AddressBook</a:t>
-                      </a:r>
-                      <a:endParaRPr lang="en-SG" u="sng" dirty="0"/>
-                    </a:p>
-                  </a:txBody>
-                  <a:tcPr/>
-                </a:tc>
-                <a:extLst>
-                  <a:ext uri="{0D108BD9-81ED-4DB2-BD59-A6C34878D82A}">
-                    <a16:rowId xmlns:a16="http://schemas.microsoft.com/office/drawing/2014/main" val="2194462629"/>
-                  </a:ext>
-                </a:extLst>
-              </a:tr>
-            </a:tbl>
-          </a:graphicData>
-        </a:graphic>
-      </p:graphicFrame>
-      <p:graphicFrame>
-        <p:nvGraphicFramePr>
-          <p:cNvPr id="30" name="Table 29">
-            <a:extLst>
-              <a:ext uri="{FF2B5EF4-FFF2-40B4-BE49-F238E27FC236}">
-                <a16:creationId xmlns:a16="http://schemas.microsoft.com/office/drawing/2014/main" id="{F545FAB8-F1CE-4886-9BDE-E772BCB0A9C4}"/>
-              </a:ext>
-            </a:extLst>
-          </p:cNvPr>
-          <p:cNvGraphicFramePr>
-            <a:graphicFrameLocks noGrp="1"/>
-          </p:cNvGraphicFramePr>
-          <p:nvPr>
-            <p:extLst>
-              <p:ext uri="{D42A27DB-BD31-4B8C-83A1-F6EECF244321}">
-                <p14:modId xmlns:p14="http://schemas.microsoft.com/office/powerpoint/2010/main" val="796708048"/>
-              </p:ext>
-            </p:extLst>
-          </p:nvPr>
-        </p:nvGraphicFramePr>
-        <p:xfrm>
-          <a:off x="4409785" y="1476102"/>
-          <a:ext cx="1825824" cy="417888"/>
-        </p:xfrm>
-        <a:graphic>
-          <a:graphicData uri="http://schemas.openxmlformats.org/drawingml/2006/table">
-            <a:tbl>
-              <a:tblPr>
-                <a:tableStyleId>{638B1855-1B75-4FBE-930C-398BA8C253C6}</a:tableStyleId>
-              </a:tblPr>
-              <a:tblGrid>
-                <a:gridCol w="1825824">
-                  <a:extLst>
-                    <a:ext uri="{9D8B030D-6E8A-4147-A177-3AD203B41FA5}">
-                      <a16:colId xmlns:a16="http://schemas.microsoft.com/office/drawing/2014/main" val="4240773277"/>
-                    </a:ext>
-                  </a:extLst>
-                </a:gridCol>
-              </a:tblGrid>
-              <a:tr h="417888">
-                <a:tc>
-                  <a:txBody>
-                    <a:bodyPr/>
-                    <a:lstStyle/>
-                    <a:p>
-                      <a:r>
-                        <a:rPr lang="en-SG" u="sng" dirty="0"/>
-                        <a:t>ab2:</a:t>
-                      </a:r>
-                      <a:r>
-                        <a:rPr lang="en-SG" sz="1800" u="sng" dirty="0"/>
-                        <a:t>AddressBook</a:t>
-                      </a:r>
-                      <a:endParaRPr lang="en-SG" u="sng" dirty="0"/>
-                    </a:p>
-                  </a:txBody>
-                  <a:tcPr/>
-                </a:tc>
-                <a:extLst>
-                  <a:ext uri="{0D108BD9-81ED-4DB2-BD59-A6C34878D82A}">
-                    <a16:rowId xmlns:a16="http://schemas.microsoft.com/office/drawing/2014/main" val="2194462629"/>
-                  </a:ext>
-                </a:extLst>
-              </a:tr>
-            </a:tbl>
-          </a:graphicData>
-        </a:graphic>
-      </p:graphicFrame>
-      <p:graphicFrame>
-        <p:nvGraphicFramePr>
-          <p:cNvPr id="31" name="Table 30">
-            <a:extLst>
-              <a:ext uri="{FF2B5EF4-FFF2-40B4-BE49-F238E27FC236}">
-                <a16:creationId xmlns:a16="http://schemas.microsoft.com/office/drawing/2014/main" id="{F545FAB8-F1CE-4886-9BDE-E772BCB0A9C4}"/>
-              </a:ext>
-            </a:extLst>
-          </p:cNvPr>
-          <p:cNvGraphicFramePr>
-            <a:graphicFrameLocks noGrp="1"/>
-          </p:cNvGraphicFramePr>
-          <p:nvPr>
-            <p:extLst>
-              <p:ext uri="{D42A27DB-BD31-4B8C-83A1-F6EECF244321}">
-                <p14:modId xmlns:p14="http://schemas.microsoft.com/office/powerpoint/2010/main" val="377617300"/>
-              </p:ext>
-            </p:extLst>
-          </p:nvPr>
-        </p:nvGraphicFramePr>
-        <p:xfrm>
-          <a:off x="473240" y="3919947"/>
-          <a:ext cx="1825824" cy="417888"/>
-        </p:xfrm>
-        <a:graphic>
-          <a:graphicData uri="http://schemas.openxmlformats.org/drawingml/2006/table">
-            <a:tbl>
-              <a:tblPr>
-                <a:tableStyleId>{638B1855-1B75-4FBE-930C-398BA8C253C6}</a:tableStyleId>
-              </a:tblPr>
-              <a:tblGrid>
-                <a:gridCol w="1825824">
-                  <a:extLst>
-                    <a:ext uri="{9D8B030D-6E8A-4147-A177-3AD203B41FA5}">
-                      <a16:colId xmlns:a16="http://schemas.microsoft.com/office/drawing/2014/main" val="4240773277"/>
-                    </a:ext>
-                  </a:extLst>
-                </a:gridCol>
-              </a:tblGrid>
-              <a:tr h="417888">
-                <a:tc>
-                  <a:txBody>
-                    <a:bodyPr/>
-                    <a:lstStyle/>
-                    <a:p>
-                      <a:r>
-                        <a:rPr lang="en-SG" u="sng" dirty="0"/>
-                        <a:t>ab0:</a:t>
-                      </a:r>
-                      <a:r>
-                        <a:rPr lang="en-SG" sz="1800" u="sng" dirty="0"/>
-                        <a:t>AddressBook</a:t>
-                      </a:r>
-                      <a:endParaRPr lang="en-SG" u="sng" dirty="0"/>
-                    </a:p>
-                  </a:txBody>
-                  <a:tcPr/>
-                </a:tc>
-                <a:extLst>
-                  <a:ext uri="{0D108BD9-81ED-4DB2-BD59-A6C34878D82A}">
-                    <a16:rowId xmlns:a16="http://schemas.microsoft.com/office/drawing/2014/main" val="2194462629"/>
-                  </a:ext>
-                </a:extLst>
-              </a:tr>
-            </a:tbl>
-          </a:graphicData>
-        </a:graphic>
-      </p:graphicFrame>
-      <p:graphicFrame>
-        <p:nvGraphicFramePr>
-          <p:cNvPr id="32" name="Table 31">
-            <a:extLst>
-              <a:ext uri="{FF2B5EF4-FFF2-40B4-BE49-F238E27FC236}">
-                <a16:creationId xmlns:a16="http://schemas.microsoft.com/office/drawing/2014/main" id="{F545FAB8-F1CE-4886-9BDE-E772BCB0A9C4}"/>
-              </a:ext>
-            </a:extLst>
-          </p:cNvPr>
-          <p:cNvGraphicFramePr>
-            <a:graphicFrameLocks noGrp="1"/>
-          </p:cNvGraphicFramePr>
-          <p:nvPr>
-            <p:extLst>
-              <p:ext uri="{D42A27DB-BD31-4B8C-83A1-F6EECF244321}">
-                <p14:modId xmlns:p14="http://schemas.microsoft.com/office/powerpoint/2010/main" val="4076322253"/>
-              </p:ext>
-            </p:extLst>
-          </p:nvPr>
-        </p:nvGraphicFramePr>
-        <p:xfrm>
-          <a:off x="2440458" y="3919947"/>
-          <a:ext cx="1825824" cy="417888"/>
-        </p:xfrm>
-        <a:graphic>
-          <a:graphicData uri="http://schemas.openxmlformats.org/drawingml/2006/table">
-            <a:tbl>
-              <a:tblPr>
-                <a:tableStyleId>{638B1855-1B75-4FBE-930C-398BA8C253C6}</a:tableStyleId>
-              </a:tblPr>
-              <a:tblGrid>
-                <a:gridCol w="1825824">
-                  <a:extLst>
-                    <a:ext uri="{9D8B030D-6E8A-4147-A177-3AD203B41FA5}">
-                      <a16:colId xmlns:a16="http://schemas.microsoft.com/office/drawing/2014/main" val="4240773277"/>
-                    </a:ext>
-                  </a:extLst>
-                </a:gridCol>
-              </a:tblGrid>
-              <a:tr h="417888">
-                <a:tc>
-                  <a:txBody>
-                    <a:bodyPr/>
-                    <a:lstStyle/>
-                    <a:p>
-                      <a:r>
-                        <a:rPr lang="en-SG" u="sng" dirty="0"/>
-                        <a:t>ab1:</a:t>
-                      </a:r>
-                      <a:r>
-                        <a:rPr lang="en-SG" sz="1800" u="sng" dirty="0"/>
-                        <a:t>AddressBook</a:t>
-                      </a:r>
-                      <a:endParaRPr lang="en-SG" u="sng" dirty="0"/>
-                    </a:p>
-                  </a:txBody>
-                  <a:tcPr/>
-                </a:tc>
-                <a:extLst>
-                  <a:ext uri="{0D108BD9-81ED-4DB2-BD59-A6C34878D82A}">
-                    <a16:rowId xmlns:a16="http://schemas.microsoft.com/office/drawing/2014/main" val="2194462629"/>
-                  </a:ext>
-                </a:extLst>
-              </a:tr>
-            </a:tbl>
-          </a:graphicData>
-        </a:graphic>
-      </p:graphicFrame>
-      <p:graphicFrame>
-        <p:nvGraphicFramePr>
-          <p:cNvPr id="33" name="Table 32">
-            <a:extLst>
-              <a:ext uri="{FF2B5EF4-FFF2-40B4-BE49-F238E27FC236}">
-                <a16:creationId xmlns:a16="http://schemas.microsoft.com/office/drawing/2014/main" id="{F545FAB8-F1CE-4886-9BDE-E772BCB0A9C4}"/>
-              </a:ext>
-            </a:extLst>
-          </p:cNvPr>
-          <p:cNvGraphicFramePr>
-            <a:graphicFrameLocks noGrp="1"/>
-          </p:cNvGraphicFramePr>
-          <p:nvPr>
-            <p:extLst>
-              <p:ext uri="{D42A27DB-BD31-4B8C-83A1-F6EECF244321}">
-                <p14:modId xmlns:p14="http://schemas.microsoft.com/office/powerpoint/2010/main" val="53411958"/>
-              </p:ext>
-            </p:extLst>
-          </p:nvPr>
-        </p:nvGraphicFramePr>
-        <p:xfrm>
-          <a:off x="4409785" y="3919947"/>
-          <a:ext cx="1825824" cy="417888"/>
-        </p:xfrm>
-        <a:graphic>
-          <a:graphicData uri="http://schemas.openxmlformats.org/drawingml/2006/table">
-            <a:tbl>
-              <a:tblPr>
-                <a:tableStyleId>{638B1855-1B75-4FBE-930C-398BA8C253C6}</a:tableStyleId>
-              </a:tblPr>
-              <a:tblGrid>
-                <a:gridCol w="1825824">
-                  <a:extLst>
-                    <a:ext uri="{9D8B030D-6E8A-4147-A177-3AD203B41FA5}">
-                      <a16:colId xmlns:a16="http://schemas.microsoft.com/office/drawing/2014/main" val="4240773277"/>
-                    </a:ext>
-                  </a:extLst>
-                </a:gridCol>
-              </a:tblGrid>
-              <a:tr h="417888">
-                <a:tc>
-                  <a:txBody>
-                    <a:bodyPr/>
-                    <a:lstStyle/>
-                    <a:p>
-                      <a:r>
-                        <a:rPr lang="en-SG" u="sng" dirty="0"/>
-                        <a:t>ab3:</a:t>
-                      </a:r>
-                      <a:r>
-                        <a:rPr lang="en-SG" sz="1800" u="sng" dirty="0"/>
-                        <a:t>AddressBook</a:t>
-                      </a:r>
-                      <a:endParaRPr lang="en-SG" u="sng" dirty="0"/>
-                    </a:p>
-                  </a:txBody>
-                  <a:tcPr/>
-                </a:tc>
-                <a:extLst>
-                  <a:ext uri="{0D108BD9-81ED-4DB2-BD59-A6C34878D82A}">
-                    <a16:rowId xmlns:a16="http://schemas.microsoft.com/office/drawing/2014/main" val="2194462629"/>
-                  </a:ext>
-                </a:extLst>
-              </a:tr>
-            </a:tbl>
-          </a:graphicData>
-        </a:graphic>
-      </p:graphicFrame>
       <p:cxnSp>
         <p:nvCxnSpPr>
           <p:cNvPr id="18" name="Straight Arrow Connector 17">
@@ -4064,7 +3648,7 @@
         </p:nvCxnSpPr>
         <p:spPr>
           <a:xfrm flipV="1">
-            <a:off x="3338818" y="2038898"/>
+            <a:off x="3815896" y="2054370"/>
             <a:ext cx="0" cy="706873"/>
           </a:xfrm>
           <a:prstGeom prst="straightConnector1">
@@ -4108,7 +3692,7 @@
         </p:nvCxnSpPr>
         <p:spPr>
           <a:xfrm flipV="1">
-            <a:off x="5385732" y="4471595"/>
+            <a:off x="6141105" y="4465688"/>
             <a:ext cx="0" cy="706873"/>
           </a:xfrm>
           <a:prstGeom prst="straightConnector1">
@@ -4136,6 +3720,420 @@
           </a:fontRef>
         </p:style>
       </p:cxnSp>
+      <p:graphicFrame>
+        <p:nvGraphicFramePr>
+          <p:cNvPr id="26" name="Table 25">
+            <a:extLst>
+              <a:ext uri="{FF2B5EF4-FFF2-40B4-BE49-F238E27FC236}">
+                <a16:creationId xmlns:a16="http://schemas.microsoft.com/office/drawing/2014/main" id="{7F36629D-496C-4ACD-979A-2C7766CC01CB}"/>
+              </a:ext>
+            </a:extLst>
+          </p:cNvPr>
+          <p:cNvGraphicFramePr>
+            <a:graphicFrameLocks noGrp="1"/>
+          </p:cNvGraphicFramePr>
+          <p:nvPr>
+            <p:extLst>
+              <p:ext uri="{D42A27DB-BD31-4B8C-83A1-F6EECF244321}">
+                <p14:modId xmlns:p14="http://schemas.microsoft.com/office/powerpoint/2010/main" val="3939247451"/>
+              </p:ext>
+            </p:extLst>
+          </p:nvPr>
+        </p:nvGraphicFramePr>
+        <p:xfrm>
+          <a:off x="473239" y="1476102"/>
+          <a:ext cx="2203698" cy="417888"/>
+        </p:xfrm>
+        <a:graphic>
+          <a:graphicData uri="http://schemas.openxmlformats.org/drawingml/2006/table">
+            <a:tbl>
+              <a:tblPr>
+                <a:tableStyleId>{638B1855-1B75-4FBE-930C-398BA8C253C6}</a:tableStyleId>
+              </a:tblPr>
+              <a:tblGrid>
+                <a:gridCol w="2203698">
+                  <a:extLst>
+                    <a:ext uri="{9D8B030D-6E8A-4147-A177-3AD203B41FA5}">
+                      <a16:colId xmlns:a16="http://schemas.microsoft.com/office/drawing/2014/main" val="4240773277"/>
+                    </a:ext>
+                  </a:extLst>
+                </a:gridCol>
+              </a:tblGrid>
+              <a:tr h="417888">
+                <a:tc>
+                  <a:txBody>
+                    <a:bodyPr/>
+                    <a:lstStyle/>
+                    <a:p>
+                      <a:pPr algn="ctr"/>
+                      <a:r>
+                        <a:rPr lang="en-SG" u="sng" dirty="0"/>
+                        <a:t>inventory0:</a:t>
+                      </a:r>
+                      <a:r>
+                        <a:rPr lang="en-SG" sz="1800" u="sng" dirty="0"/>
+                        <a:t>Inventory</a:t>
+                      </a:r>
+                      <a:endParaRPr lang="en-SG" u="sng" dirty="0"/>
+                    </a:p>
+                  </a:txBody>
+                  <a:tcPr/>
+                </a:tc>
+                <a:extLst>
+                  <a:ext uri="{0D108BD9-81ED-4DB2-BD59-A6C34878D82A}">
+                    <a16:rowId xmlns:a16="http://schemas.microsoft.com/office/drawing/2014/main" val="2194462629"/>
+                  </a:ext>
+                </a:extLst>
+              </a:tr>
+            </a:tbl>
+          </a:graphicData>
+        </a:graphic>
+      </p:graphicFrame>
+      <p:graphicFrame>
+        <p:nvGraphicFramePr>
+          <p:cNvPr id="27" name="Table 26">
+            <a:extLst>
+              <a:ext uri="{FF2B5EF4-FFF2-40B4-BE49-F238E27FC236}">
+                <a16:creationId xmlns:a16="http://schemas.microsoft.com/office/drawing/2014/main" id="{CEB668F0-ED30-4F3B-9901-320DEEE9C71E}"/>
+              </a:ext>
+            </a:extLst>
+          </p:cNvPr>
+          <p:cNvGraphicFramePr>
+            <a:graphicFrameLocks noGrp="1"/>
+          </p:cNvGraphicFramePr>
+          <p:nvPr>
+            <p:extLst>
+              <p:ext uri="{D42A27DB-BD31-4B8C-83A1-F6EECF244321}">
+                <p14:modId xmlns:p14="http://schemas.microsoft.com/office/powerpoint/2010/main" val="2790977885"/>
+              </p:ext>
+            </p:extLst>
+          </p:nvPr>
+        </p:nvGraphicFramePr>
+        <p:xfrm>
+          <a:off x="2785379" y="1475216"/>
+          <a:ext cx="2203698" cy="417888"/>
+        </p:xfrm>
+        <a:graphic>
+          <a:graphicData uri="http://schemas.openxmlformats.org/drawingml/2006/table">
+            <a:tbl>
+              <a:tblPr>
+                <a:tableStyleId>{638B1855-1B75-4FBE-930C-398BA8C253C6}</a:tableStyleId>
+              </a:tblPr>
+              <a:tblGrid>
+                <a:gridCol w="2203698">
+                  <a:extLst>
+                    <a:ext uri="{9D8B030D-6E8A-4147-A177-3AD203B41FA5}">
+                      <a16:colId xmlns:a16="http://schemas.microsoft.com/office/drawing/2014/main" val="4240773277"/>
+                    </a:ext>
+                  </a:extLst>
+                </a:gridCol>
+              </a:tblGrid>
+              <a:tr h="417888">
+                <a:tc>
+                  <a:txBody>
+                    <a:bodyPr/>
+                    <a:lstStyle/>
+                    <a:p>
+                      <a:pPr algn="ctr"/>
+                      <a:r>
+                        <a:rPr lang="en-SG" u="sng" dirty="0"/>
+                        <a:t>inventory1:</a:t>
+                      </a:r>
+                      <a:r>
+                        <a:rPr lang="en-SG" sz="1800" u="sng" dirty="0"/>
+                        <a:t>Inventory</a:t>
+                      </a:r>
+                      <a:endParaRPr lang="en-SG" u="sng" dirty="0"/>
+                    </a:p>
+                  </a:txBody>
+                  <a:tcPr/>
+                </a:tc>
+                <a:extLst>
+                  <a:ext uri="{0D108BD9-81ED-4DB2-BD59-A6C34878D82A}">
+                    <a16:rowId xmlns:a16="http://schemas.microsoft.com/office/drawing/2014/main" val="2194462629"/>
+                  </a:ext>
+                </a:extLst>
+              </a:tr>
+            </a:tbl>
+          </a:graphicData>
+        </a:graphic>
+      </p:graphicFrame>
+      <p:graphicFrame>
+        <p:nvGraphicFramePr>
+          <p:cNvPr id="28" name="Table 27">
+            <a:extLst>
+              <a:ext uri="{FF2B5EF4-FFF2-40B4-BE49-F238E27FC236}">
+                <a16:creationId xmlns:a16="http://schemas.microsoft.com/office/drawing/2014/main" id="{FE92E550-9161-4B2E-8351-C546110BDDC7}"/>
+              </a:ext>
+            </a:extLst>
+          </p:cNvPr>
+          <p:cNvGraphicFramePr>
+            <a:graphicFrameLocks noGrp="1"/>
+          </p:cNvGraphicFramePr>
+          <p:nvPr>
+            <p:extLst>
+              <p:ext uri="{D42A27DB-BD31-4B8C-83A1-F6EECF244321}">
+                <p14:modId xmlns:p14="http://schemas.microsoft.com/office/powerpoint/2010/main" val="1465698568"/>
+              </p:ext>
+            </p:extLst>
+          </p:nvPr>
+        </p:nvGraphicFramePr>
+        <p:xfrm>
+          <a:off x="5097519" y="1475216"/>
+          <a:ext cx="2203698" cy="417888"/>
+        </p:xfrm>
+        <a:graphic>
+          <a:graphicData uri="http://schemas.openxmlformats.org/drawingml/2006/table">
+            <a:tbl>
+              <a:tblPr>
+                <a:tableStyleId>{638B1855-1B75-4FBE-930C-398BA8C253C6}</a:tableStyleId>
+              </a:tblPr>
+              <a:tblGrid>
+                <a:gridCol w="2203698">
+                  <a:extLst>
+                    <a:ext uri="{9D8B030D-6E8A-4147-A177-3AD203B41FA5}">
+                      <a16:colId xmlns:a16="http://schemas.microsoft.com/office/drawing/2014/main" val="4240773277"/>
+                    </a:ext>
+                  </a:extLst>
+                </a:gridCol>
+              </a:tblGrid>
+              <a:tr h="417888">
+                <a:tc>
+                  <a:txBody>
+                    <a:bodyPr/>
+                    <a:lstStyle/>
+                    <a:p>
+                      <a:pPr algn="ctr"/>
+                      <a:r>
+                        <a:rPr lang="en-SG" u="sng" dirty="0"/>
+                        <a:t>inventory2:</a:t>
+                      </a:r>
+                      <a:r>
+                        <a:rPr lang="en-SG" sz="1800" u="sng" dirty="0"/>
+                        <a:t>Inventory</a:t>
+                      </a:r>
+                      <a:endParaRPr lang="en-SG" u="sng" dirty="0"/>
+                    </a:p>
+                  </a:txBody>
+                  <a:tcPr/>
+                </a:tc>
+                <a:extLst>
+                  <a:ext uri="{0D108BD9-81ED-4DB2-BD59-A6C34878D82A}">
+                    <a16:rowId xmlns:a16="http://schemas.microsoft.com/office/drawing/2014/main" val="2194462629"/>
+                  </a:ext>
+                </a:extLst>
+              </a:tr>
+            </a:tbl>
+          </a:graphicData>
+        </a:graphic>
+      </p:graphicFrame>
+      <p:graphicFrame>
+        <p:nvGraphicFramePr>
+          <p:cNvPr id="34" name="Table 33">
+            <a:extLst>
+              <a:ext uri="{FF2B5EF4-FFF2-40B4-BE49-F238E27FC236}">
+                <a16:creationId xmlns:a16="http://schemas.microsoft.com/office/drawing/2014/main" id="{1DC27649-64DE-4759-9D96-3FA45D0F15A5}"/>
+              </a:ext>
+            </a:extLst>
+          </p:cNvPr>
+          <p:cNvGraphicFramePr>
+            <a:graphicFrameLocks noGrp="1"/>
+          </p:cNvGraphicFramePr>
+          <p:nvPr>
+            <p:extLst>
+              <p:ext uri="{D42A27DB-BD31-4B8C-83A1-F6EECF244321}">
+                <p14:modId xmlns:p14="http://schemas.microsoft.com/office/powerpoint/2010/main" val="3492585291"/>
+              </p:ext>
+            </p:extLst>
+          </p:nvPr>
+        </p:nvGraphicFramePr>
+        <p:xfrm>
+          <a:off x="473239" y="3940476"/>
+          <a:ext cx="2203698" cy="417888"/>
+        </p:xfrm>
+        <a:graphic>
+          <a:graphicData uri="http://schemas.openxmlformats.org/drawingml/2006/table">
+            <a:tbl>
+              <a:tblPr>
+                <a:tableStyleId>{638B1855-1B75-4FBE-930C-398BA8C253C6}</a:tableStyleId>
+              </a:tblPr>
+              <a:tblGrid>
+                <a:gridCol w="2203698">
+                  <a:extLst>
+                    <a:ext uri="{9D8B030D-6E8A-4147-A177-3AD203B41FA5}">
+                      <a16:colId xmlns:a16="http://schemas.microsoft.com/office/drawing/2014/main" val="4240773277"/>
+                    </a:ext>
+                  </a:extLst>
+                </a:gridCol>
+              </a:tblGrid>
+              <a:tr h="417888">
+                <a:tc>
+                  <a:txBody>
+                    <a:bodyPr/>
+                    <a:lstStyle/>
+                    <a:p>
+                      <a:pPr algn="ctr"/>
+                      <a:r>
+                        <a:rPr lang="en-SG" u="sng" dirty="0"/>
+                        <a:t>inventory0:</a:t>
+                      </a:r>
+                      <a:r>
+                        <a:rPr lang="en-SG" sz="1800" u="sng" dirty="0"/>
+                        <a:t>Inventory</a:t>
+                      </a:r>
+                      <a:endParaRPr lang="en-SG" u="sng" dirty="0"/>
+                    </a:p>
+                  </a:txBody>
+                  <a:tcPr/>
+                </a:tc>
+                <a:extLst>
+                  <a:ext uri="{0D108BD9-81ED-4DB2-BD59-A6C34878D82A}">
+                    <a16:rowId xmlns:a16="http://schemas.microsoft.com/office/drawing/2014/main" val="2194462629"/>
+                  </a:ext>
+                </a:extLst>
+              </a:tr>
+            </a:tbl>
+          </a:graphicData>
+        </a:graphic>
+      </p:graphicFrame>
+      <p:graphicFrame>
+        <p:nvGraphicFramePr>
+          <p:cNvPr id="35" name="Table 34">
+            <a:extLst>
+              <a:ext uri="{FF2B5EF4-FFF2-40B4-BE49-F238E27FC236}">
+                <a16:creationId xmlns:a16="http://schemas.microsoft.com/office/drawing/2014/main" id="{A348653E-D6D6-48F0-A688-B805BA3517A8}"/>
+              </a:ext>
+            </a:extLst>
+          </p:cNvPr>
+          <p:cNvGraphicFramePr>
+            <a:graphicFrameLocks noGrp="1"/>
+          </p:cNvGraphicFramePr>
+          <p:nvPr>
+            <p:extLst>
+              <p:ext uri="{D42A27DB-BD31-4B8C-83A1-F6EECF244321}">
+                <p14:modId xmlns:p14="http://schemas.microsoft.com/office/powerpoint/2010/main" val="130673107"/>
+              </p:ext>
+            </p:extLst>
+          </p:nvPr>
+        </p:nvGraphicFramePr>
+        <p:xfrm>
+          <a:off x="2785379" y="3939590"/>
+          <a:ext cx="2203698" cy="417888"/>
+        </p:xfrm>
+        <a:graphic>
+          <a:graphicData uri="http://schemas.openxmlformats.org/drawingml/2006/table">
+            <a:tbl>
+              <a:tblPr>
+                <a:tableStyleId>{638B1855-1B75-4FBE-930C-398BA8C253C6}</a:tableStyleId>
+              </a:tblPr>
+              <a:tblGrid>
+                <a:gridCol w="2203698">
+                  <a:extLst>
+                    <a:ext uri="{9D8B030D-6E8A-4147-A177-3AD203B41FA5}">
+                      <a16:colId xmlns:a16="http://schemas.microsoft.com/office/drawing/2014/main" val="4240773277"/>
+                    </a:ext>
+                  </a:extLst>
+                </a:gridCol>
+              </a:tblGrid>
+              <a:tr h="417888">
+                <a:tc>
+                  <a:txBody>
+                    <a:bodyPr/>
+                    <a:lstStyle/>
+                    <a:p>
+                      <a:pPr algn="ctr"/>
+                      <a:r>
+                        <a:rPr lang="en-SG" u="sng" dirty="0"/>
+                        <a:t>inventory1:</a:t>
+                      </a:r>
+                      <a:r>
+                        <a:rPr lang="en-SG" sz="1800" u="sng" dirty="0"/>
+                        <a:t>Inventory</a:t>
+                      </a:r>
+                      <a:endParaRPr lang="en-SG" u="sng" dirty="0"/>
+                    </a:p>
+                  </a:txBody>
+                  <a:tcPr/>
+                </a:tc>
+                <a:extLst>
+                  <a:ext uri="{0D108BD9-81ED-4DB2-BD59-A6C34878D82A}">
+                    <a16:rowId xmlns:a16="http://schemas.microsoft.com/office/drawing/2014/main" val="2194462629"/>
+                  </a:ext>
+                </a:extLst>
+              </a:tr>
+            </a:tbl>
+          </a:graphicData>
+        </a:graphic>
+      </p:graphicFrame>
+      <p:graphicFrame>
+        <p:nvGraphicFramePr>
+          <p:cNvPr id="36" name="Table 35">
+            <a:extLst>
+              <a:ext uri="{FF2B5EF4-FFF2-40B4-BE49-F238E27FC236}">
+                <a16:creationId xmlns:a16="http://schemas.microsoft.com/office/drawing/2014/main" id="{53E2FA6F-B0A6-45CB-9481-93958CF0264E}"/>
+              </a:ext>
+            </a:extLst>
+          </p:cNvPr>
+          <p:cNvGraphicFramePr>
+            <a:graphicFrameLocks noGrp="1"/>
+          </p:cNvGraphicFramePr>
+          <p:nvPr>
+            <p:extLst>
+              <p:ext uri="{D42A27DB-BD31-4B8C-83A1-F6EECF244321}">
+                <p14:modId xmlns:p14="http://schemas.microsoft.com/office/powerpoint/2010/main" val="1887615868"/>
+              </p:ext>
+            </p:extLst>
+          </p:nvPr>
+        </p:nvGraphicFramePr>
+        <p:xfrm>
+          <a:off x="5097519" y="3939590"/>
+          <a:ext cx="2203698" cy="417888"/>
+        </p:xfrm>
+        <a:graphic>
+          <a:graphicData uri="http://schemas.openxmlformats.org/drawingml/2006/table">
+            <a:tbl>
+              <a:tblPr>
+                <a:tableStyleId>{638B1855-1B75-4FBE-930C-398BA8C253C6}</a:tableStyleId>
+              </a:tblPr>
+              <a:tblGrid>
+                <a:gridCol w="2203698">
+                  <a:extLst>
+                    <a:ext uri="{9D8B030D-6E8A-4147-A177-3AD203B41FA5}">
+                      <a16:colId xmlns:a16="http://schemas.microsoft.com/office/drawing/2014/main" val="4240773277"/>
+                    </a:ext>
+                  </a:extLst>
+                </a:gridCol>
+              </a:tblGrid>
+              <a:tr h="417888">
+                <a:tc>
+                  <a:txBody>
+                    <a:bodyPr/>
+                    <a:lstStyle/>
+                    <a:p>
+                      <a:pPr algn="ctr"/>
+                      <a:r>
+                        <a:rPr lang="en-SG" u="sng" dirty="0"/>
+                        <a:t>inventory3:</a:t>
+                      </a:r>
+                      <a:r>
+                        <a:rPr lang="en-SG" sz="1800" u="sng" dirty="0"/>
+                        <a:t>Inventory</a:t>
+                      </a:r>
+                      <a:endParaRPr lang="en-SG" u="sng" dirty="0"/>
+                    </a:p>
+                  </a:txBody>
+                  <a:tcPr/>
+                </a:tc>
+                <a:extLst>
+                  <a:ext uri="{0D108BD9-81ED-4DB2-BD59-A6C34878D82A}">
+                    <a16:rowId xmlns:a16="http://schemas.microsoft.com/office/drawing/2014/main" val="2194462629"/>
+                  </a:ext>
+                </a:extLst>
+              </a:tr>
+            </a:tbl>
+          </a:graphicData>
+        </a:graphic>
+      </p:graphicFrame>
     </p:spTree>
     <p:extLst>
       <p:ext uri="{BB962C8B-B14F-4D97-AF65-F5344CB8AC3E}">

--- a/docs/diagrams/UndoRedoNewCommand4StateListDiagram.pptx
+++ b/docs/diagrams/UndoRedoNewCommand4StateListDiagram.pptx
@@ -112,10 +112,6 @@
 </p:presentation>
 </file>
 
-<file path=ppt/revisionInfo.xml><?xml version="1.0" encoding="utf-8"?>
-<p1510:revInfo xmlns:a="http://schemas.openxmlformats.org/drawingml/2006/main" xmlns:r="http://schemas.openxmlformats.org/officeDocument/2006/relationships" xmlns:p1510="http://schemas.microsoft.com/office/powerpoint/2015/10/main"/>
-</file>
-
 <file path=ppt/slideLayouts/slideLayout1.xml><?xml version="1.0" encoding="utf-8"?>
 <p:sldLayout xmlns:a="http://schemas.openxmlformats.org/drawingml/2006/main" xmlns:r="http://schemas.openxmlformats.org/officeDocument/2006/relationships" xmlns:p="http://schemas.openxmlformats.org/presentationml/2006/main" type="title" preserve="1">
   <p:cSld name="Title Slide">
@@ -265,7 +261,7 @@
           <a:p>
             <a:fld id="{03EC4E3E-8101-482F-A883-8B55DAFF7C07}" type="datetimeFigureOut">
               <a:rPr lang="en-SG" smtClean="0"/>
-              <a:t>6/7/2018</a:t>
+              <a:t>18/3/19</a:t>
             </a:fld>
             <a:endParaRPr lang="en-SG"/>
           </a:p>
@@ -465,7 +461,7 @@
           <a:p>
             <a:fld id="{03EC4E3E-8101-482F-A883-8B55DAFF7C07}" type="datetimeFigureOut">
               <a:rPr lang="en-SG" smtClean="0"/>
-              <a:t>6/7/2018</a:t>
+              <a:t>18/3/19</a:t>
             </a:fld>
             <a:endParaRPr lang="en-SG"/>
           </a:p>
@@ -675,7 +671,7 @@
           <a:p>
             <a:fld id="{03EC4E3E-8101-482F-A883-8B55DAFF7C07}" type="datetimeFigureOut">
               <a:rPr lang="en-SG" smtClean="0"/>
-              <a:t>6/7/2018</a:t>
+              <a:t>18/3/19</a:t>
             </a:fld>
             <a:endParaRPr lang="en-SG"/>
           </a:p>
@@ -875,7 +871,7 @@
           <a:p>
             <a:fld id="{03EC4E3E-8101-482F-A883-8B55DAFF7C07}" type="datetimeFigureOut">
               <a:rPr lang="en-SG" smtClean="0"/>
-              <a:t>6/7/2018</a:t>
+              <a:t>18/3/19</a:t>
             </a:fld>
             <a:endParaRPr lang="en-SG"/>
           </a:p>
@@ -1151,7 +1147,7 @@
           <a:p>
             <a:fld id="{03EC4E3E-8101-482F-A883-8B55DAFF7C07}" type="datetimeFigureOut">
               <a:rPr lang="en-SG" smtClean="0"/>
-              <a:t>6/7/2018</a:t>
+              <a:t>18/3/19</a:t>
             </a:fld>
             <a:endParaRPr lang="en-SG"/>
           </a:p>
@@ -1419,7 +1415,7 @@
           <a:p>
             <a:fld id="{03EC4E3E-8101-482F-A883-8B55DAFF7C07}" type="datetimeFigureOut">
               <a:rPr lang="en-SG" smtClean="0"/>
-              <a:t>6/7/2018</a:t>
+              <a:t>18/3/19</a:t>
             </a:fld>
             <a:endParaRPr lang="en-SG"/>
           </a:p>
@@ -1834,7 +1830,7 @@
           <a:p>
             <a:fld id="{03EC4E3E-8101-482F-A883-8B55DAFF7C07}" type="datetimeFigureOut">
               <a:rPr lang="en-SG" smtClean="0"/>
-              <a:t>6/7/2018</a:t>
+              <a:t>18/3/19</a:t>
             </a:fld>
             <a:endParaRPr lang="en-SG"/>
           </a:p>
@@ -1976,7 +1972,7 @@
           <a:p>
             <a:fld id="{03EC4E3E-8101-482F-A883-8B55DAFF7C07}" type="datetimeFigureOut">
               <a:rPr lang="en-SG" smtClean="0"/>
-              <a:t>6/7/2018</a:t>
+              <a:t>18/3/19</a:t>
             </a:fld>
             <a:endParaRPr lang="en-SG"/>
           </a:p>
@@ -2089,7 +2085,7 @@
           <a:p>
             <a:fld id="{03EC4E3E-8101-482F-A883-8B55DAFF7C07}" type="datetimeFigureOut">
               <a:rPr lang="en-SG" smtClean="0"/>
-              <a:t>6/7/2018</a:t>
+              <a:t>18/3/19</a:t>
             </a:fld>
             <a:endParaRPr lang="en-SG"/>
           </a:p>
@@ -2402,7 +2398,7 @@
           <a:p>
             <a:fld id="{03EC4E3E-8101-482F-A883-8B55DAFF7C07}" type="datetimeFigureOut">
               <a:rPr lang="en-SG" smtClean="0"/>
-              <a:t>6/7/2018</a:t>
+              <a:t>18/3/19</a:t>
             </a:fld>
             <a:endParaRPr lang="en-SG"/>
           </a:p>
@@ -2691,7 +2687,7 @@
           <a:p>
             <a:fld id="{03EC4E3E-8101-482F-A883-8B55DAFF7C07}" type="datetimeFigureOut">
               <a:rPr lang="en-SG" smtClean="0"/>
-              <a:t>6/7/2018</a:t>
+              <a:t>18/3/19</a:t>
             </a:fld>
             <a:endParaRPr lang="en-SG"/>
           </a:p>
@@ -2934,7 +2930,7 @@
           <a:p>
             <a:fld id="{03EC4E3E-8101-482F-A883-8B55DAFF7C07}" type="datetimeFigureOut">
               <a:rPr lang="en-SG" smtClean="0"/>
-              <a:t>6/7/2018</a:t>
+              <a:t>18/3/19</a:t>
             </a:fld>
             <a:endParaRPr lang="en-SG"/>
           </a:p>
@@ -3450,12 +3446,8 @@
           <a:p>
             <a:pPr algn="ctr"/>
             <a:r>
-              <a:rPr lang="en-SG"/>
-              <a:t>State ab2 </a:t>
-            </a:r>
-            <a:r>
               <a:rPr lang="en-SG" dirty="0"/>
-              <a:t>deleted.</a:t>
+              <a:t>State pb2 deleted.</a:t>
             </a:r>
           </a:p>
         </p:txBody>
@@ -3655,7 +3647,7 @@
           <p:nvPr>
             <p:extLst>
               <p:ext uri="{D42A27DB-BD31-4B8C-83A1-F6EECF244321}">
-                <p14:modId xmlns:p14="http://schemas.microsoft.com/office/powerpoint/2010/main" val="1352982134"/>
+                <p14:modId xmlns:p14="http://schemas.microsoft.com/office/powerpoint/2010/main" val="1671530253"/>
               </p:ext>
             </p:extLst>
           </p:nvPr>
@@ -3687,11 +3679,11 @@
                     <a:p>
                       <a:r>
                         <a:rPr lang="en-SG" u="sng" dirty="0"/>
-                        <a:t>ab0:</a:t>
+                        <a:t>pb0:</a:t>
                       </a:r>
                       <a:r>
                         <a:rPr lang="en-SG" sz="1800" u="sng" dirty="0"/>
-                        <a:t>AddressBook</a:t>
+                        <a:t>PdfBook</a:t>
                       </a:r>
                       <a:endParaRPr lang="en-SG" u="sng" dirty="0"/>
                     </a:p>
@@ -3723,7 +3715,7 @@
           <p:nvPr>
             <p:extLst>
               <p:ext uri="{D42A27DB-BD31-4B8C-83A1-F6EECF244321}">
-                <p14:modId xmlns:p14="http://schemas.microsoft.com/office/powerpoint/2010/main" val="829193732"/>
+                <p14:modId xmlns:p14="http://schemas.microsoft.com/office/powerpoint/2010/main" val="1391061011"/>
               </p:ext>
             </p:extLst>
           </p:nvPr>
@@ -3755,11 +3747,11 @@
                     <a:p>
                       <a:r>
                         <a:rPr lang="en-SG" u="sng" dirty="0"/>
-                        <a:t>ab1:</a:t>
+                        <a:t>pb1:</a:t>
                       </a:r>
                       <a:r>
                         <a:rPr lang="en-SG" sz="1800" u="sng" dirty="0"/>
-                        <a:t>AddressBook</a:t>
+                        <a:t>PdfBook</a:t>
                       </a:r>
                       <a:endParaRPr lang="en-SG" u="sng" dirty="0"/>
                     </a:p>
@@ -3791,7 +3783,7 @@
           <p:nvPr>
             <p:extLst>
               <p:ext uri="{D42A27DB-BD31-4B8C-83A1-F6EECF244321}">
-                <p14:modId xmlns:p14="http://schemas.microsoft.com/office/powerpoint/2010/main" val="796708048"/>
+                <p14:modId xmlns:p14="http://schemas.microsoft.com/office/powerpoint/2010/main" val="1687672673"/>
               </p:ext>
             </p:extLst>
           </p:nvPr>
@@ -3823,11 +3815,11 @@
                     <a:p>
                       <a:r>
                         <a:rPr lang="en-SG" u="sng" dirty="0"/>
-                        <a:t>ab2:</a:t>
+                        <a:t>pb2:</a:t>
                       </a:r>
                       <a:r>
                         <a:rPr lang="en-SG" sz="1800" u="sng" dirty="0"/>
-                        <a:t>AddressBook</a:t>
+                        <a:t>PdfBook</a:t>
                       </a:r>
                       <a:endParaRPr lang="en-SG" u="sng" dirty="0"/>
                     </a:p>
@@ -3859,7 +3851,7 @@
           <p:nvPr>
             <p:extLst>
               <p:ext uri="{D42A27DB-BD31-4B8C-83A1-F6EECF244321}">
-                <p14:modId xmlns:p14="http://schemas.microsoft.com/office/powerpoint/2010/main" val="377617300"/>
+                <p14:modId xmlns:p14="http://schemas.microsoft.com/office/powerpoint/2010/main" val="799231976"/>
               </p:ext>
             </p:extLst>
           </p:nvPr>
@@ -3891,11 +3883,11 @@
                     <a:p>
                       <a:r>
                         <a:rPr lang="en-SG" u="sng" dirty="0"/>
-                        <a:t>ab0:</a:t>
+                        <a:t>pb0:</a:t>
                       </a:r>
                       <a:r>
                         <a:rPr lang="en-SG" sz="1800" u="sng" dirty="0"/>
-                        <a:t>AddressBook</a:t>
+                        <a:t>PdfBook</a:t>
                       </a:r>
                       <a:endParaRPr lang="en-SG" u="sng" dirty="0"/>
                     </a:p>
@@ -3927,7 +3919,7 @@
           <p:nvPr>
             <p:extLst>
               <p:ext uri="{D42A27DB-BD31-4B8C-83A1-F6EECF244321}">
-                <p14:modId xmlns:p14="http://schemas.microsoft.com/office/powerpoint/2010/main" val="4076322253"/>
+                <p14:modId xmlns:p14="http://schemas.microsoft.com/office/powerpoint/2010/main" val="2697125634"/>
               </p:ext>
             </p:extLst>
           </p:nvPr>
@@ -3959,11 +3951,11 @@
                     <a:p>
                       <a:r>
                         <a:rPr lang="en-SG" u="sng" dirty="0"/>
-                        <a:t>ab1:</a:t>
+                        <a:t>pb1:</a:t>
                       </a:r>
                       <a:r>
                         <a:rPr lang="en-SG" sz="1800" u="sng" dirty="0"/>
-                        <a:t>AddressBook</a:t>
+                        <a:t>PdfBook</a:t>
                       </a:r>
                       <a:endParaRPr lang="en-SG" u="sng" dirty="0"/>
                     </a:p>
@@ -3995,7 +3987,7 @@
           <p:nvPr>
             <p:extLst>
               <p:ext uri="{D42A27DB-BD31-4B8C-83A1-F6EECF244321}">
-                <p14:modId xmlns:p14="http://schemas.microsoft.com/office/powerpoint/2010/main" val="53411958"/>
+                <p14:modId xmlns:p14="http://schemas.microsoft.com/office/powerpoint/2010/main" val="4143223291"/>
               </p:ext>
             </p:extLst>
           </p:nvPr>
@@ -4027,11 +4019,11 @@
                     <a:p>
                       <a:r>
                         <a:rPr lang="en-SG" u="sng" dirty="0"/>
-                        <a:t>ab3:</a:t>
+                        <a:t>pb3:</a:t>
                       </a:r>
                       <a:r>
                         <a:rPr lang="en-SG" sz="1800" u="sng" dirty="0"/>
-                        <a:t>AddressBook</a:t>
+                        <a:t>PdfBook</a:t>
                       </a:r>
                       <a:endParaRPr lang="en-SG" u="sng" dirty="0"/>
                     </a:p>

--- a/docs/diagrams/UndoRedoNewCommand4StateListDiagram.pptx
+++ b/docs/diagrams/UndoRedoNewCommand4StateListDiagram.pptx
@@ -112,10 +112,6 @@
 </p:presentation>
 </file>
 
-<file path=ppt/revisionInfo.xml><?xml version="1.0" encoding="utf-8"?>
-<p1510:revInfo xmlns:a="http://schemas.openxmlformats.org/drawingml/2006/main" xmlns:r="http://schemas.openxmlformats.org/officeDocument/2006/relationships" xmlns:p1510="http://schemas.microsoft.com/office/powerpoint/2015/10/main"/>
-</file>
-
 <file path=ppt/slideLayouts/slideLayout1.xml><?xml version="1.0" encoding="utf-8"?>
 <p:sldLayout xmlns:a="http://schemas.openxmlformats.org/drawingml/2006/main" xmlns:r="http://schemas.openxmlformats.org/officeDocument/2006/relationships" xmlns:p="http://schemas.openxmlformats.org/presentationml/2006/main" type="title" preserve="1">
   <p:cSld name="Title Slide">
@@ -265,7 +261,7 @@
           <a:p>
             <a:fld id="{03EC4E3E-8101-482F-A883-8B55DAFF7C07}" type="datetimeFigureOut">
               <a:rPr lang="en-SG" smtClean="0"/>
-              <a:t>6/7/2018</a:t>
+              <a:t>20/3/19</a:t>
             </a:fld>
             <a:endParaRPr lang="en-SG"/>
           </a:p>
@@ -465,7 +461,7 @@
           <a:p>
             <a:fld id="{03EC4E3E-8101-482F-A883-8B55DAFF7C07}" type="datetimeFigureOut">
               <a:rPr lang="en-SG" smtClean="0"/>
-              <a:t>6/7/2018</a:t>
+              <a:t>20/3/19</a:t>
             </a:fld>
             <a:endParaRPr lang="en-SG"/>
           </a:p>
@@ -675,7 +671,7 @@
           <a:p>
             <a:fld id="{03EC4E3E-8101-482F-A883-8B55DAFF7C07}" type="datetimeFigureOut">
               <a:rPr lang="en-SG" smtClean="0"/>
-              <a:t>6/7/2018</a:t>
+              <a:t>20/3/19</a:t>
             </a:fld>
             <a:endParaRPr lang="en-SG"/>
           </a:p>
@@ -875,7 +871,7 @@
           <a:p>
             <a:fld id="{03EC4E3E-8101-482F-A883-8B55DAFF7C07}" type="datetimeFigureOut">
               <a:rPr lang="en-SG" smtClean="0"/>
-              <a:t>6/7/2018</a:t>
+              <a:t>20/3/19</a:t>
             </a:fld>
             <a:endParaRPr lang="en-SG"/>
           </a:p>
@@ -1151,7 +1147,7 @@
           <a:p>
             <a:fld id="{03EC4E3E-8101-482F-A883-8B55DAFF7C07}" type="datetimeFigureOut">
               <a:rPr lang="en-SG" smtClean="0"/>
-              <a:t>6/7/2018</a:t>
+              <a:t>20/3/19</a:t>
             </a:fld>
             <a:endParaRPr lang="en-SG"/>
           </a:p>
@@ -1419,7 +1415,7 @@
           <a:p>
             <a:fld id="{03EC4E3E-8101-482F-A883-8B55DAFF7C07}" type="datetimeFigureOut">
               <a:rPr lang="en-SG" smtClean="0"/>
-              <a:t>6/7/2018</a:t>
+              <a:t>20/3/19</a:t>
             </a:fld>
             <a:endParaRPr lang="en-SG"/>
           </a:p>
@@ -1834,7 +1830,7 @@
           <a:p>
             <a:fld id="{03EC4E3E-8101-482F-A883-8B55DAFF7C07}" type="datetimeFigureOut">
               <a:rPr lang="en-SG" smtClean="0"/>
-              <a:t>6/7/2018</a:t>
+              <a:t>20/3/19</a:t>
             </a:fld>
             <a:endParaRPr lang="en-SG"/>
           </a:p>
@@ -1976,7 +1972,7 @@
           <a:p>
             <a:fld id="{03EC4E3E-8101-482F-A883-8B55DAFF7C07}" type="datetimeFigureOut">
               <a:rPr lang="en-SG" smtClean="0"/>
-              <a:t>6/7/2018</a:t>
+              <a:t>20/3/19</a:t>
             </a:fld>
             <a:endParaRPr lang="en-SG"/>
           </a:p>
@@ -2089,7 +2085,7 @@
           <a:p>
             <a:fld id="{03EC4E3E-8101-482F-A883-8B55DAFF7C07}" type="datetimeFigureOut">
               <a:rPr lang="en-SG" smtClean="0"/>
-              <a:t>6/7/2018</a:t>
+              <a:t>20/3/19</a:t>
             </a:fld>
             <a:endParaRPr lang="en-SG"/>
           </a:p>
@@ -2402,7 +2398,7 @@
           <a:p>
             <a:fld id="{03EC4E3E-8101-482F-A883-8B55DAFF7C07}" type="datetimeFigureOut">
               <a:rPr lang="en-SG" smtClean="0"/>
-              <a:t>6/7/2018</a:t>
+              <a:t>20/3/19</a:t>
             </a:fld>
             <a:endParaRPr lang="en-SG"/>
           </a:p>
@@ -2691,7 +2687,7 @@
           <a:p>
             <a:fld id="{03EC4E3E-8101-482F-A883-8B55DAFF7C07}" type="datetimeFigureOut">
               <a:rPr lang="en-SG" smtClean="0"/>
-              <a:t>6/7/2018</a:t>
+              <a:t>20/3/19</a:t>
             </a:fld>
             <a:endParaRPr lang="en-SG"/>
           </a:p>
@@ -2934,7 +2930,7 @@
           <a:p>
             <a:fld id="{03EC4E3E-8101-482F-A883-8B55DAFF7C07}" type="datetimeFigureOut">
               <a:rPr lang="en-SG" smtClean="0"/>
-              <a:t>6/7/2018</a:t>
+              <a:t>20/3/19</a:t>
             </a:fld>
             <a:endParaRPr lang="en-SG"/>
           </a:p>
@@ -3359,7 +3355,7 @@
         </p:nvSpPr>
         <p:spPr>
           <a:xfrm>
-            <a:off x="5051917" y="2107282"/>
+            <a:off x="8188244" y="2112786"/>
             <a:ext cx="1535059" cy="1635302"/>
           </a:xfrm>
           <a:prstGeom prst="downArrow">
@@ -3409,7 +3405,7 @@
         </p:nvSpPr>
         <p:spPr>
           <a:xfrm>
-            <a:off x="8279815" y="4786631"/>
+            <a:off x="9405665" y="6092260"/>
             <a:ext cx="2346425" cy="369332"/>
           </a:xfrm>
           <a:prstGeom prst="rect">
@@ -3450,12 +3446,8 @@
           <a:p>
             <a:pPr algn="ctr"/>
             <a:r>
-              <a:rPr lang="en-SG"/>
-              <a:t>State ab2 </a:t>
-            </a:r>
-            <a:r>
               <a:rPr lang="en-SG" dirty="0"/>
-              <a:t>deleted.</a:t>
+              <a:t>State hms2 deleted.</a:t>
             </a:r>
           </a:p>
         </p:txBody>
@@ -3474,7 +3466,7 @@
         </p:nvSpPr>
         <p:spPr>
           <a:xfrm>
-            <a:off x="1844917" y="2745771"/>
+            <a:off x="4086096" y="2731691"/>
             <a:ext cx="3207000" cy="369332"/>
           </a:xfrm>
           <a:prstGeom prst="rect">
@@ -3564,7 +3556,7 @@
         </p:nvSpPr>
         <p:spPr>
           <a:xfrm>
-            <a:off x="3952597" y="5155963"/>
+            <a:off x="7563305" y="5223190"/>
             <a:ext cx="3207000" cy="369332"/>
           </a:xfrm>
           <a:prstGeom prst="rect">
@@ -3655,14 +3647,14 @@
           <p:nvPr>
             <p:extLst>
               <p:ext uri="{D42A27DB-BD31-4B8C-83A1-F6EECF244321}">
-                <p14:modId xmlns:p14="http://schemas.microsoft.com/office/powerpoint/2010/main" val="1352982134"/>
+                <p14:modId xmlns:p14="http://schemas.microsoft.com/office/powerpoint/2010/main" val="422361167"/>
               </p:ext>
             </p:extLst>
           </p:nvPr>
         </p:nvGraphicFramePr>
         <p:xfrm>
-          <a:off x="473240" y="1476102"/>
-          <a:ext cx="1825824" cy="417888"/>
+          <a:off x="473239" y="1476102"/>
+          <a:ext cx="3436881" cy="417888"/>
         </p:xfrm>
         <a:graphic>
           <a:graphicData uri="http://schemas.openxmlformats.org/drawingml/2006/table">
@@ -3671,7 +3663,7 @@
                 <a:tableStyleId>{638B1855-1B75-4FBE-930C-398BA8C253C6}</a:tableStyleId>
               </a:tblPr>
               <a:tblGrid>
-                <a:gridCol w="1825824">
+                <a:gridCol w="3436881">
                   <a:extLst>
                     <a:ext uri="{9D8B030D-6E8A-4147-A177-3AD203B41FA5}">
                       <a16:colId xmlns:a16="http://schemas.microsoft.com/office/drawing/2014/main" val="4240773277"/>
@@ -3687,11 +3679,11 @@
                     <a:p>
                       <a:r>
                         <a:rPr lang="en-SG" u="sng" dirty="0"/>
-                        <a:t>ab0:</a:t>
+                        <a:t>hms0:</a:t>
                       </a:r>
                       <a:r>
                         <a:rPr lang="en-SG" sz="1800" u="sng" dirty="0"/>
-                        <a:t>AddressBook</a:t>
+                        <a:t>HotelManagementSystem</a:t>
                       </a:r>
                       <a:endParaRPr lang="en-SG" u="sng" dirty="0"/>
                     </a:p>
@@ -3723,14 +3715,14 @@
           <p:nvPr>
             <p:extLst>
               <p:ext uri="{D42A27DB-BD31-4B8C-83A1-F6EECF244321}">
-                <p14:modId xmlns:p14="http://schemas.microsoft.com/office/powerpoint/2010/main" val="829193732"/>
+                <p14:modId xmlns:p14="http://schemas.microsoft.com/office/powerpoint/2010/main" val="3117071150"/>
               </p:ext>
             </p:extLst>
           </p:nvPr>
         </p:nvGraphicFramePr>
         <p:xfrm>
-          <a:off x="2440458" y="1476102"/>
-          <a:ext cx="1825824" cy="417888"/>
+          <a:off x="4007701" y="1476102"/>
+          <a:ext cx="3233662" cy="417888"/>
         </p:xfrm>
         <a:graphic>
           <a:graphicData uri="http://schemas.openxmlformats.org/drawingml/2006/table">
@@ -3739,7 +3731,7 @@
                 <a:tableStyleId>{638B1855-1B75-4FBE-930C-398BA8C253C6}</a:tableStyleId>
               </a:tblPr>
               <a:tblGrid>
-                <a:gridCol w="1825824">
+                <a:gridCol w="3233662">
                   <a:extLst>
                     <a:ext uri="{9D8B030D-6E8A-4147-A177-3AD203B41FA5}">
                       <a16:colId xmlns:a16="http://schemas.microsoft.com/office/drawing/2014/main" val="4240773277"/>
@@ -3755,11 +3747,11 @@
                     <a:p>
                       <a:r>
                         <a:rPr lang="en-SG" u="sng" dirty="0"/>
-                        <a:t>ab1:</a:t>
+                        <a:t>hms1:</a:t>
                       </a:r>
                       <a:r>
                         <a:rPr lang="en-SG" sz="1800" u="sng" dirty="0"/>
-                        <a:t>AddressBook</a:t>
+                        <a:t>HotelManagementSystem</a:t>
                       </a:r>
                       <a:endParaRPr lang="en-SG" u="sng" dirty="0"/>
                     </a:p>
@@ -3791,14 +3783,14 @@
           <p:nvPr>
             <p:extLst>
               <p:ext uri="{D42A27DB-BD31-4B8C-83A1-F6EECF244321}">
-                <p14:modId xmlns:p14="http://schemas.microsoft.com/office/powerpoint/2010/main" val="796708048"/>
+                <p14:modId xmlns:p14="http://schemas.microsoft.com/office/powerpoint/2010/main" val="805591405"/>
               </p:ext>
             </p:extLst>
           </p:nvPr>
         </p:nvGraphicFramePr>
         <p:xfrm>
-          <a:off x="4409785" y="1476102"/>
-          <a:ext cx="1825824" cy="417888"/>
+          <a:off x="7338943" y="1476102"/>
+          <a:ext cx="3233662" cy="417888"/>
         </p:xfrm>
         <a:graphic>
           <a:graphicData uri="http://schemas.openxmlformats.org/drawingml/2006/table">
@@ -3807,7 +3799,7 @@
                 <a:tableStyleId>{638B1855-1B75-4FBE-930C-398BA8C253C6}</a:tableStyleId>
               </a:tblPr>
               <a:tblGrid>
-                <a:gridCol w="1825824">
+                <a:gridCol w="3233662">
                   <a:extLst>
                     <a:ext uri="{9D8B030D-6E8A-4147-A177-3AD203B41FA5}">
                       <a16:colId xmlns:a16="http://schemas.microsoft.com/office/drawing/2014/main" val="4240773277"/>
@@ -3823,11 +3815,11 @@
                     <a:p>
                       <a:r>
                         <a:rPr lang="en-SG" u="sng" dirty="0"/>
-                        <a:t>ab2:</a:t>
+                        <a:t>hms2:</a:t>
                       </a:r>
                       <a:r>
                         <a:rPr lang="en-SG" sz="1800" u="sng" dirty="0"/>
-                        <a:t>AddressBook</a:t>
+                        <a:t>HotelManagementSystem</a:t>
                       </a:r>
                       <a:endParaRPr lang="en-SG" u="sng" dirty="0"/>
                     </a:p>
@@ -3859,14 +3851,14 @@
           <p:nvPr>
             <p:extLst>
               <p:ext uri="{D42A27DB-BD31-4B8C-83A1-F6EECF244321}">
-                <p14:modId xmlns:p14="http://schemas.microsoft.com/office/powerpoint/2010/main" val="377617300"/>
+                <p14:modId xmlns:p14="http://schemas.microsoft.com/office/powerpoint/2010/main" val="1253721598"/>
               </p:ext>
             </p:extLst>
           </p:nvPr>
         </p:nvGraphicFramePr>
         <p:xfrm>
-          <a:off x="473240" y="3919947"/>
-          <a:ext cx="1825824" cy="417888"/>
+          <a:off x="473239" y="3919947"/>
+          <a:ext cx="3534459" cy="417888"/>
         </p:xfrm>
         <a:graphic>
           <a:graphicData uri="http://schemas.openxmlformats.org/drawingml/2006/table">
@@ -3875,7 +3867,7 @@
                 <a:tableStyleId>{638B1855-1B75-4FBE-930C-398BA8C253C6}</a:tableStyleId>
               </a:tblPr>
               <a:tblGrid>
-                <a:gridCol w="1825824">
+                <a:gridCol w="3534459">
                   <a:extLst>
                     <a:ext uri="{9D8B030D-6E8A-4147-A177-3AD203B41FA5}">
                       <a16:colId xmlns:a16="http://schemas.microsoft.com/office/drawing/2014/main" val="4240773277"/>
@@ -3891,11 +3883,11 @@
                     <a:p>
                       <a:r>
                         <a:rPr lang="en-SG" u="sng" dirty="0"/>
-                        <a:t>ab0:</a:t>
+                        <a:t>hms0:</a:t>
                       </a:r>
                       <a:r>
                         <a:rPr lang="en-SG" sz="1800" u="sng" dirty="0"/>
-                        <a:t>AddressBook</a:t>
+                        <a:t>HotelManagementSystem</a:t>
                       </a:r>
                       <a:endParaRPr lang="en-SG" u="sng" dirty="0"/>
                     </a:p>
@@ -3927,14 +3919,14 @@
           <p:nvPr>
             <p:extLst>
               <p:ext uri="{D42A27DB-BD31-4B8C-83A1-F6EECF244321}">
-                <p14:modId xmlns:p14="http://schemas.microsoft.com/office/powerpoint/2010/main" val="4076322253"/>
+                <p14:modId xmlns:p14="http://schemas.microsoft.com/office/powerpoint/2010/main" val="2168696559"/>
               </p:ext>
             </p:extLst>
           </p:nvPr>
         </p:nvGraphicFramePr>
         <p:xfrm>
-          <a:off x="2440458" y="3919947"/>
-          <a:ext cx="1825824" cy="417888"/>
+          <a:off x="4086096" y="3912663"/>
+          <a:ext cx="3206999" cy="417888"/>
         </p:xfrm>
         <a:graphic>
           <a:graphicData uri="http://schemas.openxmlformats.org/drawingml/2006/table">
@@ -3943,7 +3935,7 @@
                 <a:tableStyleId>{638B1855-1B75-4FBE-930C-398BA8C253C6}</a:tableStyleId>
               </a:tblPr>
               <a:tblGrid>
-                <a:gridCol w="1825824">
+                <a:gridCol w="3206999">
                   <a:extLst>
                     <a:ext uri="{9D8B030D-6E8A-4147-A177-3AD203B41FA5}">
                       <a16:colId xmlns:a16="http://schemas.microsoft.com/office/drawing/2014/main" val="4240773277"/>
@@ -3959,11 +3951,11 @@
                     <a:p>
                       <a:r>
                         <a:rPr lang="en-SG" u="sng" dirty="0"/>
-                        <a:t>ab1:</a:t>
+                        <a:t>hms1:</a:t>
                       </a:r>
                       <a:r>
                         <a:rPr lang="en-SG" sz="1800" u="sng" dirty="0"/>
-                        <a:t>AddressBook</a:t>
+                        <a:t>HotelManagementSystem</a:t>
                       </a:r>
                       <a:endParaRPr lang="en-SG" u="sng" dirty="0"/>
                     </a:p>
@@ -3995,14 +3987,14 @@
           <p:nvPr>
             <p:extLst>
               <p:ext uri="{D42A27DB-BD31-4B8C-83A1-F6EECF244321}">
-                <p14:modId xmlns:p14="http://schemas.microsoft.com/office/powerpoint/2010/main" val="53411958"/>
+                <p14:modId xmlns:p14="http://schemas.microsoft.com/office/powerpoint/2010/main" val="1760768163"/>
               </p:ext>
             </p:extLst>
           </p:nvPr>
         </p:nvGraphicFramePr>
         <p:xfrm>
-          <a:off x="4409785" y="3919947"/>
-          <a:ext cx="1825824" cy="417888"/>
+          <a:off x="7406449" y="3912663"/>
+          <a:ext cx="3206999" cy="417888"/>
         </p:xfrm>
         <a:graphic>
           <a:graphicData uri="http://schemas.openxmlformats.org/drawingml/2006/table">
@@ -4011,7 +4003,7 @@
                 <a:tableStyleId>{638B1855-1B75-4FBE-930C-398BA8C253C6}</a:tableStyleId>
               </a:tblPr>
               <a:tblGrid>
-                <a:gridCol w="1825824">
+                <a:gridCol w="3206999">
                   <a:extLst>
                     <a:ext uri="{9D8B030D-6E8A-4147-A177-3AD203B41FA5}">
                       <a16:colId xmlns:a16="http://schemas.microsoft.com/office/drawing/2014/main" val="4240773277"/>
@@ -4027,11 +4019,11 @@
                     <a:p>
                       <a:r>
                         <a:rPr lang="en-SG" u="sng" dirty="0"/>
-                        <a:t>ab3:</a:t>
+                        <a:t>hms3:</a:t>
                       </a:r>
                       <a:r>
                         <a:rPr lang="en-SG" sz="1800" u="sng" dirty="0"/>
-                        <a:t>AddressBook</a:t>
+                        <a:t>HotelManagementSystem</a:t>
                       </a:r>
                       <a:endParaRPr lang="en-SG" u="sng" dirty="0"/>
                     </a:p>
@@ -4064,7 +4056,7 @@
         </p:nvCxnSpPr>
         <p:spPr>
           <a:xfrm flipV="1">
-            <a:off x="3338818" y="2038898"/>
+            <a:off x="5579997" y="2024818"/>
             <a:ext cx="0" cy="706873"/>
           </a:xfrm>
           <a:prstGeom prst="straightConnector1">
@@ -4108,7 +4100,7 @@
         </p:nvCxnSpPr>
         <p:spPr>
           <a:xfrm flipV="1">
-            <a:off x="5385732" y="4471595"/>
+            <a:off x="8996440" y="4538822"/>
             <a:ext cx="0" cy="706873"/>
           </a:xfrm>
           <a:prstGeom prst="straightConnector1">

--- a/docs/diagrams/UndoRedoNewCommand4StateListDiagram.pptx
+++ b/docs/diagrams/UndoRedoNewCommand4StateListDiagram.pptx
@@ -261,7 +261,7 @@
           <a:p>
             <a:fld id="{03EC4E3E-8101-482F-A883-8B55DAFF7C07}" type="datetimeFigureOut">
               <a:rPr lang="en-SG" smtClean="0"/>
-              <a:t>20/3/19</a:t>
+              <a:t>21/3/19</a:t>
             </a:fld>
             <a:endParaRPr lang="en-SG"/>
           </a:p>
@@ -461,7 +461,7 @@
           <a:p>
             <a:fld id="{03EC4E3E-8101-482F-A883-8B55DAFF7C07}" type="datetimeFigureOut">
               <a:rPr lang="en-SG" smtClean="0"/>
-              <a:t>20/3/19</a:t>
+              <a:t>21/3/19</a:t>
             </a:fld>
             <a:endParaRPr lang="en-SG"/>
           </a:p>
@@ -671,7 +671,7 @@
           <a:p>
             <a:fld id="{03EC4E3E-8101-482F-A883-8B55DAFF7C07}" type="datetimeFigureOut">
               <a:rPr lang="en-SG" smtClean="0"/>
-              <a:t>20/3/19</a:t>
+              <a:t>21/3/19</a:t>
             </a:fld>
             <a:endParaRPr lang="en-SG"/>
           </a:p>
@@ -871,7 +871,7 @@
           <a:p>
             <a:fld id="{03EC4E3E-8101-482F-A883-8B55DAFF7C07}" type="datetimeFigureOut">
               <a:rPr lang="en-SG" smtClean="0"/>
-              <a:t>20/3/19</a:t>
+              <a:t>21/3/19</a:t>
             </a:fld>
             <a:endParaRPr lang="en-SG"/>
           </a:p>
@@ -1147,7 +1147,7 @@
           <a:p>
             <a:fld id="{03EC4E3E-8101-482F-A883-8B55DAFF7C07}" type="datetimeFigureOut">
               <a:rPr lang="en-SG" smtClean="0"/>
-              <a:t>20/3/19</a:t>
+              <a:t>21/3/19</a:t>
             </a:fld>
             <a:endParaRPr lang="en-SG"/>
           </a:p>
@@ -1415,7 +1415,7 @@
           <a:p>
             <a:fld id="{03EC4E3E-8101-482F-A883-8B55DAFF7C07}" type="datetimeFigureOut">
               <a:rPr lang="en-SG" smtClean="0"/>
-              <a:t>20/3/19</a:t>
+              <a:t>21/3/19</a:t>
             </a:fld>
             <a:endParaRPr lang="en-SG"/>
           </a:p>
@@ -1830,7 +1830,7 @@
           <a:p>
             <a:fld id="{03EC4E3E-8101-482F-A883-8B55DAFF7C07}" type="datetimeFigureOut">
               <a:rPr lang="en-SG" smtClean="0"/>
-              <a:t>20/3/19</a:t>
+              <a:t>21/3/19</a:t>
             </a:fld>
             <a:endParaRPr lang="en-SG"/>
           </a:p>
@@ -1972,7 +1972,7 @@
           <a:p>
             <a:fld id="{03EC4E3E-8101-482F-A883-8B55DAFF7C07}" type="datetimeFigureOut">
               <a:rPr lang="en-SG" smtClean="0"/>
-              <a:t>20/3/19</a:t>
+              <a:t>21/3/19</a:t>
             </a:fld>
             <a:endParaRPr lang="en-SG"/>
           </a:p>
@@ -2085,7 +2085,7 @@
           <a:p>
             <a:fld id="{03EC4E3E-8101-482F-A883-8B55DAFF7C07}" type="datetimeFigureOut">
               <a:rPr lang="en-SG" smtClean="0"/>
-              <a:t>20/3/19</a:t>
+              <a:t>21/3/19</a:t>
             </a:fld>
             <a:endParaRPr lang="en-SG"/>
           </a:p>
@@ -2398,7 +2398,7 @@
           <a:p>
             <a:fld id="{03EC4E3E-8101-482F-A883-8B55DAFF7C07}" type="datetimeFigureOut">
               <a:rPr lang="en-SG" smtClean="0"/>
-              <a:t>20/3/19</a:t>
+              <a:t>21/3/19</a:t>
             </a:fld>
             <a:endParaRPr lang="en-SG"/>
           </a:p>
@@ -2687,7 +2687,7 @@
           <a:p>
             <a:fld id="{03EC4E3E-8101-482F-A883-8B55DAFF7C07}" type="datetimeFigureOut">
               <a:rPr lang="en-SG" smtClean="0"/>
-              <a:t>20/3/19</a:t>
+              <a:t>21/3/19</a:t>
             </a:fld>
             <a:endParaRPr lang="en-SG"/>
           </a:p>
@@ -2930,7 +2930,7 @@
           <a:p>
             <a:fld id="{03EC4E3E-8101-482F-A883-8B55DAFF7C07}" type="datetimeFigureOut">
               <a:rPr lang="en-SG" smtClean="0"/>
-              <a:t>20/3/19</a:t>
+              <a:t>21/3/19</a:t>
             </a:fld>
             <a:endParaRPr lang="en-SG"/>
           </a:p>
@@ -3482,16 +3482,10 @@
           <a:p>
             <a:pPr algn="ctr"/>
             <a:r>
-              <a:rPr lang="en-SG" dirty="0" err="1">
-                <a:latin typeface="Consolas" panose="020B0609020204030204" pitchFamily="49" charset="0"/>
-              </a:rPr>
-              <a:t>currentStatePointer</a:t>
-            </a:r>
-            <a:r>
               <a:rPr lang="en-SG" dirty="0">
                 <a:latin typeface="Consolas" panose="020B0609020204030204" pitchFamily="49" charset="0"/>
               </a:rPr>
-              <a:t> = 1</a:t>
+              <a:t>currentStatePointer = 1</a:t>
             </a:r>
           </a:p>
         </p:txBody>
@@ -3572,16 +3566,10 @@
           <a:p>
             <a:pPr algn="ctr"/>
             <a:r>
-              <a:rPr lang="en-SG" dirty="0" err="1">
-                <a:latin typeface="Consolas" panose="020B0609020204030204" pitchFamily="49" charset="0"/>
-              </a:rPr>
-              <a:t>currentStatePointer</a:t>
-            </a:r>
-            <a:r>
               <a:rPr lang="en-SG" dirty="0">
                 <a:latin typeface="Consolas" panose="020B0609020204030204" pitchFamily="49" charset="0"/>
               </a:rPr>
-              <a:t> = 2</a:t>
+              <a:t>currentStatePointer = 2</a:t>
             </a:r>
           </a:p>
         </p:txBody>

--- a/docs/diagrams/UndoRedoNewCommand4StateListDiagram.pptx
+++ b/docs/diagrams/UndoRedoNewCommand4StateListDiagram.pptx
@@ -112,10 +112,6 @@
 </p:presentation>
 </file>
 
-<file path=ppt/revisionInfo.xml><?xml version="1.0" encoding="utf-8"?>
-<p1510:revInfo xmlns:a="http://schemas.openxmlformats.org/drawingml/2006/main" xmlns:r="http://schemas.openxmlformats.org/officeDocument/2006/relationships" xmlns:p1510="http://schemas.microsoft.com/office/powerpoint/2015/10/main"/>
-</file>
-
 <file path=ppt/slideLayouts/slideLayout1.xml><?xml version="1.0" encoding="utf-8"?>
 <p:sldLayout xmlns:a="http://schemas.openxmlformats.org/drawingml/2006/main" xmlns:r="http://schemas.openxmlformats.org/officeDocument/2006/relationships" xmlns:p="http://schemas.openxmlformats.org/presentationml/2006/main" type="title" preserve="1">
   <p:cSld name="Title Slide">
@@ -265,7 +261,7 @@
           <a:p>
             <a:fld id="{03EC4E3E-8101-482F-A883-8B55DAFF7C07}" type="datetimeFigureOut">
               <a:rPr lang="en-SG" smtClean="0"/>
-              <a:t>6/7/2018</a:t>
+              <a:t>22/3/2019</a:t>
             </a:fld>
             <a:endParaRPr lang="en-SG"/>
           </a:p>
@@ -465,7 +461,7 @@
           <a:p>
             <a:fld id="{03EC4E3E-8101-482F-A883-8B55DAFF7C07}" type="datetimeFigureOut">
               <a:rPr lang="en-SG" smtClean="0"/>
-              <a:t>6/7/2018</a:t>
+              <a:t>22/3/2019</a:t>
             </a:fld>
             <a:endParaRPr lang="en-SG"/>
           </a:p>
@@ -675,7 +671,7 @@
           <a:p>
             <a:fld id="{03EC4E3E-8101-482F-A883-8B55DAFF7C07}" type="datetimeFigureOut">
               <a:rPr lang="en-SG" smtClean="0"/>
-              <a:t>6/7/2018</a:t>
+              <a:t>22/3/2019</a:t>
             </a:fld>
             <a:endParaRPr lang="en-SG"/>
           </a:p>
@@ -875,7 +871,7 @@
           <a:p>
             <a:fld id="{03EC4E3E-8101-482F-A883-8B55DAFF7C07}" type="datetimeFigureOut">
               <a:rPr lang="en-SG" smtClean="0"/>
-              <a:t>6/7/2018</a:t>
+              <a:t>22/3/2019</a:t>
             </a:fld>
             <a:endParaRPr lang="en-SG"/>
           </a:p>
@@ -1151,7 +1147,7 @@
           <a:p>
             <a:fld id="{03EC4E3E-8101-482F-A883-8B55DAFF7C07}" type="datetimeFigureOut">
               <a:rPr lang="en-SG" smtClean="0"/>
-              <a:t>6/7/2018</a:t>
+              <a:t>22/3/2019</a:t>
             </a:fld>
             <a:endParaRPr lang="en-SG"/>
           </a:p>
@@ -1419,7 +1415,7 @@
           <a:p>
             <a:fld id="{03EC4E3E-8101-482F-A883-8B55DAFF7C07}" type="datetimeFigureOut">
               <a:rPr lang="en-SG" smtClean="0"/>
-              <a:t>6/7/2018</a:t>
+              <a:t>22/3/2019</a:t>
             </a:fld>
             <a:endParaRPr lang="en-SG"/>
           </a:p>
@@ -1834,7 +1830,7 @@
           <a:p>
             <a:fld id="{03EC4E3E-8101-482F-A883-8B55DAFF7C07}" type="datetimeFigureOut">
               <a:rPr lang="en-SG" smtClean="0"/>
-              <a:t>6/7/2018</a:t>
+              <a:t>22/3/2019</a:t>
             </a:fld>
             <a:endParaRPr lang="en-SG"/>
           </a:p>
@@ -1976,7 +1972,7 @@
           <a:p>
             <a:fld id="{03EC4E3E-8101-482F-A883-8B55DAFF7C07}" type="datetimeFigureOut">
               <a:rPr lang="en-SG" smtClean="0"/>
-              <a:t>6/7/2018</a:t>
+              <a:t>22/3/2019</a:t>
             </a:fld>
             <a:endParaRPr lang="en-SG"/>
           </a:p>
@@ -2089,7 +2085,7 @@
           <a:p>
             <a:fld id="{03EC4E3E-8101-482F-A883-8B55DAFF7C07}" type="datetimeFigureOut">
               <a:rPr lang="en-SG" smtClean="0"/>
-              <a:t>6/7/2018</a:t>
+              <a:t>22/3/2019</a:t>
             </a:fld>
             <a:endParaRPr lang="en-SG"/>
           </a:p>
@@ -2402,7 +2398,7 @@
           <a:p>
             <a:fld id="{03EC4E3E-8101-482F-A883-8B55DAFF7C07}" type="datetimeFigureOut">
               <a:rPr lang="en-SG" smtClean="0"/>
-              <a:t>6/7/2018</a:t>
+              <a:t>22/3/2019</a:t>
             </a:fld>
             <a:endParaRPr lang="en-SG"/>
           </a:p>
@@ -2691,7 +2687,7 @@
           <a:p>
             <a:fld id="{03EC4E3E-8101-482F-A883-8B55DAFF7C07}" type="datetimeFigureOut">
               <a:rPr lang="en-SG" smtClean="0"/>
-              <a:t>6/7/2018</a:t>
+              <a:t>22/3/2019</a:t>
             </a:fld>
             <a:endParaRPr lang="en-SG"/>
           </a:p>
@@ -2934,7 +2930,7 @@
           <a:p>
             <a:fld id="{03EC4E3E-8101-482F-A883-8B55DAFF7C07}" type="datetimeFigureOut">
               <a:rPr lang="en-SG" smtClean="0"/>
-              <a:t>6/7/2018</a:t>
+              <a:t>22/3/2019</a:t>
             </a:fld>
             <a:endParaRPr lang="en-SG"/>
           </a:p>
@@ -3451,7 +3447,7 @@
             <a:pPr algn="ctr"/>
             <a:r>
               <a:rPr lang="en-SG"/>
-              <a:t>State ab2 </a:t>
+              <a:t>State tb2 </a:t>
             </a:r>
             <a:r>
               <a:rPr lang="en-SG" dirty="0"/>
@@ -3655,7 +3651,7 @@
           <p:nvPr>
             <p:extLst>
               <p:ext uri="{D42A27DB-BD31-4B8C-83A1-F6EECF244321}">
-                <p14:modId xmlns:p14="http://schemas.microsoft.com/office/powerpoint/2010/main" val="1352982134"/>
+                <p14:modId xmlns:p14="http://schemas.microsoft.com/office/powerpoint/2010/main" val="174414872"/>
               </p:ext>
             </p:extLst>
           </p:nvPr>
@@ -3687,11 +3683,11 @@
                     <a:p>
                       <a:r>
                         <a:rPr lang="en-SG" u="sng" dirty="0"/>
-                        <a:t>ab0:</a:t>
+                        <a:t>tb0:</a:t>
                       </a:r>
                       <a:r>
                         <a:rPr lang="en-SG" sz="1800" u="sng" dirty="0"/>
-                        <a:t>AddressBook</a:t>
+                        <a:t>TravelBuddy</a:t>
                       </a:r>
                       <a:endParaRPr lang="en-SG" u="sng" dirty="0"/>
                     </a:p>
@@ -3723,7 +3719,7 @@
           <p:nvPr>
             <p:extLst>
               <p:ext uri="{D42A27DB-BD31-4B8C-83A1-F6EECF244321}">
-                <p14:modId xmlns:p14="http://schemas.microsoft.com/office/powerpoint/2010/main" val="829193732"/>
+                <p14:modId xmlns:p14="http://schemas.microsoft.com/office/powerpoint/2010/main" val="189751439"/>
               </p:ext>
             </p:extLst>
           </p:nvPr>
@@ -3755,11 +3751,11 @@
                     <a:p>
                       <a:r>
                         <a:rPr lang="en-SG" u="sng" dirty="0"/>
-                        <a:t>ab1:</a:t>
+                        <a:t>tb1:</a:t>
                       </a:r>
                       <a:r>
                         <a:rPr lang="en-SG" sz="1800" u="sng" dirty="0"/>
-                        <a:t>AddressBook</a:t>
+                        <a:t>TravelBuddy</a:t>
                       </a:r>
                       <a:endParaRPr lang="en-SG" u="sng" dirty="0"/>
                     </a:p>
@@ -3791,7 +3787,7 @@
           <p:nvPr>
             <p:extLst>
               <p:ext uri="{D42A27DB-BD31-4B8C-83A1-F6EECF244321}">
-                <p14:modId xmlns:p14="http://schemas.microsoft.com/office/powerpoint/2010/main" val="796708048"/>
+                <p14:modId xmlns:p14="http://schemas.microsoft.com/office/powerpoint/2010/main" val="1163098943"/>
               </p:ext>
             </p:extLst>
           </p:nvPr>
@@ -3823,11 +3819,11 @@
                     <a:p>
                       <a:r>
                         <a:rPr lang="en-SG" u="sng" dirty="0"/>
-                        <a:t>ab2:</a:t>
+                        <a:t>tb2:</a:t>
                       </a:r>
                       <a:r>
                         <a:rPr lang="en-SG" sz="1800" u="sng" dirty="0"/>
-                        <a:t>AddressBook</a:t>
+                        <a:t>TravelBuddy</a:t>
                       </a:r>
                       <a:endParaRPr lang="en-SG" u="sng" dirty="0"/>
                     </a:p>
@@ -3859,7 +3855,7 @@
           <p:nvPr>
             <p:extLst>
               <p:ext uri="{D42A27DB-BD31-4B8C-83A1-F6EECF244321}">
-                <p14:modId xmlns:p14="http://schemas.microsoft.com/office/powerpoint/2010/main" val="377617300"/>
+                <p14:modId xmlns:p14="http://schemas.microsoft.com/office/powerpoint/2010/main" val="1101469766"/>
               </p:ext>
             </p:extLst>
           </p:nvPr>
@@ -3891,11 +3887,11 @@
                     <a:p>
                       <a:r>
                         <a:rPr lang="en-SG" u="sng" dirty="0"/>
-                        <a:t>ab0:</a:t>
+                        <a:t>tb0:</a:t>
                       </a:r>
                       <a:r>
                         <a:rPr lang="en-SG" sz="1800" u="sng" dirty="0"/>
-                        <a:t>AddressBook</a:t>
+                        <a:t>TravelBuddy</a:t>
                       </a:r>
                       <a:endParaRPr lang="en-SG" u="sng" dirty="0"/>
                     </a:p>
@@ -3927,7 +3923,7 @@
           <p:nvPr>
             <p:extLst>
               <p:ext uri="{D42A27DB-BD31-4B8C-83A1-F6EECF244321}">
-                <p14:modId xmlns:p14="http://schemas.microsoft.com/office/powerpoint/2010/main" val="4076322253"/>
+                <p14:modId xmlns:p14="http://schemas.microsoft.com/office/powerpoint/2010/main" val="1428730927"/>
               </p:ext>
             </p:extLst>
           </p:nvPr>
@@ -3959,11 +3955,11 @@
                     <a:p>
                       <a:r>
                         <a:rPr lang="en-SG" u="sng" dirty="0"/>
-                        <a:t>ab1:</a:t>
+                        <a:t>tb1:</a:t>
                       </a:r>
                       <a:r>
                         <a:rPr lang="en-SG" sz="1800" u="sng" dirty="0"/>
-                        <a:t>AddressBook</a:t>
+                        <a:t>TravelBuddy</a:t>
                       </a:r>
                       <a:endParaRPr lang="en-SG" u="sng" dirty="0"/>
                     </a:p>
@@ -3995,7 +3991,7 @@
           <p:nvPr>
             <p:extLst>
               <p:ext uri="{D42A27DB-BD31-4B8C-83A1-F6EECF244321}">
-                <p14:modId xmlns:p14="http://schemas.microsoft.com/office/powerpoint/2010/main" val="53411958"/>
+                <p14:modId xmlns:p14="http://schemas.microsoft.com/office/powerpoint/2010/main" val="1471399138"/>
               </p:ext>
             </p:extLst>
           </p:nvPr>
@@ -4027,11 +4023,11 @@
                     <a:p>
                       <a:r>
                         <a:rPr lang="en-SG" u="sng" dirty="0"/>
-                        <a:t>ab3:</a:t>
+                        <a:t>tb3:</a:t>
                       </a:r>
                       <a:r>
                         <a:rPr lang="en-SG" sz="1800" u="sng" dirty="0"/>
-                        <a:t>AddressBook</a:t>
+                        <a:t>TravelBuddy</a:t>
                       </a:r>
                       <a:endParaRPr lang="en-SG" u="sng" dirty="0"/>
                     </a:p>

--- a/docs/diagrams/UndoRedoNewCommand4StateListDiagram.pptx
+++ b/docs/diagrams/UndoRedoNewCommand4StateListDiagram.pptx
@@ -106,7 +106,7 @@
   </p:defaultTextStyle>
   <p:extLst>
     <p:ext uri="{EFAFB233-063F-42B5-8137-9DF3F51BA10A}">
-      <p15:sldGuideLst xmlns:p15="http://schemas.microsoft.com/office/powerpoint/2012/main"/>
+      <p15:sldGuideLst xmlns="" xmlns:p15="http://schemas.microsoft.com/office/powerpoint/2012/main"/>
     </p:ext>
   </p:extLst>
 </p:presentation>
@@ -138,7 +138,7 @@
           <p:cNvPr id="2" name="Title 1">
             <a:extLst>
               <a:ext uri="{FF2B5EF4-FFF2-40B4-BE49-F238E27FC236}">
-                <a16:creationId xmlns:a16="http://schemas.microsoft.com/office/drawing/2014/main" id="{39FCC519-EE2E-4054-A653-93D611E0133E}"/>
+                <a16:creationId xmlns="" xmlns:a16="http://schemas.microsoft.com/office/drawing/2014/main" id="{39FCC519-EE2E-4054-A653-93D611E0133E}"/>
               </a:ext>
             </a:extLst>
           </p:cNvPr>
@@ -176,7 +176,7 @@
           <p:cNvPr id="3" name="Subtitle 2">
             <a:extLst>
               <a:ext uri="{FF2B5EF4-FFF2-40B4-BE49-F238E27FC236}">
-                <a16:creationId xmlns:a16="http://schemas.microsoft.com/office/drawing/2014/main" id="{3EDEA74E-4030-4F69-A055-4C6319EEEC29}"/>
+                <a16:creationId xmlns="" xmlns:a16="http://schemas.microsoft.com/office/drawing/2014/main" id="{3EDEA74E-4030-4F69-A055-4C6319EEEC29}"/>
               </a:ext>
             </a:extLst>
           </p:cNvPr>
@@ -247,7 +247,7 @@
           <p:cNvPr id="4" name="Date Placeholder 3">
             <a:extLst>
               <a:ext uri="{FF2B5EF4-FFF2-40B4-BE49-F238E27FC236}">
-                <a16:creationId xmlns:a16="http://schemas.microsoft.com/office/drawing/2014/main" id="{E5CC99E3-37A6-4485-B9A2-AF27A72608C6}"/>
+                <a16:creationId xmlns="" xmlns:a16="http://schemas.microsoft.com/office/drawing/2014/main" id="{E5CC99E3-37A6-4485-B9A2-AF27A72608C6}"/>
               </a:ext>
             </a:extLst>
           </p:cNvPr>
@@ -265,7 +265,8 @@
           <a:p>
             <a:fld id="{03EC4E3E-8101-482F-A883-8B55DAFF7C07}" type="datetimeFigureOut">
               <a:rPr lang="en-SG" smtClean="0"/>
-              <a:t>6/7/2018</a:t>
+              <a:pPr/>
+              <a:t>31/3/2019</a:t>
             </a:fld>
             <a:endParaRPr lang="en-SG"/>
           </a:p>
@@ -276,7 +277,7 @@
           <p:cNvPr id="5" name="Footer Placeholder 4">
             <a:extLst>
               <a:ext uri="{FF2B5EF4-FFF2-40B4-BE49-F238E27FC236}">
-                <a16:creationId xmlns:a16="http://schemas.microsoft.com/office/drawing/2014/main" id="{D75BD546-D949-4A25-8EA4-47DF23229409}"/>
+                <a16:creationId xmlns="" xmlns:a16="http://schemas.microsoft.com/office/drawing/2014/main" id="{D75BD546-D949-4A25-8EA4-47DF23229409}"/>
               </a:ext>
             </a:extLst>
           </p:cNvPr>
@@ -301,7 +302,7 @@
           <p:cNvPr id="6" name="Slide Number Placeholder 5">
             <a:extLst>
               <a:ext uri="{FF2B5EF4-FFF2-40B4-BE49-F238E27FC236}">
-                <a16:creationId xmlns:a16="http://schemas.microsoft.com/office/drawing/2014/main" id="{68147391-4DF6-4ACF-BCE9-C1A9DAC803E3}"/>
+                <a16:creationId xmlns="" xmlns:a16="http://schemas.microsoft.com/office/drawing/2014/main" id="{68147391-4DF6-4ACF-BCE9-C1A9DAC803E3}"/>
               </a:ext>
             </a:extLst>
           </p:cNvPr>
@@ -319,6 +320,7 @@
           <a:p>
             <a:fld id="{F362EEBD-19F8-4A23-B3A5-01C987241991}" type="slidenum">
               <a:rPr lang="en-SG" smtClean="0"/>
+              <a:pPr/>
               <a:t>‹#›</a:t>
             </a:fld>
             <a:endParaRPr lang="en-SG"/>
@@ -328,7 +330,7 @@
     </p:spTree>
     <p:extLst>
       <p:ext uri="{BB962C8B-B14F-4D97-AF65-F5344CB8AC3E}">
-        <p14:creationId xmlns:p14="http://schemas.microsoft.com/office/powerpoint/2010/main" val="4227771393"/>
+        <p14:creationId xmlns="" xmlns:p14="http://schemas.microsoft.com/office/powerpoint/2010/main" val="4227771393"/>
       </p:ext>
     </p:extLst>
   </p:cSld>
@@ -360,7 +362,7 @@
           <p:cNvPr id="2" name="Title 1">
             <a:extLst>
               <a:ext uri="{FF2B5EF4-FFF2-40B4-BE49-F238E27FC236}">
-                <a16:creationId xmlns:a16="http://schemas.microsoft.com/office/drawing/2014/main" id="{251D3DFE-0C62-45F5-B1BF-FD1F194ED112}"/>
+                <a16:creationId xmlns="" xmlns:a16="http://schemas.microsoft.com/office/drawing/2014/main" id="{251D3DFE-0C62-45F5-B1BF-FD1F194ED112}"/>
               </a:ext>
             </a:extLst>
           </p:cNvPr>
@@ -389,7 +391,7 @@
           <p:cNvPr id="3" name="Vertical Text Placeholder 2">
             <a:extLst>
               <a:ext uri="{FF2B5EF4-FFF2-40B4-BE49-F238E27FC236}">
-                <a16:creationId xmlns:a16="http://schemas.microsoft.com/office/drawing/2014/main" id="{D2392762-3586-4B6D-A174-2D3ACF0A125B}"/>
+                <a16:creationId xmlns="" xmlns:a16="http://schemas.microsoft.com/office/drawing/2014/main" id="{D2392762-3586-4B6D-A174-2D3ACF0A125B}"/>
               </a:ext>
             </a:extLst>
           </p:cNvPr>
@@ -447,7 +449,7 @@
           <p:cNvPr id="4" name="Date Placeholder 3">
             <a:extLst>
               <a:ext uri="{FF2B5EF4-FFF2-40B4-BE49-F238E27FC236}">
-                <a16:creationId xmlns:a16="http://schemas.microsoft.com/office/drawing/2014/main" id="{73B232E7-84FB-4535-9FC1-1BEF8F17421F}"/>
+                <a16:creationId xmlns="" xmlns:a16="http://schemas.microsoft.com/office/drawing/2014/main" id="{73B232E7-84FB-4535-9FC1-1BEF8F17421F}"/>
               </a:ext>
             </a:extLst>
           </p:cNvPr>
@@ -465,7 +467,8 @@
           <a:p>
             <a:fld id="{03EC4E3E-8101-482F-A883-8B55DAFF7C07}" type="datetimeFigureOut">
               <a:rPr lang="en-SG" smtClean="0"/>
-              <a:t>6/7/2018</a:t>
+              <a:pPr/>
+              <a:t>31/3/2019</a:t>
             </a:fld>
             <a:endParaRPr lang="en-SG"/>
           </a:p>
@@ -476,7 +479,7 @@
           <p:cNvPr id="5" name="Footer Placeholder 4">
             <a:extLst>
               <a:ext uri="{FF2B5EF4-FFF2-40B4-BE49-F238E27FC236}">
-                <a16:creationId xmlns:a16="http://schemas.microsoft.com/office/drawing/2014/main" id="{76F796EF-04EF-401A-AC84-F7BDBC99DE80}"/>
+                <a16:creationId xmlns="" xmlns:a16="http://schemas.microsoft.com/office/drawing/2014/main" id="{76F796EF-04EF-401A-AC84-F7BDBC99DE80}"/>
               </a:ext>
             </a:extLst>
           </p:cNvPr>
@@ -501,7 +504,7 @@
           <p:cNvPr id="6" name="Slide Number Placeholder 5">
             <a:extLst>
               <a:ext uri="{FF2B5EF4-FFF2-40B4-BE49-F238E27FC236}">
-                <a16:creationId xmlns:a16="http://schemas.microsoft.com/office/drawing/2014/main" id="{8F55F009-0A64-4649-A732-4AA6D619F1F3}"/>
+                <a16:creationId xmlns="" xmlns:a16="http://schemas.microsoft.com/office/drawing/2014/main" id="{8F55F009-0A64-4649-A732-4AA6D619F1F3}"/>
               </a:ext>
             </a:extLst>
           </p:cNvPr>
@@ -519,6 +522,7 @@
           <a:p>
             <a:fld id="{F362EEBD-19F8-4A23-B3A5-01C987241991}" type="slidenum">
               <a:rPr lang="en-SG" smtClean="0"/>
+              <a:pPr/>
               <a:t>‹#›</a:t>
             </a:fld>
             <a:endParaRPr lang="en-SG"/>
@@ -528,7 +532,7 @@
     </p:spTree>
     <p:extLst>
       <p:ext uri="{BB962C8B-B14F-4D97-AF65-F5344CB8AC3E}">
-        <p14:creationId xmlns:p14="http://schemas.microsoft.com/office/powerpoint/2010/main" val="2305198193"/>
+        <p14:creationId xmlns="" xmlns:p14="http://schemas.microsoft.com/office/powerpoint/2010/main" val="2305198193"/>
       </p:ext>
     </p:extLst>
   </p:cSld>
@@ -560,7 +564,7 @@
           <p:cNvPr id="2" name="Vertical Title 1">
             <a:extLst>
               <a:ext uri="{FF2B5EF4-FFF2-40B4-BE49-F238E27FC236}">
-                <a16:creationId xmlns:a16="http://schemas.microsoft.com/office/drawing/2014/main" id="{F7DE9595-D7A8-4E19-B4C6-E295F978F6A4}"/>
+                <a16:creationId xmlns="" xmlns:a16="http://schemas.microsoft.com/office/drawing/2014/main" id="{F7DE9595-D7A8-4E19-B4C6-E295F978F6A4}"/>
               </a:ext>
             </a:extLst>
           </p:cNvPr>
@@ -594,7 +598,7 @@
           <p:cNvPr id="3" name="Vertical Text Placeholder 2">
             <a:extLst>
               <a:ext uri="{FF2B5EF4-FFF2-40B4-BE49-F238E27FC236}">
-                <a16:creationId xmlns:a16="http://schemas.microsoft.com/office/drawing/2014/main" id="{0D2975B7-7A6D-40EA-B2F6-338022AD2BF1}"/>
+                <a16:creationId xmlns="" xmlns:a16="http://schemas.microsoft.com/office/drawing/2014/main" id="{0D2975B7-7A6D-40EA-B2F6-338022AD2BF1}"/>
               </a:ext>
             </a:extLst>
           </p:cNvPr>
@@ -657,7 +661,7 @@
           <p:cNvPr id="4" name="Date Placeholder 3">
             <a:extLst>
               <a:ext uri="{FF2B5EF4-FFF2-40B4-BE49-F238E27FC236}">
-                <a16:creationId xmlns:a16="http://schemas.microsoft.com/office/drawing/2014/main" id="{C8230AC3-1BED-4D2B-96D3-51C50E14A9E6}"/>
+                <a16:creationId xmlns="" xmlns:a16="http://schemas.microsoft.com/office/drawing/2014/main" id="{C8230AC3-1BED-4D2B-96D3-51C50E14A9E6}"/>
               </a:ext>
             </a:extLst>
           </p:cNvPr>
@@ -675,7 +679,8 @@
           <a:p>
             <a:fld id="{03EC4E3E-8101-482F-A883-8B55DAFF7C07}" type="datetimeFigureOut">
               <a:rPr lang="en-SG" smtClean="0"/>
-              <a:t>6/7/2018</a:t>
+              <a:pPr/>
+              <a:t>31/3/2019</a:t>
             </a:fld>
             <a:endParaRPr lang="en-SG"/>
           </a:p>
@@ -686,7 +691,7 @@
           <p:cNvPr id="5" name="Footer Placeholder 4">
             <a:extLst>
               <a:ext uri="{FF2B5EF4-FFF2-40B4-BE49-F238E27FC236}">
-                <a16:creationId xmlns:a16="http://schemas.microsoft.com/office/drawing/2014/main" id="{4AD6CA96-231A-43AD-B530-7C509651DE3B}"/>
+                <a16:creationId xmlns="" xmlns:a16="http://schemas.microsoft.com/office/drawing/2014/main" id="{4AD6CA96-231A-43AD-B530-7C509651DE3B}"/>
               </a:ext>
             </a:extLst>
           </p:cNvPr>
@@ -711,7 +716,7 @@
           <p:cNvPr id="6" name="Slide Number Placeholder 5">
             <a:extLst>
               <a:ext uri="{FF2B5EF4-FFF2-40B4-BE49-F238E27FC236}">
-                <a16:creationId xmlns:a16="http://schemas.microsoft.com/office/drawing/2014/main" id="{12063E3B-180A-454E-A661-6CCD48D7062C}"/>
+                <a16:creationId xmlns="" xmlns:a16="http://schemas.microsoft.com/office/drawing/2014/main" id="{12063E3B-180A-454E-A661-6CCD48D7062C}"/>
               </a:ext>
             </a:extLst>
           </p:cNvPr>
@@ -729,6 +734,7 @@
           <a:p>
             <a:fld id="{F362EEBD-19F8-4A23-B3A5-01C987241991}" type="slidenum">
               <a:rPr lang="en-SG" smtClean="0"/>
+              <a:pPr/>
               <a:t>‹#›</a:t>
             </a:fld>
             <a:endParaRPr lang="en-SG"/>
@@ -738,7 +744,7 @@
     </p:spTree>
     <p:extLst>
       <p:ext uri="{BB962C8B-B14F-4D97-AF65-F5344CB8AC3E}">
-        <p14:creationId xmlns:p14="http://schemas.microsoft.com/office/powerpoint/2010/main" val="1148984362"/>
+        <p14:creationId xmlns="" xmlns:p14="http://schemas.microsoft.com/office/powerpoint/2010/main" val="1148984362"/>
       </p:ext>
     </p:extLst>
   </p:cSld>
@@ -770,7 +776,7 @@
           <p:cNvPr id="2" name="Title 1">
             <a:extLst>
               <a:ext uri="{FF2B5EF4-FFF2-40B4-BE49-F238E27FC236}">
-                <a16:creationId xmlns:a16="http://schemas.microsoft.com/office/drawing/2014/main" id="{7E861C8D-BAF0-4DD9-92B9-591B272791CA}"/>
+                <a16:creationId xmlns="" xmlns:a16="http://schemas.microsoft.com/office/drawing/2014/main" id="{7E861C8D-BAF0-4DD9-92B9-591B272791CA}"/>
               </a:ext>
             </a:extLst>
           </p:cNvPr>
@@ -799,7 +805,7 @@
           <p:cNvPr id="3" name="Content Placeholder 2">
             <a:extLst>
               <a:ext uri="{FF2B5EF4-FFF2-40B4-BE49-F238E27FC236}">
-                <a16:creationId xmlns:a16="http://schemas.microsoft.com/office/drawing/2014/main" id="{534DA4BD-1D78-446B-B79F-C1229642DDEB}"/>
+                <a16:creationId xmlns="" xmlns:a16="http://schemas.microsoft.com/office/drawing/2014/main" id="{534DA4BD-1D78-446B-B79F-C1229642DDEB}"/>
               </a:ext>
             </a:extLst>
           </p:cNvPr>
@@ -857,7 +863,7 @@
           <p:cNvPr id="4" name="Date Placeholder 3">
             <a:extLst>
               <a:ext uri="{FF2B5EF4-FFF2-40B4-BE49-F238E27FC236}">
-                <a16:creationId xmlns:a16="http://schemas.microsoft.com/office/drawing/2014/main" id="{AD6BEDB5-7B62-4953-BECB-7F7F3E909CAC}"/>
+                <a16:creationId xmlns="" xmlns:a16="http://schemas.microsoft.com/office/drawing/2014/main" id="{AD6BEDB5-7B62-4953-BECB-7F7F3E909CAC}"/>
               </a:ext>
             </a:extLst>
           </p:cNvPr>
@@ -875,7 +881,8 @@
           <a:p>
             <a:fld id="{03EC4E3E-8101-482F-A883-8B55DAFF7C07}" type="datetimeFigureOut">
               <a:rPr lang="en-SG" smtClean="0"/>
-              <a:t>6/7/2018</a:t>
+              <a:pPr/>
+              <a:t>31/3/2019</a:t>
             </a:fld>
             <a:endParaRPr lang="en-SG"/>
           </a:p>
@@ -886,7 +893,7 @@
           <p:cNvPr id="5" name="Footer Placeholder 4">
             <a:extLst>
               <a:ext uri="{FF2B5EF4-FFF2-40B4-BE49-F238E27FC236}">
-                <a16:creationId xmlns:a16="http://schemas.microsoft.com/office/drawing/2014/main" id="{349CD732-2DD1-42BE-8480-5C6507018294}"/>
+                <a16:creationId xmlns="" xmlns:a16="http://schemas.microsoft.com/office/drawing/2014/main" id="{349CD732-2DD1-42BE-8480-5C6507018294}"/>
               </a:ext>
             </a:extLst>
           </p:cNvPr>
@@ -911,7 +918,7 @@
           <p:cNvPr id="6" name="Slide Number Placeholder 5">
             <a:extLst>
               <a:ext uri="{FF2B5EF4-FFF2-40B4-BE49-F238E27FC236}">
-                <a16:creationId xmlns:a16="http://schemas.microsoft.com/office/drawing/2014/main" id="{574C27E0-F36A-4438-9402-C2CB0377D92D}"/>
+                <a16:creationId xmlns="" xmlns:a16="http://schemas.microsoft.com/office/drawing/2014/main" id="{574C27E0-F36A-4438-9402-C2CB0377D92D}"/>
               </a:ext>
             </a:extLst>
           </p:cNvPr>
@@ -929,6 +936,7 @@
           <a:p>
             <a:fld id="{F362EEBD-19F8-4A23-B3A5-01C987241991}" type="slidenum">
               <a:rPr lang="en-SG" smtClean="0"/>
+              <a:pPr/>
               <a:t>‹#›</a:t>
             </a:fld>
             <a:endParaRPr lang="en-SG"/>
@@ -938,7 +946,7 @@
     </p:spTree>
     <p:extLst>
       <p:ext uri="{BB962C8B-B14F-4D97-AF65-F5344CB8AC3E}">
-        <p14:creationId xmlns:p14="http://schemas.microsoft.com/office/powerpoint/2010/main" val="111561436"/>
+        <p14:creationId xmlns="" xmlns:p14="http://schemas.microsoft.com/office/powerpoint/2010/main" val="111561436"/>
       </p:ext>
     </p:extLst>
   </p:cSld>
@@ -970,7 +978,7 @@
           <p:cNvPr id="2" name="Title 1">
             <a:extLst>
               <a:ext uri="{FF2B5EF4-FFF2-40B4-BE49-F238E27FC236}">
-                <a16:creationId xmlns:a16="http://schemas.microsoft.com/office/drawing/2014/main" id="{80A42FFA-8A45-40F8-9C5C-9906971B38AB}"/>
+                <a16:creationId xmlns="" xmlns:a16="http://schemas.microsoft.com/office/drawing/2014/main" id="{80A42FFA-8A45-40F8-9C5C-9906971B38AB}"/>
               </a:ext>
             </a:extLst>
           </p:cNvPr>
@@ -1008,7 +1016,7 @@
           <p:cNvPr id="3" name="Text Placeholder 2">
             <a:extLst>
               <a:ext uri="{FF2B5EF4-FFF2-40B4-BE49-F238E27FC236}">
-                <a16:creationId xmlns:a16="http://schemas.microsoft.com/office/drawing/2014/main" id="{7D8879A7-8225-4473-B738-B780B6224EC5}"/>
+                <a16:creationId xmlns="" xmlns:a16="http://schemas.microsoft.com/office/drawing/2014/main" id="{7D8879A7-8225-4473-B738-B780B6224EC5}"/>
               </a:ext>
             </a:extLst>
           </p:cNvPr>
@@ -1133,7 +1141,7 @@
           <p:cNvPr id="4" name="Date Placeholder 3">
             <a:extLst>
               <a:ext uri="{FF2B5EF4-FFF2-40B4-BE49-F238E27FC236}">
-                <a16:creationId xmlns:a16="http://schemas.microsoft.com/office/drawing/2014/main" id="{6CF7978C-FE65-4091-9152-E33029C12AEA}"/>
+                <a16:creationId xmlns="" xmlns:a16="http://schemas.microsoft.com/office/drawing/2014/main" id="{6CF7978C-FE65-4091-9152-E33029C12AEA}"/>
               </a:ext>
             </a:extLst>
           </p:cNvPr>
@@ -1151,7 +1159,8 @@
           <a:p>
             <a:fld id="{03EC4E3E-8101-482F-A883-8B55DAFF7C07}" type="datetimeFigureOut">
               <a:rPr lang="en-SG" smtClean="0"/>
-              <a:t>6/7/2018</a:t>
+              <a:pPr/>
+              <a:t>31/3/2019</a:t>
             </a:fld>
             <a:endParaRPr lang="en-SG"/>
           </a:p>
@@ -1162,7 +1171,7 @@
           <p:cNvPr id="5" name="Footer Placeholder 4">
             <a:extLst>
               <a:ext uri="{FF2B5EF4-FFF2-40B4-BE49-F238E27FC236}">
-                <a16:creationId xmlns:a16="http://schemas.microsoft.com/office/drawing/2014/main" id="{B344C9CC-480F-4DCB-AC70-D7A4CCA0B8B7}"/>
+                <a16:creationId xmlns="" xmlns:a16="http://schemas.microsoft.com/office/drawing/2014/main" id="{B344C9CC-480F-4DCB-AC70-D7A4CCA0B8B7}"/>
               </a:ext>
             </a:extLst>
           </p:cNvPr>
@@ -1187,7 +1196,7 @@
           <p:cNvPr id="6" name="Slide Number Placeholder 5">
             <a:extLst>
               <a:ext uri="{FF2B5EF4-FFF2-40B4-BE49-F238E27FC236}">
-                <a16:creationId xmlns:a16="http://schemas.microsoft.com/office/drawing/2014/main" id="{8F5A07EC-843A-4ED9-8F1C-AD703CA36D58}"/>
+                <a16:creationId xmlns="" xmlns:a16="http://schemas.microsoft.com/office/drawing/2014/main" id="{8F5A07EC-843A-4ED9-8F1C-AD703CA36D58}"/>
               </a:ext>
             </a:extLst>
           </p:cNvPr>
@@ -1205,6 +1214,7 @@
           <a:p>
             <a:fld id="{F362EEBD-19F8-4A23-B3A5-01C987241991}" type="slidenum">
               <a:rPr lang="en-SG" smtClean="0"/>
+              <a:pPr/>
               <a:t>‹#›</a:t>
             </a:fld>
             <a:endParaRPr lang="en-SG"/>
@@ -1214,7 +1224,7 @@
     </p:spTree>
     <p:extLst>
       <p:ext uri="{BB962C8B-B14F-4D97-AF65-F5344CB8AC3E}">
-        <p14:creationId xmlns:p14="http://schemas.microsoft.com/office/powerpoint/2010/main" val="2217340100"/>
+        <p14:creationId xmlns="" xmlns:p14="http://schemas.microsoft.com/office/powerpoint/2010/main" val="2217340100"/>
       </p:ext>
     </p:extLst>
   </p:cSld>
@@ -1246,7 +1256,7 @@
           <p:cNvPr id="2" name="Title 1">
             <a:extLst>
               <a:ext uri="{FF2B5EF4-FFF2-40B4-BE49-F238E27FC236}">
-                <a16:creationId xmlns:a16="http://schemas.microsoft.com/office/drawing/2014/main" id="{056EE2DA-07D9-4774-A8CA-0CA247F8C72A}"/>
+                <a16:creationId xmlns="" xmlns:a16="http://schemas.microsoft.com/office/drawing/2014/main" id="{056EE2DA-07D9-4774-A8CA-0CA247F8C72A}"/>
               </a:ext>
             </a:extLst>
           </p:cNvPr>
@@ -1275,7 +1285,7 @@
           <p:cNvPr id="3" name="Content Placeholder 2">
             <a:extLst>
               <a:ext uri="{FF2B5EF4-FFF2-40B4-BE49-F238E27FC236}">
-                <a16:creationId xmlns:a16="http://schemas.microsoft.com/office/drawing/2014/main" id="{3CF93A59-4E25-4FFA-8796-AA06EF3E5C3E}"/>
+                <a16:creationId xmlns="" xmlns:a16="http://schemas.microsoft.com/office/drawing/2014/main" id="{3CF93A59-4E25-4FFA-8796-AA06EF3E5C3E}"/>
               </a:ext>
             </a:extLst>
           </p:cNvPr>
@@ -1338,7 +1348,7 @@
           <p:cNvPr id="4" name="Content Placeholder 3">
             <a:extLst>
               <a:ext uri="{FF2B5EF4-FFF2-40B4-BE49-F238E27FC236}">
-                <a16:creationId xmlns:a16="http://schemas.microsoft.com/office/drawing/2014/main" id="{81373B10-E346-4893-AFEE-65E014405E2D}"/>
+                <a16:creationId xmlns="" xmlns:a16="http://schemas.microsoft.com/office/drawing/2014/main" id="{81373B10-E346-4893-AFEE-65E014405E2D}"/>
               </a:ext>
             </a:extLst>
           </p:cNvPr>
@@ -1401,7 +1411,7 @@
           <p:cNvPr id="5" name="Date Placeholder 4">
             <a:extLst>
               <a:ext uri="{FF2B5EF4-FFF2-40B4-BE49-F238E27FC236}">
-                <a16:creationId xmlns:a16="http://schemas.microsoft.com/office/drawing/2014/main" id="{D9C411A1-6D64-4C63-A758-5D2FEE677F45}"/>
+                <a16:creationId xmlns="" xmlns:a16="http://schemas.microsoft.com/office/drawing/2014/main" id="{D9C411A1-6D64-4C63-A758-5D2FEE677F45}"/>
               </a:ext>
             </a:extLst>
           </p:cNvPr>
@@ -1419,7 +1429,8 @@
           <a:p>
             <a:fld id="{03EC4E3E-8101-482F-A883-8B55DAFF7C07}" type="datetimeFigureOut">
               <a:rPr lang="en-SG" smtClean="0"/>
-              <a:t>6/7/2018</a:t>
+              <a:pPr/>
+              <a:t>31/3/2019</a:t>
             </a:fld>
             <a:endParaRPr lang="en-SG"/>
           </a:p>
@@ -1430,7 +1441,7 @@
           <p:cNvPr id="6" name="Footer Placeholder 5">
             <a:extLst>
               <a:ext uri="{FF2B5EF4-FFF2-40B4-BE49-F238E27FC236}">
-                <a16:creationId xmlns:a16="http://schemas.microsoft.com/office/drawing/2014/main" id="{8D9C2E46-644C-4155-A697-764A7A0AB1F4}"/>
+                <a16:creationId xmlns="" xmlns:a16="http://schemas.microsoft.com/office/drawing/2014/main" id="{8D9C2E46-644C-4155-A697-764A7A0AB1F4}"/>
               </a:ext>
             </a:extLst>
           </p:cNvPr>
@@ -1455,7 +1466,7 @@
           <p:cNvPr id="7" name="Slide Number Placeholder 6">
             <a:extLst>
               <a:ext uri="{FF2B5EF4-FFF2-40B4-BE49-F238E27FC236}">
-                <a16:creationId xmlns:a16="http://schemas.microsoft.com/office/drawing/2014/main" id="{6192DEDD-6479-45E4-B1F5-6EDD41BBB103}"/>
+                <a16:creationId xmlns="" xmlns:a16="http://schemas.microsoft.com/office/drawing/2014/main" id="{6192DEDD-6479-45E4-B1F5-6EDD41BBB103}"/>
               </a:ext>
             </a:extLst>
           </p:cNvPr>
@@ -1473,6 +1484,7 @@
           <a:p>
             <a:fld id="{F362EEBD-19F8-4A23-B3A5-01C987241991}" type="slidenum">
               <a:rPr lang="en-SG" smtClean="0"/>
+              <a:pPr/>
               <a:t>‹#›</a:t>
             </a:fld>
             <a:endParaRPr lang="en-SG"/>
@@ -1482,7 +1494,7 @@
     </p:spTree>
     <p:extLst>
       <p:ext uri="{BB962C8B-B14F-4D97-AF65-F5344CB8AC3E}">
-        <p14:creationId xmlns:p14="http://schemas.microsoft.com/office/powerpoint/2010/main" val="1298304602"/>
+        <p14:creationId xmlns="" xmlns:p14="http://schemas.microsoft.com/office/powerpoint/2010/main" val="1298304602"/>
       </p:ext>
     </p:extLst>
   </p:cSld>
@@ -1514,7 +1526,7 @@
           <p:cNvPr id="2" name="Title 1">
             <a:extLst>
               <a:ext uri="{FF2B5EF4-FFF2-40B4-BE49-F238E27FC236}">
-                <a16:creationId xmlns:a16="http://schemas.microsoft.com/office/drawing/2014/main" id="{DC0ED888-63EF-4CC0-8500-9C8DB672FEC2}"/>
+                <a16:creationId xmlns="" xmlns:a16="http://schemas.microsoft.com/office/drawing/2014/main" id="{DC0ED888-63EF-4CC0-8500-9C8DB672FEC2}"/>
               </a:ext>
             </a:extLst>
           </p:cNvPr>
@@ -1548,7 +1560,7 @@
           <p:cNvPr id="3" name="Text Placeholder 2">
             <a:extLst>
               <a:ext uri="{FF2B5EF4-FFF2-40B4-BE49-F238E27FC236}">
-                <a16:creationId xmlns:a16="http://schemas.microsoft.com/office/drawing/2014/main" id="{3C33BC1E-FB79-4906-A967-9C7046C6D272}"/>
+                <a16:creationId xmlns="" xmlns:a16="http://schemas.microsoft.com/office/drawing/2014/main" id="{3C33BC1E-FB79-4906-A967-9C7046C6D272}"/>
               </a:ext>
             </a:extLst>
           </p:cNvPr>
@@ -1619,7 +1631,7 @@
           <p:cNvPr id="4" name="Content Placeholder 3">
             <a:extLst>
               <a:ext uri="{FF2B5EF4-FFF2-40B4-BE49-F238E27FC236}">
-                <a16:creationId xmlns:a16="http://schemas.microsoft.com/office/drawing/2014/main" id="{697A4EC6-1C42-4BA4-8108-32579276C17B}"/>
+                <a16:creationId xmlns="" xmlns:a16="http://schemas.microsoft.com/office/drawing/2014/main" id="{697A4EC6-1C42-4BA4-8108-32579276C17B}"/>
               </a:ext>
             </a:extLst>
           </p:cNvPr>
@@ -1682,7 +1694,7 @@
           <p:cNvPr id="5" name="Text Placeholder 4">
             <a:extLst>
               <a:ext uri="{FF2B5EF4-FFF2-40B4-BE49-F238E27FC236}">
-                <a16:creationId xmlns:a16="http://schemas.microsoft.com/office/drawing/2014/main" id="{8A2CA209-B9F5-4E1E-B302-74CC2D4CFDFB}"/>
+                <a16:creationId xmlns="" xmlns:a16="http://schemas.microsoft.com/office/drawing/2014/main" id="{8A2CA209-B9F5-4E1E-B302-74CC2D4CFDFB}"/>
               </a:ext>
             </a:extLst>
           </p:cNvPr>
@@ -1753,7 +1765,7 @@
           <p:cNvPr id="6" name="Content Placeholder 5">
             <a:extLst>
               <a:ext uri="{FF2B5EF4-FFF2-40B4-BE49-F238E27FC236}">
-                <a16:creationId xmlns:a16="http://schemas.microsoft.com/office/drawing/2014/main" id="{0E6E876D-DC4D-40EE-BA38-CD01089602CF}"/>
+                <a16:creationId xmlns="" xmlns:a16="http://schemas.microsoft.com/office/drawing/2014/main" id="{0E6E876D-DC4D-40EE-BA38-CD01089602CF}"/>
               </a:ext>
             </a:extLst>
           </p:cNvPr>
@@ -1816,7 +1828,7 @@
           <p:cNvPr id="7" name="Date Placeholder 6">
             <a:extLst>
               <a:ext uri="{FF2B5EF4-FFF2-40B4-BE49-F238E27FC236}">
-                <a16:creationId xmlns:a16="http://schemas.microsoft.com/office/drawing/2014/main" id="{F24E1D97-8B3C-41A1-B0BA-BA833AD8BC7C}"/>
+                <a16:creationId xmlns="" xmlns:a16="http://schemas.microsoft.com/office/drawing/2014/main" id="{F24E1D97-8B3C-41A1-B0BA-BA833AD8BC7C}"/>
               </a:ext>
             </a:extLst>
           </p:cNvPr>
@@ -1834,7 +1846,8 @@
           <a:p>
             <a:fld id="{03EC4E3E-8101-482F-A883-8B55DAFF7C07}" type="datetimeFigureOut">
               <a:rPr lang="en-SG" smtClean="0"/>
-              <a:t>6/7/2018</a:t>
+              <a:pPr/>
+              <a:t>31/3/2019</a:t>
             </a:fld>
             <a:endParaRPr lang="en-SG"/>
           </a:p>
@@ -1845,7 +1858,7 @@
           <p:cNvPr id="8" name="Footer Placeholder 7">
             <a:extLst>
               <a:ext uri="{FF2B5EF4-FFF2-40B4-BE49-F238E27FC236}">
-                <a16:creationId xmlns:a16="http://schemas.microsoft.com/office/drawing/2014/main" id="{FC358D8F-B7DA-4DCE-AC8F-706450EEC0DC}"/>
+                <a16:creationId xmlns="" xmlns:a16="http://schemas.microsoft.com/office/drawing/2014/main" id="{FC358D8F-B7DA-4DCE-AC8F-706450EEC0DC}"/>
               </a:ext>
             </a:extLst>
           </p:cNvPr>
@@ -1870,7 +1883,7 @@
           <p:cNvPr id="9" name="Slide Number Placeholder 8">
             <a:extLst>
               <a:ext uri="{FF2B5EF4-FFF2-40B4-BE49-F238E27FC236}">
-                <a16:creationId xmlns:a16="http://schemas.microsoft.com/office/drawing/2014/main" id="{40CE354E-2C73-4B6F-8AEB-14D1378A77E1}"/>
+                <a16:creationId xmlns="" xmlns:a16="http://schemas.microsoft.com/office/drawing/2014/main" id="{40CE354E-2C73-4B6F-8AEB-14D1378A77E1}"/>
               </a:ext>
             </a:extLst>
           </p:cNvPr>
@@ -1888,6 +1901,7 @@
           <a:p>
             <a:fld id="{F362EEBD-19F8-4A23-B3A5-01C987241991}" type="slidenum">
               <a:rPr lang="en-SG" smtClean="0"/>
+              <a:pPr/>
               <a:t>‹#›</a:t>
             </a:fld>
             <a:endParaRPr lang="en-SG"/>
@@ -1897,7 +1911,7 @@
     </p:spTree>
     <p:extLst>
       <p:ext uri="{BB962C8B-B14F-4D97-AF65-F5344CB8AC3E}">
-        <p14:creationId xmlns:p14="http://schemas.microsoft.com/office/powerpoint/2010/main" val="937260254"/>
+        <p14:creationId xmlns="" xmlns:p14="http://schemas.microsoft.com/office/powerpoint/2010/main" val="937260254"/>
       </p:ext>
     </p:extLst>
   </p:cSld>
@@ -1929,7 +1943,7 @@
           <p:cNvPr id="2" name="Title 1">
             <a:extLst>
               <a:ext uri="{FF2B5EF4-FFF2-40B4-BE49-F238E27FC236}">
-                <a16:creationId xmlns:a16="http://schemas.microsoft.com/office/drawing/2014/main" id="{17D9D381-288C-43FB-86C2-AAA4FCFD43FD}"/>
+                <a16:creationId xmlns="" xmlns:a16="http://schemas.microsoft.com/office/drawing/2014/main" id="{17D9D381-288C-43FB-86C2-AAA4FCFD43FD}"/>
               </a:ext>
             </a:extLst>
           </p:cNvPr>
@@ -1958,7 +1972,7 @@
           <p:cNvPr id="3" name="Date Placeholder 2">
             <a:extLst>
               <a:ext uri="{FF2B5EF4-FFF2-40B4-BE49-F238E27FC236}">
-                <a16:creationId xmlns:a16="http://schemas.microsoft.com/office/drawing/2014/main" id="{A85D75E5-4830-4F75-8132-91122609F925}"/>
+                <a16:creationId xmlns="" xmlns:a16="http://schemas.microsoft.com/office/drawing/2014/main" id="{A85D75E5-4830-4F75-8132-91122609F925}"/>
               </a:ext>
             </a:extLst>
           </p:cNvPr>
@@ -1976,7 +1990,8 @@
           <a:p>
             <a:fld id="{03EC4E3E-8101-482F-A883-8B55DAFF7C07}" type="datetimeFigureOut">
               <a:rPr lang="en-SG" smtClean="0"/>
-              <a:t>6/7/2018</a:t>
+              <a:pPr/>
+              <a:t>31/3/2019</a:t>
             </a:fld>
             <a:endParaRPr lang="en-SG"/>
           </a:p>
@@ -1987,7 +2002,7 @@
           <p:cNvPr id="4" name="Footer Placeholder 3">
             <a:extLst>
               <a:ext uri="{FF2B5EF4-FFF2-40B4-BE49-F238E27FC236}">
-                <a16:creationId xmlns:a16="http://schemas.microsoft.com/office/drawing/2014/main" id="{0C14A42C-834F-43EA-8053-84D5A665CEE7}"/>
+                <a16:creationId xmlns="" xmlns:a16="http://schemas.microsoft.com/office/drawing/2014/main" id="{0C14A42C-834F-43EA-8053-84D5A665CEE7}"/>
               </a:ext>
             </a:extLst>
           </p:cNvPr>
@@ -2012,7 +2027,7 @@
           <p:cNvPr id="5" name="Slide Number Placeholder 4">
             <a:extLst>
               <a:ext uri="{FF2B5EF4-FFF2-40B4-BE49-F238E27FC236}">
-                <a16:creationId xmlns:a16="http://schemas.microsoft.com/office/drawing/2014/main" id="{38C1E789-CDA9-48FF-A7BA-F21E31600226}"/>
+                <a16:creationId xmlns="" xmlns:a16="http://schemas.microsoft.com/office/drawing/2014/main" id="{38C1E789-CDA9-48FF-A7BA-F21E31600226}"/>
               </a:ext>
             </a:extLst>
           </p:cNvPr>
@@ -2030,6 +2045,7 @@
           <a:p>
             <a:fld id="{F362EEBD-19F8-4A23-B3A5-01C987241991}" type="slidenum">
               <a:rPr lang="en-SG" smtClean="0"/>
+              <a:pPr/>
               <a:t>‹#›</a:t>
             </a:fld>
             <a:endParaRPr lang="en-SG"/>
@@ -2039,7 +2055,7 @@
     </p:spTree>
     <p:extLst>
       <p:ext uri="{BB962C8B-B14F-4D97-AF65-F5344CB8AC3E}">
-        <p14:creationId xmlns:p14="http://schemas.microsoft.com/office/powerpoint/2010/main" val="2713172575"/>
+        <p14:creationId xmlns="" xmlns:p14="http://schemas.microsoft.com/office/powerpoint/2010/main" val="2713172575"/>
       </p:ext>
     </p:extLst>
   </p:cSld>
@@ -2071,7 +2087,7 @@
           <p:cNvPr id="2" name="Date Placeholder 1">
             <a:extLst>
               <a:ext uri="{FF2B5EF4-FFF2-40B4-BE49-F238E27FC236}">
-                <a16:creationId xmlns:a16="http://schemas.microsoft.com/office/drawing/2014/main" id="{21A40ECD-0ABD-4F35-B481-512A01FC643D}"/>
+                <a16:creationId xmlns="" xmlns:a16="http://schemas.microsoft.com/office/drawing/2014/main" id="{21A40ECD-0ABD-4F35-B481-512A01FC643D}"/>
               </a:ext>
             </a:extLst>
           </p:cNvPr>
@@ -2089,7 +2105,8 @@
           <a:p>
             <a:fld id="{03EC4E3E-8101-482F-A883-8B55DAFF7C07}" type="datetimeFigureOut">
               <a:rPr lang="en-SG" smtClean="0"/>
-              <a:t>6/7/2018</a:t>
+              <a:pPr/>
+              <a:t>31/3/2019</a:t>
             </a:fld>
             <a:endParaRPr lang="en-SG"/>
           </a:p>
@@ -2100,7 +2117,7 @@
           <p:cNvPr id="3" name="Footer Placeholder 2">
             <a:extLst>
               <a:ext uri="{FF2B5EF4-FFF2-40B4-BE49-F238E27FC236}">
-                <a16:creationId xmlns:a16="http://schemas.microsoft.com/office/drawing/2014/main" id="{D44B8F11-A412-4FA6-9070-B9C742F699F3}"/>
+                <a16:creationId xmlns="" xmlns:a16="http://schemas.microsoft.com/office/drawing/2014/main" id="{D44B8F11-A412-4FA6-9070-B9C742F699F3}"/>
               </a:ext>
             </a:extLst>
           </p:cNvPr>
@@ -2125,7 +2142,7 @@
           <p:cNvPr id="4" name="Slide Number Placeholder 3">
             <a:extLst>
               <a:ext uri="{FF2B5EF4-FFF2-40B4-BE49-F238E27FC236}">
-                <a16:creationId xmlns:a16="http://schemas.microsoft.com/office/drawing/2014/main" id="{E3EA086A-DA0B-4378-A128-F213644ECB0C}"/>
+                <a16:creationId xmlns="" xmlns:a16="http://schemas.microsoft.com/office/drawing/2014/main" id="{E3EA086A-DA0B-4378-A128-F213644ECB0C}"/>
               </a:ext>
             </a:extLst>
           </p:cNvPr>
@@ -2143,6 +2160,7 @@
           <a:p>
             <a:fld id="{F362EEBD-19F8-4A23-B3A5-01C987241991}" type="slidenum">
               <a:rPr lang="en-SG" smtClean="0"/>
+              <a:pPr/>
               <a:t>‹#›</a:t>
             </a:fld>
             <a:endParaRPr lang="en-SG"/>
@@ -2152,7 +2170,7 @@
     </p:spTree>
     <p:extLst>
       <p:ext uri="{BB962C8B-B14F-4D97-AF65-F5344CB8AC3E}">
-        <p14:creationId xmlns:p14="http://schemas.microsoft.com/office/powerpoint/2010/main" val="2808055610"/>
+        <p14:creationId xmlns="" xmlns:p14="http://schemas.microsoft.com/office/powerpoint/2010/main" val="2808055610"/>
       </p:ext>
     </p:extLst>
   </p:cSld>
@@ -2184,7 +2202,7 @@
           <p:cNvPr id="2" name="Title 1">
             <a:extLst>
               <a:ext uri="{FF2B5EF4-FFF2-40B4-BE49-F238E27FC236}">
-                <a16:creationId xmlns:a16="http://schemas.microsoft.com/office/drawing/2014/main" id="{765D165A-D423-4E89-A075-D59A9FB59792}"/>
+                <a16:creationId xmlns="" xmlns:a16="http://schemas.microsoft.com/office/drawing/2014/main" id="{765D165A-D423-4E89-A075-D59A9FB59792}"/>
               </a:ext>
             </a:extLst>
           </p:cNvPr>
@@ -2222,7 +2240,7 @@
           <p:cNvPr id="3" name="Content Placeholder 2">
             <a:extLst>
               <a:ext uri="{FF2B5EF4-FFF2-40B4-BE49-F238E27FC236}">
-                <a16:creationId xmlns:a16="http://schemas.microsoft.com/office/drawing/2014/main" id="{77C2A5CC-2876-49CA-993D-F4F73FC9D2B0}"/>
+                <a16:creationId xmlns="" xmlns:a16="http://schemas.microsoft.com/office/drawing/2014/main" id="{77C2A5CC-2876-49CA-993D-F4F73FC9D2B0}"/>
               </a:ext>
             </a:extLst>
           </p:cNvPr>
@@ -2313,7 +2331,7 @@
           <p:cNvPr id="4" name="Text Placeholder 3">
             <a:extLst>
               <a:ext uri="{FF2B5EF4-FFF2-40B4-BE49-F238E27FC236}">
-                <a16:creationId xmlns:a16="http://schemas.microsoft.com/office/drawing/2014/main" id="{7B4DE2E8-CCF6-4E88-A858-05A04CD0D736}"/>
+                <a16:creationId xmlns="" xmlns:a16="http://schemas.microsoft.com/office/drawing/2014/main" id="{7B4DE2E8-CCF6-4E88-A858-05A04CD0D736}"/>
               </a:ext>
             </a:extLst>
           </p:cNvPr>
@@ -2384,7 +2402,7 @@
           <p:cNvPr id="5" name="Date Placeholder 4">
             <a:extLst>
               <a:ext uri="{FF2B5EF4-FFF2-40B4-BE49-F238E27FC236}">
-                <a16:creationId xmlns:a16="http://schemas.microsoft.com/office/drawing/2014/main" id="{CAEBEC1E-DE48-4B55-A846-F8248E381145}"/>
+                <a16:creationId xmlns="" xmlns:a16="http://schemas.microsoft.com/office/drawing/2014/main" id="{CAEBEC1E-DE48-4B55-A846-F8248E381145}"/>
               </a:ext>
             </a:extLst>
           </p:cNvPr>
@@ -2402,7 +2420,8 @@
           <a:p>
             <a:fld id="{03EC4E3E-8101-482F-A883-8B55DAFF7C07}" type="datetimeFigureOut">
               <a:rPr lang="en-SG" smtClean="0"/>
-              <a:t>6/7/2018</a:t>
+              <a:pPr/>
+              <a:t>31/3/2019</a:t>
             </a:fld>
             <a:endParaRPr lang="en-SG"/>
           </a:p>
@@ -2413,7 +2432,7 @@
           <p:cNvPr id="6" name="Footer Placeholder 5">
             <a:extLst>
               <a:ext uri="{FF2B5EF4-FFF2-40B4-BE49-F238E27FC236}">
-                <a16:creationId xmlns:a16="http://schemas.microsoft.com/office/drawing/2014/main" id="{945A6E8B-6BC2-49E9-B4E5-DAD3F7A1A1BF}"/>
+                <a16:creationId xmlns="" xmlns:a16="http://schemas.microsoft.com/office/drawing/2014/main" id="{945A6E8B-6BC2-49E9-B4E5-DAD3F7A1A1BF}"/>
               </a:ext>
             </a:extLst>
           </p:cNvPr>
@@ -2438,7 +2457,7 @@
           <p:cNvPr id="7" name="Slide Number Placeholder 6">
             <a:extLst>
               <a:ext uri="{FF2B5EF4-FFF2-40B4-BE49-F238E27FC236}">
-                <a16:creationId xmlns:a16="http://schemas.microsoft.com/office/drawing/2014/main" id="{E5CF739B-EDF0-43CE-A87E-C49F040C85A5}"/>
+                <a16:creationId xmlns="" xmlns:a16="http://schemas.microsoft.com/office/drawing/2014/main" id="{E5CF739B-EDF0-43CE-A87E-C49F040C85A5}"/>
               </a:ext>
             </a:extLst>
           </p:cNvPr>
@@ -2456,6 +2475,7 @@
           <a:p>
             <a:fld id="{F362EEBD-19F8-4A23-B3A5-01C987241991}" type="slidenum">
               <a:rPr lang="en-SG" smtClean="0"/>
+              <a:pPr/>
               <a:t>‹#›</a:t>
             </a:fld>
             <a:endParaRPr lang="en-SG"/>
@@ -2465,7 +2485,7 @@
     </p:spTree>
     <p:extLst>
       <p:ext uri="{BB962C8B-B14F-4D97-AF65-F5344CB8AC3E}">
-        <p14:creationId xmlns:p14="http://schemas.microsoft.com/office/powerpoint/2010/main" val="4039745741"/>
+        <p14:creationId xmlns="" xmlns:p14="http://schemas.microsoft.com/office/powerpoint/2010/main" val="4039745741"/>
       </p:ext>
     </p:extLst>
   </p:cSld>
@@ -2497,7 +2517,7 @@
           <p:cNvPr id="2" name="Title 1">
             <a:extLst>
               <a:ext uri="{FF2B5EF4-FFF2-40B4-BE49-F238E27FC236}">
-                <a16:creationId xmlns:a16="http://schemas.microsoft.com/office/drawing/2014/main" id="{0091F49F-E849-4834-84DB-61CF2F2652D4}"/>
+                <a16:creationId xmlns="" xmlns:a16="http://schemas.microsoft.com/office/drawing/2014/main" id="{0091F49F-E849-4834-84DB-61CF2F2652D4}"/>
               </a:ext>
             </a:extLst>
           </p:cNvPr>
@@ -2535,7 +2555,7 @@
           <p:cNvPr id="3" name="Picture Placeholder 2">
             <a:extLst>
               <a:ext uri="{FF2B5EF4-FFF2-40B4-BE49-F238E27FC236}">
-                <a16:creationId xmlns:a16="http://schemas.microsoft.com/office/drawing/2014/main" id="{631D62A9-3420-4F1C-9EB9-09EF85106E78}"/>
+                <a16:creationId xmlns="" xmlns:a16="http://schemas.microsoft.com/office/drawing/2014/main" id="{631D62A9-3420-4F1C-9EB9-09EF85106E78}"/>
               </a:ext>
             </a:extLst>
           </p:cNvPr>
@@ -2602,7 +2622,7 @@
           <p:cNvPr id="4" name="Text Placeholder 3">
             <a:extLst>
               <a:ext uri="{FF2B5EF4-FFF2-40B4-BE49-F238E27FC236}">
-                <a16:creationId xmlns:a16="http://schemas.microsoft.com/office/drawing/2014/main" id="{E450EC8D-D7F4-45FC-AD8C-2E198A32CCA2}"/>
+                <a16:creationId xmlns="" xmlns:a16="http://schemas.microsoft.com/office/drawing/2014/main" id="{E450EC8D-D7F4-45FC-AD8C-2E198A32CCA2}"/>
               </a:ext>
             </a:extLst>
           </p:cNvPr>
@@ -2673,7 +2693,7 @@
           <p:cNvPr id="5" name="Date Placeholder 4">
             <a:extLst>
               <a:ext uri="{FF2B5EF4-FFF2-40B4-BE49-F238E27FC236}">
-                <a16:creationId xmlns:a16="http://schemas.microsoft.com/office/drawing/2014/main" id="{7A73D668-ABF4-41FE-958C-542EEDC5F6CC}"/>
+                <a16:creationId xmlns="" xmlns:a16="http://schemas.microsoft.com/office/drawing/2014/main" id="{7A73D668-ABF4-41FE-958C-542EEDC5F6CC}"/>
               </a:ext>
             </a:extLst>
           </p:cNvPr>
@@ -2691,7 +2711,8 @@
           <a:p>
             <a:fld id="{03EC4E3E-8101-482F-A883-8B55DAFF7C07}" type="datetimeFigureOut">
               <a:rPr lang="en-SG" smtClean="0"/>
-              <a:t>6/7/2018</a:t>
+              <a:pPr/>
+              <a:t>31/3/2019</a:t>
             </a:fld>
             <a:endParaRPr lang="en-SG"/>
           </a:p>
@@ -2702,7 +2723,7 @@
           <p:cNvPr id="6" name="Footer Placeholder 5">
             <a:extLst>
               <a:ext uri="{FF2B5EF4-FFF2-40B4-BE49-F238E27FC236}">
-                <a16:creationId xmlns:a16="http://schemas.microsoft.com/office/drawing/2014/main" id="{F4A83B1C-93E7-4D32-9D1B-3F37403B1ACD}"/>
+                <a16:creationId xmlns="" xmlns:a16="http://schemas.microsoft.com/office/drawing/2014/main" id="{F4A83B1C-93E7-4D32-9D1B-3F37403B1ACD}"/>
               </a:ext>
             </a:extLst>
           </p:cNvPr>
@@ -2727,7 +2748,7 @@
           <p:cNvPr id="7" name="Slide Number Placeholder 6">
             <a:extLst>
               <a:ext uri="{FF2B5EF4-FFF2-40B4-BE49-F238E27FC236}">
-                <a16:creationId xmlns:a16="http://schemas.microsoft.com/office/drawing/2014/main" id="{C6AF73BE-F17B-487B-943B-28655BB51C92}"/>
+                <a16:creationId xmlns="" xmlns:a16="http://schemas.microsoft.com/office/drawing/2014/main" id="{C6AF73BE-F17B-487B-943B-28655BB51C92}"/>
               </a:ext>
             </a:extLst>
           </p:cNvPr>
@@ -2745,6 +2766,7 @@
           <a:p>
             <a:fld id="{F362EEBD-19F8-4A23-B3A5-01C987241991}" type="slidenum">
               <a:rPr lang="en-SG" smtClean="0"/>
+              <a:pPr/>
               <a:t>‹#›</a:t>
             </a:fld>
             <a:endParaRPr lang="en-SG"/>
@@ -2754,7 +2776,7 @@
     </p:spTree>
     <p:extLst>
       <p:ext uri="{BB962C8B-B14F-4D97-AF65-F5344CB8AC3E}">
-        <p14:creationId xmlns:p14="http://schemas.microsoft.com/office/powerpoint/2010/main" val="1851851517"/>
+        <p14:creationId xmlns="" xmlns:p14="http://schemas.microsoft.com/office/powerpoint/2010/main" val="1851851517"/>
       </p:ext>
     </p:extLst>
   </p:cSld>
@@ -2791,7 +2813,7 @@
           <p:cNvPr id="2" name="Title Placeholder 1">
             <a:extLst>
               <a:ext uri="{FF2B5EF4-FFF2-40B4-BE49-F238E27FC236}">
-                <a16:creationId xmlns:a16="http://schemas.microsoft.com/office/drawing/2014/main" id="{96F7127E-5F47-4B37-9FDB-695AB14D9551}"/>
+                <a16:creationId xmlns="" xmlns:a16="http://schemas.microsoft.com/office/drawing/2014/main" id="{96F7127E-5F47-4B37-9FDB-695AB14D9551}"/>
               </a:ext>
             </a:extLst>
           </p:cNvPr>
@@ -2830,7 +2852,7 @@
           <p:cNvPr id="3" name="Text Placeholder 2">
             <a:extLst>
               <a:ext uri="{FF2B5EF4-FFF2-40B4-BE49-F238E27FC236}">
-                <a16:creationId xmlns:a16="http://schemas.microsoft.com/office/drawing/2014/main" id="{3BD20F0F-B303-4EE3-AF17-E303EA90B1A3}"/>
+                <a16:creationId xmlns="" xmlns:a16="http://schemas.microsoft.com/office/drawing/2014/main" id="{3BD20F0F-B303-4EE3-AF17-E303EA90B1A3}"/>
               </a:ext>
             </a:extLst>
           </p:cNvPr>
@@ -2898,7 +2920,7 @@
           <p:cNvPr id="4" name="Date Placeholder 3">
             <a:extLst>
               <a:ext uri="{FF2B5EF4-FFF2-40B4-BE49-F238E27FC236}">
-                <a16:creationId xmlns:a16="http://schemas.microsoft.com/office/drawing/2014/main" id="{7927ADFB-0C7F-4333-A456-815FAB4B0315}"/>
+                <a16:creationId xmlns="" xmlns:a16="http://schemas.microsoft.com/office/drawing/2014/main" id="{7927ADFB-0C7F-4333-A456-815FAB4B0315}"/>
               </a:ext>
             </a:extLst>
           </p:cNvPr>
@@ -2934,7 +2956,8 @@
           <a:p>
             <a:fld id="{03EC4E3E-8101-482F-A883-8B55DAFF7C07}" type="datetimeFigureOut">
               <a:rPr lang="en-SG" smtClean="0"/>
-              <a:t>6/7/2018</a:t>
+              <a:pPr/>
+              <a:t>31/3/2019</a:t>
             </a:fld>
             <a:endParaRPr lang="en-SG"/>
           </a:p>
@@ -2945,7 +2968,7 @@
           <p:cNvPr id="5" name="Footer Placeholder 4">
             <a:extLst>
               <a:ext uri="{FF2B5EF4-FFF2-40B4-BE49-F238E27FC236}">
-                <a16:creationId xmlns:a16="http://schemas.microsoft.com/office/drawing/2014/main" id="{A1992B28-8397-4C93-A277-5EE43A537825}"/>
+                <a16:creationId xmlns="" xmlns:a16="http://schemas.microsoft.com/office/drawing/2014/main" id="{A1992B28-8397-4C93-A277-5EE43A537825}"/>
               </a:ext>
             </a:extLst>
           </p:cNvPr>
@@ -2988,7 +3011,7 @@
           <p:cNvPr id="6" name="Slide Number Placeholder 5">
             <a:extLst>
               <a:ext uri="{FF2B5EF4-FFF2-40B4-BE49-F238E27FC236}">
-                <a16:creationId xmlns:a16="http://schemas.microsoft.com/office/drawing/2014/main" id="{D7231209-A74B-4134-87D0-421AB81BBB47}"/>
+                <a16:creationId xmlns="" xmlns:a16="http://schemas.microsoft.com/office/drawing/2014/main" id="{D7231209-A74B-4134-87D0-421AB81BBB47}"/>
               </a:ext>
             </a:extLst>
           </p:cNvPr>
@@ -3024,6 +3047,7 @@
           <a:p>
             <a:fld id="{F362EEBD-19F8-4A23-B3A5-01C987241991}" type="slidenum">
               <a:rPr lang="en-SG" smtClean="0"/>
+              <a:pPr/>
               <a:t>‹#›</a:t>
             </a:fld>
             <a:endParaRPr lang="en-SG"/>
@@ -3033,7 +3057,7 @@
     </p:spTree>
     <p:extLst>
       <p:ext uri="{BB962C8B-B14F-4D97-AF65-F5344CB8AC3E}">
-        <p14:creationId xmlns:p14="http://schemas.microsoft.com/office/powerpoint/2010/main" val="162984175"/>
+        <p14:creationId xmlns="" xmlns:p14="http://schemas.microsoft.com/office/powerpoint/2010/main" val="162984175"/>
       </p:ext>
     </p:extLst>
   </p:cSld>
@@ -3400,7 +3424,7 @@
           <p:cNvPr id="15" name="TextBox 14">
             <a:extLst>
               <a:ext uri="{FF2B5EF4-FFF2-40B4-BE49-F238E27FC236}">
-                <a16:creationId xmlns:a16="http://schemas.microsoft.com/office/drawing/2014/main" id="{032C4FEA-C10B-4133-9BF6-AF6F40CC1AD4}"/>
+                <a16:creationId xmlns="" xmlns:a16="http://schemas.microsoft.com/office/drawing/2014/main" id="{032C4FEA-C10B-4133-9BF6-AF6F40CC1AD4}"/>
               </a:ext>
             </a:extLst>
           </p:cNvPr>
@@ -3450,8 +3474,12 @@
           <a:p>
             <a:pPr algn="ctr"/>
             <a:r>
-              <a:rPr lang="en-SG"/>
-              <a:t>State ab2 </a:t>
+              <a:rPr lang="en-SG" dirty="0"/>
+              <a:t>State </a:t>
+            </a:r>
+            <a:r>
+              <a:rPr lang="en-SG" dirty="0" smtClean="0"/>
+              <a:t>gt2 </a:t>
             </a:r>
             <a:r>
               <a:rPr lang="en-SG" dirty="0"/>
@@ -3465,7 +3493,7 @@
           <p:cNvPr id="17" name="TextBox 16">
             <a:extLst>
               <a:ext uri="{FF2B5EF4-FFF2-40B4-BE49-F238E27FC236}">
-                <a16:creationId xmlns:a16="http://schemas.microsoft.com/office/drawing/2014/main" id="{3151A13B-9509-43FA-BFEB-1D9866A00B84}"/>
+                <a16:creationId xmlns="" xmlns:a16="http://schemas.microsoft.com/office/drawing/2014/main" id="{3151A13B-9509-43FA-BFEB-1D9866A00B84}"/>
               </a:ext>
             </a:extLst>
           </p:cNvPr>
@@ -3555,7 +3583,7 @@
           <p:cNvPr id="22" name="TextBox 21">
             <a:extLst>
               <a:ext uri="{FF2B5EF4-FFF2-40B4-BE49-F238E27FC236}">
-                <a16:creationId xmlns:a16="http://schemas.microsoft.com/office/drawing/2014/main" id="{3151A13B-9509-43FA-BFEB-1D9866A00B84}"/>
+                <a16:creationId xmlns="" xmlns:a16="http://schemas.microsoft.com/office/drawing/2014/main" id="{3151A13B-9509-43FA-BFEB-1D9866A00B84}"/>
               </a:ext>
             </a:extLst>
           </p:cNvPr>
@@ -3645,7 +3673,7 @@
           <p:cNvPr id="16" name="Table 15">
             <a:extLst>
               <a:ext uri="{FF2B5EF4-FFF2-40B4-BE49-F238E27FC236}">
-                <a16:creationId xmlns:a16="http://schemas.microsoft.com/office/drawing/2014/main" id="{F545FAB8-F1CE-4886-9BDE-E772BCB0A9C4}"/>
+                <a16:creationId xmlns="" xmlns:a16="http://schemas.microsoft.com/office/drawing/2014/main" id="{F545FAB8-F1CE-4886-9BDE-E772BCB0A9C4}"/>
               </a:ext>
             </a:extLst>
           </p:cNvPr>
@@ -3655,7 +3683,7 @@
           <p:nvPr>
             <p:extLst>
               <p:ext uri="{D42A27DB-BD31-4B8C-83A1-F6EECF244321}">
-                <p14:modId xmlns:p14="http://schemas.microsoft.com/office/powerpoint/2010/main" val="1352982134"/>
+                <p14:modId xmlns="" xmlns:p14="http://schemas.microsoft.com/office/powerpoint/2010/main" val="1352982134"/>
               </p:ext>
             </p:extLst>
           </p:nvPr>
@@ -3674,7 +3702,7 @@
                 <a:gridCol w="1825824">
                   <a:extLst>
                     <a:ext uri="{9D8B030D-6E8A-4147-A177-3AD203B41FA5}">
-                      <a16:colId xmlns:a16="http://schemas.microsoft.com/office/drawing/2014/main" val="4240773277"/>
+                      <a16:colId xmlns="" xmlns:a16="http://schemas.microsoft.com/office/drawing/2014/main" val="4240773277"/>
                     </a:ext>
                   </a:extLst>
                 </a:gridCol>
@@ -3686,12 +3714,12 @@
                     <a:lstStyle/>
                     <a:p>
                       <a:r>
-                        <a:rPr lang="en-SG" u="sng" dirty="0"/>
-                        <a:t>ab0:</a:t>
+                        <a:rPr lang="en-SG" u="sng" dirty="0" smtClean="0"/>
+                        <a:t>gt0:</a:t>
                       </a:r>
                       <a:r>
-                        <a:rPr lang="en-SG" sz="1800" u="sng" dirty="0"/>
-                        <a:t>AddressBook</a:t>
+                        <a:rPr lang="en-SG" sz="1800" u="sng" dirty="0" smtClean="0"/>
+                        <a:t>GradTrak</a:t>
                       </a:r>
                       <a:endParaRPr lang="en-SG" u="sng" dirty="0"/>
                     </a:p>
@@ -3700,7 +3728,7 @@
                 </a:tc>
                 <a:extLst>
                   <a:ext uri="{0D108BD9-81ED-4DB2-BD59-A6C34878D82A}">
-                    <a16:rowId xmlns:a16="http://schemas.microsoft.com/office/drawing/2014/main" val="2194462629"/>
+                    <a16:rowId xmlns="" xmlns:a16="http://schemas.microsoft.com/office/drawing/2014/main" val="2194462629"/>
                   </a:ext>
                 </a:extLst>
               </a:tr>
@@ -3713,7 +3741,7 @@
           <p:cNvPr id="29" name="Table 28">
             <a:extLst>
               <a:ext uri="{FF2B5EF4-FFF2-40B4-BE49-F238E27FC236}">
-                <a16:creationId xmlns:a16="http://schemas.microsoft.com/office/drawing/2014/main" id="{F545FAB8-F1CE-4886-9BDE-E772BCB0A9C4}"/>
+                <a16:creationId xmlns="" xmlns:a16="http://schemas.microsoft.com/office/drawing/2014/main" id="{F545FAB8-F1CE-4886-9BDE-E772BCB0A9C4}"/>
               </a:ext>
             </a:extLst>
           </p:cNvPr>
@@ -3723,7 +3751,7 @@
           <p:nvPr>
             <p:extLst>
               <p:ext uri="{D42A27DB-BD31-4B8C-83A1-F6EECF244321}">
-                <p14:modId xmlns:p14="http://schemas.microsoft.com/office/powerpoint/2010/main" val="829193732"/>
+                <p14:modId xmlns="" xmlns:p14="http://schemas.microsoft.com/office/powerpoint/2010/main" val="829193732"/>
               </p:ext>
             </p:extLst>
           </p:nvPr>
@@ -3742,7 +3770,7 @@
                 <a:gridCol w="1825824">
                   <a:extLst>
                     <a:ext uri="{9D8B030D-6E8A-4147-A177-3AD203B41FA5}">
-                      <a16:colId xmlns:a16="http://schemas.microsoft.com/office/drawing/2014/main" val="4240773277"/>
+                      <a16:colId xmlns="" xmlns:a16="http://schemas.microsoft.com/office/drawing/2014/main" val="4240773277"/>
                     </a:ext>
                   </a:extLst>
                 </a:gridCol>
@@ -3754,12 +3782,12 @@
                     <a:lstStyle/>
                     <a:p>
                       <a:r>
-                        <a:rPr lang="en-SG" u="sng" dirty="0"/>
-                        <a:t>ab1:</a:t>
+                        <a:rPr lang="en-SG" u="sng" dirty="0" smtClean="0"/>
+                        <a:t>gt1:</a:t>
                       </a:r>
                       <a:r>
-                        <a:rPr lang="en-SG" sz="1800" u="sng" dirty="0"/>
-                        <a:t>AddressBook</a:t>
+                        <a:rPr lang="en-SG" sz="1800" u="sng" dirty="0" smtClean="0"/>
+                        <a:t>GradTrak</a:t>
                       </a:r>
                       <a:endParaRPr lang="en-SG" u="sng" dirty="0"/>
                     </a:p>
@@ -3768,7 +3796,7 @@
                 </a:tc>
                 <a:extLst>
                   <a:ext uri="{0D108BD9-81ED-4DB2-BD59-A6C34878D82A}">
-                    <a16:rowId xmlns:a16="http://schemas.microsoft.com/office/drawing/2014/main" val="2194462629"/>
+                    <a16:rowId xmlns="" xmlns:a16="http://schemas.microsoft.com/office/drawing/2014/main" val="2194462629"/>
                   </a:ext>
                 </a:extLst>
               </a:tr>
@@ -3781,7 +3809,7 @@
           <p:cNvPr id="30" name="Table 29">
             <a:extLst>
               <a:ext uri="{FF2B5EF4-FFF2-40B4-BE49-F238E27FC236}">
-                <a16:creationId xmlns:a16="http://schemas.microsoft.com/office/drawing/2014/main" id="{F545FAB8-F1CE-4886-9BDE-E772BCB0A9C4}"/>
+                <a16:creationId xmlns="" xmlns:a16="http://schemas.microsoft.com/office/drawing/2014/main" id="{F545FAB8-F1CE-4886-9BDE-E772BCB0A9C4}"/>
               </a:ext>
             </a:extLst>
           </p:cNvPr>
@@ -3791,7 +3819,7 @@
           <p:nvPr>
             <p:extLst>
               <p:ext uri="{D42A27DB-BD31-4B8C-83A1-F6EECF244321}">
-                <p14:modId xmlns:p14="http://schemas.microsoft.com/office/powerpoint/2010/main" val="796708048"/>
+                <p14:modId xmlns="" xmlns:p14="http://schemas.microsoft.com/office/powerpoint/2010/main" val="796708048"/>
               </p:ext>
             </p:extLst>
           </p:nvPr>
@@ -3810,7 +3838,7 @@
                 <a:gridCol w="1825824">
                   <a:extLst>
                     <a:ext uri="{9D8B030D-6E8A-4147-A177-3AD203B41FA5}">
-                      <a16:colId xmlns:a16="http://schemas.microsoft.com/office/drawing/2014/main" val="4240773277"/>
+                      <a16:colId xmlns="" xmlns:a16="http://schemas.microsoft.com/office/drawing/2014/main" val="4240773277"/>
                     </a:ext>
                   </a:extLst>
                 </a:gridCol>
@@ -3822,12 +3850,12 @@
                     <a:lstStyle/>
                     <a:p>
                       <a:r>
-                        <a:rPr lang="en-SG" u="sng" dirty="0"/>
-                        <a:t>ab2:</a:t>
+                        <a:rPr lang="en-SG" u="sng" dirty="0" smtClean="0"/>
+                        <a:t>gt2:</a:t>
                       </a:r>
                       <a:r>
-                        <a:rPr lang="en-SG" sz="1800" u="sng" dirty="0"/>
-                        <a:t>AddressBook</a:t>
+                        <a:rPr lang="en-SG" sz="1800" u="sng" dirty="0" smtClean="0"/>
+                        <a:t>GradTrak</a:t>
                       </a:r>
                       <a:endParaRPr lang="en-SG" u="sng" dirty="0"/>
                     </a:p>
@@ -3836,7 +3864,7 @@
                 </a:tc>
                 <a:extLst>
                   <a:ext uri="{0D108BD9-81ED-4DB2-BD59-A6C34878D82A}">
-                    <a16:rowId xmlns:a16="http://schemas.microsoft.com/office/drawing/2014/main" val="2194462629"/>
+                    <a16:rowId xmlns="" xmlns:a16="http://schemas.microsoft.com/office/drawing/2014/main" val="2194462629"/>
                   </a:ext>
                 </a:extLst>
               </a:tr>
@@ -3849,7 +3877,7 @@
           <p:cNvPr id="31" name="Table 30">
             <a:extLst>
               <a:ext uri="{FF2B5EF4-FFF2-40B4-BE49-F238E27FC236}">
-                <a16:creationId xmlns:a16="http://schemas.microsoft.com/office/drawing/2014/main" id="{F545FAB8-F1CE-4886-9BDE-E772BCB0A9C4}"/>
+                <a16:creationId xmlns="" xmlns:a16="http://schemas.microsoft.com/office/drawing/2014/main" id="{F545FAB8-F1CE-4886-9BDE-E772BCB0A9C4}"/>
               </a:ext>
             </a:extLst>
           </p:cNvPr>
@@ -3859,7 +3887,7 @@
           <p:nvPr>
             <p:extLst>
               <p:ext uri="{D42A27DB-BD31-4B8C-83A1-F6EECF244321}">
-                <p14:modId xmlns:p14="http://schemas.microsoft.com/office/powerpoint/2010/main" val="377617300"/>
+                <p14:modId xmlns="" xmlns:p14="http://schemas.microsoft.com/office/powerpoint/2010/main" val="377617300"/>
               </p:ext>
             </p:extLst>
           </p:nvPr>
@@ -3878,7 +3906,7 @@
                 <a:gridCol w="1825824">
                   <a:extLst>
                     <a:ext uri="{9D8B030D-6E8A-4147-A177-3AD203B41FA5}">
-                      <a16:colId xmlns:a16="http://schemas.microsoft.com/office/drawing/2014/main" val="4240773277"/>
+                      <a16:colId xmlns="" xmlns:a16="http://schemas.microsoft.com/office/drawing/2014/main" val="4240773277"/>
                     </a:ext>
                   </a:extLst>
                 </a:gridCol>
@@ -3890,12 +3918,12 @@
                     <a:lstStyle/>
                     <a:p>
                       <a:r>
-                        <a:rPr lang="en-SG" u="sng" dirty="0"/>
-                        <a:t>ab0:</a:t>
+                        <a:rPr lang="en-SG" u="sng" dirty="0" smtClean="0"/>
+                        <a:t>gt0:</a:t>
                       </a:r>
                       <a:r>
-                        <a:rPr lang="en-SG" sz="1800" u="sng" dirty="0"/>
-                        <a:t>AddressBook</a:t>
+                        <a:rPr lang="en-SG" sz="1800" u="sng" dirty="0" smtClean="0"/>
+                        <a:t>GradTrak</a:t>
                       </a:r>
                       <a:endParaRPr lang="en-SG" u="sng" dirty="0"/>
                     </a:p>
@@ -3904,7 +3932,7 @@
                 </a:tc>
                 <a:extLst>
                   <a:ext uri="{0D108BD9-81ED-4DB2-BD59-A6C34878D82A}">
-                    <a16:rowId xmlns:a16="http://schemas.microsoft.com/office/drawing/2014/main" val="2194462629"/>
+                    <a16:rowId xmlns="" xmlns:a16="http://schemas.microsoft.com/office/drawing/2014/main" val="2194462629"/>
                   </a:ext>
                 </a:extLst>
               </a:tr>
@@ -3917,7 +3945,7 @@
           <p:cNvPr id="32" name="Table 31">
             <a:extLst>
               <a:ext uri="{FF2B5EF4-FFF2-40B4-BE49-F238E27FC236}">
-                <a16:creationId xmlns:a16="http://schemas.microsoft.com/office/drawing/2014/main" id="{F545FAB8-F1CE-4886-9BDE-E772BCB0A9C4}"/>
+                <a16:creationId xmlns="" xmlns:a16="http://schemas.microsoft.com/office/drawing/2014/main" id="{F545FAB8-F1CE-4886-9BDE-E772BCB0A9C4}"/>
               </a:ext>
             </a:extLst>
           </p:cNvPr>
@@ -3927,7 +3955,7 @@
           <p:nvPr>
             <p:extLst>
               <p:ext uri="{D42A27DB-BD31-4B8C-83A1-F6EECF244321}">
-                <p14:modId xmlns:p14="http://schemas.microsoft.com/office/powerpoint/2010/main" val="4076322253"/>
+                <p14:modId xmlns="" xmlns:p14="http://schemas.microsoft.com/office/powerpoint/2010/main" val="4076322253"/>
               </p:ext>
             </p:extLst>
           </p:nvPr>
@@ -3946,7 +3974,7 @@
                 <a:gridCol w="1825824">
                   <a:extLst>
                     <a:ext uri="{9D8B030D-6E8A-4147-A177-3AD203B41FA5}">
-                      <a16:colId xmlns:a16="http://schemas.microsoft.com/office/drawing/2014/main" val="4240773277"/>
+                      <a16:colId xmlns="" xmlns:a16="http://schemas.microsoft.com/office/drawing/2014/main" val="4240773277"/>
                     </a:ext>
                   </a:extLst>
                 </a:gridCol>
@@ -3958,12 +3986,8 @@
                     <a:lstStyle/>
                     <a:p>
                       <a:r>
-                        <a:rPr lang="en-SG" u="sng" dirty="0"/>
-                        <a:t>ab1:</a:t>
-                      </a:r>
-                      <a:r>
-                        <a:rPr lang="en-SG" sz="1800" u="sng" dirty="0"/>
-                        <a:t>AddressBook</a:t>
+                        <a:rPr lang="en-SG" u="sng" dirty="0" smtClean="0"/>
+                        <a:t>gt1:GradTrak</a:t>
                       </a:r>
                       <a:endParaRPr lang="en-SG" u="sng" dirty="0"/>
                     </a:p>
@@ -3972,7 +3996,7 @@
                 </a:tc>
                 <a:extLst>
                   <a:ext uri="{0D108BD9-81ED-4DB2-BD59-A6C34878D82A}">
-                    <a16:rowId xmlns:a16="http://schemas.microsoft.com/office/drawing/2014/main" val="2194462629"/>
+                    <a16:rowId xmlns="" xmlns:a16="http://schemas.microsoft.com/office/drawing/2014/main" val="2194462629"/>
                   </a:ext>
                 </a:extLst>
               </a:tr>
@@ -3985,7 +4009,7 @@
           <p:cNvPr id="33" name="Table 32">
             <a:extLst>
               <a:ext uri="{FF2B5EF4-FFF2-40B4-BE49-F238E27FC236}">
-                <a16:creationId xmlns:a16="http://schemas.microsoft.com/office/drawing/2014/main" id="{F545FAB8-F1CE-4886-9BDE-E772BCB0A9C4}"/>
+                <a16:creationId xmlns="" xmlns:a16="http://schemas.microsoft.com/office/drawing/2014/main" id="{F545FAB8-F1CE-4886-9BDE-E772BCB0A9C4}"/>
               </a:ext>
             </a:extLst>
           </p:cNvPr>
@@ -3995,7 +4019,7 @@
           <p:nvPr>
             <p:extLst>
               <p:ext uri="{D42A27DB-BD31-4B8C-83A1-F6EECF244321}">
-                <p14:modId xmlns:p14="http://schemas.microsoft.com/office/powerpoint/2010/main" val="53411958"/>
+                <p14:modId xmlns="" xmlns:p14="http://schemas.microsoft.com/office/powerpoint/2010/main" val="53411958"/>
               </p:ext>
             </p:extLst>
           </p:nvPr>
@@ -4014,7 +4038,7 @@
                 <a:gridCol w="1825824">
                   <a:extLst>
                     <a:ext uri="{9D8B030D-6E8A-4147-A177-3AD203B41FA5}">
-                      <a16:colId xmlns:a16="http://schemas.microsoft.com/office/drawing/2014/main" val="4240773277"/>
+                      <a16:colId xmlns="" xmlns:a16="http://schemas.microsoft.com/office/drawing/2014/main" val="4240773277"/>
                     </a:ext>
                   </a:extLst>
                 </a:gridCol>
@@ -4026,12 +4050,8 @@
                     <a:lstStyle/>
                     <a:p>
                       <a:r>
-                        <a:rPr lang="en-SG" u="sng" dirty="0"/>
-                        <a:t>ab3:</a:t>
-                      </a:r>
-                      <a:r>
-                        <a:rPr lang="en-SG" sz="1800" u="sng" dirty="0"/>
-                        <a:t>AddressBook</a:t>
+                        <a:rPr lang="en-SG" u="sng" dirty="0" smtClean="0"/>
+                        <a:t>gt3:GradTrak</a:t>
                       </a:r>
                       <a:endParaRPr lang="en-SG" u="sng" dirty="0"/>
                     </a:p>
@@ -4040,7 +4060,7 @@
                 </a:tc>
                 <a:extLst>
                   <a:ext uri="{0D108BD9-81ED-4DB2-BD59-A6C34878D82A}">
-                    <a16:rowId xmlns:a16="http://schemas.microsoft.com/office/drawing/2014/main" val="2194462629"/>
+                    <a16:rowId xmlns="" xmlns:a16="http://schemas.microsoft.com/office/drawing/2014/main" val="2194462629"/>
                   </a:ext>
                 </a:extLst>
               </a:tr>
@@ -4053,7 +4073,7 @@
           <p:cNvPr id="18" name="Straight Arrow Connector 17">
             <a:extLst>
               <a:ext uri="{FF2B5EF4-FFF2-40B4-BE49-F238E27FC236}">
-                <a16:creationId xmlns:a16="http://schemas.microsoft.com/office/drawing/2014/main" id="{BFC3A12D-3AD3-425B-8A3B-315B6DC01D05}"/>
+                <a16:creationId xmlns="" xmlns:a16="http://schemas.microsoft.com/office/drawing/2014/main" id="{BFC3A12D-3AD3-425B-8A3B-315B6DC01D05}"/>
               </a:ext>
             </a:extLst>
           </p:cNvPr>
@@ -4097,7 +4117,7 @@
           <p:cNvPr id="19" name="Straight Arrow Connector 18">
             <a:extLst>
               <a:ext uri="{FF2B5EF4-FFF2-40B4-BE49-F238E27FC236}">
-                <a16:creationId xmlns:a16="http://schemas.microsoft.com/office/drawing/2014/main" id="{A3B5C47A-9640-4A49-B463-8F5196CF2A09}"/>
+                <a16:creationId xmlns="" xmlns:a16="http://schemas.microsoft.com/office/drawing/2014/main" id="{A3B5C47A-9640-4A49-B463-8F5196CF2A09}"/>
               </a:ext>
             </a:extLst>
           </p:cNvPr>
@@ -4139,7 +4159,7 @@
     </p:spTree>
     <p:extLst>
       <p:ext uri="{BB962C8B-B14F-4D97-AF65-F5344CB8AC3E}">
-        <p14:creationId xmlns:p14="http://schemas.microsoft.com/office/powerpoint/2010/main" val="3338945851"/>
+        <p14:creationId xmlns="" xmlns:p14="http://schemas.microsoft.com/office/powerpoint/2010/main" val="3338945851"/>
       </p:ext>
     </p:extLst>
   </p:cSld>
@@ -4192,7 +4212,7 @@
     </a:clrScheme>
     <a:fontScheme name="Office">
       <a:majorFont>
-        <a:latin typeface="Calibri Light" panose="020F0302020204030204"/>
+        <a:latin typeface="Calibri Light"/>
         <a:ea typeface=""/>
         <a:cs typeface=""/>
         <a:font script="Jpan" typeface="游ゴシック Light"/>
@@ -4244,7 +4264,7 @@
         <a:font script="Tfng" typeface="Ebrima"/>
       </a:majorFont>
       <a:minorFont>
-        <a:latin typeface="Calibri" panose="020F0502020204030204"/>
+        <a:latin typeface="Calibri"/>
         <a:ea typeface=""/>
         <a:cs typeface=""/>
         <a:font script="Jpan" typeface="游ゴシック"/>
@@ -4438,7 +4458,7 @@
   <a:extraClrSchemeLst/>
   <a:extLst>
     <a:ext uri="{05A4C25C-085E-4340-85A3-A5531E510DB2}">
-      <thm15:themeFamily xmlns:thm15="http://schemas.microsoft.com/office/thememl/2012/main" name="Office Theme" id="{62F939B6-93AF-4DB8-9C6B-D6C7DFDC589F}" vid="{4A3C46E8-61CC-4603-A589-7422A47A8E4A}"/>
+      <thm15:themeFamily xmlns="" xmlns:thm15="http://schemas.microsoft.com/office/thememl/2012/main" name="Office Theme" id="{62F939B6-93AF-4DB8-9C6B-D6C7DFDC589F}" vid="{4A3C46E8-61CC-4603-A589-7422A47A8E4A}"/>
     </a:ext>
   </a:extLst>
 </a:theme>

--- a/docs/diagrams/UndoRedoNewCommand4StateListDiagram.pptx
+++ b/docs/diagrams/UndoRedoNewCommand4StateListDiagram.pptx
@@ -106,7 +106,7 @@
   </p:defaultTextStyle>
   <p:extLst>
     <p:ext uri="{EFAFB233-063F-42B5-8137-9DF3F51BA10A}">
-      <p15:sldGuideLst xmlns:p15="http://schemas.microsoft.com/office/powerpoint/2012/main"/>
+      <p15:sldGuideLst xmlns:p15="http://schemas.microsoft.com/office/powerpoint/2012/main" xmlns=""/>
     </p:ext>
   </p:extLst>
 </p:presentation>
@@ -138,7 +138,7 @@
           <p:cNvPr id="2" name="Title 1">
             <a:extLst>
               <a:ext uri="{FF2B5EF4-FFF2-40B4-BE49-F238E27FC236}">
-                <a16:creationId xmlns:a16="http://schemas.microsoft.com/office/drawing/2014/main" id="{39FCC519-EE2E-4054-A653-93D611E0133E}"/>
+                <a16:creationId xmlns:a16="http://schemas.microsoft.com/office/drawing/2014/main" xmlns="" id="{39FCC519-EE2E-4054-A653-93D611E0133E}"/>
               </a:ext>
             </a:extLst>
           </p:cNvPr>
@@ -176,7 +176,7 @@
           <p:cNvPr id="3" name="Subtitle 2">
             <a:extLst>
               <a:ext uri="{FF2B5EF4-FFF2-40B4-BE49-F238E27FC236}">
-                <a16:creationId xmlns:a16="http://schemas.microsoft.com/office/drawing/2014/main" id="{3EDEA74E-4030-4F69-A055-4C6319EEEC29}"/>
+                <a16:creationId xmlns:a16="http://schemas.microsoft.com/office/drawing/2014/main" xmlns="" id="{3EDEA74E-4030-4F69-A055-4C6319EEEC29}"/>
               </a:ext>
             </a:extLst>
           </p:cNvPr>
@@ -247,7 +247,7 @@
           <p:cNvPr id="4" name="Date Placeholder 3">
             <a:extLst>
               <a:ext uri="{FF2B5EF4-FFF2-40B4-BE49-F238E27FC236}">
-                <a16:creationId xmlns:a16="http://schemas.microsoft.com/office/drawing/2014/main" id="{E5CC99E3-37A6-4485-B9A2-AF27A72608C6}"/>
+                <a16:creationId xmlns:a16="http://schemas.microsoft.com/office/drawing/2014/main" xmlns="" id="{E5CC99E3-37A6-4485-B9A2-AF27A72608C6}"/>
               </a:ext>
             </a:extLst>
           </p:cNvPr>
@@ -265,7 +265,7 @@
           <a:p>
             <a:fld id="{03EC4E3E-8101-482F-A883-8B55DAFF7C07}" type="datetimeFigureOut">
               <a:rPr lang="en-SG" smtClean="0"/>
-              <a:t>6/7/2018</a:t>
+              <a:t>1/4/2019</a:t>
             </a:fld>
             <a:endParaRPr lang="en-SG"/>
           </a:p>
@@ -276,7 +276,7 @@
           <p:cNvPr id="5" name="Footer Placeholder 4">
             <a:extLst>
               <a:ext uri="{FF2B5EF4-FFF2-40B4-BE49-F238E27FC236}">
-                <a16:creationId xmlns:a16="http://schemas.microsoft.com/office/drawing/2014/main" id="{D75BD546-D949-4A25-8EA4-47DF23229409}"/>
+                <a16:creationId xmlns:a16="http://schemas.microsoft.com/office/drawing/2014/main" xmlns="" id="{D75BD546-D949-4A25-8EA4-47DF23229409}"/>
               </a:ext>
             </a:extLst>
           </p:cNvPr>
@@ -301,7 +301,7 @@
           <p:cNvPr id="6" name="Slide Number Placeholder 5">
             <a:extLst>
               <a:ext uri="{FF2B5EF4-FFF2-40B4-BE49-F238E27FC236}">
-                <a16:creationId xmlns:a16="http://schemas.microsoft.com/office/drawing/2014/main" id="{68147391-4DF6-4ACF-BCE9-C1A9DAC803E3}"/>
+                <a16:creationId xmlns:a16="http://schemas.microsoft.com/office/drawing/2014/main" xmlns="" id="{68147391-4DF6-4ACF-BCE9-C1A9DAC803E3}"/>
               </a:ext>
             </a:extLst>
           </p:cNvPr>
@@ -360,7 +360,7 @@
           <p:cNvPr id="2" name="Title 1">
             <a:extLst>
               <a:ext uri="{FF2B5EF4-FFF2-40B4-BE49-F238E27FC236}">
-                <a16:creationId xmlns:a16="http://schemas.microsoft.com/office/drawing/2014/main" id="{251D3DFE-0C62-45F5-B1BF-FD1F194ED112}"/>
+                <a16:creationId xmlns:a16="http://schemas.microsoft.com/office/drawing/2014/main" xmlns="" id="{251D3DFE-0C62-45F5-B1BF-FD1F194ED112}"/>
               </a:ext>
             </a:extLst>
           </p:cNvPr>
@@ -389,7 +389,7 @@
           <p:cNvPr id="3" name="Vertical Text Placeholder 2">
             <a:extLst>
               <a:ext uri="{FF2B5EF4-FFF2-40B4-BE49-F238E27FC236}">
-                <a16:creationId xmlns:a16="http://schemas.microsoft.com/office/drawing/2014/main" id="{D2392762-3586-4B6D-A174-2D3ACF0A125B}"/>
+                <a16:creationId xmlns:a16="http://schemas.microsoft.com/office/drawing/2014/main" xmlns="" id="{D2392762-3586-4B6D-A174-2D3ACF0A125B}"/>
               </a:ext>
             </a:extLst>
           </p:cNvPr>
@@ -447,7 +447,7 @@
           <p:cNvPr id="4" name="Date Placeholder 3">
             <a:extLst>
               <a:ext uri="{FF2B5EF4-FFF2-40B4-BE49-F238E27FC236}">
-                <a16:creationId xmlns:a16="http://schemas.microsoft.com/office/drawing/2014/main" id="{73B232E7-84FB-4535-9FC1-1BEF8F17421F}"/>
+                <a16:creationId xmlns:a16="http://schemas.microsoft.com/office/drawing/2014/main" xmlns="" id="{73B232E7-84FB-4535-9FC1-1BEF8F17421F}"/>
               </a:ext>
             </a:extLst>
           </p:cNvPr>
@@ -465,7 +465,7 @@
           <a:p>
             <a:fld id="{03EC4E3E-8101-482F-A883-8B55DAFF7C07}" type="datetimeFigureOut">
               <a:rPr lang="en-SG" smtClean="0"/>
-              <a:t>6/7/2018</a:t>
+              <a:t>1/4/2019</a:t>
             </a:fld>
             <a:endParaRPr lang="en-SG"/>
           </a:p>
@@ -476,7 +476,7 @@
           <p:cNvPr id="5" name="Footer Placeholder 4">
             <a:extLst>
               <a:ext uri="{FF2B5EF4-FFF2-40B4-BE49-F238E27FC236}">
-                <a16:creationId xmlns:a16="http://schemas.microsoft.com/office/drawing/2014/main" id="{76F796EF-04EF-401A-AC84-F7BDBC99DE80}"/>
+                <a16:creationId xmlns:a16="http://schemas.microsoft.com/office/drawing/2014/main" xmlns="" id="{76F796EF-04EF-401A-AC84-F7BDBC99DE80}"/>
               </a:ext>
             </a:extLst>
           </p:cNvPr>
@@ -501,7 +501,7 @@
           <p:cNvPr id="6" name="Slide Number Placeholder 5">
             <a:extLst>
               <a:ext uri="{FF2B5EF4-FFF2-40B4-BE49-F238E27FC236}">
-                <a16:creationId xmlns:a16="http://schemas.microsoft.com/office/drawing/2014/main" id="{8F55F009-0A64-4649-A732-4AA6D619F1F3}"/>
+                <a16:creationId xmlns:a16="http://schemas.microsoft.com/office/drawing/2014/main" xmlns="" id="{8F55F009-0A64-4649-A732-4AA6D619F1F3}"/>
               </a:ext>
             </a:extLst>
           </p:cNvPr>
@@ -560,7 +560,7 @@
           <p:cNvPr id="2" name="Vertical Title 1">
             <a:extLst>
               <a:ext uri="{FF2B5EF4-FFF2-40B4-BE49-F238E27FC236}">
-                <a16:creationId xmlns:a16="http://schemas.microsoft.com/office/drawing/2014/main" id="{F7DE9595-D7A8-4E19-B4C6-E295F978F6A4}"/>
+                <a16:creationId xmlns:a16="http://schemas.microsoft.com/office/drawing/2014/main" xmlns="" id="{F7DE9595-D7A8-4E19-B4C6-E295F978F6A4}"/>
               </a:ext>
             </a:extLst>
           </p:cNvPr>
@@ -594,7 +594,7 @@
           <p:cNvPr id="3" name="Vertical Text Placeholder 2">
             <a:extLst>
               <a:ext uri="{FF2B5EF4-FFF2-40B4-BE49-F238E27FC236}">
-                <a16:creationId xmlns:a16="http://schemas.microsoft.com/office/drawing/2014/main" id="{0D2975B7-7A6D-40EA-B2F6-338022AD2BF1}"/>
+                <a16:creationId xmlns:a16="http://schemas.microsoft.com/office/drawing/2014/main" xmlns="" id="{0D2975B7-7A6D-40EA-B2F6-338022AD2BF1}"/>
               </a:ext>
             </a:extLst>
           </p:cNvPr>
@@ -657,7 +657,7 @@
           <p:cNvPr id="4" name="Date Placeholder 3">
             <a:extLst>
               <a:ext uri="{FF2B5EF4-FFF2-40B4-BE49-F238E27FC236}">
-                <a16:creationId xmlns:a16="http://schemas.microsoft.com/office/drawing/2014/main" id="{C8230AC3-1BED-4D2B-96D3-51C50E14A9E6}"/>
+                <a16:creationId xmlns:a16="http://schemas.microsoft.com/office/drawing/2014/main" xmlns="" id="{C8230AC3-1BED-4D2B-96D3-51C50E14A9E6}"/>
               </a:ext>
             </a:extLst>
           </p:cNvPr>
@@ -675,7 +675,7 @@
           <a:p>
             <a:fld id="{03EC4E3E-8101-482F-A883-8B55DAFF7C07}" type="datetimeFigureOut">
               <a:rPr lang="en-SG" smtClean="0"/>
-              <a:t>6/7/2018</a:t>
+              <a:t>1/4/2019</a:t>
             </a:fld>
             <a:endParaRPr lang="en-SG"/>
           </a:p>
@@ -686,7 +686,7 @@
           <p:cNvPr id="5" name="Footer Placeholder 4">
             <a:extLst>
               <a:ext uri="{FF2B5EF4-FFF2-40B4-BE49-F238E27FC236}">
-                <a16:creationId xmlns:a16="http://schemas.microsoft.com/office/drawing/2014/main" id="{4AD6CA96-231A-43AD-B530-7C509651DE3B}"/>
+                <a16:creationId xmlns:a16="http://schemas.microsoft.com/office/drawing/2014/main" xmlns="" id="{4AD6CA96-231A-43AD-B530-7C509651DE3B}"/>
               </a:ext>
             </a:extLst>
           </p:cNvPr>
@@ -711,7 +711,7 @@
           <p:cNvPr id="6" name="Slide Number Placeholder 5">
             <a:extLst>
               <a:ext uri="{FF2B5EF4-FFF2-40B4-BE49-F238E27FC236}">
-                <a16:creationId xmlns:a16="http://schemas.microsoft.com/office/drawing/2014/main" id="{12063E3B-180A-454E-A661-6CCD48D7062C}"/>
+                <a16:creationId xmlns:a16="http://schemas.microsoft.com/office/drawing/2014/main" xmlns="" id="{12063E3B-180A-454E-A661-6CCD48D7062C}"/>
               </a:ext>
             </a:extLst>
           </p:cNvPr>
@@ -770,7 +770,7 @@
           <p:cNvPr id="2" name="Title 1">
             <a:extLst>
               <a:ext uri="{FF2B5EF4-FFF2-40B4-BE49-F238E27FC236}">
-                <a16:creationId xmlns:a16="http://schemas.microsoft.com/office/drawing/2014/main" id="{7E861C8D-BAF0-4DD9-92B9-591B272791CA}"/>
+                <a16:creationId xmlns:a16="http://schemas.microsoft.com/office/drawing/2014/main" xmlns="" id="{7E861C8D-BAF0-4DD9-92B9-591B272791CA}"/>
               </a:ext>
             </a:extLst>
           </p:cNvPr>
@@ -799,7 +799,7 @@
           <p:cNvPr id="3" name="Content Placeholder 2">
             <a:extLst>
               <a:ext uri="{FF2B5EF4-FFF2-40B4-BE49-F238E27FC236}">
-                <a16:creationId xmlns:a16="http://schemas.microsoft.com/office/drawing/2014/main" id="{534DA4BD-1D78-446B-B79F-C1229642DDEB}"/>
+                <a16:creationId xmlns:a16="http://schemas.microsoft.com/office/drawing/2014/main" xmlns="" id="{534DA4BD-1D78-446B-B79F-C1229642DDEB}"/>
               </a:ext>
             </a:extLst>
           </p:cNvPr>
@@ -857,7 +857,7 @@
           <p:cNvPr id="4" name="Date Placeholder 3">
             <a:extLst>
               <a:ext uri="{FF2B5EF4-FFF2-40B4-BE49-F238E27FC236}">
-                <a16:creationId xmlns:a16="http://schemas.microsoft.com/office/drawing/2014/main" id="{AD6BEDB5-7B62-4953-BECB-7F7F3E909CAC}"/>
+                <a16:creationId xmlns:a16="http://schemas.microsoft.com/office/drawing/2014/main" xmlns="" id="{AD6BEDB5-7B62-4953-BECB-7F7F3E909CAC}"/>
               </a:ext>
             </a:extLst>
           </p:cNvPr>
@@ -875,7 +875,7 @@
           <a:p>
             <a:fld id="{03EC4E3E-8101-482F-A883-8B55DAFF7C07}" type="datetimeFigureOut">
               <a:rPr lang="en-SG" smtClean="0"/>
-              <a:t>6/7/2018</a:t>
+              <a:t>1/4/2019</a:t>
             </a:fld>
             <a:endParaRPr lang="en-SG"/>
           </a:p>
@@ -886,7 +886,7 @@
           <p:cNvPr id="5" name="Footer Placeholder 4">
             <a:extLst>
               <a:ext uri="{FF2B5EF4-FFF2-40B4-BE49-F238E27FC236}">
-                <a16:creationId xmlns:a16="http://schemas.microsoft.com/office/drawing/2014/main" id="{349CD732-2DD1-42BE-8480-5C6507018294}"/>
+                <a16:creationId xmlns:a16="http://schemas.microsoft.com/office/drawing/2014/main" xmlns="" id="{349CD732-2DD1-42BE-8480-5C6507018294}"/>
               </a:ext>
             </a:extLst>
           </p:cNvPr>
@@ -911,7 +911,7 @@
           <p:cNvPr id="6" name="Slide Number Placeholder 5">
             <a:extLst>
               <a:ext uri="{FF2B5EF4-FFF2-40B4-BE49-F238E27FC236}">
-                <a16:creationId xmlns:a16="http://schemas.microsoft.com/office/drawing/2014/main" id="{574C27E0-F36A-4438-9402-C2CB0377D92D}"/>
+                <a16:creationId xmlns:a16="http://schemas.microsoft.com/office/drawing/2014/main" xmlns="" id="{574C27E0-F36A-4438-9402-C2CB0377D92D}"/>
               </a:ext>
             </a:extLst>
           </p:cNvPr>
@@ -970,7 +970,7 @@
           <p:cNvPr id="2" name="Title 1">
             <a:extLst>
               <a:ext uri="{FF2B5EF4-FFF2-40B4-BE49-F238E27FC236}">
-                <a16:creationId xmlns:a16="http://schemas.microsoft.com/office/drawing/2014/main" id="{80A42FFA-8A45-40F8-9C5C-9906971B38AB}"/>
+                <a16:creationId xmlns:a16="http://schemas.microsoft.com/office/drawing/2014/main" xmlns="" id="{80A42FFA-8A45-40F8-9C5C-9906971B38AB}"/>
               </a:ext>
             </a:extLst>
           </p:cNvPr>
@@ -1008,7 +1008,7 @@
           <p:cNvPr id="3" name="Text Placeholder 2">
             <a:extLst>
               <a:ext uri="{FF2B5EF4-FFF2-40B4-BE49-F238E27FC236}">
-                <a16:creationId xmlns:a16="http://schemas.microsoft.com/office/drawing/2014/main" id="{7D8879A7-8225-4473-B738-B780B6224EC5}"/>
+                <a16:creationId xmlns:a16="http://schemas.microsoft.com/office/drawing/2014/main" xmlns="" id="{7D8879A7-8225-4473-B738-B780B6224EC5}"/>
               </a:ext>
             </a:extLst>
           </p:cNvPr>
@@ -1133,7 +1133,7 @@
           <p:cNvPr id="4" name="Date Placeholder 3">
             <a:extLst>
               <a:ext uri="{FF2B5EF4-FFF2-40B4-BE49-F238E27FC236}">
-                <a16:creationId xmlns:a16="http://schemas.microsoft.com/office/drawing/2014/main" id="{6CF7978C-FE65-4091-9152-E33029C12AEA}"/>
+                <a16:creationId xmlns:a16="http://schemas.microsoft.com/office/drawing/2014/main" xmlns="" id="{6CF7978C-FE65-4091-9152-E33029C12AEA}"/>
               </a:ext>
             </a:extLst>
           </p:cNvPr>
@@ -1151,7 +1151,7 @@
           <a:p>
             <a:fld id="{03EC4E3E-8101-482F-A883-8B55DAFF7C07}" type="datetimeFigureOut">
               <a:rPr lang="en-SG" smtClean="0"/>
-              <a:t>6/7/2018</a:t>
+              <a:t>1/4/2019</a:t>
             </a:fld>
             <a:endParaRPr lang="en-SG"/>
           </a:p>
@@ -1162,7 +1162,7 @@
           <p:cNvPr id="5" name="Footer Placeholder 4">
             <a:extLst>
               <a:ext uri="{FF2B5EF4-FFF2-40B4-BE49-F238E27FC236}">
-                <a16:creationId xmlns:a16="http://schemas.microsoft.com/office/drawing/2014/main" id="{B344C9CC-480F-4DCB-AC70-D7A4CCA0B8B7}"/>
+                <a16:creationId xmlns:a16="http://schemas.microsoft.com/office/drawing/2014/main" xmlns="" id="{B344C9CC-480F-4DCB-AC70-D7A4CCA0B8B7}"/>
               </a:ext>
             </a:extLst>
           </p:cNvPr>
@@ -1187,7 +1187,7 @@
           <p:cNvPr id="6" name="Slide Number Placeholder 5">
             <a:extLst>
               <a:ext uri="{FF2B5EF4-FFF2-40B4-BE49-F238E27FC236}">
-                <a16:creationId xmlns:a16="http://schemas.microsoft.com/office/drawing/2014/main" id="{8F5A07EC-843A-4ED9-8F1C-AD703CA36D58}"/>
+                <a16:creationId xmlns:a16="http://schemas.microsoft.com/office/drawing/2014/main" xmlns="" id="{8F5A07EC-843A-4ED9-8F1C-AD703CA36D58}"/>
               </a:ext>
             </a:extLst>
           </p:cNvPr>
@@ -1246,7 +1246,7 @@
           <p:cNvPr id="2" name="Title 1">
             <a:extLst>
               <a:ext uri="{FF2B5EF4-FFF2-40B4-BE49-F238E27FC236}">
-                <a16:creationId xmlns:a16="http://schemas.microsoft.com/office/drawing/2014/main" id="{056EE2DA-07D9-4774-A8CA-0CA247F8C72A}"/>
+                <a16:creationId xmlns:a16="http://schemas.microsoft.com/office/drawing/2014/main" xmlns="" id="{056EE2DA-07D9-4774-A8CA-0CA247F8C72A}"/>
               </a:ext>
             </a:extLst>
           </p:cNvPr>
@@ -1275,7 +1275,7 @@
           <p:cNvPr id="3" name="Content Placeholder 2">
             <a:extLst>
               <a:ext uri="{FF2B5EF4-FFF2-40B4-BE49-F238E27FC236}">
-                <a16:creationId xmlns:a16="http://schemas.microsoft.com/office/drawing/2014/main" id="{3CF93A59-4E25-4FFA-8796-AA06EF3E5C3E}"/>
+                <a16:creationId xmlns:a16="http://schemas.microsoft.com/office/drawing/2014/main" xmlns="" id="{3CF93A59-4E25-4FFA-8796-AA06EF3E5C3E}"/>
               </a:ext>
             </a:extLst>
           </p:cNvPr>
@@ -1338,7 +1338,7 @@
           <p:cNvPr id="4" name="Content Placeholder 3">
             <a:extLst>
               <a:ext uri="{FF2B5EF4-FFF2-40B4-BE49-F238E27FC236}">
-                <a16:creationId xmlns:a16="http://schemas.microsoft.com/office/drawing/2014/main" id="{81373B10-E346-4893-AFEE-65E014405E2D}"/>
+                <a16:creationId xmlns:a16="http://schemas.microsoft.com/office/drawing/2014/main" xmlns="" id="{81373B10-E346-4893-AFEE-65E014405E2D}"/>
               </a:ext>
             </a:extLst>
           </p:cNvPr>
@@ -1401,7 +1401,7 @@
           <p:cNvPr id="5" name="Date Placeholder 4">
             <a:extLst>
               <a:ext uri="{FF2B5EF4-FFF2-40B4-BE49-F238E27FC236}">
-                <a16:creationId xmlns:a16="http://schemas.microsoft.com/office/drawing/2014/main" id="{D9C411A1-6D64-4C63-A758-5D2FEE677F45}"/>
+                <a16:creationId xmlns:a16="http://schemas.microsoft.com/office/drawing/2014/main" xmlns="" id="{D9C411A1-6D64-4C63-A758-5D2FEE677F45}"/>
               </a:ext>
             </a:extLst>
           </p:cNvPr>
@@ -1419,7 +1419,7 @@
           <a:p>
             <a:fld id="{03EC4E3E-8101-482F-A883-8B55DAFF7C07}" type="datetimeFigureOut">
               <a:rPr lang="en-SG" smtClean="0"/>
-              <a:t>6/7/2018</a:t>
+              <a:t>1/4/2019</a:t>
             </a:fld>
             <a:endParaRPr lang="en-SG"/>
           </a:p>
@@ -1430,7 +1430,7 @@
           <p:cNvPr id="6" name="Footer Placeholder 5">
             <a:extLst>
               <a:ext uri="{FF2B5EF4-FFF2-40B4-BE49-F238E27FC236}">
-                <a16:creationId xmlns:a16="http://schemas.microsoft.com/office/drawing/2014/main" id="{8D9C2E46-644C-4155-A697-764A7A0AB1F4}"/>
+                <a16:creationId xmlns:a16="http://schemas.microsoft.com/office/drawing/2014/main" xmlns="" id="{8D9C2E46-644C-4155-A697-764A7A0AB1F4}"/>
               </a:ext>
             </a:extLst>
           </p:cNvPr>
@@ -1455,7 +1455,7 @@
           <p:cNvPr id="7" name="Slide Number Placeholder 6">
             <a:extLst>
               <a:ext uri="{FF2B5EF4-FFF2-40B4-BE49-F238E27FC236}">
-                <a16:creationId xmlns:a16="http://schemas.microsoft.com/office/drawing/2014/main" id="{6192DEDD-6479-45E4-B1F5-6EDD41BBB103}"/>
+                <a16:creationId xmlns:a16="http://schemas.microsoft.com/office/drawing/2014/main" xmlns="" id="{6192DEDD-6479-45E4-B1F5-6EDD41BBB103}"/>
               </a:ext>
             </a:extLst>
           </p:cNvPr>
@@ -1514,7 +1514,7 @@
           <p:cNvPr id="2" name="Title 1">
             <a:extLst>
               <a:ext uri="{FF2B5EF4-FFF2-40B4-BE49-F238E27FC236}">
-                <a16:creationId xmlns:a16="http://schemas.microsoft.com/office/drawing/2014/main" id="{DC0ED888-63EF-4CC0-8500-9C8DB672FEC2}"/>
+                <a16:creationId xmlns:a16="http://schemas.microsoft.com/office/drawing/2014/main" xmlns="" id="{DC0ED888-63EF-4CC0-8500-9C8DB672FEC2}"/>
               </a:ext>
             </a:extLst>
           </p:cNvPr>
@@ -1548,7 +1548,7 @@
           <p:cNvPr id="3" name="Text Placeholder 2">
             <a:extLst>
               <a:ext uri="{FF2B5EF4-FFF2-40B4-BE49-F238E27FC236}">
-                <a16:creationId xmlns:a16="http://schemas.microsoft.com/office/drawing/2014/main" id="{3C33BC1E-FB79-4906-A967-9C7046C6D272}"/>
+                <a16:creationId xmlns:a16="http://schemas.microsoft.com/office/drawing/2014/main" xmlns="" id="{3C33BC1E-FB79-4906-A967-9C7046C6D272}"/>
               </a:ext>
             </a:extLst>
           </p:cNvPr>
@@ -1619,7 +1619,7 @@
           <p:cNvPr id="4" name="Content Placeholder 3">
             <a:extLst>
               <a:ext uri="{FF2B5EF4-FFF2-40B4-BE49-F238E27FC236}">
-                <a16:creationId xmlns:a16="http://schemas.microsoft.com/office/drawing/2014/main" id="{697A4EC6-1C42-4BA4-8108-32579276C17B}"/>
+                <a16:creationId xmlns:a16="http://schemas.microsoft.com/office/drawing/2014/main" xmlns="" id="{697A4EC6-1C42-4BA4-8108-32579276C17B}"/>
               </a:ext>
             </a:extLst>
           </p:cNvPr>
@@ -1682,7 +1682,7 @@
           <p:cNvPr id="5" name="Text Placeholder 4">
             <a:extLst>
               <a:ext uri="{FF2B5EF4-FFF2-40B4-BE49-F238E27FC236}">
-                <a16:creationId xmlns:a16="http://schemas.microsoft.com/office/drawing/2014/main" id="{8A2CA209-B9F5-4E1E-B302-74CC2D4CFDFB}"/>
+                <a16:creationId xmlns:a16="http://schemas.microsoft.com/office/drawing/2014/main" xmlns="" id="{8A2CA209-B9F5-4E1E-B302-74CC2D4CFDFB}"/>
               </a:ext>
             </a:extLst>
           </p:cNvPr>
@@ -1753,7 +1753,7 @@
           <p:cNvPr id="6" name="Content Placeholder 5">
             <a:extLst>
               <a:ext uri="{FF2B5EF4-FFF2-40B4-BE49-F238E27FC236}">
-                <a16:creationId xmlns:a16="http://schemas.microsoft.com/office/drawing/2014/main" id="{0E6E876D-DC4D-40EE-BA38-CD01089602CF}"/>
+                <a16:creationId xmlns:a16="http://schemas.microsoft.com/office/drawing/2014/main" xmlns="" id="{0E6E876D-DC4D-40EE-BA38-CD01089602CF}"/>
               </a:ext>
             </a:extLst>
           </p:cNvPr>
@@ -1816,7 +1816,7 @@
           <p:cNvPr id="7" name="Date Placeholder 6">
             <a:extLst>
               <a:ext uri="{FF2B5EF4-FFF2-40B4-BE49-F238E27FC236}">
-                <a16:creationId xmlns:a16="http://schemas.microsoft.com/office/drawing/2014/main" id="{F24E1D97-8B3C-41A1-B0BA-BA833AD8BC7C}"/>
+                <a16:creationId xmlns:a16="http://schemas.microsoft.com/office/drawing/2014/main" xmlns="" id="{F24E1D97-8B3C-41A1-B0BA-BA833AD8BC7C}"/>
               </a:ext>
             </a:extLst>
           </p:cNvPr>
@@ -1834,7 +1834,7 @@
           <a:p>
             <a:fld id="{03EC4E3E-8101-482F-A883-8B55DAFF7C07}" type="datetimeFigureOut">
               <a:rPr lang="en-SG" smtClean="0"/>
-              <a:t>6/7/2018</a:t>
+              <a:t>1/4/2019</a:t>
             </a:fld>
             <a:endParaRPr lang="en-SG"/>
           </a:p>
@@ -1845,7 +1845,7 @@
           <p:cNvPr id="8" name="Footer Placeholder 7">
             <a:extLst>
               <a:ext uri="{FF2B5EF4-FFF2-40B4-BE49-F238E27FC236}">
-                <a16:creationId xmlns:a16="http://schemas.microsoft.com/office/drawing/2014/main" id="{FC358D8F-B7DA-4DCE-AC8F-706450EEC0DC}"/>
+                <a16:creationId xmlns:a16="http://schemas.microsoft.com/office/drawing/2014/main" xmlns="" id="{FC358D8F-B7DA-4DCE-AC8F-706450EEC0DC}"/>
               </a:ext>
             </a:extLst>
           </p:cNvPr>
@@ -1870,7 +1870,7 @@
           <p:cNvPr id="9" name="Slide Number Placeholder 8">
             <a:extLst>
               <a:ext uri="{FF2B5EF4-FFF2-40B4-BE49-F238E27FC236}">
-                <a16:creationId xmlns:a16="http://schemas.microsoft.com/office/drawing/2014/main" id="{40CE354E-2C73-4B6F-8AEB-14D1378A77E1}"/>
+                <a16:creationId xmlns:a16="http://schemas.microsoft.com/office/drawing/2014/main" xmlns="" id="{40CE354E-2C73-4B6F-8AEB-14D1378A77E1}"/>
               </a:ext>
             </a:extLst>
           </p:cNvPr>
@@ -1929,7 +1929,7 @@
           <p:cNvPr id="2" name="Title 1">
             <a:extLst>
               <a:ext uri="{FF2B5EF4-FFF2-40B4-BE49-F238E27FC236}">
-                <a16:creationId xmlns:a16="http://schemas.microsoft.com/office/drawing/2014/main" id="{17D9D381-288C-43FB-86C2-AAA4FCFD43FD}"/>
+                <a16:creationId xmlns:a16="http://schemas.microsoft.com/office/drawing/2014/main" xmlns="" id="{17D9D381-288C-43FB-86C2-AAA4FCFD43FD}"/>
               </a:ext>
             </a:extLst>
           </p:cNvPr>
@@ -1958,7 +1958,7 @@
           <p:cNvPr id="3" name="Date Placeholder 2">
             <a:extLst>
               <a:ext uri="{FF2B5EF4-FFF2-40B4-BE49-F238E27FC236}">
-                <a16:creationId xmlns:a16="http://schemas.microsoft.com/office/drawing/2014/main" id="{A85D75E5-4830-4F75-8132-91122609F925}"/>
+                <a16:creationId xmlns:a16="http://schemas.microsoft.com/office/drawing/2014/main" xmlns="" id="{A85D75E5-4830-4F75-8132-91122609F925}"/>
               </a:ext>
             </a:extLst>
           </p:cNvPr>
@@ -1976,7 +1976,7 @@
           <a:p>
             <a:fld id="{03EC4E3E-8101-482F-A883-8B55DAFF7C07}" type="datetimeFigureOut">
               <a:rPr lang="en-SG" smtClean="0"/>
-              <a:t>6/7/2018</a:t>
+              <a:t>1/4/2019</a:t>
             </a:fld>
             <a:endParaRPr lang="en-SG"/>
           </a:p>
@@ -1987,7 +1987,7 @@
           <p:cNvPr id="4" name="Footer Placeholder 3">
             <a:extLst>
               <a:ext uri="{FF2B5EF4-FFF2-40B4-BE49-F238E27FC236}">
-                <a16:creationId xmlns:a16="http://schemas.microsoft.com/office/drawing/2014/main" id="{0C14A42C-834F-43EA-8053-84D5A665CEE7}"/>
+                <a16:creationId xmlns:a16="http://schemas.microsoft.com/office/drawing/2014/main" xmlns="" id="{0C14A42C-834F-43EA-8053-84D5A665CEE7}"/>
               </a:ext>
             </a:extLst>
           </p:cNvPr>
@@ -2012,7 +2012,7 @@
           <p:cNvPr id="5" name="Slide Number Placeholder 4">
             <a:extLst>
               <a:ext uri="{FF2B5EF4-FFF2-40B4-BE49-F238E27FC236}">
-                <a16:creationId xmlns:a16="http://schemas.microsoft.com/office/drawing/2014/main" id="{38C1E789-CDA9-48FF-A7BA-F21E31600226}"/>
+                <a16:creationId xmlns:a16="http://schemas.microsoft.com/office/drawing/2014/main" xmlns="" id="{38C1E789-CDA9-48FF-A7BA-F21E31600226}"/>
               </a:ext>
             </a:extLst>
           </p:cNvPr>
@@ -2071,7 +2071,7 @@
           <p:cNvPr id="2" name="Date Placeholder 1">
             <a:extLst>
               <a:ext uri="{FF2B5EF4-FFF2-40B4-BE49-F238E27FC236}">
-                <a16:creationId xmlns:a16="http://schemas.microsoft.com/office/drawing/2014/main" id="{21A40ECD-0ABD-4F35-B481-512A01FC643D}"/>
+                <a16:creationId xmlns:a16="http://schemas.microsoft.com/office/drawing/2014/main" xmlns="" id="{21A40ECD-0ABD-4F35-B481-512A01FC643D}"/>
               </a:ext>
             </a:extLst>
           </p:cNvPr>
@@ -2089,7 +2089,7 @@
           <a:p>
             <a:fld id="{03EC4E3E-8101-482F-A883-8B55DAFF7C07}" type="datetimeFigureOut">
               <a:rPr lang="en-SG" smtClean="0"/>
-              <a:t>6/7/2018</a:t>
+              <a:t>1/4/2019</a:t>
             </a:fld>
             <a:endParaRPr lang="en-SG"/>
           </a:p>
@@ -2100,7 +2100,7 @@
           <p:cNvPr id="3" name="Footer Placeholder 2">
             <a:extLst>
               <a:ext uri="{FF2B5EF4-FFF2-40B4-BE49-F238E27FC236}">
-                <a16:creationId xmlns:a16="http://schemas.microsoft.com/office/drawing/2014/main" id="{D44B8F11-A412-4FA6-9070-B9C742F699F3}"/>
+                <a16:creationId xmlns:a16="http://schemas.microsoft.com/office/drawing/2014/main" xmlns="" id="{D44B8F11-A412-4FA6-9070-B9C742F699F3}"/>
               </a:ext>
             </a:extLst>
           </p:cNvPr>
@@ -2125,7 +2125,7 @@
           <p:cNvPr id="4" name="Slide Number Placeholder 3">
             <a:extLst>
               <a:ext uri="{FF2B5EF4-FFF2-40B4-BE49-F238E27FC236}">
-                <a16:creationId xmlns:a16="http://schemas.microsoft.com/office/drawing/2014/main" id="{E3EA086A-DA0B-4378-A128-F213644ECB0C}"/>
+                <a16:creationId xmlns:a16="http://schemas.microsoft.com/office/drawing/2014/main" xmlns="" id="{E3EA086A-DA0B-4378-A128-F213644ECB0C}"/>
               </a:ext>
             </a:extLst>
           </p:cNvPr>
@@ -2184,7 +2184,7 @@
           <p:cNvPr id="2" name="Title 1">
             <a:extLst>
               <a:ext uri="{FF2B5EF4-FFF2-40B4-BE49-F238E27FC236}">
-                <a16:creationId xmlns:a16="http://schemas.microsoft.com/office/drawing/2014/main" id="{765D165A-D423-4E89-A075-D59A9FB59792}"/>
+                <a16:creationId xmlns:a16="http://schemas.microsoft.com/office/drawing/2014/main" xmlns="" id="{765D165A-D423-4E89-A075-D59A9FB59792}"/>
               </a:ext>
             </a:extLst>
           </p:cNvPr>
@@ -2222,7 +2222,7 @@
           <p:cNvPr id="3" name="Content Placeholder 2">
             <a:extLst>
               <a:ext uri="{FF2B5EF4-FFF2-40B4-BE49-F238E27FC236}">
-                <a16:creationId xmlns:a16="http://schemas.microsoft.com/office/drawing/2014/main" id="{77C2A5CC-2876-49CA-993D-F4F73FC9D2B0}"/>
+                <a16:creationId xmlns:a16="http://schemas.microsoft.com/office/drawing/2014/main" xmlns="" id="{77C2A5CC-2876-49CA-993D-F4F73FC9D2B0}"/>
               </a:ext>
             </a:extLst>
           </p:cNvPr>
@@ -2313,7 +2313,7 @@
           <p:cNvPr id="4" name="Text Placeholder 3">
             <a:extLst>
               <a:ext uri="{FF2B5EF4-FFF2-40B4-BE49-F238E27FC236}">
-                <a16:creationId xmlns:a16="http://schemas.microsoft.com/office/drawing/2014/main" id="{7B4DE2E8-CCF6-4E88-A858-05A04CD0D736}"/>
+                <a16:creationId xmlns:a16="http://schemas.microsoft.com/office/drawing/2014/main" xmlns="" id="{7B4DE2E8-CCF6-4E88-A858-05A04CD0D736}"/>
               </a:ext>
             </a:extLst>
           </p:cNvPr>
@@ -2384,7 +2384,7 @@
           <p:cNvPr id="5" name="Date Placeholder 4">
             <a:extLst>
               <a:ext uri="{FF2B5EF4-FFF2-40B4-BE49-F238E27FC236}">
-                <a16:creationId xmlns:a16="http://schemas.microsoft.com/office/drawing/2014/main" id="{CAEBEC1E-DE48-4B55-A846-F8248E381145}"/>
+                <a16:creationId xmlns:a16="http://schemas.microsoft.com/office/drawing/2014/main" xmlns="" id="{CAEBEC1E-DE48-4B55-A846-F8248E381145}"/>
               </a:ext>
             </a:extLst>
           </p:cNvPr>
@@ -2402,7 +2402,7 @@
           <a:p>
             <a:fld id="{03EC4E3E-8101-482F-A883-8B55DAFF7C07}" type="datetimeFigureOut">
               <a:rPr lang="en-SG" smtClean="0"/>
-              <a:t>6/7/2018</a:t>
+              <a:t>1/4/2019</a:t>
             </a:fld>
             <a:endParaRPr lang="en-SG"/>
           </a:p>
@@ -2413,7 +2413,7 @@
           <p:cNvPr id="6" name="Footer Placeholder 5">
             <a:extLst>
               <a:ext uri="{FF2B5EF4-FFF2-40B4-BE49-F238E27FC236}">
-                <a16:creationId xmlns:a16="http://schemas.microsoft.com/office/drawing/2014/main" id="{945A6E8B-6BC2-49E9-B4E5-DAD3F7A1A1BF}"/>
+                <a16:creationId xmlns:a16="http://schemas.microsoft.com/office/drawing/2014/main" xmlns="" id="{945A6E8B-6BC2-49E9-B4E5-DAD3F7A1A1BF}"/>
               </a:ext>
             </a:extLst>
           </p:cNvPr>
@@ -2438,7 +2438,7 @@
           <p:cNvPr id="7" name="Slide Number Placeholder 6">
             <a:extLst>
               <a:ext uri="{FF2B5EF4-FFF2-40B4-BE49-F238E27FC236}">
-                <a16:creationId xmlns:a16="http://schemas.microsoft.com/office/drawing/2014/main" id="{E5CF739B-EDF0-43CE-A87E-C49F040C85A5}"/>
+                <a16:creationId xmlns:a16="http://schemas.microsoft.com/office/drawing/2014/main" xmlns="" id="{E5CF739B-EDF0-43CE-A87E-C49F040C85A5}"/>
               </a:ext>
             </a:extLst>
           </p:cNvPr>
@@ -2497,7 +2497,7 @@
           <p:cNvPr id="2" name="Title 1">
             <a:extLst>
               <a:ext uri="{FF2B5EF4-FFF2-40B4-BE49-F238E27FC236}">
-                <a16:creationId xmlns:a16="http://schemas.microsoft.com/office/drawing/2014/main" id="{0091F49F-E849-4834-84DB-61CF2F2652D4}"/>
+                <a16:creationId xmlns:a16="http://schemas.microsoft.com/office/drawing/2014/main" xmlns="" id="{0091F49F-E849-4834-84DB-61CF2F2652D4}"/>
               </a:ext>
             </a:extLst>
           </p:cNvPr>
@@ -2535,7 +2535,7 @@
           <p:cNvPr id="3" name="Picture Placeholder 2">
             <a:extLst>
               <a:ext uri="{FF2B5EF4-FFF2-40B4-BE49-F238E27FC236}">
-                <a16:creationId xmlns:a16="http://schemas.microsoft.com/office/drawing/2014/main" id="{631D62A9-3420-4F1C-9EB9-09EF85106E78}"/>
+                <a16:creationId xmlns:a16="http://schemas.microsoft.com/office/drawing/2014/main" xmlns="" id="{631D62A9-3420-4F1C-9EB9-09EF85106E78}"/>
               </a:ext>
             </a:extLst>
           </p:cNvPr>
@@ -2602,7 +2602,7 @@
           <p:cNvPr id="4" name="Text Placeholder 3">
             <a:extLst>
               <a:ext uri="{FF2B5EF4-FFF2-40B4-BE49-F238E27FC236}">
-                <a16:creationId xmlns:a16="http://schemas.microsoft.com/office/drawing/2014/main" id="{E450EC8D-D7F4-45FC-AD8C-2E198A32CCA2}"/>
+                <a16:creationId xmlns:a16="http://schemas.microsoft.com/office/drawing/2014/main" xmlns="" id="{E450EC8D-D7F4-45FC-AD8C-2E198A32CCA2}"/>
               </a:ext>
             </a:extLst>
           </p:cNvPr>
@@ -2673,7 +2673,7 @@
           <p:cNvPr id="5" name="Date Placeholder 4">
             <a:extLst>
               <a:ext uri="{FF2B5EF4-FFF2-40B4-BE49-F238E27FC236}">
-                <a16:creationId xmlns:a16="http://schemas.microsoft.com/office/drawing/2014/main" id="{7A73D668-ABF4-41FE-958C-542EEDC5F6CC}"/>
+                <a16:creationId xmlns:a16="http://schemas.microsoft.com/office/drawing/2014/main" xmlns="" id="{7A73D668-ABF4-41FE-958C-542EEDC5F6CC}"/>
               </a:ext>
             </a:extLst>
           </p:cNvPr>
@@ -2691,7 +2691,7 @@
           <a:p>
             <a:fld id="{03EC4E3E-8101-482F-A883-8B55DAFF7C07}" type="datetimeFigureOut">
               <a:rPr lang="en-SG" smtClean="0"/>
-              <a:t>6/7/2018</a:t>
+              <a:t>1/4/2019</a:t>
             </a:fld>
             <a:endParaRPr lang="en-SG"/>
           </a:p>
@@ -2702,7 +2702,7 @@
           <p:cNvPr id="6" name="Footer Placeholder 5">
             <a:extLst>
               <a:ext uri="{FF2B5EF4-FFF2-40B4-BE49-F238E27FC236}">
-                <a16:creationId xmlns:a16="http://schemas.microsoft.com/office/drawing/2014/main" id="{F4A83B1C-93E7-4D32-9D1B-3F37403B1ACD}"/>
+                <a16:creationId xmlns:a16="http://schemas.microsoft.com/office/drawing/2014/main" xmlns="" id="{F4A83B1C-93E7-4D32-9D1B-3F37403B1ACD}"/>
               </a:ext>
             </a:extLst>
           </p:cNvPr>
@@ -2727,7 +2727,7 @@
           <p:cNvPr id="7" name="Slide Number Placeholder 6">
             <a:extLst>
               <a:ext uri="{FF2B5EF4-FFF2-40B4-BE49-F238E27FC236}">
-                <a16:creationId xmlns:a16="http://schemas.microsoft.com/office/drawing/2014/main" id="{C6AF73BE-F17B-487B-943B-28655BB51C92}"/>
+                <a16:creationId xmlns:a16="http://schemas.microsoft.com/office/drawing/2014/main" xmlns="" id="{C6AF73BE-F17B-487B-943B-28655BB51C92}"/>
               </a:ext>
             </a:extLst>
           </p:cNvPr>
@@ -2791,7 +2791,7 @@
           <p:cNvPr id="2" name="Title Placeholder 1">
             <a:extLst>
               <a:ext uri="{FF2B5EF4-FFF2-40B4-BE49-F238E27FC236}">
-                <a16:creationId xmlns:a16="http://schemas.microsoft.com/office/drawing/2014/main" id="{96F7127E-5F47-4B37-9FDB-695AB14D9551}"/>
+                <a16:creationId xmlns:a16="http://schemas.microsoft.com/office/drawing/2014/main" xmlns="" id="{96F7127E-5F47-4B37-9FDB-695AB14D9551}"/>
               </a:ext>
             </a:extLst>
           </p:cNvPr>
@@ -2830,7 +2830,7 @@
           <p:cNvPr id="3" name="Text Placeholder 2">
             <a:extLst>
               <a:ext uri="{FF2B5EF4-FFF2-40B4-BE49-F238E27FC236}">
-                <a16:creationId xmlns:a16="http://schemas.microsoft.com/office/drawing/2014/main" id="{3BD20F0F-B303-4EE3-AF17-E303EA90B1A3}"/>
+                <a16:creationId xmlns:a16="http://schemas.microsoft.com/office/drawing/2014/main" xmlns="" id="{3BD20F0F-B303-4EE3-AF17-E303EA90B1A3}"/>
               </a:ext>
             </a:extLst>
           </p:cNvPr>
@@ -2898,7 +2898,7 @@
           <p:cNvPr id="4" name="Date Placeholder 3">
             <a:extLst>
               <a:ext uri="{FF2B5EF4-FFF2-40B4-BE49-F238E27FC236}">
-                <a16:creationId xmlns:a16="http://schemas.microsoft.com/office/drawing/2014/main" id="{7927ADFB-0C7F-4333-A456-815FAB4B0315}"/>
+                <a16:creationId xmlns:a16="http://schemas.microsoft.com/office/drawing/2014/main" xmlns="" id="{7927ADFB-0C7F-4333-A456-815FAB4B0315}"/>
               </a:ext>
             </a:extLst>
           </p:cNvPr>
@@ -2934,7 +2934,7 @@
           <a:p>
             <a:fld id="{03EC4E3E-8101-482F-A883-8B55DAFF7C07}" type="datetimeFigureOut">
               <a:rPr lang="en-SG" smtClean="0"/>
-              <a:t>6/7/2018</a:t>
+              <a:t>1/4/2019</a:t>
             </a:fld>
             <a:endParaRPr lang="en-SG"/>
           </a:p>
@@ -2945,7 +2945,7 @@
           <p:cNvPr id="5" name="Footer Placeholder 4">
             <a:extLst>
               <a:ext uri="{FF2B5EF4-FFF2-40B4-BE49-F238E27FC236}">
-                <a16:creationId xmlns:a16="http://schemas.microsoft.com/office/drawing/2014/main" id="{A1992B28-8397-4C93-A277-5EE43A537825}"/>
+                <a16:creationId xmlns:a16="http://schemas.microsoft.com/office/drawing/2014/main" xmlns="" id="{A1992B28-8397-4C93-A277-5EE43A537825}"/>
               </a:ext>
             </a:extLst>
           </p:cNvPr>
@@ -2988,7 +2988,7 @@
           <p:cNvPr id="6" name="Slide Number Placeholder 5">
             <a:extLst>
               <a:ext uri="{FF2B5EF4-FFF2-40B4-BE49-F238E27FC236}">
-                <a16:creationId xmlns:a16="http://schemas.microsoft.com/office/drawing/2014/main" id="{D7231209-A74B-4134-87D0-421AB81BBB47}"/>
+                <a16:creationId xmlns:a16="http://schemas.microsoft.com/office/drawing/2014/main" xmlns="" id="{D7231209-A74B-4134-87D0-421AB81BBB47}"/>
               </a:ext>
             </a:extLst>
           </p:cNvPr>
@@ -3359,7 +3359,7 @@
         </p:nvSpPr>
         <p:spPr>
           <a:xfrm>
-            <a:off x="5051917" y="2107282"/>
+            <a:off x="4512081" y="2106392"/>
             <a:ext cx="1535059" cy="1635302"/>
           </a:xfrm>
           <a:prstGeom prst="downArrow">
@@ -3400,7 +3400,7 @@
           <p:cNvPr id="15" name="TextBox 14">
             <a:extLst>
               <a:ext uri="{FF2B5EF4-FFF2-40B4-BE49-F238E27FC236}">
-                <a16:creationId xmlns:a16="http://schemas.microsoft.com/office/drawing/2014/main" id="{032C4FEA-C10B-4133-9BF6-AF6F40CC1AD4}"/>
+                <a16:creationId xmlns:a16="http://schemas.microsoft.com/office/drawing/2014/main" xmlns="" id="{032C4FEA-C10B-4133-9BF6-AF6F40CC1AD4}"/>
               </a:ext>
             </a:extLst>
           </p:cNvPr>
@@ -3451,7 +3451,15 @@
             <a:pPr algn="ctr"/>
             <a:r>
               <a:rPr lang="en-SG"/>
-              <a:t>State ab2 </a:t>
+              <a:t>State </a:t>
+            </a:r>
+            <a:r>
+              <a:rPr lang="en-SG" smtClean="0"/>
+              <a:t>td</a:t>
+            </a:r>
+            <a:r>
+              <a:rPr lang="en-SG" smtClean="0"/>
+              <a:t>2 </a:t>
             </a:r>
             <a:r>
               <a:rPr lang="en-SG" dirty="0"/>
@@ -3465,7 +3473,7 @@
           <p:cNvPr id="17" name="TextBox 16">
             <a:extLst>
               <a:ext uri="{FF2B5EF4-FFF2-40B4-BE49-F238E27FC236}">
-                <a16:creationId xmlns:a16="http://schemas.microsoft.com/office/drawing/2014/main" id="{3151A13B-9509-43FA-BFEB-1D9866A00B84}"/>
+                <a16:creationId xmlns:a16="http://schemas.microsoft.com/office/drawing/2014/main" xmlns="" id="{3151A13B-9509-43FA-BFEB-1D9866A00B84}"/>
               </a:ext>
             </a:extLst>
           </p:cNvPr>
@@ -3474,7 +3482,7 @@
         </p:nvSpPr>
         <p:spPr>
           <a:xfrm>
-            <a:off x="1844917" y="2745771"/>
+            <a:off x="1036071" y="2739377"/>
             <a:ext cx="3207000" cy="369332"/>
           </a:xfrm>
           <a:prstGeom prst="rect">
@@ -3555,7 +3563,7 @@
           <p:cNvPr id="22" name="TextBox 21">
             <a:extLst>
               <a:ext uri="{FF2B5EF4-FFF2-40B4-BE49-F238E27FC236}">
-                <a16:creationId xmlns:a16="http://schemas.microsoft.com/office/drawing/2014/main" id="{3151A13B-9509-43FA-BFEB-1D9866A00B84}"/>
+                <a16:creationId xmlns:a16="http://schemas.microsoft.com/office/drawing/2014/main" xmlns="" id="{3151A13B-9509-43FA-BFEB-1D9866A00B84}"/>
               </a:ext>
             </a:extLst>
           </p:cNvPr>
@@ -3564,7 +3572,7 @@
         </p:nvSpPr>
         <p:spPr>
           <a:xfrm>
-            <a:off x="3952597" y="5155963"/>
+            <a:off x="2908581" y="5155963"/>
             <a:ext cx="3207000" cy="369332"/>
           </a:xfrm>
           <a:prstGeom prst="rect">
@@ -3645,7 +3653,7 @@
           <p:cNvPr id="16" name="Table 15">
             <a:extLst>
               <a:ext uri="{FF2B5EF4-FFF2-40B4-BE49-F238E27FC236}">
-                <a16:creationId xmlns:a16="http://schemas.microsoft.com/office/drawing/2014/main" id="{F545FAB8-F1CE-4886-9BDE-E772BCB0A9C4}"/>
+                <a16:creationId xmlns:a16="http://schemas.microsoft.com/office/drawing/2014/main" xmlns="" id="{F545FAB8-F1CE-4886-9BDE-E772BCB0A9C4}"/>
               </a:ext>
             </a:extLst>
           </p:cNvPr>
@@ -3655,14 +3663,14 @@
           <p:nvPr>
             <p:extLst>
               <p:ext uri="{D42A27DB-BD31-4B8C-83A1-F6EECF244321}">
-                <p14:modId xmlns:p14="http://schemas.microsoft.com/office/powerpoint/2010/main" val="1352982134"/>
+                <p14:modId xmlns:p14="http://schemas.microsoft.com/office/powerpoint/2010/main" val="2214022982"/>
               </p:ext>
             </p:extLst>
           </p:nvPr>
         </p:nvGraphicFramePr>
         <p:xfrm>
           <a:off x="473240" y="1476102"/>
-          <a:ext cx="1825824" cy="417888"/>
+          <a:ext cx="1371677" cy="417888"/>
         </p:xfrm>
         <a:graphic>
           <a:graphicData uri="http://schemas.openxmlformats.org/drawingml/2006/table">
@@ -3671,10 +3679,10 @@
                 <a:tableStyleId>{638B1855-1B75-4FBE-930C-398BA8C253C6}</a:tableStyleId>
               </a:tblPr>
               <a:tblGrid>
-                <a:gridCol w="1825824">
+                <a:gridCol w="1371677">
                   <a:extLst>
                     <a:ext uri="{9D8B030D-6E8A-4147-A177-3AD203B41FA5}">
-                      <a16:colId xmlns:a16="http://schemas.microsoft.com/office/drawing/2014/main" val="4240773277"/>
+                      <a16:colId xmlns:a16="http://schemas.microsoft.com/office/drawing/2014/main" xmlns="" val="4240773277"/>
                     </a:ext>
                   </a:extLst>
                 </a:gridCol>
@@ -3686,12 +3694,12 @@
                     <a:lstStyle/>
                     <a:p>
                       <a:r>
-                        <a:rPr lang="en-SG" u="sng" dirty="0"/>
-                        <a:t>ab0:</a:t>
+                        <a:rPr lang="en-SG" u="sng" dirty="0" smtClean="0"/>
+                        <a:t>td0:</a:t>
                       </a:r>
                       <a:r>
-                        <a:rPr lang="en-SG" sz="1800" u="sng" dirty="0"/>
-                        <a:t>AddressBook</a:t>
+                        <a:rPr lang="en-SG" sz="1800" u="sng" dirty="0" smtClean="0"/>
+                        <a:t>TopDeck</a:t>
                       </a:r>
                       <a:endParaRPr lang="en-SG" u="sng" dirty="0"/>
                     </a:p>
@@ -3700,7 +3708,7 @@
                 </a:tc>
                 <a:extLst>
                   <a:ext uri="{0D108BD9-81ED-4DB2-BD59-A6C34878D82A}">
-                    <a16:rowId xmlns:a16="http://schemas.microsoft.com/office/drawing/2014/main" val="2194462629"/>
+                    <a16:rowId xmlns:a16="http://schemas.microsoft.com/office/drawing/2014/main" xmlns="" val="2194462629"/>
                   </a:ext>
                 </a:extLst>
               </a:tr>
@@ -3713,7 +3721,7 @@
           <p:cNvPr id="29" name="Table 28">
             <a:extLst>
               <a:ext uri="{FF2B5EF4-FFF2-40B4-BE49-F238E27FC236}">
-                <a16:creationId xmlns:a16="http://schemas.microsoft.com/office/drawing/2014/main" id="{F545FAB8-F1CE-4886-9BDE-E772BCB0A9C4}"/>
+                <a16:creationId xmlns:a16="http://schemas.microsoft.com/office/drawing/2014/main" xmlns="" id="{F545FAB8-F1CE-4886-9BDE-E772BCB0A9C4}"/>
               </a:ext>
             </a:extLst>
           </p:cNvPr>
@@ -3723,14 +3731,14 @@
           <p:nvPr>
             <p:extLst>
               <p:ext uri="{D42A27DB-BD31-4B8C-83A1-F6EECF244321}">
-                <p14:modId xmlns:p14="http://schemas.microsoft.com/office/powerpoint/2010/main" val="829193732"/>
+                <p14:modId xmlns:p14="http://schemas.microsoft.com/office/powerpoint/2010/main" val="3354951968"/>
               </p:ext>
             </p:extLst>
           </p:nvPr>
         </p:nvGraphicFramePr>
         <p:xfrm>
-          <a:off x="2440458" y="1476102"/>
-          <a:ext cx="1825824" cy="417888"/>
+          <a:off x="1987205" y="1476102"/>
+          <a:ext cx="1351613" cy="417888"/>
         </p:xfrm>
         <a:graphic>
           <a:graphicData uri="http://schemas.openxmlformats.org/drawingml/2006/table">
@@ -3739,10 +3747,10 @@
                 <a:tableStyleId>{638B1855-1B75-4FBE-930C-398BA8C253C6}</a:tableStyleId>
               </a:tblPr>
               <a:tblGrid>
-                <a:gridCol w="1825824">
+                <a:gridCol w="1351613">
                   <a:extLst>
                     <a:ext uri="{9D8B030D-6E8A-4147-A177-3AD203B41FA5}">
-                      <a16:colId xmlns:a16="http://schemas.microsoft.com/office/drawing/2014/main" val="4240773277"/>
+                      <a16:colId xmlns:a16="http://schemas.microsoft.com/office/drawing/2014/main" xmlns="" val="4240773277"/>
                     </a:ext>
                   </a:extLst>
                 </a:gridCol>
@@ -3754,12 +3762,12 @@
                     <a:lstStyle/>
                     <a:p>
                       <a:r>
-                        <a:rPr lang="en-SG" u="sng" dirty="0"/>
-                        <a:t>ab1:</a:t>
+                        <a:rPr lang="en-SG" u="sng" dirty="0" smtClean="0"/>
+                        <a:t>td1:</a:t>
                       </a:r>
                       <a:r>
-                        <a:rPr lang="en-SG" sz="1800" u="sng" dirty="0"/>
-                        <a:t>AddressBook</a:t>
+                        <a:rPr lang="en-SG" sz="1800" u="sng" dirty="0" smtClean="0"/>
+                        <a:t>TopDeck</a:t>
                       </a:r>
                       <a:endParaRPr lang="en-SG" u="sng" dirty="0"/>
                     </a:p>
@@ -3768,7 +3776,7 @@
                 </a:tc>
                 <a:extLst>
                   <a:ext uri="{0D108BD9-81ED-4DB2-BD59-A6C34878D82A}">
-                    <a16:rowId xmlns:a16="http://schemas.microsoft.com/office/drawing/2014/main" val="2194462629"/>
+                    <a16:rowId xmlns:a16="http://schemas.microsoft.com/office/drawing/2014/main" xmlns="" val="2194462629"/>
                   </a:ext>
                 </a:extLst>
               </a:tr>
@@ -3781,7 +3789,7 @@
           <p:cNvPr id="30" name="Table 29">
             <a:extLst>
               <a:ext uri="{FF2B5EF4-FFF2-40B4-BE49-F238E27FC236}">
-                <a16:creationId xmlns:a16="http://schemas.microsoft.com/office/drawing/2014/main" id="{F545FAB8-F1CE-4886-9BDE-E772BCB0A9C4}"/>
+                <a16:creationId xmlns:a16="http://schemas.microsoft.com/office/drawing/2014/main" xmlns="" id="{F545FAB8-F1CE-4886-9BDE-E772BCB0A9C4}"/>
               </a:ext>
             </a:extLst>
           </p:cNvPr>
@@ -3791,14 +3799,14 @@
           <p:nvPr>
             <p:extLst>
               <p:ext uri="{D42A27DB-BD31-4B8C-83A1-F6EECF244321}">
-                <p14:modId xmlns:p14="http://schemas.microsoft.com/office/powerpoint/2010/main" val="796708048"/>
+                <p14:modId xmlns:p14="http://schemas.microsoft.com/office/powerpoint/2010/main" val="1376661110"/>
               </p:ext>
             </p:extLst>
           </p:nvPr>
         </p:nvGraphicFramePr>
         <p:xfrm>
-          <a:off x="4409785" y="1476102"/>
-          <a:ext cx="1825824" cy="417888"/>
+          <a:off x="3509114" y="1476102"/>
+          <a:ext cx="1409661" cy="417888"/>
         </p:xfrm>
         <a:graphic>
           <a:graphicData uri="http://schemas.openxmlformats.org/drawingml/2006/table">
@@ -3807,10 +3815,10 @@
                 <a:tableStyleId>{638B1855-1B75-4FBE-930C-398BA8C253C6}</a:tableStyleId>
               </a:tblPr>
               <a:tblGrid>
-                <a:gridCol w="1825824">
+                <a:gridCol w="1409661">
                   <a:extLst>
                     <a:ext uri="{9D8B030D-6E8A-4147-A177-3AD203B41FA5}">
-                      <a16:colId xmlns:a16="http://schemas.microsoft.com/office/drawing/2014/main" val="4240773277"/>
+                      <a16:colId xmlns:a16="http://schemas.microsoft.com/office/drawing/2014/main" xmlns="" val="4240773277"/>
                     </a:ext>
                   </a:extLst>
                 </a:gridCol>
@@ -3822,12 +3830,12 @@
                     <a:lstStyle/>
                     <a:p>
                       <a:r>
-                        <a:rPr lang="en-SG" u="sng" dirty="0"/>
-                        <a:t>ab2:</a:t>
+                        <a:rPr lang="en-SG" u="sng" dirty="0" smtClean="0"/>
+                        <a:t>td2:</a:t>
                       </a:r>
                       <a:r>
-                        <a:rPr lang="en-SG" sz="1800" u="sng" dirty="0"/>
-                        <a:t>AddressBook</a:t>
+                        <a:rPr lang="en-SG" sz="1800" u="sng" dirty="0" smtClean="0"/>
+                        <a:t>TopDeck</a:t>
                       </a:r>
                       <a:endParaRPr lang="en-SG" u="sng" dirty="0"/>
                     </a:p>
@@ -3836,7 +3844,7 @@
                 </a:tc>
                 <a:extLst>
                   <a:ext uri="{0D108BD9-81ED-4DB2-BD59-A6C34878D82A}">
-                    <a16:rowId xmlns:a16="http://schemas.microsoft.com/office/drawing/2014/main" val="2194462629"/>
+                    <a16:rowId xmlns:a16="http://schemas.microsoft.com/office/drawing/2014/main" xmlns="" val="2194462629"/>
                   </a:ext>
                 </a:extLst>
               </a:tr>
@@ -3849,7 +3857,7 @@
           <p:cNvPr id="31" name="Table 30">
             <a:extLst>
               <a:ext uri="{FF2B5EF4-FFF2-40B4-BE49-F238E27FC236}">
-                <a16:creationId xmlns:a16="http://schemas.microsoft.com/office/drawing/2014/main" id="{F545FAB8-F1CE-4886-9BDE-E772BCB0A9C4}"/>
+                <a16:creationId xmlns:a16="http://schemas.microsoft.com/office/drawing/2014/main" xmlns="" id="{F545FAB8-F1CE-4886-9BDE-E772BCB0A9C4}"/>
               </a:ext>
             </a:extLst>
           </p:cNvPr>
@@ -3859,14 +3867,14 @@
           <p:nvPr>
             <p:extLst>
               <p:ext uri="{D42A27DB-BD31-4B8C-83A1-F6EECF244321}">
-                <p14:modId xmlns:p14="http://schemas.microsoft.com/office/powerpoint/2010/main" val="377617300"/>
+                <p14:modId xmlns:p14="http://schemas.microsoft.com/office/powerpoint/2010/main" val="2750807733"/>
               </p:ext>
             </p:extLst>
           </p:nvPr>
         </p:nvGraphicFramePr>
         <p:xfrm>
           <a:off x="473240" y="3919947"/>
-          <a:ext cx="1825824" cy="417888"/>
+          <a:ext cx="1400384" cy="417888"/>
         </p:xfrm>
         <a:graphic>
           <a:graphicData uri="http://schemas.openxmlformats.org/drawingml/2006/table">
@@ -3875,10 +3883,10 @@
                 <a:tableStyleId>{638B1855-1B75-4FBE-930C-398BA8C253C6}</a:tableStyleId>
               </a:tblPr>
               <a:tblGrid>
-                <a:gridCol w="1825824">
+                <a:gridCol w="1400384">
                   <a:extLst>
                     <a:ext uri="{9D8B030D-6E8A-4147-A177-3AD203B41FA5}">
-                      <a16:colId xmlns:a16="http://schemas.microsoft.com/office/drawing/2014/main" val="4240773277"/>
+                      <a16:colId xmlns:a16="http://schemas.microsoft.com/office/drawing/2014/main" xmlns="" val="4240773277"/>
                     </a:ext>
                   </a:extLst>
                 </a:gridCol>
@@ -3890,12 +3898,12 @@
                     <a:lstStyle/>
                     <a:p>
                       <a:r>
-                        <a:rPr lang="en-SG" u="sng" dirty="0"/>
-                        <a:t>ab0:</a:t>
+                        <a:rPr lang="en-SG" u="sng" dirty="0" smtClean="0"/>
+                        <a:t>td0:</a:t>
                       </a:r>
                       <a:r>
-                        <a:rPr lang="en-SG" sz="1800" u="sng" dirty="0"/>
-                        <a:t>AddressBook</a:t>
+                        <a:rPr lang="en-SG" sz="1800" u="sng" dirty="0" smtClean="0"/>
+                        <a:t>TopDeck</a:t>
                       </a:r>
                       <a:endParaRPr lang="en-SG" u="sng" dirty="0"/>
                     </a:p>
@@ -3904,7 +3912,7 @@
                 </a:tc>
                 <a:extLst>
                   <a:ext uri="{0D108BD9-81ED-4DB2-BD59-A6C34878D82A}">
-                    <a16:rowId xmlns:a16="http://schemas.microsoft.com/office/drawing/2014/main" val="2194462629"/>
+                    <a16:rowId xmlns:a16="http://schemas.microsoft.com/office/drawing/2014/main" xmlns="" val="2194462629"/>
                   </a:ext>
                 </a:extLst>
               </a:tr>
@@ -3917,7 +3925,7 @@
           <p:cNvPr id="32" name="Table 31">
             <a:extLst>
               <a:ext uri="{FF2B5EF4-FFF2-40B4-BE49-F238E27FC236}">
-                <a16:creationId xmlns:a16="http://schemas.microsoft.com/office/drawing/2014/main" id="{F545FAB8-F1CE-4886-9BDE-E772BCB0A9C4}"/>
+                <a16:creationId xmlns:a16="http://schemas.microsoft.com/office/drawing/2014/main" xmlns="" id="{F545FAB8-F1CE-4886-9BDE-E772BCB0A9C4}"/>
               </a:ext>
             </a:extLst>
           </p:cNvPr>
@@ -3927,14 +3935,14 @@
           <p:nvPr>
             <p:extLst>
               <p:ext uri="{D42A27DB-BD31-4B8C-83A1-F6EECF244321}">
-                <p14:modId xmlns:p14="http://schemas.microsoft.com/office/powerpoint/2010/main" val="4076322253"/>
+                <p14:modId xmlns:p14="http://schemas.microsoft.com/office/powerpoint/2010/main" val="4102024203"/>
               </p:ext>
             </p:extLst>
           </p:nvPr>
         </p:nvGraphicFramePr>
         <p:xfrm>
-          <a:off x="2440458" y="3919947"/>
-          <a:ext cx="1825824" cy="417888"/>
+          <a:off x="2037046" y="3926589"/>
+          <a:ext cx="1378507" cy="417888"/>
         </p:xfrm>
         <a:graphic>
           <a:graphicData uri="http://schemas.openxmlformats.org/drawingml/2006/table">
@@ -3943,10 +3951,10 @@
                 <a:tableStyleId>{638B1855-1B75-4FBE-930C-398BA8C253C6}</a:tableStyleId>
               </a:tblPr>
               <a:tblGrid>
-                <a:gridCol w="1825824">
+                <a:gridCol w="1378507">
                   <a:extLst>
                     <a:ext uri="{9D8B030D-6E8A-4147-A177-3AD203B41FA5}">
-                      <a16:colId xmlns:a16="http://schemas.microsoft.com/office/drawing/2014/main" val="4240773277"/>
+                      <a16:colId xmlns:a16="http://schemas.microsoft.com/office/drawing/2014/main" xmlns="" val="4240773277"/>
                     </a:ext>
                   </a:extLst>
                 </a:gridCol>
@@ -3958,12 +3966,12 @@
                     <a:lstStyle/>
                     <a:p>
                       <a:r>
-                        <a:rPr lang="en-SG" u="sng" dirty="0"/>
-                        <a:t>ab1:</a:t>
+                        <a:rPr lang="en-SG" u="sng" dirty="0" smtClean="0"/>
+                        <a:t>td1:</a:t>
                       </a:r>
                       <a:r>
-                        <a:rPr lang="en-SG" sz="1800" u="sng" dirty="0"/>
-                        <a:t>AddressBook</a:t>
+                        <a:rPr lang="en-SG" sz="1800" u="sng" dirty="0" smtClean="0"/>
+                        <a:t>TopDeck</a:t>
                       </a:r>
                       <a:endParaRPr lang="en-SG" u="sng" dirty="0"/>
                     </a:p>
@@ -3972,7 +3980,7 @@
                 </a:tc>
                 <a:extLst>
                   <a:ext uri="{0D108BD9-81ED-4DB2-BD59-A6C34878D82A}">
-                    <a16:rowId xmlns:a16="http://schemas.microsoft.com/office/drawing/2014/main" val="2194462629"/>
+                    <a16:rowId xmlns:a16="http://schemas.microsoft.com/office/drawing/2014/main" xmlns="" val="2194462629"/>
                   </a:ext>
                 </a:extLst>
               </a:tr>
@@ -3985,7 +3993,7 @@
           <p:cNvPr id="33" name="Table 32">
             <a:extLst>
               <a:ext uri="{FF2B5EF4-FFF2-40B4-BE49-F238E27FC236}">
-                <a16:creationId xmlns:a16="http://schemas.microsoft.com/office/drawing/2014/main" id="{F545FAB8-F1CE-4886-9BDE-E772BCB0A9C4}"/>
+                <a16:creationId xmlns:a16="http://schemas.microsoft.com/office/drawing/2014/main" xmlns="" id="{F545FAB8-F1CE-4886-9BDE-E772BCB0A9C4}"/>
               </a:ext>
             </a:extLst>
           </p:cNvPr>
@@ -3995,14 +4003,14 @@
           <p:nvPr>
             <p:extLst>
               <p:ext uri="{D42A27DB-BD31-4B8C-83A1-F6EECF244321}">
-                <p14:modId xmlns:p14="http://schemas.microsoft.com/office/powerpoint/2010/main" val="53411958"/>
+                <p14:modId xmlns:p14="http://schemas.microsoft.com/office/powerpoint/2010/main" val="4206252588"/>
               </p:ext>
             </p:extLst>
           </p:nvPr>
         </p:nvGraphicFramePr>
         <p:xfrm>
-          <a:off x="4409785" y="3919947"/>
-          <a:ext cx="1825824" cy="417888"/>
+          <a:off x="3547881" y="3926589"/>
+          <a:ext cx="1390380" cy="417888"/>
         </p:xfrm>
         <a:graphic>
           <a:graphicData uri="http://schemas.openxmlformats.org/drawingml/2006/table">
@@ -4011,10 +4019,10 @@
                 <a:tableStyleId>{638B1855-1B75-4FBE-930C-398BA8C253C6}</a:tableStyleId>
               </a:tblPr>
               <a:tblGrid>
-                <a:gridCol w="1825824">
+                <a:gridCol w="1390380">
                   <a:extLst>
                     <a:ext uri="{9D8B030D-6E8A-4147-A177-3AD203B41FA5}">
-                      <a16:colId xmlns:a16="http://schemas.microsoft.com/office/drawing/2014/main" val="4240773277"/>
+                      <a16:colId xmlns:a16="http://schemas.microsoft.com/office/drawing/2014/main" xmlns="" val="4240773277"/>
                     </a:ext>
                   </a:extLst>
                 </a:gridCol>
@@ -4026,12 +4034,12 @@
                     <a:lstStyle/>
                     <a:p>
                       <a:r>
-                        <a:rPr lang="en-SG" u="sng" dirty="0"/>
-                        <a:t>ab3:</a:t>
+                        <a:rPr lang="en-SG" u="sng" dirty="0" smtClean="0"/>
+                        <a:t>td3:</a:t>
                       </a:r>
                       <a:r>
-                        <a:rPr lang="en-SG" sz="1800" u="sng" dirty="0"/>
-                        <a:t>AddressBook</a:t>
+                        <a:rPr lang="en-SG" sz="1800" u="sng" dirty="0" smtClean="0"/>
+                        <a:t>TopDeck</a:t>
                       </a:r>
                       <a:endParaRPr lang="en-SG" u="sng" dirty="0"/>
                     </a:p>
@@ -4040,7 +4048,7 @@
                 </a:tc>
                 <a:extLst>
                   <a:ext uri="{0D108BD9-81ED-4DB2-BD59-A6C34878D82A}">
-                    <a16:rowId xmlns:a16="http://schemas.microsoft.com/office/drawing/2014/main" val="2194462629"/>
+                    <a16:rowId xmlns:a16="http://schemas.microsoft.com/office/drawing/2014/main" xmlns="" val="2194462629"/>
                   </a:ext>
                 </a:extLst>
               </a:tr>
@@ -4053,7 +4061,7 @@
           <p:cNvPr id="18" name="Straight Arrow Connector 17">
             <a:extLst>
               <a:ext uri="{FF2B5EF4-FFF2-40B4-BE49-F238E27FC236}">
-                <a16:creationId xmlns:a16="http://schemas.microsoft.com/office/drawing/2014/main" id="{BFC3A12D-3AD3-425B-8A3B-315B6DC01D05}"/>
+                <a16:creationId xmlns:a16="http://schemas.microsoft.com/office/drawing/2014/main" xmlns="" id="{BFC3A12D-3AD3-425B-8A3B-315B6DC01D05}"/>
               </a:ext>
             </a:extLst>
           </p:cNvPr>
@@ -4064,7 +4072,7 @@
         </p:nvCxnSpPr>
         <p:spPr>
           <a:xfrm flipV="1">
-            <a:off x="3338818" y="2038898"/>
+            <a:off x="2639571" y="1994140"/>
             <a:ext cx="0" cy="706873"/>
           </a:xfrm>
           <a:prstGeom prst="straightConnector1">
@@ -4097,7 +4105,7 @@
           <p:cNvPr id="19" name="Straight Arrow Connector 18">
             <a:extLst>
               <a:ext uri="{FF2B5EF4-FFF2-40B4-BE49-F238E27FC236}">
-                <a16:creationId xmlns:a16="http://schemas.microsoft.com/office/drawing/2014/main" id="{A3B5C47A-9640-4A49-B463-8F5196CF2A09}"/>
+                <a16:creationId xmlns:a16="http://schemas.microsoft.com/office/drawing/2014/main" xmlns="" id="{A3B5C47A-9640-4A49-B463-8F5196CF2A09}"/>
               </a:ext>
             </a:extLst>
           </p:cNvPr>
@@ -4108,7 +4116,7 @@
         </p:nvCxnSpPr>
         <p:spPr>
           <a:xfrm flipV="1">
-            <a:off x="5385732" y="4471595"/>
+            <a:off x="4243071" y="4432492"/>
             <a:ext cx="0" cy="706873"/>
           </a:xfrm>
           <a:prstGeom prst="straightConnector1">
@@ -4438,7 +4446,7 @@
   <a:extraClrSchemeLst/>
   <a:extLst>
     <a:ext uri="{05A4C25C-085E-4340-85A3-A5531E510DB2}">
-      <thm15:themeFamily xmlns:thm15="http://schemas.microsoft.com/office/thememl/2012/main" name="Office Theme" id="{62F939B6-93AF-4DB8-9C6B-D6C7DFDC589F}" vid="{4A3C46E8-61CC-4603-A589-7422A47A8E4A}"/>
+      <thm15:themeFamily xmlns:thm15="http://schemas.microsoft.com/office/thememl/2012/main" xmlns="" name="Office Theme" id="{62F939B6-93AF-4DB8-9C6B-D6C7DFDC589F}" vid="{4A3C46E8-61CC-4603-A589-7422A47A8E4A}"/>
     </a:ext>
   </a:extLst>
 </a:theme>

--- a/docs/diagrams/UndoRedoNewCommand4StateListDiagram.pptx
+++ b/docs/diagrams/UndoRedoNewCommand4StateListDiagram.pptx
@@ -112,10 +112,6 @@
 </p:presentation>
 </file>
 
-<file path=ppt/revisionInfo.xml><?xml version="1.0" encoding="utf-8"?>
-<p1510:revInfo xmlns:a="http://schemas.openxmlformats.org/drawingml/2006/main" xmlns:r="http://schemas.openxmlformats.org/officeDocument/2006/relationships" xmlns:p1510="http://schemas.microsoft.com/office/powerpoint/2015/10/main"/>
-</file>
-
 <file path=ppt/slideLayouts/slideLayout1.xml><?xml version="1.0" encoding="utf-8"?>
 <p:sldLayout xmlns:a="http://schemas.openxmlformats.org/drawingml/2006/main" xmlns:r="http://schemas.openxmlformats.org/officeDocument/2006/relationships" xmlns:p="http://schemas.openxmlformats.org/presentationml/2006/main" type="title" preserve="1">
   <p:cSld name="Title Slide">
@@ -265,7 +261,7 @@
           <a:p>
             <a:fld id="{03EC4E3E-8101-482F-A883-8B55DAFF7C07}" type="datetimeFigureOut">
               <a:rPr lang="en-SG" smtClean="0"/>
-              <a:t>6/7/2018</a:t>
+              <a:t>1/4/2019</a:t>
             </a:fld>
             <a:endParaRPr lang="en-SG"/>
           </a:p>
@@ -465,7 +461,7 @@
           <a:p>
             <a:fld id="{03EC4E3E-8101-482F-A883-8B55DAFF7C07}" type="datetimeFigureOut">
               <a:rPr lang="en-SG" smtClean="0"/>
-              <a:t>6/7/2018</a:t>
+              <a:t>1/4/2019</a:t>
             </a:fld>
             <a:endParaRPr lang="en-SG"/>
           </a:p>
@@ -675,7 +671,7 @@
           <a:p>
             <a:fld id="{03EC4E3E-8101-482F-A883-8B55DAFF7C07}" type="datetimeFigureOut">
               <a:rPr lang="en-SG" smtClean="0"/>
-              <a:t>6/7/2018</a:t>
+              <a:t>1/4/2019</a:t>
             </a:fld>
             <a:endParaRPr lang="en-SG"/>
           </a:p>
@@ -875,7 +871,7 @@
           <a:p>
             <a:fld id="{03EC4E3E-8101-482F-A883-8B55DAFF7C07}" type="datetimeFigureOut">
               <a:rPr lang="en-SG" smtClean="0"/>
-              <a:t>6/7/2018</a:t>
+              <a:t>1/4/2019</a:t>
             </a:fld>
             <a:endParaRPr lang="en-SG"/>
           </a:p>
@@ -1151,7 +1147,7 @@
           <a:p>
             <a:fld id="{03EC4E3E-8101-482F-A883-8B55DAFF7C07}" type="datetimeFigureOut">
               <a:rPr lang="en-SG" smtClean="0"/>
-              <a:t>6/7/2018</a:t>
+              <a:t>1/4/2019</a:t>
             </a:fld>
             <a:endParaRPr lang="en-SG"/>
           </a:p>
@@ -1419,7 +1415,7 @@
           <a:p>
             <a:fld id="{03EC4E3E-8101-482F-A883-8B55DAFF7C07}" type="datetimeFigureOut">
               <a:rPr lang="en-SG" smtClean="0"/>
-              <a:t>6/7/2018</a:t>
+              <a:t>1/4/2019</a:t>
             </a:fld>
             <a:endParaRPr lang="en-SG"/>
           </a:p>
@@ -1834,7 +1830,7 @@
           <a:p>
             <a:fld id="{03EC4E3E-8101-482F-A883-8B55DAFF7C07}" type="datetimeFigureOut">
               <a:rPr lang="en-SG" smtClean="0"/>
-              <a:t>6/7/2018</a:t>
+              <a:t>1/4/2019</a:t>
             </a:fld>
             <a:endParaRPr lang="en-SG"/>
           </a:p>
@@ -1976,7 +1972,7 @@
           <a:p>
             <a:fld id="{03EC4E3E-8101-482F-A883-8B55DAFF7C07}" type="datetimeFigureOut">
               <a:rPr lang="en-SG" smtClean="0"/>
-              <a:t>6/7/2018</a:t>
+              <a:t>1/4/2019</a:t>
             </a:fld>
             <a:endParaRPr lang="en-SG"/>
           </a:p>
@@ -2089,7 +2085,7 @@
           <a:p>
             <a:fld id="{03EC4E3E-8101-482F-A883-8B55DAFF7C07}" type="datetimeFigureOut">
               <a:rPr lang="en-SG" smtClean="0"/>
-              <a:t>6/7/2018</a:t>
+              <a:t>1/4/2019</a:t>
             </a:fld>
             <a:endParaRPr lang="en-SG"/>
           </a:p>
@@ -2402,7 +2398,7 @@
           <a:p>
             <a:fld id="{03EC4E3E-8101-482F-A883-8B55DAFF7C07}" type="datetimeFigureOut">
               <a:rPr lang="en-SG" smtClean="0"/>
-              <a:t>6/7/2018</a:t>
+              <a:t>1/4/2019</a:t>
             </a:fld>
             <a:endParaRPr lang="en-SG"/>
           </a:p>
@@ -2691,7 +2687,7 @@
           <a:p>
             <a:fld id="{03EC4E3E-8101-482F-A883-8B55DAFF7C07}" type="datetimeFigureOut">
               <a:rPr lang="en-SG" smtClean="0"/>
-              <a:t>6/7/2018</a:t>
+              <a:t>1/4/2019</a:t>
             </a:fld>
             <a:endParaRPr lang="en-SG"/>
           </a:p>
@@ -2934,7 +2930,7 @@
           <a:p>
             <a:fld id="{03EC4E3E-8101-482F-A883-8B55DAFF7C07}" type="datetimeFigureOut">
               <a:rPr lang="en-SG" smtClean="0"/>
-              <a:t>6/7/2018</a:t>
+              <a:t>1/4/2019</a:t>
             </a:fld>
             <a:endParaRPr lang="en-SG"/>
           </a:p>
@@ -3450,12 +3446,8 @@
           <a:p>
             <a:pPr algn="ctr"/>
             <a:r>
-              <a:rPr lang="en-SG"/>
-              <a:t>State ab2 </a:t>
-            </a:r>
-            <a:r>
               <a:rPr lang="en-SG" dirty="0"/>
-              <a:t>deleted.</a:t>
+              <a:t>State ft2 deleted.</a:t>
             </a:r>
           </a:p>
         </p:txBody>
@@ -3640,414 +3632,6 @@
           </a:p>
         </p:txBody>
       </p:sp>
-      <p:graphicFrame>
-        <p:nvGraphicFramePr>
-          <p:cNvPr id="16" name="Table 15">
-            <a:extLst>
-              <a:ext uri="{FF2B5EF4-FFF2-40B4-BE49-F238E27FC236}">
-                <a16:creationId xmlns:a16="http://schemas.microsoft.com/office/drawing/2014/main" id="{F545FAB8-F1CE-4886-9BDE-E772BCB0A9C4}"/>
-              </a:ext>
-            </a:extLst>
-          </p:cNvPr>
-          <p:cNvGraphicFramePr>
-            <a:graphicFrameLocks noGrp="1"/>
-          </p:cNvGraphicFramePr>
-          <p:nvPr>
-            <p:extLst>
-              <p:ext uri="{D42A27DB-BD31-4B8C-83A1-F6EECF244321}">
-                <p14:modId xmlns:p14="http://schemas.microsoft.com/office/powerpoint/2010/main" val="1352982134"/>
-              </p:ext>
-            </p:extLst>
-          </p:nvPr>
-        </p:nvGraphicFramePr>
-        <p:xfrm>
-          <a:off x="473240" y="1476102"/>
-          <a:ext cx="1825824" cy="417888"/>
-        </p:xfrm>
-        <a:graphic>
-          <a:graphicData uri="http://schemas.openxmlformats.org/drawingml/2006/table">
-            <a:tbl>
-              <a:tblPr>
-                <a:tableStyleId>{638B1855-1B75-4FBE-930C-398BA8C253C6}</a:tableStyleId>
-              </a:tblPr>
-              <a:tblGrid>
-                <a:gridCol w="1825824">
-                  <a:extLst>
-                    <a:ext uri="{9D8B030D-6E8A-4147-A177-3AD203B41FA5}">
-                      <a16:colId xmlns:a16="http://schemas.microsoft.com/office/drawing/2014/main" val="4240773277"/>
-                    </a:ext>
-                  </a:extLst>
-                </a:gridCol>
-              </a:tblGrid>
-              <a:tr h="417888">
-                <a:tc>
-                  <a:txBody>
-                    <a:bodyPr/>
-                    <a:lstStyle/>
-                    <a:p>
-                      <a:r>
-                        <a:rPr lang="en-SG" u="sng" dirty="0"/>
-                        <a:t>ab0:</a:t>
-                      </a:r>
-                      <a:r>
-                        <a:rPr lang="en-SG" sz="1800" u="sng" dirty="0"/>
-                        <a:t>AddressBook</a:t>
-                      </a:r>
-                      <a:endParaRPr lang="en-SG" u="sng" dirty="0"/>
-                    </a:p>
-                  </a:txBody>
-                  <a:tcPr/>
-                </a:tc>
-                <a:extLst>
-                  <a:ext uri="{0D108BD9-81ED-4DB2-BD59-A6C34878D82A}">
-                    <a16:rowId xmlns:a16="http://schemas.microsoft.com/office/drawing/2014/main" val="2194462629"/>
-                  </a:ext>
-                </a:extLst>
-              </a:tr>
-            </a:tbl>
-          </a:graphicData>
-        </a:graphic>
-      </p:graphicFrame>
-      <p:graphicFrame>
-        <p:nvGraphicFramePr>
-          <p:cNvPr id="29" name="Table 28">
-            <a:extLst>
-              <a:ext uri="{FF2B5EF4-FFF2-40B4-BE49-F238E27FC236}">
-                <a16:creationId xmlns:a16="http://schemas.microsoft.com/office/drawing/2014/main" id="{F545FAB8-F1CE-4886-9BDE-E772BCB0A9C4}"/>
-              </a:ext>
-            </a:extLst>
-          </p:cNvPr>
-          <p:cNvGraphicFramePr>
-            <a:graphicFrameLocks noGrp="1"/>
-          </p:cNvGraphicFramePr>
-          <p:nvPr>
-            <p:extLst>
-              <p:ext uri="{D42A27DB-BD31-4B8C-83A1-F6EECF244321}">
-                <p14:modId xmlns:p14="http://schemas.microsoft.com/office/powerpoint/2010/main" val="829193732"/>
-              </p:ext>
-            </p:extLst>
-          </p:nvPr>
-        </p:nvGraphicFramePr>
-        <p:xfrm>
-          <a:off x="2440458" y="1476102"/>
-          <a:ext cx="1825824" cy="417888"/>
-        </p:xfrm>
-        <a:graphic>
-          <a:graphicData uri="http://schemas.openxmlformats.org/drawingml/2006/table">
-            <a:tbl>
-              <a:tblPr>
-                <a:tableStyleId>{638B1855-1B75-4FBE-930C-398BA8C253C6}</a:tableStyleId>
-              </a:tblPr>
-              <a:tblGrid>
-                <a:gridCol w="1825824">
-                  <a:extLst>
-                    <a:ext uri="{9D8B030D-6E8A-4147-A177-3AD203B41FA5}">
-                      <a16:colId xmlns:a16="http://schemas.microsoft.com/office/drawing/2014/main" val="4240773277"/>
-                    </a:ext>
-                  </a:extLst>
-                </a:gridCol>
-              </a:tblGrid>
-              <a:tr h="417888">
-                <a:tc>
-                  <a:txBody>
-                    <a:bodyPr/>
-                    <a:lstStyle/>
-                    <a:p>
-                      <a:r>
-                        <a:rPr lang="en-SG" u="sng" dirty="0"/>
-                        <a:t>ab1:</a:t>
-                      </a:r>
-                      <a:r>
-                        <a:rPr lang="en-SG" sz="1800" u="sng" dirty="0"/>
-                        <a:t>AddressBook</a:t>
-                      </a:r>
-                      <a:endParaRPr lang="en-SG" u="sng" dirty="0"/>
-                    </a:p>
-                  </a:txBody>
-                  <a:tcPr/>
-                </a:tc>
-                <a:extLst>
-                  <a:ext uri="{0D108BD9-81ED-4DB2-BD59-A6C34878D82A}">
-                    <a16:rowId xmlns:a16="http://schemas.microsoft.com/office/drawing/2014/main" val="2194462629"/>
-                  </a:ext>
-                </a:extLst>
-              </a:tr>
-            </a:tbl>
-          </a:graphicData>
-        </a:graphic>
-      </p:graphicFrame>
-      <p:graphicFrame>
-        <p:nvGraphicFramePr>
-          <p:cNvPr id="30" name="Table 29">
-            <a:extLst>
-              <a:ext uri="{FF2B5EF4-FFF2-40B4-BE49-F238E27FC236}">
-                <a16:creationId xmlns:a16="http://schemas.microsoft.com/office/drawing/2014/main" id="{F545FAB8-F1CE-4886-9BDE-E772BCB0A9C4}"/>
-              </a:ext>
-            </a:extLst>
-          </p:cNvPr>
-          <p:cNvGraphicFramePr>
-            <a:graphicFrameLocks noGrp="1"/>
-          </p:cNvGraphicFramePr>
-          <p:nvPr>
-            <p:extLst>
-              <p:ext uri="{D42A27DB-BD31-4B8C-83A1-F6EECF244321}">
-                <p14:modId xmlns:p14="http://schemas.microsoft.com/office/powerpoint/2010/main" val="796708048"/>
-              </p:ext>
-            </p:extLst>
-          </p:nvPr>
-        </p:nvGraphicFramePr>
-        <p:xfrm>
-          <a:off x="4409785" y="1476102"/>
-          <a:ext cx="1825824" cy="417888"/>
-        </p:xfrm>
-        <a:graphic>
-          <a:graphicData uri="http://schemas.openxmlformats.org/drawingml/2006/table">
-            <a:tbl>
-              <a:tblPr>
-                <a:tableStyleId>{638B1855-1B75-4FBE-930C-398BA8C253C6}</a:tableStyleId>
-              </a:tblPr>
-              <a:tblGrid>
-                <a:gridCol w="1825824">
-                  <a:extLst>
-                    <a:ext uri="{9D8B030D-6E8A-4147-A177-3AD203B41FA5}">
-                      <a16:colId xmlns:a16="http://schemas.microsoft.com/office/drawing/2014/main" val="4240773277"/>
-                    </a:ext>
-                  </a:extLst>
-                </a:gridCol>
-              </a:tblGrid>
-              <a:tr h="417888">
-                <a:tc>
-                  <a:txBody>
-                    <a:bodyPr/>
-                    <a:lstStyle/>
-                    <a:p>
-                      <a:r>
-                        <a:rPr lang="en-SG" u="sng" dirty="0"/>
-                        <a:t>ab2:</a:t>
-                      </a:r>
-                      <a:r>
-                        <a:rPr lang="en-SG" sz="1800" u="sng" dirty="0"/>
-                        <a:t>AddressBook</a:t>
-                      </a:r>
-                      <a:endParaRPr lang="en-SG" u="sng" dirty="0"/>
-                    </a:p>
-                  </a:txBody>
-                  <a:tcPr/>
-                </a:tc>
-                <a:extLst>
-                  <a:ext uri="{0D108BD9-81ED-4DB2-BD59-A6C34878D82A}">
-                    <a16:rowId xmlns:a16="http://schemas.microsoft.com/office/drawing/2014/main" val="2194462629"/>
-                  </a:ext>
-                </a:extLst>
-              </a:tr>
-            </a:tbl>
-          </a:graphicData>
-        </a:graphic>
-      </p:graphicFrame>
-      <p:graphicFrame>
-        <p:nvGraphicFramePr>
-          <p:cNvPr id="31" name="Table 30">
-            <a:extLst>
-              <a:ext uri="{FF2B5EF4-FFF2-40B4-BE49-F238E27FC236}">
-                <a16:creationId xmlns:a16="http://schemas.microsoft.com/office/drawing/2014/main" id="{F545FAB8-F1CE-4886-9BDE-E772BCB0A9C4}"/>
-              </a:ext>
-            </a:extLst>
-          </p:cNvPr>
-          <p:cNvGraphicFramePr>
-            <a:graphicFrameLocks noGrp="1"/>
-          </p:cNvGraphicFramePr>
-          <p:nvPr>
-            <p:extLst>
-              <p:ext uri="{D42A27DB-BD31-4B8C-83A1-F6EECF244321}">
-                <p14:modId xmlns:p14="http://schemas.microsoft.com/office/powerpoint/2010/main" val="377617300"/>
-              </p:ext>
-            </p:extLst>
-          </p:nvPr>
-        </p:nvGraphicFramePr>
-        <p:xfrm>
-          <a:off x="473240" y="3919947"/>
-          <a:ext cx="1825824" cy="417888"/>
-        </p:xfrm>
-        <a:graphic>
-          <a:graphicData uri="http://schemas.openxmlformats.org/drawingml/2006/table">
-            <a:tbl>
-              <a:tblPr>
-                <a:tableStyleId>{638B1855-1B75-4FBE-930C-398BA8C253C6}</a:tableStyleId>
-              </a:tblPr>
-              <a:tblGrid>
-                <a:gridCol w="1825824">
-                  <a:extLst>
-                    <a:ext uri="{9D8B030D-6E8A-4147-A177-3AD203B41FA5}">
-                      <a16:colId xmlns:a16="http://schemas.microsoft.com/office/drawing/2014/main" val="4240773277"/>
-                    </a:ext>
-                  </a:extLst>
-                </a:gridCol>
-              </a:tblGrid>
-              <a:tr h="417888">
-                <a:tc>
-                  <a:txBody>
-                    <a:bodyPr/>
-                    <a:lstStyle/>
-                    <a:p>
-                      <a:r>
-                        <a:rPr lang="en-SG" u="sng" dirty="0"/>
-                        <a:t>ab0:</a:t>
-                      </a:r>
-                      <a:r>
-                        <a:rPr lang="en-SG" sz="1800" u="sng" dirty="0"/>
-                        <a:t>AddressBook</a:t>
-                      </a:r>
-                      <a:endParaRPr lang="en-SG" u="sng" dirty="0"/>
-                    </a:p>
-                  </a:txBody>
-                  <a:tcPr/>
-                </a:tc>
-                <a:extLst>
-                  <a:ext uri="{0D108BD9-81ED-4DB2-BD59-A6C34878D82A}">
-                    <a16:rowId xmlns:a16="http://schemas.microsoft.com/office/drawing/2014/main" val="2194462629"/>
-                  </a:ext>
-                </a:extLst>
-              </a:tr>
-            </a:tbl>
-          </a:graphicData>
-        </a:graphic>
-      </p:graphicFrame>
-      <p:graphicFrame>
-        <p:nvGraphicFramePr>
-          <p:cNvPr id="32" name="Table 31">
-            <a:extLst>
-              <a:ext uri="{FF2B5EF4-FFF2-40B4-BE49-F238E27FC236}">
-                <a16:creationId xmlns:a16="http://schemas.microsoft.com/office/drawing/2014/main" id="{F545FAB8-F1CE-4886-9BDE-E772BCB0A9C4}"/>
-              </a:ext>
-            </a:extLst>
-          </p:cNvPr>
-          <p:cNvGraphicFramePr>
-            <a:graphicFrameLocks noGrp="1"/>
-          </p:cNvGraphicFramePr>
-          <p:nvPr>
-            <p:extLst>
-              <p:ext uri="{D42A27DB-BD31-4B8C-83A1-F6EECF244321}">
-                <p14:modId xmlns:p14="http://schemas.microsoft.com/office/powerpoint/2010/main" val="4076322253"/>
-              </p:ext>
-            </p:extLst>
-          </p:nvPr>
-        </p:nvGraphicFramePr>
-        <p:xfrm>
-          <a:off x="2440458" y="3919947"/>
-          <a:ext cx="1825824" cy="417888"/>
-        </p:xfrm>
-        <a:graphic>
-          <a:graphicData uri="http://schemas.openxmlformats.org/drawingml/2006/table">
-            <a:tbl>
-              <a:tblPr>
-                <a:tableStyleId>{638B1855-1B75-4FBE-930C-398BA8C253C6}</a:tableStyleId>
-              </a:tblPr>
-              <a:tblGrid>
-                <a:gridCol w="1825824">
-                  <a:extLst>
-                    <a:ext uri="{9D8B030D-6E8A-4147-A177-3AD203B41FA5}">
-                      <a16:colId xmlns:a16="http://schemas.microsoft.com/office/drawing/2014/main" val="4240773277"/>
-                    </a:ext>
-                  </a:extLst>
-                </a:gridCol>
-              </a:tblGrid>
-              <a:tr h="417888">
-                <a:tc>
-                  <a:txBody>
-                    <a:bodyPr/>
-                    <a:lstStyle/>
-                    <a:p>
-                      <a:r>
-                        <a:rPr lang="en-SG" u="sng" dirty="0"/>
-                        <a:t>ab1:</a:t>
-                      </a:r>
-                      <a:r>
-                        <a:rPr lang="en-SG" sz="1800" u="sng" dirty="0"/>
-                        <a:t>AddressBook</a:t>
-                      </a:r>
-                      <a:endParaRPr lang="en-SG" u="sng" dirty="0"/>
-                    </a:p>
-                  </a:txBody>
-                  <a:tcPr/>
-                </a:tc>
-                <a:extLst>
-                  <a:ext uri="{0D108BD9-81ED-4DB2-BD59-A6C34878D82A}">
-                    <a16:rowId xmlns:a16="http://schemas.microsoft.com/office/drawing/2014/main" val="2194462629"/>
-                  </a:ext>
-                </a:extLst>
-              </a:tr>
-            </a:tbl>
-          </a:graphicData>
-        </a:graphic>
-      </p:graphicFrame>
-      <p:graphicFrame>
-        <p:nvGraphicFramePr>
-          <p:cNvPr id="33" name="Table 32">
-            <a:extLst>
-              <a:ext uri="{FF2B5EF4-FFF2-40B4-BE49-F238E27FC236}">
-                <a16:creationId xmlns:a16="http://schemas.microsoft.com/office/drawing/2014/main" id="{F545FAB8-F1CE-4886-9BDE-E772BCB0A9C4}"/>
-              </a:ext>
-            </a:extLst>
-          </p:cNvPr>
-          <p:cNvGraphicFramePr>
-            <a:graphicFrameLocks noGrp="1"/>
-          </p:cNvGraphicFramePr>
-          <p:nvPr>
-            <p:extLst>
-              <p:ext uri="{D42A27DB-BD31-4B8C-83A1-F6EECF244321}">
-                <p14:modId xmlns:p14="http://schemas.microsoft.com/office/powerpoint/2010/main" val="53411958"/>
-              </p:ext>
-            </p:extLst>
-          </p:nvPr>
-        </p:nvGraphicFramePr>
-        <p:xfrm>
-          <a:off x="4409785" y="3919947"/>
-          <a:ext cx="1825824" cy="417888"/>
-        </p:xfrm>
-        <a:graphic>
-          <a:graphicData uri="http://schemas.openxmlformats.org/drawingml/2006/table">
-            <a:tbl>
-              <a:tblPr>
-                <a:tableStyleId>{638B1855-1B75-4FBE-930C-398BA8C253C6}</a:tableStyleId>
-              </a:tblPr>
-              <a:tblGrid>
-                <a:gridCol w="1825824">
-                  <a:extLst>
-                    <a:ext uri="{9D8B030D-6E8A-4147-A177-3AD203B41FA5}">
-                      <a16:colId xmlns:a16="http://schemas.microsoft.com/office/drawing/2014/main" val="4240773277"/>
-                    </a:ext>
-                  </a:extLst>
-                </a:gridCol>
-              </a:tblGrid>
-              <a:tr h="417888">
-                <a:tc>
-                  <a:txBody>
-                    <a:bodyPr/>
-                    <a:lstStyle/>
-                    <a:p>
-                      <a:r>
-                        <a:rPr lang="en-SG" u="sng" dirty="0"/>
-                        <a:t>ab3:</a:t>
-                      </a:r>
-                      <a:r>
-                        <a:rPr lang="en-SG" sz="1800" u="sng" dirty="0"/>
-                        <a:t>AddressBook</a:t>
-                      </a:r>
-                      <a:endParaRPr lang="en-SG" u="sng" dirty="0"/>
-                    </a:p>
-                  </a:txBody>
-                  <a:tcPr/>
-                </a:tc>
-                <a:extLst>
-                  <a:ext uri="{0D108BD9-81ED-4DB2-BD59-A6C34878D82A}">
-                    <a16:rowId xmlns:a16="http://schemas.microsoft.com/office/drawing/2014/main" val="2194462629"/>
-                  </a:ext>
-                </a:extLst>
-              </a:tr>
-            </a:tbl>
-          </a:graphicData>
-        </a:graphic>
-      </p:graphicFrame>
       <p:cxnSp>
         <p:nvCxnSpPr>
           <p:cNvPr id="18" name="Straight Arrow Connector 17">
@@ -4136,6 +3720,390 @@
           </a:fontRef>
         </p:style>
       </p:cxnSp>
+      <p:graphicFrame>
+        <p:nvGraphicFramePr>
+          <p:cNvPr id="20" name="Table 19">
+            <a:extLst>
+              <a:ext uri="{FF2B5EF4-FFF2-40B4-BE49-F238E27FC236}">
+                <a16:creationId xmlns:a16="http://schemas.microsoft.com/office/drawing/2014/main" id="{C9FF7278-31C9-4F5E-9332-36B48F385E6C}"/>
+              </a:ext>
+            </a:extLst>
+          </p:cNvPr>
+          <p:cNvGraphicFramePr>
+            <a:graphicFrameLocks noGrp="1"/>
+          </p:cNvGraphicFramePr>
+          <p:nvPr>
+            <p:extLst>
+              <p:ext uri="{D42A27DB-BD31-4B8C-83A1-F6EECF244321}">
+                <p14:modId xmlns:p14="http://schemas.microsoft.com/office/powerpoint/2010/main" val="103605305"/>
+              </p:ext>
+            </p:extLst>
+          </p:nvPr>
+        </p:nvGraphicFramePr>
+        <p:xfrm>
+          <a:off x="473239" y="1476102"/>
+          <a:ext cx="1967207" cy="417888"/>
+        </p:xfrm>
+        <a:graphic>
+          <a:graphicData uri="http://schemas.openxmlformats.org/drawingml/2006/table">
+            <a:tbl>
+              <a:tblPr>
+                <a:tableStyleId>{638B1855-1B75-4FBE-930C-398BA8C253C6}</a:tableStyleId>
+              </a:tblPr>
+              <a:tblGrid>
+                <a:gridCol w="1967207">
+                  <a:extLst>
+                    <a:ext uri="{9D8B030D-6E8A-4147-A177-3AD203B41FA5}">
+                      <a16:colId xmlns:a16="http://schemas.microsoft.com/office/drawing/2014/main" val="4240773277"/>
+                    </a:ext>
+                  </a:extLst>
+                </a:gridCol>
+              </a:tblGrid>
+              <a:tr h="417888">
+                <a:tc>
+                  <a:txBody>
+                    <a:bodyPr/>
+                    <a:lstStyle/>
+                    <a:p>
+                      <a:r>
+                        <a:rPr lang="en-SG" u="sng" dirty="0"/>
+                        <a:t>ft0:FinanceTracker</a:t>
+                      </a:r>
+                      <a:endParaRPr lang="en-SG" sz="1600" u="sng" dirty="0"/>
+                    </a:p>
+                  </a:txBody>
+                  <a:tcPr/>
+                </a:tc>
+                <a:extLst>
+                  <a:ext uri="{0D108BD9-81ED-4DB2-BD59-A6C34878D82A}">
+                    <a16:rowId xmlns:a16="http://schemas.microsoft.com/office/drawing/2014/main" val="2194462629"/>
+                  </a:ext>
+                </a:extLst>
+              </a:tr>
+            </a:tbl>
+          </a:graphicData>
+        </a:graphic>
+      </p:graphicFrame>
+      <p:graphicFrame>
+        <p:nvGraphicFramePr>
+          <p:cNvPr id="23" name="Table 22">
+            <a:extLst>
+              <a:ext uri="{FF2B5EF4-FFF2-40B4-BE49-F238E27FC236}">
+                <a16:creationId xmlns:a16="http://schemas.microsoft.com/office/drawing/2014/main" id="{C7BDD028-AD5C-42D0-B953-A42B87C896E9}"/>
+              </a:ext>
+            </a:extLst>
+          </p:cNvPr>
+          <p:cNvGraphicFramePr>
+            <a:graphicFrameLocks noGrp="1"/>
+          </p:cNvGraphicFramePr>
+          <p:nvPr>
+            <p:extLst>
+              <p:ext uri="{D42A27DB-BD31-4B8C-83A1-F6EECF244321}">
+                <p14:modId xmlns:p14="http://schemas.microsoft.com/office/powerpoint/2010/main" val="3338698924"/>
+              </p:ext>
+            </p:extLst>
+          </p:nvPr>
+        </p:nvGraphicFramePr>
+        <p:xfrm>
+          <a:off x="2548887" y="1476102"/>
+          <a:ext cx="2026209" cy="417888"/>
+        </p:xfrm>
+        <a:graphic>
+          <a:graphicData uri="http://schemas.openxmlformats.org/drawingml/2006/table">
+            <a:tbl>
+              <a:tblPr>
+                <a:tableStyleId>{638B1855-1B75-4FBE-930C-398BA8C253C6}</a:tableStyleId>
+              </a:tblPr>
+              <a:tblGrid>
+                <a:gridCol w="2026209">
+                  <a:extLst>
+                    <a:ext uri="{9D8B030D-6E8A-4147-A177-3AD203B41FA5}">
+                      <a16:colId xmlns:a16="http://schemas.microsoft.com/office/drawing/2014/main" val="4240773277"/>
+                    </a:ext>
+                  </a:extLst>
+                </a:gridCol>
+              </a:tblGrid>
+              <a:tr h="417888">
+                <a:tc>
+                  <a:txBody>
+                    <a:bodyPr/>
+                    <a:lstStyle/>
+                    <a:p>
+                      <a:r>
+                        <a:rPr lang="en-SG" u="sng" dirty="0"/>
+                        <a:t>ft1:FinanceTracker</a:t>
+                      </a:r>
+                      <a:endParaRPr lang="en-SG" sz="1600" u="sng" dirty="0"/>
+                    </a:p>
+                  </a:txBody>
+                  <a:tcPr/>
+                </a:tc>
+                <a:extLst>
+                  <a:ext uri="{0D108BD9-81ED-4DB2-BD59-A6C34878D82A}">
+                    <a16:rowId xmlns:a16="http://schemas.microsoft.com/office/drawing/2014/main" val="2194462629"/>
+                  </a:ext>
+                </a:extLst>
+              </a:tr>
+            </a:tbl>
+          </a:graphicData>
+        </a:graphic>
+      </p:graphicFrame>
+      <p:graphicFrame>
+        <p:nvGraphicFramePr>
+          <p:cNvPr id="24" name="Table 23">
+            <a:extLst>
+              <a:ext uri="{FF2B5EF4-FFF2-40B4-BE49-F238E27FC236}">
+                <a16:creationId xmlns:a16="http://schemas.microsoft.com/office/drawing/2014/main" id="{69F5A581-2111-4BC1-9CD0-BC16DA04825F}"/>
+              </a:ext>
+            </a:extLst>
+          </p:cNvPr>
+          <p:cNvGraphicFramePr>
+            <a:graphicFrameLocks noGrp="1"/>
+          </p:cNvGraphicFramePr>
+          <p:nvPr>
+            <p:extLst>
+              <p:ext uri="{D42A27DB-BD31-4B8C-83A1-F6EECF244321}">
+                <p14:modId xmlns:p14="http://schemas.microsoft.com/office/powerpoint/2010/main" val="3463000526"/>
+              </p:ext>
+            </p:extLst>
+          </p:nvPr>
+        </p:nvGraphicFramePr>
+        <p:xfrm>
+          <a:off x="4683536" y="1476102"/>
+          <a:ext cx="1967207" cy="417888"/>
+        </p:xfrm>
+        <a:graphic>
+          <a:graphicData uri="http://schemas.openxmlformats.org/drawingml/2006/table">
+            <a:tbl>
+              <a:tblPr>
+                <a:tableStyleId>{638B1855-1B75-4FBE-930C-398BA8C253C6}</a:tableStyleId>
+              </a:tblPr>
+              <a:tblGrid>
+                <a:gridCol w="1967207">
+                  <a:extLst>
+                    <a:ext uri="{9D8B030D-6E8A-4147-A177-3AD203B41FA5}">
+                      <a16:colId xmlns:a16="http://schemas.microsoft.com/office/drawing/2014/main" val="4240773277"/>
+                    </a:ext>
+                  </a:extLst>
+                </a:gridCol>
+              </a:tblGrid>
+              <a:tr h="417888">
+                <a:tc>
+                  <a:txBody>
+                    <a:bodyPr/>
+                    <a:lstStyle/>
+                    <a:p>
+                      <a:r>
+                        <a:rPr lang="en-SG" u="sng" dirty="0"/>
+                        <a:t>ft2:FinanceTracker</a:t>
+                      </a:r>
+                      <a:endParaRPr lang="en-SG" sz="1600" u="sng" dirty="0"/>
+                    </a:p>
+                  </a:txBody>
+                  <a:tcPr/>
+                </a:tc>
+                <a:extLst>
+                  <a:ext uri="{0D108BD9-81ED-4DB2-BD59-A6C34878D82A}">
+                    <a16:rowId xmlns:a16="http://schemas.microsoft.com/office/drawing/2014/main" val="2194462629"/>
+                  </a:ext>
+                </a:extLst>
+              </a:tr>
+            </a:tbl>
+          </a:graphicData>
+        </a:graphic>
+      </p:graphicFrame>
+      <p:graphicFrame>
+        <p:nvGraphicFramePr>
+          <p:cNvPr id="26" name="Table 25">
+            <a:extLst>
+              <a:ext uri="{FF2B5EF4-FFF2-40B4-BE49-F238E27FC236}">
+                <a16:creationId xmlns:a16="http://schemas.microsoft.com/office/drawing/2014/main" id="{426F7A03-9D45-4A10-B9B4-87D3BB84B3A6}"/>
+              </a:ext>
+            </a:extLst>
+          </p:cNvPr>
+          <p:cNvGraphicFramePr>
+            <a:graphicFrameLocks noGrp="1"/>
+          </p:cNvGraphicFramePr>
+          <p:nvPr>
+            <p:extLst>
+              <p:ext uri="{D42A27DB-BD31-4B8C-83A1-F6EECF244321}">
+                <p14:modId xmlns:p14="http://schemas.microsoft.com/office/powerpoint/2010/main" val="3961494591"/>
+              </p:ext>
+            </p:extLst>
+          </p:nvPr>
+        </p:nvGraphicFramePr>
+        <p:xfrm>
+          <a:off x="473239" y="3915824"/>
+          <a:ext cx="1967207" cy="417888"/>
+        </p:xfrm>
+        <a:graphic>
+          <a:graphicData uri="http://schemas.openxmlformats.org/drawingml/2006/table">
+            <a:tbl>
+              <a:tblPr>
+                <a:tableStyleId>{638B1855-1B75-4FBE-930C-398BA8C253C6}</a:tableStyleId>
+              </a:tblPr>
+              <a:tblGrid>
+                <a:gridCol w="1967207">
+                  <a:extLst>
+                    <a:ext uri="{9D8B030D-6E8A-4147-A177-3AD203B41FA5}">
+                      <a16:colId xmlns:a16="http://schemas.microsoft.com/office/drawing/2014/main" val="4240773277"/>
+                    </a:ext>
+                  </a:extLst>
+                </a:gridCol>
+              </a:tblGrid>
+              <a:tr h="417888">
+                <a:tc>
+                  <a:txBody>
+                    <a:bodyPr/>
+                    <a:lstStyle/>
+                    <a:p>
+                      <a:r>
+                        <a:rPr lang="en-SG" u="sng" dirty="0"/>
+                        <a:t>ft0:FinanceTracker</a:t>
+                      </a:r>
+                      <a:endParaRPr lang="en-SG" sz="1600" u="sng" dirty="0"/>
+                    </a:p>
+                  </a:txBody>
+                  <a:tcPr/>
+                </a:tc>
+                <a:extLst>
+                  <a:ext uri="{0D108BD9-81ED-4DB2-BD59-A6C34878D82A}">
+                    <a16:rowId xmlns:a16="http://schemas.microsoft.com/office/drawing/2014/main" val="2194462629"/>
+                  </a:ext>
+                </a:extLst>
+              </a:tr>
+            </a:tbl>
+          </a:graphicData>
+        </a:graphic>
+      </p:graphicFrame>
+      <p:graphicFrame>
+        <p:nvGraphicFramePr>
+          <p:cNvPr id="27" name="Table 26">
+            <a:extLst>
+              <a:ext uri="{FF2B5EF4-FFF2-40B4-BE49-F238E27FC236}">
+                <a16:creationId xmlns:a16="http://schemas.microsoft.com/office/drawing/2014/main" id="{E8332E13-9ED7-4E03-8919-8B7011DA57DF}"/>
+              </a:ext>
+            </a:extLst>
+          </p:cNvPr>
+          <p:cNvGraphicFramePr>
+            <a:graphicFrameLocks noGrp="1"/>
+          </p:cNvGraphicFramePr>
+          <p:nvPr>
+            <p:extLst>
+              <p:ext uri="{D42A27DB-BD31-4B8C-83A1-F6EECF244321}">
+                <p14:modId xmlns:p14="http://schemas.microsoft.com/office/powerpoint/2010/main" val="3909963728"/>
+              </p:ext>
+            </p:extLst>
+          </p:nvPr>
+        </p:nvGraphicFramePr>
+        <p:xfrm>
+          <a:off x="2548887" y="3915824"/>
+          <a:ext cx="2026209" cy="417888"/>
+        </p:xfrm>
+        <a:graphic>
+          <a:graphicData uri="http://schemas.openxmlformats.org/drawingml/2006/table">
+            <a:tbl>
+              <a:tblPr>
+                <a:tableStyleId>{638B1855-1B75-4FBE-930C-398BA8C253C6}</a:tableStyleId>
+              </a:tblPr>
+              <a:tblGrid>
+                <a:gridCol w="2026209">
+                  <a:extLst>
+                    <a:ext uri="{9D8B030D-6E8A-4147-A177-3AD203B41FA5}">
+                      <a16:colId xmlns:a16="http://schemas.microsoft.com/office/drawing/2014/main" val="4240773277"/>
+                    </a:ext>
+                  </a:extLst>
+                </a:gridCol>
+              </a:tblGrid>
+              <a:tr h="417888">
+                <a:tc>
+                  <a:txBody>
+                    <a:bodyPr/>
+                    <a:lstStyle/>
+                    <a:p>
+                      <a:r>
+                        <a:rPr lang="en-SG" u="sng" dirty="0"/>
+                        <a:t>ft1:FinanceTracker</a:t>
+                      </a:r>
+                      <a:endParaRPr lang="en-SG" sz="1600" u="sng" dirty="0"/>
+                    </a:p>
+                  </a:txBody>
+                  <a:tcPr/>
+                </a:tc>
+                <a:extLst>
+                  <a:ext uri="{0D108BD9-81ED-4DB2-BD59-A6C34878D82A}">
+                    <a16:rowId xmlns:a16="http://schemas.microsoft.com/office/drawing/2014/main" val="2194462629"/>
+                  </a:ext>
+                </a:extLst>
+              </a:tr>
+            </a:tbl>
+          </a:graphicData>
+        </a:graphic>
+      </p:graphicFrame>
+      <p:graphicFrame>
+        <p:nvGraphicFramePr>
+          <p:cNvPr id="28" name="Table 27">
+            <a:extLst>
+              <a:ext uri="{FF2B5EF4-FFF2-40B4-BE49-F238E27FC236}">
+                <a16:creationId xmlns:a16="http://schemas.microsoft.com/office/drawing/2014/main" id="{9FE64A50-2AF2-482B-B534-45BD0C10B893}"/>
+              </a:ext>
+            </a:extLst>
+          </p:cNvPr>
+          <p:cNvGraphicFramePr>
+            <a:graphicFrameLocks noGrp="1"/>
+          </p:cNvGraphicFramePr>
+          <p:nvPr>
+            <p:extLst>
+              <p:ext uri="{D42A27DB-BD31-4B8C-83A1-F6EECF244321}">
+                <p14:modId xmlns:p14="http://schemas.microsoft.com/office/powerpoint/2010/main" val="2330334671"/>
+              </p:ext>
+            </p:extLst>
+          </p:nvPr>
+        </p:nvGraphicFramePr>
+        <p:xfrm>
+          <a:off x="4683536" y="3915824"/>
+          <a:ext cx="1967207" cy="417888"/>
+        </p:xfrm>
+        <a:graphic>
+          <a:graphicData uri="http://schemas.openxmlformats.org/drawingml/2006/table">
+            <a:tbl>
+              <a:tblPr>
+                <a:tableStyleId>{638B1855-1B75-4FBE-930C-398BA8C253C6}</a:tableStyleId>
+              </a:tblPr>
+              <a:tblGrid>
+                <a:gridCol w="1967207">
+                  <a:extLst>
+                    <a:ext uri="{9D8B030D-6E8A-4147-A177-3AD203B41FA5}">
+                      <a16:colId xmlns:a16="http://schemas.microsoft.com/office/drawing/2014/main" val="4240773277"/>
+                    </a:ext>
+                  </a:extLst>
+                </a:gridCol>
+              </a:tblGrid>
+              <a:tr h="417888">
+                <a:tc>
+                  <a:txBody>
+                    <a:bodyPr/>
+                    <a:lstStyle/>
+                    <a:p>
+                      <a:r>
+                        <a:rPr lang="en-SG" u="sng" dirty="0"/>
+                        <a:t>ft2:FinanceTracker</a:t>
+                      </a:r>
+                      <a:endParaRPr lang="en-SG" sz="1600" u="sng" dirty="0"/>
+                    </a:p>
+                  </a:txBody>
+                  <a:tcPr/>
+                </a:tc>
+                <a:extLst>
+                  <a:ext uri="{0D108BD9-81ED-4DB2-BD59-A6C34878D82A}">
+                    <a16:rowId xmlns:a16="http://schemas.microsoft.com/office/drawing/2014/main" val="2194462629"/>
+                  </a:ext>
+                </a:extLst>
+              </a:tr>
+            </a:tbl>
+          </a:graphicData>
+        </a:graphic>
+      </p:graphicFrame>
     </p:spTree>
     <p:extLst>
       <p:ext uri="{BB962C8B-B14F-4D97-AF65-F5344CB8AC3E}">

--- a/docs/diagrams/UndoRedoNewCommand4StateListDiagram.pptx
+++ b/docs/diagrams/UndoRedoNewCommand4StateListDiagram.pptx
@@ -112,10 +112,6 @@
 </p:presentation>
 </file>
 
-<file path=ppt/revisionInfo.xml><?xml version="1.0" encoding="utf-8"?>
-<p1510:revInfo xmlns:a="http://schemas.openxmlformats.org/drawingml/2006/main" xmlns:r="http://schemas.openxmlformats.org/officeDocument/2006/relationships" xmlns:p1510="http://schemas.microsoft.com/office/powerpoint/2015/10/main"/>
-</file>
-
 <file path=ppt/slideLayouts/slideLayout1.xml><?xml version="1.0" encoding="utf-8"?>
 <p:sldLayout xmlns:a="http://schemas.openxmlformats.org/drawingml/2006/main" xmlns:r="http://schemas.openxmlformats.org/officeDocument/2006/relationships" xmlns:p="http://schemas.openxmlformats.org/presentationml/2006/main" type="title" preserve="1">
   <p:cSld name="Title Slide">
@@ -265,7 +261,7 @@
           <a:p>
             <a:fld id="{03EC4E3E-8101-482F-A883-8B55DAFF7C07}" type="datetimeFigureOut">
               <a:rPr lang="en-SG" smtClean="0"/>
-              <a:t>6/7/2018</a:t>
+              <a:t>5/4/19</a:t>
             </a:fld>
             <a:endParaRPr lang="en-SG"/>
           </a:p>
@@ -465,7 +461,7 @@
           <a:p>
             <a:fld id="{03EC4E3E-8101-482F-A883-8B55DAFF7C07}" type="datetimeFigureOut">
               <a:rPr lang="en-SG" smtClean="0"/>
-              <a:t>6/7/2018</a:t>
+              <a:t>5/4/19</a:t>
             </a:fld>
             <a:endParaRPr lang="en-SG"/>
           </a:p>
@@ -675,7 +671,7 @@
           <a:p>
             <a:fld id="{03EC4E3E-8101-482F-A883-8B55DAFF7C07}" type="datetimeFigureOut">
               <a:rPr lang="en-SG" smtClean="0"/>
-              <a:t>6/7/2018</a:t>
+              <a:t>5/4/19</a:t>
             </a:fld>
             <a:endParaRPr lang="en-SG"/>
           </a:p>
@@ -875,7 +871,7 @@
           <a:p>
             <a:fld id="{03EC4E3E-8101-482F-A883-8B55DAFF7C07}" type="datetimeFigureOut">
               <a:rPr lang="en-SG" smtClean="0"/>
-              <a:t>6/7/2018</a:t>
+              <a:t>5/4/19</a:t>
             </a:fld>
             <a:endParaRPr lang="en-SG"/>
           </a:p>
@@ -1151,7 +1147,7 @@
           <a:p>
             <a:fld id="{03EC4E3E-8101-482F-A883-8B55DAFF7C07}" type="datetimeFigureOut">
               <a:rPr lang="en-SG" smtClean="0"/>
-              <a:t>6/7/2018</a:t>
+              <a:t>5/4/19</a:t>
             </a:fld>
             <a:endParaRPr lang="en-SG"/>
           </a:p>
@@ -1419,7 +1415,7 @@
           <a:p>
             <a:fld id="{03EC4E3E-8101-482F-A883-8B55DAFF7C07}" type="datetimeFigureOut">
               <a:rPr lang="en-SG" smtClean="0"/>
-              <a:t>6/7/2018</a:t>
+              <a:t>5/4/19</a:t>
             </a:fld>
             <a:endParaRPr lang="en-SG"/>
           </a:p>
@@ -1834,7 +1830,7 @@
           <a:p>
             <a:fld id="{03EC4E3E-8101-482F-A883-8B55DAFF7C07}" type="datetimeFigureOut">
               <a:rPr lang="en-SG" smtClean="0"/>
-              <a:t>6/7/2018</a:t>
+              <a:t>5/4/19</a:t>
             </a:fld>
             <a:endParaRPr lang="en-SG"/>
           </a:p>
@@ -1976,7 +1972,7 @@
           <a:p>
             <a:fld id="{03EC4E3E-8101-482F-A883-8B55DAFF7C07}" type="datetimeFigureOut">
               <a:rPr lang="en-SG" smtClean="0"/>
-              <a:t>6/7/2018</a:t>
+              <a:t>5/4/19</a:t>
             </a:fld>
             <a:endParaRPr lang="en-SG"/>
           </a:p>
@@ -2089,7 +2085,7 @@
           <a:p>
             <a:fld id="{03EC4E3E-8101-482F-A883-8B55DAFF7C07}" type="datetimeFigureOut">
               <a:rPr lang="en-SG" smtClean="0"/>
-              <a:t>6/7/2018</a:t>
+              <a:t>5/4/19</a:t>
             </a:fld>
             <a:endParaRPr lang="en-SG"/>
           </a:p>
@@ -2402,7 +2398,7 @@
           <a:p>
             <a:fld id="{03EC4E3E-8101-482F-A883-8B55DAFF7C07}" type="datetimeFigureOut">
               <a:rPr lang="en-SG" smtClean="0"/>
-              <a:t>6/7/2018</a:t>
+              <a:t>5/4/19</a:t>
             </a:fld>
             <a:endParaRPr lang="en-SG"/>
           </a:p>
@@ -2691,7 +2687,7 @@
           <a:p>
             <a:fld id="{03EC4E3E-8101-482F-A883-8B55DAFF7C07}" type="datetimeFigureOut">
               <a:rPr lang="en-SG" smtClean="0"/>
-              <a:t>6/7/2018</a:t>
+              <a:t>5/4/19</a:t>
             </a:fld>
             <a:endParaRPr lang="en-SG"/>
           </a:p>
@@ -2934,7 +2930,7 @@
           <a:p>
             <a:fld id="{03EC4E3E-8101-482F-A883-8B55DAFF7C07}" type="datetimeFigureOut">
               <a:rPr lang="en-SG" smtClean="0"/>
-              <a:t>6/7/2018</a:t>
+              <a:t>5/4/19</a:t>
             </a:fld>
             <a:endParaRPr lang="en-SG"/>
           </a:p>
@@ -3450,12 +3446,8 @@
           <a:p>
             <a:pPr algn="ctr"/>
             <a:r>
-              <a:rPr lang="en-SG"/>
-              <a:t>State ab2 </a:t>
-            </a:r>
-            <a:r>
               <a:rPr lang="en-SG" dirty="0"/>
-              <a:t>deleted.</a:t>
+              <a:t>State fd2 deleted.</a:t>
             </a:r>
           </a:p>
         </p:txBody>
@@ -3655,7 +3647,7 @@
           <p:nvPr>
             <p:extLst>
               <p:ext uri="{D42A27DB-BD31-4B8C-83A1-F6EECF244321}">
-                <p14:modId xmlns:p14="http://schemas.microsoft.com/office/powerpoint/2010/main" val="1352982134"/>
+                <p14:modId xmlns:p14="http://schemas.microsoft.com/office/powerpoint/2010/main" val="2655098804"/>
               </p:ext>
             </p:extLst>
           </p:nvPr>
@@ -3685,15 +3677,11 @@
                     <a:bodyPr/>
                     <a:lstStyle/>
                     <a:p>
+                      <a:pPr algn="ctr"/>
                       <a:r>
                         <a:rPr lang="en-SG" u="sng" dirty="0"/>
-                        <a:t>ab0:</a:t>
+                        <a:t>fd0:FoodDiary</a:t>
                       </a:r>
-                      <a:r>
-                        <a:rPr lang="en-SG" sz="1800" u="sng" dirty="0"/>
-                        <a:t>AddressBook</a:t>
-                      </a:r>
-                      <a:endParaRPr lang="en-SG" u="sng" dirty="0"/>
                     </a:p>
                   </a:txBody>
                   <a:tcPr/>
@@ -3723,7 +3711,7 @@
           <p:nvPr>
             <p:extLst>
               <p:ext uri="{D42A27DB-BD31-4B8C-83A1-F6EECF244321}">
-                <p14:modId xmlns:p14="http://schemas.microsoft.com/office/powerpoint/2010/main" val="829193732"/>
+                <p14:modId xmlns:p14="http://schemas.microsoft.com/office/powerpoint/2010/main" val="3843058530"/>
               </p:ext>
             </p:extLst>
           </p:nvPr>
@@ -3753,15 +3741,11 @@
                     <a:bodyPr/>
                     <a:lstStyle/>
                     <a:p>
+                      <a:pPr algn="ctr"/>
                       <a:r>
                         <a:rPr lang="en-SG" u="sng" dirty="0"/>
-                        <a:t>ab1:</a:t>
+                        <a:t>fd1:FoodDiary</a:t>
                       </a:r>
-                      <a:r>
-                        <a:rPr lang="en-SG" sz="1800" u="sng" dirty="0"/>
-                        <a:t>AddressBook</a:t>
-                      </a:r>
-                      <a:endParaRPr lang="en-SG" u="sng" dirty="0"/>
                     </a:p>
                   </a:txBody>
                   <a:tcPr/>
@@ -3791,7 +3775,7 @@
           <p:nvPr>
             <p:extLst>
               <p:ext uri="{D42A27DB-BD31-4B8C-83A1-F6EECF244321}">
-                <p14:modId xmlns:p14="http://schemas.microsoft.com/office/powerpoint/2010/main" val="796708048"/>
+                <p14:modId xmlns:p14="http://schemas.microsoft.com/office/powerpoint/2010/main" val="2604508077"/>
               </p:ext>
             </p:extLst>
           </p:nvPr>
@@ -3821,15 +3805,11 @@
                     <a:bodyPr/>
                     <a:lstStyle/>
                     <a:p>
+                      <a:pPr algn="ctr"/>
                       <a:r>
                         <a:rPr lang="en-SG" u="sng" dirty="0"/>
-                        <a:t>ab2:</a:t>
+                        <a:t>fd2:FoodDiary</a:t>
                       </a:r>
-                      <a:r>
-                        <a:rPr lang="en-SG" sz="1800" u="sng" dirty="0"/>
-                        <a:t>AddressBook</a:t>
-                      </a:r>
-                      <a:endParaRPr lang="en-SG" u="sng" dirty="0"/>
                     </a:p>
                   </a:txBody>
                   <a:tcPr/>
@@ -3859,7 +3839,7 @@
           <p:nvPr>
             <p:extLst>
               <p:ext uri="{D42A27DB-BD31-4B8C-83A1-F6EECF244321}">
-                <p14:modId xmlns:p14="http://schemas.microsoft.com/office/powerpoint/2010/main" val="377617300"/>
+                <p14:modId xmlns:p14="http://schemas.microsoft.com/office/powerpoint/2010/main" val="1702707628"/>
               </p:ext>
             </p:extLst>
           </p:nvPr>
@@ -3889,15 +3869,11 @@
                     <a:bodyPr/>
                     <a:lstStyle/>
                     <a:p>
+                      <a:pPr algn="ctr"/>
                       <a:r>
                         <a:rPr lang="en-SG" u="sng" dirty="0"/>
-                        <a:t>ab0:</a:t>
+                        <a:t>fd0:FoodDiary</a:t>
                       </a:r>
-                      <a:r>
-                        <a:rPr lang="en-SG" sz="1800" u="sng" dirty="0"/>
-                        <a:t>AddressBook</a:t>
-                      </a:r>
-                      <a:endParaRPr lang="en-SG" u="sng" dirty="0"/>
                     </a:p>
                   </a:txBody>
                   <a:tcPr/>
@@ -3927,7 +3903,7 @@
           <p:nvPr>
             <p:extLst>
               <p:ext uri="{D42A27DB-BD31-4B8C-83A1-F6EECF244321}">
-                <p14:modId xmlns:p14="http://schemas.microsoft.com/office/powerpoint/2010/main" val="4076322253"/>
+                <p14:modId xmlns:p14="http://schemas.microsoft.com/office/powerpoint/2010/main" val="3942840188"/>
               </p:ext>
             </p:extLst>
           </p:nvPr>
@@ -3957,15 +3933,11 @@
                     <a:bodyPr/>
                     <a:lstStyle/>
                     <a:p>
+                      <a:pPr algn="ctr"/>
                       <a:r>
                         <a:rPr lang="en-SG" u="sng" dirty="0"/>
-                        <a:t>ab1:</a:t>
+                        <a:t>fd1:FoodDiary</a:t>
                       </a:r>
-                      <a:r>
-                        <a:rPr lang="en-SG" sz="1800" u="sng" dirty="0"/>
-                        <a:t>AddressBook</a:t>
-                      </a:r>
-                      <a:endParaRPr lang="en-SG" u="sng" dirty="0"/>
                     </a:p>
                   </a:txBody>
                   <a:tcPr/>
@@ -3995,7 +3967,7 @@
           <p:nvPr>
             <p:extLst>
               <p:ext uri="{D42A27DB-BD31-4B8C-83A1-F6EECF244321}">
-                <p14:modId xmlns:p14="http://schemas.microsoft.com/office/powerpoint/2010/main" val="53411958"/>
+                <p14:modId xmlns:p14="http://schemas.microsoft.com/office/powerpoint/2010/main" val="2294519749"/>
               </p:ext>
             </p:extLst>
           </p:nvPr>
@@ -4025,15 +3997,11 @@
                     <a:bodyPr/>
                     <a:lstStyle/>
                     <a:p>
+                      <a:pPr algn="ctr"/>
                       <a:r>
                         <a:rPr lang="en-SG" u="sng" dirty="0"/>
-                        <a:t>ab3:</a:t>
+                        <a:t>fd3:FoodDiary</a:t>
                       </a:r>
-                      <a:r>
-                        <a:rPr lang="en-SG" sz="1800" u="sng" dirty="0"/>
-                        <a:t>AddressBook</a:t>
-                      </a:r>
-                      <a:endParaRPr lang="en-SG" u="sng" dirty="0"/>
                     </a:p>
                   </a:txBody>
                   <a:tcPr/>

--- a/docs/diagrams/UndoRedoNewCommand4StateListDiagram.pptx
+++ b/docs/diagrams/UndoRedoNewCommand4StateListDiagram.pptx
@@ -112,10 +112,6 @@
 </p:presentation>
 </file>
 
-<file path=ppt/revisionInfo.xml><?xml version="1.0" encoding="utf-8"?>
-<p1510:revInfo xmlns:a="http://schemas.openxmlformats.org/drawingml/2006/main" xmlns:r="http://schemas.openxmlformats.org/officeDocument/2006/relationships" xmlns:p1510="http://schemas.microsoft.com/office/powerpoint/2015/10/main"/>
-</file>
-
 <file path=ppt/slideLayouts/slideLayout1.xml><?xml version="1.0" encoding="utf-8"?>
 <p:sldLayout xmlns:a="http://schemas.openxmlformats.org/drawingml/2006/main" xmlns:r="http://schemas.openxmlformats.org/officeDocument/2006/relationships" xmlns:p="http://schemas.openxmlformats.org/presentationml/2006/main" type="title" preserve="1">
   <p:cSld name="Title Slide">
@@ -265,7 +261,7 @@
           <a:p>
             <a:fld id="{03EC4E3E-8101-482F-A883-8B55DAFF7C07}" type="datetimeFigureOut">
               <a:rPr lang="en-SG" smtClean="0"/>
-              <a:t>6/7/2018</a:t>
+              <a:t>14/4/2019</a:t>
             </a:fld>
             <a:endParaRPr lang="en-SG"/>
           </a:p>
@@ -465,7 +461,7 @@
           <a:p>
             <a:fld id="{03EC4E3E-8101-482F-A883-8B55DAFF7C07}" type="datetimeFigureOut">
               <a:rPr lang="en-SG" smtClean="0"/>
-              <a:t>6/7/2018</a:t>
+              <a:t>14/4/2019</a:t>
             </a:fld>
             <a:endParaRPr lang="en-SG"/>
           </a:p>
@@ -675,7 +671,7 @@
           <a:p>
             <a:fld id="{03EC4E3E-8101-482F-A883-8B55DAFF7C07}" type="datetimeFigureOut">
               <a:rPr lang="en-SG" smtClean="0"/>
-              <a:t>6/7/2018</a:t>
+              <a:t>14/4/2019</a:t>
             </a:fld>
             <a:endParaRPr lang="en-SG"/>
           </a:p>
@@ -875,7 +871,7 @@
           <a:p>
             <a:fld id="{03EC4E3E-8101-482F-A883-8B55DAFF7C07}" type="datetimeFigureOut">
               <a:rPr lang="en-SG" smtClean="0"/>
-              <a:t>6/7/2018</a:t>
+              <a:t>14/4/2019</a:t>
             </a:fld>
             <a:endParaRPr lang="en-SG"/>
           </a:p>
@@ -1151,7 +1147,7 @@
           <a:p>
             <a:fld id="{03EC4E3E-8101-482F-A883-8B55DAFF7C07}" type="datetimeFigureOut">
               <a:rPr lang="en-SG" smtClean="0"/>
-              <a:t>6/7/2018</a:t>
+              <a:t>14/4/2019</a:t>
             </a:fld>
             <a:endParaRPr lang="en-SG"/>
           </a:p>
@@ -1419,7 +1415,7 @@
           <a:p>
             <a:fld id="{03EC4E3E-8101-482F-A883-8B55DAFF7C07}" type="datetimeFigureOut">
               <a:rPr lang="en-SG" smtClean="0"/>
-              <a:t>6/7/2018</a:t>
+              <a:t>14/4/2019</a:t>
             </a:fld>
             <a:endParaRPr lang="en-SG"/>
           </a:p>
@@ -1834,7 +1830,7 @@
           <a:p>
             <a:fld id="{03EC4E3E-8101-482F-A883-8B55DAFF7C07}" type="datetimeFigureOut">
               <a:rPr lang="en-SG" smtClean="0"/>
-              <a:t>6/7/2018</a:t>
+              <a:t>14/4/2019</a:t>
             </a:fld>
             <a:endParaRPr lang="en-SG"/>
           </a:p>
@@ -1976,7 +1972,7 @@
           <a:p>
             <a:fld id="{03EC4E3E-8101-482F-A883-8B55DAFF7C07}" type="datetimeFigureOut">
               <a:rPr lang="en-SG" smtClean="0"/>
-              <a:t>6/7/2018</a:t>
+              <a:t>14/4/2019</a:t>
             </a:fld>
             <a:endParaRPr lang="en-SG"/>
           </a:p>
@@ -2089,7 +2085,7 @@
           <a:p>
             <a:fld id="{03EC4E3E-8101-482F-A883-8B55DAFF7C07}" type="datetimeFigureOut">
               <a:rPr lang="en-SG" smtClean="0"/>
-              <a:t>6/7/2018</a:t>
+              <a:t>14/4/2019</a:t>
             </a:fld>
             <a:endParaRPr lang="en-SG"/>
           </a:p>
@@ -2402,7 +2398,7 @@
           <a:p>
             <a:fld id="{03EC4E3E-8101-482F-A883-8B55DAFF7C07}" type="datetimeFigureOut">
               <a:rPr lang="en-SG" smtClean="0"/>
-              <a:t>6/7/2018</a:t>
+              <a:t>14/4/2019</a:t>
             </a:fld>
             <a:endParaRPr lang="en-SG"/>
           </a:p>
@@ -2691,7 +2687,7 @@
           <a:p>
             <a:fld id="{03EC4E3E-8101-482F-A883-8B55DAFF7C07}" type="datetimeFigureOut">
               <a:rPr lang="en-SG" smtClean="0"/>
-              <a:t>6/7/2018</a:t>
+              <a:t>14/4/2019</a:t>
             </a:fld>
             <a:endParaRPr lang="en-SG"/>
           </a:p>
@@ -2934,7 +2930,7 @@
           <a:p>
             <a:fld id="{03EC4E3E-8101-482F-A883-8B55DAFF7C07}" type="datetimeFigureOut">
               <a:rPr lang="en-SG" smtClean="0"/>
-              <a:t>6/7/2018</a:t>
+              <a:t>14/4/2019</a:t>
             </a:fld>
             <a:endParaRPr lang="en-SG"/>
           </a:p>
@@ -3450,12 +3446,8 @@
           <a:p>
             <a:pPr algn="ctr"/>
             <a:r>
-              <a:rPr lang="en-SG"/>
-              <a:t>State ab2 </a:t>
-            </a:r>
-            <a:r>
               <a:rPr lang="en-SG" dirty="0"/>
-              <a:t>deleted.</a:t>
+              <a:t>State em2 deleted.</a:t>
             </a:r>
           </a:p>
         </p:txBody>
@@ -3490,16 +3482,10 @@
           <a:p>
             <a:pPr algn="ctr"/>
             <a:r>
-              <a:rPr lang="en-SG" dirty="0" err="1">
-                <a:latin typeface="Consolas" panose="020B0609020204030204" pitchFamily="49" charset="0"/>
-              </a:rPr>
-              <a:t>currentStatePointer</a:t>
-            </a:r>
-            <a:r>
               <a:rPr lang="en-SG" dirty="0">
                 <a:latin typeface="Consolas" panose="020B0609020204030204" pitchFamily="49" charset="0"/>
               </a:rPr>
-              <a:t> = 1</a:t>
+              <a:t>currentStatePointer = 1</a:t>
             </a:r>
           </a:p>
         </p:txBody>
@@ -3580,16 +3566,10 @@
           <a:p>
             <a:pPr algn="ctr"/>
             <a:r>
-              <a:rPr lang="en-SG" dirty="0" err="1">
-                <a:latin typeface="Consolas" panose="020B0609020204030204" pitchFamily="49" charset="0"/>
-              </a:rPr>
-              <a:t>currentStatePointer</a:t>
-            </a:r>
-            <a:r>
               <a:rPr lang="en-SG" dirty="0">
                 <a:latin typeface="Consolas" panose="020B0609020204030204" pitchFamily="49" charset="0"/>
               </a:rPr>
-              <a:t> = 2</a:t>
+              <a:t>currentStatePointer = 2</a:t>
             </a:r>
           </a:p>
         </p:txBody>
@@ -3640,414 +3620,6 @@
           </a:p>
         </p:txBody>
       </p:sp>
-      <p:graphicFrame>
-        <p:nvGraphicFramePr>
-          <p:cNvPr id="16" name="Table 15">
-            <a:extLst>
-              <a:ext uri="{FF2B5EF4-FFF2-40B4-BE49-F238E27FC236}">
-                <a16:creationId xmlns:a16="http://schemas.microsoft.com/office/drawing/2014/main" id="{F545FAB8-F1CE-4886-9BDE-E772BCB0A9C4}"/>
-              </a:ext>
-            </a:extLst>
-          </p:cNvPr>
-          <p:cNvGraphicFramePr>
-            <a:graphicFrameLocks noGrp="1"/>
-          </p:cNvGraphicFramePr>
-          <p:nvPr>
-            <p:extLst>
-              <p:ext uri="{D42A27DB-BD31-4B8C-83A1-F6EECF244321}">
-                <p14:modId xmlns:p14="http://schemas.microsoft.com/office/powerpoint/2010/main" val="1352982134"/>
-              </p:ext>
-            </p:extLst>
-          </p:nvPr>
-        </p:nvGraphicFramePr>
-        <p:xfrm>
-          <a:off x="473240" y="1476102"/>
-          <a:ext cx="1825824" cy="417888"/>
-        </p:xfrm>
-        <a:graphic>
-          <a:graphicData uri="http://schemas.openxmlformats.org/drawingml/2006/table">
-            <a:tbl>
-              <a:tblPr>
-                <a:tableStyleId>{638B1855-1B75-4FBE-930C-398BA8C253C6}</a:tableStyleId>
-              </a:tblPr>
-              <a:tblGrid>
-                <a:gridCol w="1825824">
-                  <a:extLst>
-                    <a:ext uri="{9D8B030D-6E8A-4147-A177-3AD203B41FA5}">
-                      <a16:colId xmlns:a16="http://schemas.microsoft.com/office/drawing/2014/main" val="4240773277"/>
-                    </a:ext>
-                  </a:extLst>
-                </a:gridCol>
-              </a:tblGrid>
-              <a:tr h="417888">
-                <a:tc>
-                  <a:txBody>
-                    <a:bodyPr/>
-                    <a:lstStyle/>
-                    <a:p>
-                      <a:r>
-                        <a:rPr lang="en-SG" u="sng" dirty="0"/>
-                        <a:t>ab0:</a:t>
-                      </a:r>
-                      <a:r>
-                        <a:rPr lang="en-SG" sz="1800" u="sng" dirty="0"/>
-                        <a:t>AddressBook</a:t>
-                      </a:r>
-                      <a:endParaRPr lang="en-SG" u="sng" dirty="0"/>
-                    </a:p>
-                  </a:txBody>
-                  <a:tcPr/>
-                </a:tc>
-                <a:extLst>
-                  <a:ext uri="{0D108BD9-81ED-4DB2-BD59-A6C34878D82A}">
-                    <a16:rowId xmlns:a16="http://schemas.microsoft.com/office/drawing/2014/main" val="2194462629"/>
-                  </a:ext>
-                </a:extLst>
-              </a:tr>
-            </a:tbl>
-          </a:graphicData>
-        </a:graphic>
-      </p:graphicFrame>
-      <p:graphicFrame>
-        <p:nvGraphicFramePr>
-          <p:cNvPr id="29" name="Table 28">
-            <a:extLst>
-              <a:ext uri="{FF2B5EF4-FFF2-40B4-BE49-F238E27FC236}">
-                <a16:creationId xmlns:a16="http://schemas.microsoft.com/office/drawing/2014/main" id="{F545FAB8-F1CE-4886-9BDE-E772BCB0A9C4}"/>
-              </a:ext>
-            </a:extLst>
-          </p:cNvPr>
-          <p:cNvGraphicFramePr>
-            <a:graphicFrameLocks noGrp="1"/>
-          </p:cNvGraphicFramePr>
-          <p:nvPr>
-            <p:extLst>
-              <p:ext uri="{D42A27DB-BD31-4B8C-83A1-F6EECF244321}">
-                <p14:modId xmlns:p14="http://schemas.microsoft.com/office/powerpoint/2010/main" val="829193732"/>
-              </p:ext>
-            </p:extLst>
-          </p:nvPr>
-        </p:nvGraphicFramePr>
-        <p:xfrm>
-          <a:off x="2440458" y="1476102"/>
-          <a:ext cx="1825824" cy="417888"/>
-        </p:xfrm>
-        <a:graphic>
-          <a:graphicData uri="http://schemas.openxmlformats.org/drawingml/2006/table">
-            <a:tbl>
-              <a:tblPr>
-                <a:tableStyleId>{638B1855-1B75-4FBE-930C-398BA8C253C6}</a:tableStyleId>
-              </a:tblPr>
-              <a:tblGrid>
-                <a:gridCol w="1825824">
-                  <a:extLst>
-                    <a:ext uri="{9D8B030D-6E8A-4147-A177-3AD203B41FA5}">
-                      <a16:colId xmlns:a16="http://schemas.microsoft.com/office/drawing/2014/main" val="4240773277"/>
-                    </a:ext>
-                  </a:extLst>
-                </a:gridCol>
-              </a:tblGrid>
-              <a:tr h="417888">
-                <a:tc>
-                  <a:txBody>
-                    <a:bodyPr/>
-                    <a:lstStyle/>
-                    <a:p>
-                      <a:r>
-                        <a:rPr lang="en-SG" u="sng" dirty="0"/>
-                        <a:t>ab1:</a:t>
-                      </a:r>
-                      <a:r>
-                        <a:rPr lang="en-SG" sz="1800" u="sng" dirty="0"/>
-                        <a:t>AddressBook</a:t>
-                      </a:r>
-                      <a:endParaRPr lang="en-SG" u="sng" dirty="0"/>
-                    </a:p>
-                  </a:txBody>
-                  <a:tcPr/>
-                </a:tc>
-                <a:extLst>
-                  <a:ext uri="{0D108BD9-81ED-4DB2-BD59-A6C34878D82A}">
-                    <a16:rowId xmlns:a16="http://schemas.microsoft.com/office/drawing/2014/main" val="2194462629"/>
-                  </a:ext>
-                </a:extLst>
-              </a:tr>
-            </a:tbl>
-          </a:graphicData>
-        </a:graphic>
-      </p:graphicFrame>
-      <p:graphicFrame>
-        <p:nvGraphicFramePr>
-          <p:cNvPr id="30" name="Table 29">
-            <a:extLst>
-              <a:ext uri="{FF2B5EF4-FFF2-40B4-BE49-F238E27FC236}">
-                <a16:creationId xmlns:a16="http://schemas.microsoft.com/office/drawing/2014/main" id="{F545FAB8-F1CE-4886-9BDE-E772BCB0A9C4}"/>
-              </a:ext>
-            </a:extLst>
-          </p:cNvPr>
-          <p:cNvGraphicFramePr>
-            <a:graphicFrameLocks noGrp="1"/>
-          </p:cNvGraphicFramePr>
-          <p:nvPr>
-            <p:extLst>
-              <p:ext uri="{D42A27DB-BD31-4B8C-83A1-F6EECF244321}">
-                <p14:modId xmlns:p14="http://schemas.microsoft.com/office/powerpoint/2010/main" val="796708048"/>
-              </p:ext>
-            </p:extLst>
-          </p:nvPr>
-        </p:nvGraphicFramePr>
-        <p:xfrm>
-          <a:off x="4409785" y="1476102"/>
-          <a:ext cx="1825824" cy="417888"/>
-        </p:xfrm>
-        <a:graphic>
-          <a:graphicData uri="http://schemas.openxmlformats.org/drawingml/2006/table">
-            <a:tbl>
-              <a:tblPr>
-                <a:tableStyleId>{638B1855-1B75-4FBE-930C-398BA8C253C6}</a:tableStyleId>
-              </a:tblPr>
-              <a:tblGrid>
-                <a:gridCol w="1825824">
-                  <a:extLst>
-                    <a:ext uri="{9D8B030D-6E8A-4147-A177-3AD203B41FA5}">
-                      <a16:colId xmlns:a16="http://schemas.microsoft.com/office/drawing/2014/main" val="4240773277"/>
-                    </a:ext>
-                  </a:extLst>
-                </a:gridCol>
-              </a:tblGrid>
-              <a:tr h="417888">
-                <a:tc>
-                  <a:txBody>
-                    <a:bodyPr/>
-                    <a:lstStyle/>
-                    <a:p>
-                      <a:r>
-                        <a:rPr lang="en-SG" u="sng" dirty="0"/>
-                        <a:t>ab2:</a:t>
-                      </a:r>
-                      <a:r>
-                        <a:rPr lang="en-SG" sz="1800" u="sng" dirty="0"/>
-                        <a:t>AddressBook</a:t>
-                      </a:r>
-                      <a:endParaRPr lang="en-SG" u="sng" dirty="0"/>
-                    </a:p>
-                  </a:txBody>
-                  <a:tcPr/>
-                </a:tc>
-                <a:extLst>
-                  <a:ext uri="{0D108BD9-81ED-4DB2-BD59-A6C34878D82A}">
-                    <a16:rowId xmlns:a16="http://schemas.microsoft.com/office/drawing/2014/main" val="2194462629"/>
-                  </a:ext>
-                </a:extLst>
-              </a:tr>
-            </a:tbl>
-          </a:graphicData>
-        </a:graphic>
-      </p:graphicFrame>
-      <p:graphicFrame>
-        <p:nvGraphicFramePr>
-          <p:cNvPr id="31" name="Table 30">
-            <a:extLst>
-              <a:ext uri="{FF2B5EF4-FFF2-40B4-BE49-F238E27FC236}">
-                <a16:creationId xmlns:a16="http://schemas.microsoft.com/office/drawing/2014/main" id="{F545FAB8-F1CE-4886-9BDE-E772BCB0A9C4}"/>
-              </a:ext>
-            </a:extLst>
-          </p:cNvPr>
-          <p:cNvGraphicFramePr>
-            <a:graphicFrameLocks noGrp="1"/>
-          </p:cNvGraphicFramePr>
-          <p:nvPr>
-            <p:extLst>
-              <p:ext uri="{D42A27DB-BD31-4B8C-83A1-F6EECF244321}">
-                <p14:modId xmlns:p14="http://schemas.microsoft.com/office/powerpoint/2010/main" val="377617300"/>
-              </p:ext>
-            </p:extLst>
-          </p:nvPr>
-        </p:nvGraphicFramePr>
-        <p:xfrm>
-          <a:off x="473240" y="3919947"/>
-          <a:ext cx="1825824" cy="417888"/>
-        </p:xfrm>
-        <a:graphic>
-          <a:graphicData uri="http://schemas.openxmlformats.org/drawingml/2006/table">
-            <a:tbl>
-              <a:tblPr>
-                <a:tableStyleId>{638B1855-1B75-4FBE-930C-398BA8C253C6}</a:tableStyleId>
-              </a:tblPr>
-              <a:tblGrid>
-                <a:gridCol w="1825824">
-                  <a:extLst>
-                    <a:ext uri="{9D8B030D-6E8A-4147-A177-3AD203B41FA5}">
-                      <a16:colId xmlns:a16="http://schemas.microsoft.com/office/drawing/2014/main" val="4240773277"/>
-                    </a:ext>
-                  </a:extLst>
-                </a:gridCol>
-              </a:tblGrid>
-              <a:tr h="417888">
-                <a:tc>
-                  <a:txBody>
-                    <a:bodyPr/>
-                    <a:lstStyle/>
-                    <a:p>
-                      <a:r>
-                        <a:rPr lang="en-SG" u="sng" dirty="0"/>
-                        <a:t>ab0:</a:t>
-                      </a:r>
-                      <a:r>
-                        <a:rPr lang="en-SG" sz="1800" u="sng" dirty="0"/>
-                        <a:t>AddressBook</a:t>
-                      </a:r>
-                      <a:endParaRPr lang="en-SG" u="sng" dirty="0"/>
-                    </a:p>
-                  </a:txBody>
-                  <a:tcPr/>
-                </a:tc>
-                <a:extLst>
-                  <a:ext uri="{0D108BD9-81ED-4DB2-BD59-A6C34878D82A}">
-                    <a16:rowId xmlns:a16="http://schemas.microsoft.com/office/drawing/2014/main" val="2194462629"/>
-                  </a:ext>
-                </a:extLst>
-              </a:tr>
-            </a:tbl>
-          </a:graphicData>
-        </a:graphic>
-      </p:graphicFrame>
-      <p:graphicFrame>
-        <p:nvGraphicFramePr>
-          <p:cNvPr id="32" name="Table 31">
-            <a:extLst>
-              <a:ext uri="{FF2B5EF4-FFF2-40B4-BE49-F238E27FC236}">
-                <a16:creationId xmlns:a16="http://schemas.microsoft.com/office/drawing/2014/main" id="{F545FAB8-F1CE-4886-9BDE-E772BCB0A9C4}"/>
-              </a:ext>
-            </a:extLst>
-          </p:cNvPr>
-          <p:cNvGraphicFramePr>
-            <a:graphicFrameLocks noGrp="1"/>
-          </p:cNvGraphicFramePr>
-          <p:nvPr>
-            <p:extLst>
-              <p:ext uri="{D42A27DB-BD31-4B8C-83A1-F6EECF244321}">
-                <p14:modId xmlns:p14="http://schemas.microsoft.com/office/powerpoint/2010/main" val="4076322253"/>
-              </p:ext>
-            </p:extLst>
-          </p:nvPr>
-        </p:nvGraphicFramePr>
-        <p:xfrm>
-          <a:off x="2440458" y="3919947"/>
-          <a:ext cx="1825824" cy="417888"/>
-        </p:xfrm>
-        <a:graphic>
-          <a:graphicData uri="http://schemas.openxmlformats.org/drawingml/2006/table">
-            <a:tbl>
-              <a:tblPr>
-                <a:tableStyleId>{638B1855-1B75-4FBE-930C-398BA8C253C6}</a:tableStyleId>
-              </a:tblPr>
-              <a:tblGrid>
-                <a:gridCol w="1825824">
-                  <a:extLst>
-                    <a:ext uri="{9D8B030D-6E8A-4147-A177-3AD203B41FA5}">
-                      <a16:colId xmlns:a16="http://schemas.microsoft.com/office/drawing/2014/main" val="4240773277"/>
-                    </a:ext>
-                  </a:extLst>
-                </a:gridCol>
-              </a:tblGrid>
-              <a:tr h="417888">
-                <a:tc>
-                  <a:txBody>
-                    <a:bodyPr/>
-                    <a:lstStyle/>
-                    <a:p>
-                      <a:r>
-                        <a:rPr lang="en-SG" u="sng" dirty="0"/>
-                        <a:t>ab1:</a:t>
-                      </a:r>
-                      <a:r>
-                        <a:rPr lang="en-SG" sz="1800" u="sng" dirty="0"/>
-                        <a:t>AddressBook</a:t>
-                      </a:r>
-                      <a:endParaRPr lang="en-SG" u="sng" dirty="0"/>
-                    </a:p>
-                  </a:txBody>
-                  <a:tcPr/>
-                </a:tc>
-                <a:extLst>
-                  <a:ext uri="{0D108BD9-81ED-4DB2-BD59-A6C34878D82A}">
-                    <a16:rowId xmlns:a16="http://schemas.microsoft.com/office/drawing/2014/main" val="2194462629"/>
-                  </a:ext>
-                </a:extLst>
-              </a:tr>
-            </a:tbl>
-          </a:graphicData>
-        </a:graphic>
-      </p:graphicFrame>
-      <p:graphicFrame>
-        <p:nvGraphicFramePr>
-          <p:cNvPr id="33" name="Table 32">
-            <a:extLst>
-              <a:ext uri="{FF2B5EF4-FFF2-40B4-BE49-F238E27FC236}">
-                <a16:creationId xmlns:a16="http://schemas.microsoft.com/office/drawing/2014/main" id="{F545FAB8-F1CE-4886-9BDE-E772BCB0A9C4}"/>
-              </a:ext>
-            </a:extLst>
-          </p:cNvPr>
-          <p:cNvGraphicFramePr>
-            <a:graphicFrameLocks noGrp="1"/>
-          </p:cNvGraphicFramePr>
-          <p:nvPr>
-            <p:extLst>
-              <p:ext uri="{D42A27DB-BD31-4B8C-83A1-F6EECF244321}">
-                <p14:modId xmlns:p14="http://schemas.microsoft.com/office/powerpoint/2010/main" val="53411958"/>
-              </p:ext>
-            </p:extLst>
-          </p:nvPr>
-        </p:nvGraphicFramePr>
-        <p:xfrm>
-          <a:off x="4409785" y="3919947"/>
-          <a:ext cx="1825824" cy="417888"/>
-        </p:xfrm>
-        <a:graphic>
-          <a:graphicData uri="http://schemas.openxmlformats.org/drawingml/2006/table">
-            <a:tbl>
-              <a:tblPr>
-                <a:tableStyleId>{638B1855-1B75-4FBE-930C-398BA8C253C6}</a:tableStyleId>
-              </a:tblPr>
-              <a:tblGrid>
-                <a:gridCol w="1825824">
-                  <a:extLst>
-                    <a:ext uri="{9D8B030D-6E8A-4147-A177-3AD203B41FA5}">
-                      <a16:colId xmlns:a16="http://schemas.microsoft.com/office/drawing/2014/main" val="4240773277"/>
-                    </a:ext>
-                  </a:extLst>
-                </a:gridCol>
-              </a:tblGrid>
-              <a:tr h="417888">
-                <a:tc>
-                  <a:txBody>
-                    <a:bodyPr/>
-                    <a:lstStyle/>
-                    <a:p>
-                      <a:r>
-                        <a:rPr lang="en-SG" u="sng" dirty="0"/>
-                        <a:t>ab3:</a:t>
-                      </a:r>
-                      <a:r>
-                        <a:rPr lang="en-SG" sz="1800" u="sng" dirty="0"/>
-                        <a:t>AddressBook</a:t>
-                      </a:r>
-                      <a:endParaRPr lang="en-SG" u="sng" dirty="0"/>
-                    </a:p>
-                  </a:txBody>
-                  <a:tcPr/>
-                </a:tc>
-                <a:extLst>
-                  <a:ext uri="{0D108BD9-81ED-4DB2-BD59-A6C34878D82A}">
-                    <a16:rowId xmlns:a16="http://schemas.microsoft.com/office/drawing/2014/main" val="2194462629"/>
-                  </a:ext>
-                </a:extLst>
-              </a:tr>
-            </a:tbl>
-          </a:graphicData>
-        </a:graphic>
-      </p:graphicFrame>
       <p:cxnSp>
         <p:nvCxnSpPr>
           <p:cNvPr id="18" name="Straight Arrow Connector 17">
@@ -4136,6 +3708,414 @@
           </a:fontRef>
         </p:style>
       </p:cxnSp>
+      <p:graphicFrame>
+        <p:nvGraphicFramePr>
+          <p:cNvPr id="20" name="Table 19">
+            <a:extLst>
+              <a:ext uri="{FF2B5EF4-FFF2-40B4-BE49-F238E27FC236}">
+                <a16:creationId xmlns:a16="http://schemas.microsoft.com/office/drawing/2014/main" id="{FFF32B7A-E33F-407B-9281-E87515D5A603}"/>
+              </a:ext>
+            </a:extLst>
+          </p:cNvPr>
+          <p:cNvGraphicFramePr>
+            <a:graphicFrameLocks noGrp="1"/>
+          </p:cNvGraphicFramePr>
+          <p:nvPr>
+            <p:extLst>
+              <p:ext uri="{D42A27DB-BD31-4B8C-83A1-F6EECF244321}">
+                <p14:modId xmlns:p14="http://schemas.microsoft.com/office/powerpoint/2010/main" val="543971497"/>
+              </p:ext>
+            </p:extLst>
+          </p:nvPr>
+        </p:nvGraphicFramePr>
+        <p:xfrm>
+          <a:off x="473239" y="1476102"/>
+          <a:ext cx="2543499" cy="417888"/>
+        </p:xfrm>
+        <a:graphic>
+          <a:graphicData uri="http://schemas.openxmlformats.org/drawingml/2006/table">
+            <a:tbl>
+              <a:tblPr>
+                <a:tableStyleId>{638B1855-1B75-4FBE-930C-398BA8C253C6}</a:tableStyleId>
+              </a:tblPr>
+              <a:tblGrid>
+                <a:gridCol w="2543499">
+                  <a:extLst>
+                    <a:ext uri="{9D8B030D-6E8A-4147-A177-3AD203B41FA5}">
+                      <a16:colId xmlns:a16="http://schemas.microsoft.com/office/drawing/2014/main" val="4240773277"/>
+                    </a:ext>
+                  </a:extLst>
+                </a:gridCol>
+              </a:tblGrid>
+              <a:tr h="417888">
+                <a:tc>
+                  <a:txBody>
+                    <a:bodyPr/>
+                    <a:lstStyle/>
+                    <a:p>
+                      <a:r>
+                        <a:rPr lang="en-SG" u="sng" dirty="0"/>
+                        <a:t>em0:</a:t>
+                      </a:r>
+                      <a:r>
+                        <a:rPr lang="en-SG" sz="1800" u="sng" dirty="0"/>
+                        <a:t>EquipmentManager</a:t>
+                      </a:r>
+                      <a:endParaRPr lang="en-SG" sz="1600" u="sng" dirty="0"/>
+                    </a:p>
+                  </a:txBody>
+                  <a:tcPr/>
+                </a:tc>
+                <a:extLst>
+                  <a:ext uri="{0D108BD9-81ED-4DB2-BD59-A6C34878D82A}">
+                    <a16:rowId xmlns:a16="http://schemas.microsoft.com/office/drawing/2014/main" val="2194462629"/>
+                  </a:ext>
+                </a:extLst>
+              </a:tr>
+            </a:tbl>
+          </a:graphicData>
+        </a:graphic>
+      </p:graphicFrame>
+      <p:graphicFrame>
+        <p:nvGraphicFramePr>
+          <p:cNvPr id="23" name="Table 22">
+            <a:extLst>
+              <a:ext uri="{FF2B5EF4-FFF2-40B4-BE49-F238E27FC236}">
+                <a16:creationId xmlns:a16="http://schemas.microsoft.com/office/drawing/2014/main" id="{04D3F843-5640-4DF4-AF35-62C0E554144B}"/>
+              </a:ext>
+            </a:extLst>
+          </p:cNvPr>
+          <p:cNvGraphicFramePr>
+            <a:graphicFrameLocks noGrp="1"/>
+          </p:cNvGraphicFramePr>
+          <p:nvPr>
+            <p:extLst>
+              <p:ext uri="{D42A27DB-BD31-4B8C-83A1-F6EECF244321}">
+                <p14:modId xmlns:p14="http://schemas.microsoft.com/office/powerpoint/2010/main" val="2244696339"/>
+              </p:ext>
+            </p:extLst>
+          </p:nvPr>
+        </p:nvGraphicFramePr>
+        <p:xfrm>
+          <a:off x="3125180" y="1469584"/>
+          <a:ext cx="2543499" cy="417888"/>
+        </p:xfrm>
+        <a:graphic>
+          <a:graphicData uri="http://schemas.openxmlformats.org/drawingml/2006/table">
+            <a:tbl>
+              <a:tblPr>
+                <a:tableStyleId>{638B1855-1B75-4FBE-930C-398BA8C253C6}</a:tableStyleId>
+              </a:tblPr>
+              <a:tblGrid>
+                <a:gridCol w="2543499">
+                  <a:extLst>
+                    <a:ext uri="{9D8B030D-6E8A-4147-A177-3AD203B41FA5}">
+                      <a16:colId xmlns:a16="http://schemas.microsoft.com/office/drawing/2014/main" val="4240773277"/>
+                    </a:ext>
+                  </a:extLst>
+                </a:gridCol>
+              </a:tblGrid>
+              <a:tr h="417888">
+                <a:tc>
+                  <a:txBody>
+                    <a:bodyPr/>
+                    <a:lstStyle/>
+                    <a:p>
+                      <a:r>
+                        <a:rPr lang="en-SG" u="sng" dirty="0"/>
+                        <a:t>em1:</a:t>
+                      </a:r>
+                      <a:r>
+                        <a:rPr lang="en-SG" sz="1800" u="sng" dirty="0"/>
+                        <a:t>EquipmentManager</a:t>
+                      </a:r>
+                      <a:endParaRPr lang="en-SG" sz="1600" u="sng" dirty="0"/>
+                    </a:p>
+                  </a:txBody>
+                  <a:tcPr/>
+                </a:tc>
+                <a:extLst>
+                  <a:ext uri="{0D108BD9-81ED-4DB2-BD59-A6C34878D82A}">
+                    <a16:rowId xmlns:a16="http://schemas.microsoft.com/office/drawing/2014/main" val="2194462629"/>
+                  </a:ext>
+                </a:extLst>
+              </a:tr>
+            </a:tbl>
+          </a:graphicData>
+        </a:graphic>
+      </p:graphicFrame>
+      <p:graphicFrame>
+        <p:nvGraphicFramePr>
+          <p:cNvPr id="24" name="Table 23">
+            <a:extLst>
+              <a:ext uri="{FF2B5EF4-FFF2-40B4-BE49-F238E27FC236}">
+                <a16:creationId xmlns:a16="http://schemas.microsoft.com/office/drawing/2014/main" id="{E1E15AAC-9B28-4F06-B113-233509AE4B61}"/>
+              </a:ext>
+            </a:extLst>
+          </p:cNvPr>
+          <p:cNvGraphicFramePr>
+            <a:graphicFrameLocks noGrp="1"/>
+          </p:cNvGraphicFramePr>
+          <p:nvPr>
+            <p:extLst>
+              <p:ext uri="{D42A27DB-BD31-4B8C-83A1-F6EECF244321}">
+                <p14:modId xmlns:p14="http://schemas.microsoft.com/office/powerpoint/2010/main" val="2646793609"/>
+              </p:ext>
+            </p:extLst>
+          </p:nvPr>
+        </p:nvGraphicFramePr>
+        <p:xfrm>
+          <a:off x="473239" y="3913796"/>
+          <a:ext cx="2543499" cy="417888"/>
+        </p:xfrm>
+        <a:graphic>
+          <a:graphicData uri="http://schemas.openxmlformats.org/drawingml/2006/table">
+            <a:tbl>
+              <a:tblPr>
+                <a:tableStyleId>{638B1855-1B75-4FBE-930C-398BA8C253C6}</a:tableStyleId>
+              </a:tblPr>
+              <a:tblGrid>
+                <a:gridCol w="2543499">
+                  <a:extLst>
+                    <a:ext uri="{9D8B030D-6E8A-4147-A177-3AD203B41FA5}">
+                      <a16:colId xmlns:a16="http://schemas.microsoft.com/office/drawing/2014/main" val="4240773277"/>
+                    </a:ext>
+                  </a:extLst>
+                </a:gridCol>
+              </a:tblGrid>
+              <a:tr h="417888">
+                <a:tc>
+                  <a:txBody>
+                    <a:bodyPr/>
+                    <a:lstStyle/>
+                    <a:p>
+                      <a:r>
+                        <a:rPr lang="en-SG" u="sng" dirty="0"/>
+                        <a:t>em0:</a:t>
+                      </a:r>
+                      <a:r>
+                        <a:rPr lang="en-SG" sz="1800" u="sng" dirty="0"/>
+                        <a:t>EquipmentManager</a:t>
+                      </a:r>
+                      <a:endParaRPr lang="en-SG" sz="1600" u="sng" dirty="0"/>
+                    </a:p>
+                  </a:txBody>
+                  <a:tcPr/>
+                </a:tc>
+                <a:extLst>
+                  <a:ext uri="{0D108BD9-81ED-4DB2-BD59-A6C34878D82A}">
+                    <a16:rowId xmlns:a16="http://schemas.microsoft.com/office/drawing/2014/main" val="2194462629"/>
+                  </a:ext>
+                </a:extLst>
+              </a:tr>
+            </a:tbl>
+          </a:graphicData>
+        </a:graphic>
+      </p:graphicFrame>
+      <p:graphicFrame>
+        <p:nvGraphicFramePr>
+          <p:cNvPr id="26" name="Table 25">
+            <a:extLst>
+              <a:ext uri="{FF2B5EF4-FFF2-40B4-BE49-F238E27FC236}">
+                <a16:creationId xmlns:a16="http://schemas.microsoft.com/office/drawing/2014/main" id="{65685C5A-431F-4A9B-93B6-7EABC48B310F}"/>
+              </a:ext>
+            </a:extLst>
+          </p:cNvPr>
+          <p:cNvGraphicFramePr>
+            <a:graphicFrameLocks noGrp="1"/>
+          </p:cNvGraphicFramePr>
+          <p:nvPr>
+            <p:extLst>
+              <p:ext uri="{D42A27DB-BD31-4B8C-83A1-F6EECF244321}">
+                <p14:modId xmlns:p14="http://schemas.microsoft.com/office/powerpoint/2010/main" val="1502432731"/>
+              </p:ext>
+            </p:extLst>
+          </p:nvPr>
+        </p:nvGraphicFramePr>
+        <p:xfrm>
+          <a:off x="3125180" y="3915093"/>
+          <a:ext cx="2543499" cy="417888"/>
+        </p:xfrm>
+        <a:graphic>
+          <a:graphicData uri="http://schemas.openxmlformats.org/drawingml/2006/table">
+            <a:tbl>
+              <a:tblPr>
+                <a:tableStyleId>{638B1855-1B75-4FBE-930C-398BA8C253C6}</a:tableStyleId>
+              </a:tblPr>
+              <a:tblGrid>
+                <a:gridCol w="2543499">
+                  <a:extLst>
+                    <a:ext uri="{9D8B030D-6E8A-4147-A177-3AD203B41FA5}">
+                      <a16:colId xmlns:a16="http://schemas.microsoft.com/office/drawing/2014/main" val="4240773277"/>
+                    </a:ext>
+                  </a:extLst>
+                </a:gridCol>
+              </a:tblGrid>
+              <a:tr h="417888">
+                <a:tc>
+                  <a:txBody>
+                    <a:bodyPr/>
+                    <a:lstStyle/>
+                    <a:p>
+                      <a:r>
+                        <a:rPr lang="en-SG" u="sng" dirty="0"/>
+                        <a:t>em1:</a:t>
+                      </a:r>
+                      <a:r>
+                        <a:rPr lang="en-SG" sz="1800" u="sng" dirty="0"/>
+                        <a:t>EquipmentManager</a:t>
+                      </a:r>
+                      <a:endParaRPr lang="en-SG" sz="1600" u="sng" dirty="0"/>
+                    </a:p>
+                  </a:txBody>
+                  <a:tcPr/>
+                </a:tc>
+                <a:extLst>
+                  <a:ext uri="{0D108BD9-81ED-4DB2-BD59-A6C34878D82A}">
+                    <a16:rowId xmlns:a16="http://schemas.microsoft.com/office/drawing/2014/main" val="2194462629"/>
+                  </a:ext>
+                </a:extLst>
+              </a:tr>
+            </a:tbl>
+          </a:graphicData>
+        </a:graphic>
+      </p:graphicFrame>
+      <p:graphicFrame>
+        <p:nvGraphicFramePr>
+          <p:cNvPr id="27" name="Table 26">
+            <a:extLst>
+              <a:ext uri="{FF2B5EF4-FFF2-40B4-BE49-F238E27FC236}">
+                <a16:creationId xmlns:a16="http://schemas.microsoft.com/office/drawing/2014/main" id="{4F04E33A-BFDA-47BD-B0B8-ABDC9807C587}"/>
+              </a:ext>
+            </a:extLst>
+          </p:cNvPr>
+          <p:cNvGraphicFramePr>
+            <a:graphicFrameLocks noGrp="1"/>
+          </p:cNvGraphicFramePr>
+          <p:nvPr>
+            <p:extLst>
+              <p:ext uri="{D42A27DB-BD31-4B8C-83A1-F6EECF244321}">
+                <p14:modId xmlns:p14="http://schemas.microsoft.com/office/powerpoint/2010/main" val="3696301156"/>
+              </p:ext>
+            </p:extLst>
+          </p:nvPr>
+        </p:nvGraphicFramePr>
+        <p:xfrm>
+          <a:off x="5777119" y="1469584"/>
+          <a:ext cx="2543499" cy="417888"/>
+        </p:xfrm>
+        <a:graphic>
+          <a:graphicData uri="http://schemas.openxmlformats.org/drawingml/2006/table">
+            <a:tbl>
+              <a:tblPr>
+                <a:tableStyleId>{638B1855-1B75-4FBE-930C-398BA8C253C6}</a:tableStyleId>
+              </a:tblPr>
+              <a:tblGrid>
+                <a:gridCol w="2543499">
+                  <a:extLst>
+                    <a:ext uri="{9D8B030D-6E8A-4147-A177-3AD203B41FA5}">
+                      <a16:colId xmlns:a16="http://schemas.microsoft.com/office/drawing/2014/main" val="4240773277"/>
+                    </a:ext>
+                  </a:extLst>
+                </a:gridCol>
+              </a:tblGrid>
+              <a:tr h="417888">
+                <a:tc>
+                  <a:txBody>
+                    <a:bodyPr/>
+                    <a:lstStyle/>
+                    <a:p>
+                      <a:r>
+                        <a:rPr lang="en-SG" u="sng" dirty="0"/>
+                        <a:t>em2:</a:t>
+                      </a:r>
+                      <a:r>
+                        <a:rPr lang="en-SG" sz="1800" u="sng" dirty="0"/>
+                        <a:t>EquipmentManager</a:t>
+                      </a:r>
+                      <a:endParaRPr lang="en-SG" sz="1600" u="sng" dirty="0"/>
+                    </a:p>
+                  </a:txBody>
+                  <a:tcPr/>
+                </a:tc>
+                <a:extLst>
+                  <a:ext uri="{0D108BD9-81ED-4DB2-BD59-A6C34878D82A}">
+                    <a16:rowId xmlns:a16="http://schemas.microsoft.com/office/drawing/2014/main" val="2194462629"/>
+                  </a:ext>
+                </a:extLst>
+              </a:tr>
+            </a:tbl>
+          </a:graphicData>
+        </a:graphic>
+      </p:graphicFrame>
+      <p:graphicFrame>
+        <p:nvGraphicFramePr>
+          <p:cNvPr id="28" name="Table 27">
+            <a:extLst>
+              <a:ext uri="{FF2B5EF4-FFF2-40B4-BE49-F238E27FC236}">
+                <a16:creationId xmlns:a16="http://schemas.microsoft.com/office/drawing/2014/main" id="{CD3B1275-0020-4DE7-871E-810D25B78F2D}"/>
+              </a:ext>
+            </a:extLst>
+          </p:cNvPr>
+          <p:cNvGraphicFramePr>
+            <a:graphicFrameLocks noGrp="1"/>
+          </p:cNvGraphicFramePr>
+          <p:nvPr>
+            <p:extLst>
+              <p:ext uri="{D42A27DB-BD31-4B8C-83A1-F6EECF244321}">
+                <p14:modId xmlns:p14="http://schemas.microsoft.com/office/powerpoint/2010/main" val="1549541536"/>
+              </p:ext>
+            </p:extLst>
+          </p:nvPr>
+        </p:nvGraphicFramePr>
+        <p:xfrm>
+          <a:off x="5777120" y="3913796"/>
+          <a:ext cx="2543499" cy="417888"/>
+        </p:xfrm>
+        <a:graphic>
+          <a:graphicData uri="http://schemas.openxmlformats.org/drawingml/2006/table">
+            <a:tbl>
+              <a:tblPr>
+                <a:tableStyleId>{638B1855-1B75-4FBE-930C-398BA8C253C6}</a:tableStyleId>
+              </a:tblPr>
+              <a:tblGrid>
+                <a:gridCol w="2543499">
+                  <a:extLst>
+                    <a:ext uri="{9D8B030D-6E8A-4147-A177-3AD203B41FA5}">
+                      <a16:colId xmlns:a16="http://schemas.microsoft.com/office/drawing/2014/main" val="4240773277"/>
+                    </a:ext>
+                  </a:extLst>
+                </a:gridCol>
+              </a:tblGrid>
+              <a:tr h="417888">
+                <a:tc>
+                  <a:txBody>
+                    <a:bodyPr/>
+                    <a:lstStyle/>
+                    <a:p>
+                      <a:r>
+                        <a:rPr lang="en-SG" u="sng" dirty="0"/>
+                        <a:t>em3:</a:t>
+                      </a:r>
+                      <a:r>
+                        <a:rPr lang="en-SG" sz="1800" u="sng" dirty="0"/>
+                        <a:t>EquipmentManager</a:t>
+                      </a:r>
+                      <a:endParaRPr lang="en-SG" sz="1600" u="sng" dirty="0"/>
+                    </a:p>
+                  </a:txBody>
+                  <a:tcPr/>
+                </a:tc>
+                <a:extLst>
+                  <a:ext uri="{0D108BD9-81ED-4DB2-BD59-A6C34878D82A}">
+                    <a16:rowId xmlns:a16="http://schemas.microsoft.com/office/drawing/2014/main" val="2194462629"/>
+                  </a:ext>
+                </a:extLst>
+              </a:tr>
+            </a:tbl>
+          </a:graphicData>
+        </a:graphic>
+      </p:graphicFrame>
     </p:spTree>
     <p:extLst>
       <p:ext uri="{BB962C8B-B14F-4D97-AF65-F5344CB8AC3E}">
